--- a/Advanced_Robotics_Report_Presentation.pptx
+++ b/Advanced_Robotics_Report_Presentation.pptx
@@ -4,6 +4,9 @@
   <p:sldMasterIdLst>
     <p:sldMasterId id="2147483648" r:id="rId1"/>
   </p:sldMasterIdLst>
+  <p:notesMasterIdLst>
+    <p:notesMasterId r:id="rId25"/>
+  </p:notesMasterIdLst>
   <p:sldIdLst>
     <p:sldId id="256" r:id="rId2"/>
     <p:sldId id="273" r:id="rId3"/>
@@ -11,18 +14,23 @@
     <p:sldId id="268" r:id="rId5"/>
     <p:sldId id="272" r:id="rId6"/>
     <p:sldId id="258" r:id="rId7"/>
-    <p:sldId id="259" r:id="rId8"/>
-    <p:sldId id="269" r:id="rId9"/>
-    <p:sldId id="270" r:id="rId10"/>
-    <p:sldId id="271" r:id="rId11"/>
-    <p:sldId id="261" r:id="rId12"/>
-    <p:sldId id="263" r:id="rId13"/>
-    <p:sldId id="264" r:id="rId14"/>
-    <p:sldId id="265" r:id="rId15"/>
-    <p:sldId id="267" r:id="rId16"/>
-    <p:sldId id="262" r:id="rId17"/>
-    <p:sldId id="266" r:id="rId18"/>
-    <p:sldId id="260" r:id="rId19"/>
+    <p:sldId id="274" r:id="rId8"/>
+    <p:sldId id="259" r:id="rId9"/>
+    <p:sldId id="275" r:id="rId10"/>
+    <p:sldId id="269" r:id="rId11"/>
+    <p:sldId id="270" r:id="rId12"/>
+    <p:sldId id="271" r:id="rId13"/>
+    <p:sldId id="261" r:id="rId14"/>
+    <p:sldId id="263" r:id="rId15"/>
+    <p:sldId id="264" r:id="rId16"/>
+    <p:sldId id="265" r:id="rId17"/>
+    <p:sldId id="267" r:id="rId18"/>
+    <p:sldId id="278" r:id="rId19"/>
+    <p:sldId id="262" r:id="rId20"/>
+    <p:sldId id="266" r:id="rId21"/>
+    <p:sldId id="260" r:id="rId22"/>
+    <p:sldId id="276" r:id="rId23"/>
+    <p:sldId id="277" r:id="rId24"/>
   </p:sldIdLst>
   <p:sldSz cx="12192000" cy="6858000"/>
   <p:notesSz cx="6858000" cy="9144000"/>
@@ -132,7 +140,15 @@
 <file path=ppt/revisionInfo.xml><?xml version="1.0" encoding="utf-8"?>
 <p1510:revInfo xmlns:a="http://schemas.openxmlformats.org/drawingml/2006/main" xmlns:r="http://schemas.openxmlformats.org/officeDocument/2006/relationships" xmlns:p1510="http://schemas.microsoft.com/office/powerpoint/2015/10/main">
   <p1510:revLst>
-    <p1510:client id="{16873AFF-4746-408A-98CD-390BC65E0094}" v="207" dt="2024-04-05T18:28:18.746"/>
+    <p1510:client id="{16873AFF-4746-408A-98CD-390BC65E0094}" v="59" dt="2024-04-08T15:03:56.753"/>
+    <p1510:client id="{21A9AED0-F6E0-ED77-7527-69AB24BE25FF}" v="6" dt="2024-04-08T11:29:42.341"/>
+    <p1510:client id="{8E553B16-FF58-E2CE-DEAB-2D0B033E9A90}" v="526" dt="2024-04-07T19:37:57.172"/>
+    <p1510:client id="{9AF6673E-2461-B093-772F-DC2AC79522A9}" v="30" dt="2024-04-08T15:36:38.382"/>
+    <p1510:client id="{A9E28DF4-9687-980D-A9DA-6940C6E804DD}" v="62" dt="2024-04-08T13:24:54.975"/>
+    <p1510:client id="{B8F4A936-3EC9-7A40-E3B3-D95093241524}" v="32" dt="2024-04-07T18:45:50.955"/>
+    <p1510:client id="{BB6A72E2-3FD2-A707-4D70-993A1CBD2A1F}" v="8" dt="2024-04-07T15:49:16.272"/>
+    <p1510:client id="{C97C7F44-C7C7-BF60-7A1A-A083CCEAD9EF}" v="12" dt="2024-04-07T18:41:24.234"/>
+    <p1510:client id="{FE53D3F6-C645-F0A3-3AB7-E4089454F1A5}" v="41" dt="2024-04-08T14:57:50.285"/>
   </p1510:revLst>
 </p1510:revInfo>
 </file>
@@ -140,41 +156,9 @@
 <file path=ppt/changesInfos/changesInfo1.xml><?xml version="1.0" encoding="utf-8"?>
 <pc:chgInfo xmlns:a="http://schemas.openxmlformats.org/drawingml/2006/main" xmlns:r="http://schemas.openxmlformats.org/officeDocument/2006/relationships" xmlns:ac="http://schemas.microsoft.com/office/drawing/2013/main/command" xmlns:pc="http://schemas.microsoft.com/office/powerpoint/2013/main/command">
   <pc:docChgLst>
-    <pc:chgData name="Zhenguan Tu" userId="S::k23018747@kcl.ac.uk::468d2d5b-a61a-4cd5-91eb-aefdd85c9c62" providerId="AD" clId="Web-{581415C7-589B-ECF3-583E-187CEF9CC53E}"/>
-    <pc:docChg chg="modSld">
-      <pc:chgData name="Zhenguan Tu" userId="S::k23018747@kcl.ac.uk::468d2d5b-a61a-4cd5-91eb-aefdd85c9c62" providerId="AD" clId="Web-{581415C7-589B-ECF3-583E-187CEF9CC53E}" dt="2024-04-05T10:49:51.273" v="3" actId="1076"/>
-      <pc:docMkLst>
-        <pc:docMk/>
-      </pc:docMkLst>
-      <pc:sldChg chg="modSp">
-        <pc:chgData name="Zhenguan Tu" userId="S::k23018747@kcl.ac.uk::468d2d5b-a61a-4cd5-91eb-aefdd85c9c62" providerId="AD" clId="Web-{581415C7-589B-ECF3-583E-187CEF9CC53E}" dt="2024-04-05T10:49:51.273" v="3" actId="1076"/>
-        <pc:sldMkLst>
-          <pc:docMk/>
-          <pc:sldMk cId="1628722627" sldId="261"/>
-        </pc:sldMkLst>
-        <pc:picChg chg="mod">
-          <ac:chgData name="Zhenguan Tu" userId="S::k23018747@kcl.ac.uk::468d2d5b-a61a-4cd5-91eb-aefdd85c9c62" providerId="AD" clId="Web-{581415C7-589B-ECF3-583E-187CEF9CC53E}" dt="2024-04-05T10:49:46.867" v="1" actId="1076"/>
-          <ac:picMkLst>
-            <pc:docMk/>
-            <pc:sldMk cId="1628722627" sldId="261"/>
-            <ac:picMk id="27" creationId="{A1FB0C55-B218-F5D9-A9F2-504618C136CC}"/>
-          </ac:picMkLst>
-        </pc:picChg>
-        <pc:picChg chg="mod">
-          <ac:chgData name="Zhenguan Tu" userId="S::k23018747@kcl.ac.uk::468d2d5b-a61a-4cd5-91eb-aefdd85c9c62" providerId="AD" clId="Web-{581415C7-589B-ECF3-583E-187CEF9CC53E}" dt="2024-04-05T10:49:51.273" v="3" actId="1076"/>
-          <ac:picMkLst>
-            <pc:docMk/>
-            <pc:sldMk cId="1628722627" sldId="261"/>
-            <ac:picMk id="30" creationId="{5B121E2C-3D6B-174E-3834-26EABA38FB60}"/>
-          </ac:picMkLst>
-        </pc:picChg>
-      </pc:sldChg>
-    </pc:docChg>
-  </pc:docChgLst>
-  <pc:docChgLst>
     <pc:chgData name="The Hung Dang" userId="96f00586-de2b-499d-b19c-69c4356b81d7" providerId="ADAL" clId="{16873AFF-4746-408A-98CD-390BC65E0094}"/>
     <pc:docChg chg="undo redo custSel addSld delSld modSld sldOrd">
-      <pc:chgData name="The Hung Dang" userId="96f00586-de2b-499d-b19c-69c4356b81d7" providerId="ADAL" clId="{16873AFF-4746-408A-98CD-390BC65E0094}" dt="2024-04-06T16:00:14.119" v="3087"/>
+      <pc:chgData name="The Hung Dang" userId="96f00586-de2b-499d-b19c-69c4356b81d7" providerId="ADAL" clId="{16873AFF-4746-408A-98CD-390BC65E0094}" dt="2024-04-08T15:03:56.753" v="4702" actId="478"/>
       <pc:docMkLst>
         <pc:docMk/>
       </pc:docMkLst>
@@ -225,7 +209,7 @@
         </pc:spChg>
       </pc:sldChg>
       <pc:sldChg chg="addSp delSp modSp mod setBg modClrScheme delDesignElem chgLayout">
-        <pc:chgData name="The Hung Dang" userId="96f00586-de2b-499d-b19c-69c4356b81d7" providerId="ADAL" clId="{16873AFF-4746-408A-98CD-390BC65E0094}" dt="2024-04-05T18:04:26.061" v="2483" actId="114"/>
+        <pc:chgData name="The Hung Dang" userId="96f00586-de2b-499d-b19c-69c4356b81d7" providerId="ADAL" clId="{16873AFF-4746-408A-98CD-390BC65E0094}" dt="2024-04-07T19:59:16.978" v="3242" actId="22"/>
         <pc:sldMkLst>
           <pc:docMk/>
           <pc:sldMk cId="1250005701" sldId="258"/>
@@ -246,6 +230,14 @@
             <ac:spMk id="3" creationId="{4C1562F5-F40D-64AA-F3C4-D351084A4C54}"/>
           </ac:spMkLst>
         </pc:spChg>
+        <pc:spChg chg="add del mod">
+          <ac:chgData name="The Hung Dang" userId="96f00586-de2b-499d-b19c-69c4356b81d7" providerId="ADAL" clId="{16873AFF-4746-408A-98CD-390BC65E0094}" dt="2024-04-07T19:59:16.978" v="3242" actId="22"/>
+          <ac:spMkLst>
+            <pc:docMk/>
+            <pc:sldMk cId="1250005701" sldId="258"/>
+            <ac:spMk id="5" creationId="{73F77F19-F6E2-4A88-AB9B-C1021048C215}"/>
+          </ac:spMkLst>
+        </pc:spChg>
         <pc:spChg chg="add mod ord">
           <ac:chgData name="The Hung Dang" userId="96f00586-de2b-499d-b19c-69c4356b81d7" providerId="ADAL" clId="{16873AFF-4746-408A-98CD-390BC65E0094}" dt="2024-04-05T18:04:24.658" v="2482" actId="113"/>
           <ac:spMkLst>
@@ -302,17 +294,33 @@
             <ac:picMk id="5" creationId="{DB90AAF9-2DE7-3083-5882-8C8F68CF5462}"/>
           </ac:picMkLst>
         </pc:picChg>
-        <pc:picChg chg="add mod">
-          <ac:chgData name="The Hung Dang" userId="96f00586-de2b-499d-b19c-69c4356b81d7" providerId="ADAL" clId="{16873AFF-4746-408A-98CD-390BC65E0094}" dt="2024-04-05T17:43:42.459" v="1684"/>
+        <pc:picChg chg="add del mod">
+          <ac:chgData name="The Hung Dang" userId="96f00586-de2b-499d-b19c-69c4356b81d7" providerId="ADAL" clId="{16873AFF-4746-408A-98CD-390BC65E0094}" dt="2024-04-07T19:59:12.655" v="3239" actId="478"/>
           <ac:picMkLst>
             <pc:docMk/>
             <pc:sldMk cId="1250005701" sldId="258"/>
             <ac:picMk id="9" creationId="{DB90AAF9-2DE7-3083-5882-8C8F68CF5462}"/>
           </ac:picMkLst>
         </pc:picChg>
+        <pc:picChg chg="add del">
+          <ac:chgData name="The Hung Dang" userId="96f00586-de2b-499d-b19c-69c4356b81d7" providerId="ADAL" clId="{16873AFF-4746-408A-98CD-390BC65E0094}" dt="2024-04-07T19:59:15.807" v="3241" actId="478"/>
+          <ac:picMkLst>
+            <pc:docMk/>
+            <pc:sldMk cId="1250005701" sldId="258"/>
+            <ac:picMk id="10" creationId="{7A5B0C50-7ECF-E1F1-C70C-D2C9E3680DB1}"/>
+          </ac:picMkLst>
+        </pc:picChg>
+        <pc:picChg chg="add mod ord">
+          <ac:chgData name="The Hung Dang" userId="96f00586-de2b-499d-b19c-69c4356b81d7" providerId="ADAL" clId="{16873AFF-4746-408A-98CD-390BC65E0094}" dt="2024-04-07T19:59:16.978" v="3242" actId="22"/>
+          <ac:picMkLst>
+            <pc:docMk/>
+            <pc:sldMk cId="1250005701" sldId="258"/>
+            <ac:picMk id="12" creationId="{F3CCF2C6-5E08-CD84-AEF1-4D119705D692}"/>
+          </ac:picMkLst>
+        </pc:picChg>
       </pc:sldChg>
-      <pc:sldChg chg="addSp delSp modSp mod">
-        <pc:chgData name="The Hung Dang" userId="96f00586-de2b-499d-b19c-69c4356b81d7" providerId="ADAL" clId="{16873AFF-4746-408A-98CD-390BC65E0094}" dt="2024-04-05T18:07:43.351" v="2605" actId="12"/>
+      <pc:sldChg chg="addSp delSp modSp mod ord">
+        <pc:chgData name="The Hung Dang" userId="96f00586-de2b-499d-b19c-69c4356b81d7" providerId="ADAL" clId="{16873AFF-4746-408A-98CD-390BC65E0094}" dt="2024-04-07T19:51:53.263" v="3098"/>
         <pc:sldMkLst>
           <pc:docMk/>
           <pc:sldMk cId="2120016859" sldId="259"/>
@@ -333,6 +341,14 @@
             <ac:spMk id="3" creationId="{4C1562F5-F40D-64AA-F3C4-D351084A4C54}"/>
           </ac:spMkLst>
         </pc:spChg>
+        <pc:spChg chg="add del mod">
+          <ac:chgData name="The Hung Dang" userId="96f00586-de2b-499d-b19c-69c4356b81d7" providerId="ADAL" clId="{16873AFF-4746-408A-98CD-390BC65E0094}" dt="2024-04-07T19:51:41.136" v="3091" actId="22"/>
+          <ac:spMkLst>
+            <pc:docMk/>
+            <pc:sldMk cId="2120016859" sldId="259"/>
+            <ac:spMk id="5" creationId="{7B7C2FB0-2693-B419-307F-8C84ACBCEEAC}"/>
+          </ac:spMkLst>
+        </pc:spChg>
         <pc:spChg chg="add mod">
           <ac:chgData name="The Hung Dang" userId="96f00586-de2b-499d-b19c-69c4356b81d7" providerId="ADAL" clId="{16873AFF-4746-408A-98CD-390BC65E0094}" dt="2024-04-05T18:07:43.351" v="2605" actId="12"/>
           <ac:spMkLst>
@@ -341,8 +357,8 @@
             <ac:spMk id="6" creationId="{613D2384-1D06-A55A-A0BF-9DF49C817B65}"/>
           </ac:spMkLst>
         </pc:spChg>
-        <pc:spChg chg="add mod">
-          <ac:chgData name="The Hung Dang" userId="96f00586-de2b-499d-b19c-69c4356b81d7" providerId="ADAL" clId="{16873AFF-4746-408A-98CD-390BC65E0094}" dt="2024-04-05T17:54:57.321" v="1917" actId="14100"/>
+        <pc:spChg chg="add del mod">
+          <ac:chgData name="The Hung Dang" userId="96f00586-de2b-499d-b19c-69c4356b81d7" providerId="ADAL" clId="{16873AFF-4746-408A-98CD-390BC65E0094}" dt="2024-04-07T19:51:46.604" v="3095" actId="478"/>
           <ac:spMkLst>
             <pc:docMk/>
             <pc:sldMk cId="2120016859" sldId="259"/>
@@ -381,55 +397,71 @@
             <ac:spMk id="11" creationId="{172788C9-372B-9F7C-EF52-74A4EC52B165}"/>
           </ac:spMkLst>
         </pc:spChg>
-        <pc:spChg chg="add mod">
-          <ac:chgData name="The Hung Dang" userId="96f00586-de2b-499d-b19c-69c4356b81d7" providerId="ADAL" clId="{16873AFF-4746-408A-98CD-390BC65E0094}" dt="2024-04-05T17:55:07.586" v="1923" actId="571"/>
+        <pc:spChg chg="add del mod">
+          <ac:chgData name="The Hung Dang" userId="96f00586-de2b-499d-b19c-69c4356b81d7" providerId="ADAL" clId="{16873AFF-4746-408A-98CD-390BC65E0094}" dt="2024-04-07T19:51:46.604" v="3095" actId="478"/>
           <ac:spMkLst>
             <pc:docMk/>
             <pc:sldMk cId="2120016859" sldId="259"/>
             <ac:spMk id="12" creationId="{E897883D-AAE9-81B3-86B6-32F1171B3A16}"/>
           </ac:spMkLst>
         </pc:spChg>
-        <pc:spChg chg="add mod">
-          <ac:chgData name="The Hung Dang" userId="96f00586-de2b-499d-b19c-69c4356b81d7" providerId="ADAL" clId="{16873AFF-4746-408A-98CD-390BC65E0094}" dt="2024-04-05T17:55:10.626" v="1924" actId="571"/>
+        <pc:spChg chg="add del mod">
+          <ac:chgData name="The Hung Dang" userId="96f00586-de2b-499d-b19c-69c4356b81d7" providerId="ADAL" clId="{16873AFF-4746-408A-98CD-390BC65E0094}" dt="2024-04-07T19:51:46.604" v="3095" actId="478"/>
           <ac:spMkLst>
             <pc:docMk/>
             <pc:sldMk cId="2120016859" sldId="259"/>
             <ac:spMk id="13" creationId="{4488CD5D-BD4C-FB80-2874-294C811C0139}"/>
           </ac:spMkLst>
         </pc:spChg>
-        <pc:spChg chg="add mod">
-          <ac:chgData name="The Hung Dang" userId="96f00586-de2b-499d-b19c-69c4356b81d7" providerId="ADAL" clId="{16873AFF-4746-408A-98CD-390BC65E0094}" dt="2024-04-05T17:55:13.373" v="1925" actId="571"/>
+        <pc:spChg chg="add del mod">
+          <ac:chgData name="The Hung Dang" userId="96f00586-de2b-499d-b19c-69c4356b81d7" providerId="ADAL" clId="{16873AFF-4746-408A-98CD-390BC65E0094}" dt="2024-04-07T19:51:46.604" v="3095" actId="478"/>
           <ac:spMkLst>
             <pc:docMk/>
             <pc:sldMk cId="2120016859" sldId="259"/>
             <ac:spMk id="14" creationId="{433677BB-999A-96C9-91F0-7ED5179490BA}"/>
           </ac:spMkLst>
         </pc:spChg>
-        <pc:spChg chg="add mod">
-          <ac:chgData name="The Hung Dang" userId="96f00586-de2b-499d-b19c-69c4356b81d7" providerId="ADAL" clId="{16873AFF-4746-408A-98CD-390BC65E0094}" dt="2024-04-05T17:55:15.547" v="1926" actId="571"/>
+        <pc:spChg chg="add del mod">
+          <ac:chgData name="The Hung Dang" userId="96f00586-de2b-499d-b19c-69c4356b81d7" providerId="ADAL" clId="{16873AFF-4746-408A-98CD-390BC65E0094}" dt="2024-04-07T19:51:46.604" v="3095" actId="478"/>
           <ac:spMkLst>
             <pc:docMk/>
             <pc:sldMk cId="2120016859" sldId="259"/>
             <ac:spMk id="15" creationId="{57564A5E-6F74-2A1F-BF71-DBC8CA1260FF}"/>
           </ac:spMkLst>
         </pc:spChg>
-        <pc:graphicFrameChg chg="add mod modGraphic">
-          <ac:chgData name="The Hung Dang" userId="96f00586-de2b-499d-b19c-69c4356b81d7" providerId="ADAL" clId="{16873AFF-4746-408A-98CD-390BC65E0094}" dt="2024-04-05T17:54:51.906" v="1916" actId="20577"/>
+        <pc:graphicFrameChg chg="add del mod modGraphic">
+          <ac:chgData name="The Hung Dang" userId="96f00586-de2b-499d-b19c-69c4356b81d7" providerId="ADAL" clId="{16873AFF-4746-408A-98CD-390BC65E0094}" dt="2024-04-07T19:51:38.634" v="3090" actId="478"/>
           <ac:graphicFrameMkLst>
             <pc:docMk/>
             <pc:sldMk cId="2120016859" sldId="259"/>
             <ac:graphicFrameMk id="4" creationId="{33F769DF-CAAB-CF2D-6093-7664F46143D8}"/>
           </ac:graphicFrameMkLst>
         </pc:graphicFrameChg>
+        <pc:picChg chg="add mod ord">
+          <ac:chgData name="The Hung Dang" userId="96f00586-de2b-499d-b19c-69c4356b81d7" providerId="ADAL" clId="{16873AFF-4746-408A-98CD-390BC65E0094}" dt="2024-04-07T19:51:50.664" v="3096" actId="1076"/>
+          <ac:picMkLst>
+            <pc:docMk/>
+            <pc:sldMk cId="2120016859" sldId="259"/>
+            <ac:picMk id="9" creationId="{57998F4F-862B-B2B8-E36F-836FFC183681}"/>
+          </ac:picMkLst>
+        </pc:picChg>
       </pc:sldChg>
       <pc:sldChg chg="addSp delSp modSp mod">
-        <pc:chgData name="The Hung Dang" userId="96f00586-de2b-499d-b19c-69c4356b81d7" providerId="ADAL" clId="{16873AFF-4746-408A-98CD-390BC65E0094}" dt="2024-04-05T18:27:28.558" v="3006" actId="20577"/>
+        <pc:chgData name="The Hung Dang" userId="96f00586-de2b-499d-b19c-69c4356b81d7" providerId="ADAL" clId="{16873AFF-4746-408A-98CD-390BC65E0094}" dt="2024-04-07T20:15:55.362" v="4169" actId="6549"/>
         <pc:sldMkLst>
           <pc:docMk/>
           <pc:sldMk cId="227910793" sldId="260"/>
         </pc:sldMkLst>
         <pc:spChg chg="mod">
-          <ac:chgData name="The Hung Dang" userId="96f00586-de2b-499d-b19c-69c4356b81d7" providerId="ADAL" clId="{16873AFF-4746-408A-98CD-390BC65E0094}" dt="2024-04-05T18:27:28.558" v="3006" actId="20577"/>
+          <ac:chgData name="The Hung Dang" userId="96f00586-de2b-499d-b19c-69c4356b81d7" providerId="ADAL" clId="{16873AFF-4746-408A-98CD-390BC65E0094}" dt="2024-04-07T20:13:07.188" v="3948" actId="20577"/>
+          <ac:spMkLst>
+            <pc:docMk/>
+            <pc:sldMk cId="227910793" sldId="260"/>
+            <ac:spMk id="2" creationId="{2C208E5E-48E6-40F4-6B82-9439A679E741}"/>
+          </ac:spMkLst>
+        </pc:spChg>
+        <pc:spChg chg="mod">
+          <ac:chgData name="The Hung Dang" userId="96f00586-de2b-499d-b19c-69c4356b81d7" providerId="ADAL" clId="{16873AFF-4746-408A-98CD-390BC65E0094}" dt="2024-04-07T20:15:55.362" v="4169" actId="6549"/>
           <ac:spMkLst>
             <pc:docMk/>
             <pc:sldMk cId="227910793" sldId="260"/>
@@ -605,7 +637,7 @@
         </pc:picChg>
       </pc:sldChg>
       <pc:sldChg chg="addSp delSp modSp add mod ord setBg">
-        <pc:chgData name="The Hung Dang" userId="96f00586-de2b-499d-b19c-69c4356b81d7" providerId="ADAL" clId="{16873AFF-4746-408A-98CD-390BC65E0094}" dt="2024-04-05T18:10:37.572" v="2720"/>
+        <pc:chgData name="The Hung Dang" userId="96f00586-de2b-499d-b19c-69c4356b81d7" providerId="ADAL" clId="{16873AFF-4746-408A-98CD-390BC65E0094}" dt="2024-04-08T15:03:56.753" v="4702" actId="478"/>
         <pc:sldMkLst>
           <pc:docMk/>
           <pc:sldMk cId="1442726308" sldId="262"/>
@@ -619,7 +651,7 @@
           </ac:spMkLst>
         </pc:spChg>
         <pc:spChg chg="mod">
-          <ac:chgData name="The Hung Dang" userId="96f00586-de2b-499d-b19c-69c4356b81d7" providerId="ADAL" clId="{16873AFF-4746-408A-98CD-390BC65E0094}" dt="2024-04-04T16:48:51.221" v="776" actId="20577"/>
+          <ac:chgData name="The Hung Dang" userId="96f00586-de2b-499d-b19c-69c4356b81d7" providerId="ADAL" clId="{16873AFF-4746-408A-98CD-390BC65E0094}" dt="2024-04-08T12:53:07.174" v="4697" actId="20577"/>
           <ac:spMkLst>
             <pc:docMk/>
             <pc:sldMk cId="1442726308" sldId="262"/>
@@ -682,8 +714,8 @@
             <ac:spMk id="19" creationId="{71877DBC-BB60-40F0-AC93-2ACDBAAE60CE}"/>
           </ac:spMkLst>
         </pc:spChg>
-        <pc:picChg chg="add mod ord">
-          <ac:chgData name="The Hung Dang" userId="96f00586-de2b-499d-b19c-69c4356b81d7" providerId="ADAL" clId="{16873AFF-4746-408A-98CD-390BC65E0094}" dt="2024-04-04T16:46:21.152" v="664" actId="26606"/>
+        <pc:picChg chg="add mod ord modCrop">
+          <ac:chgData name="The Hung Dang" userId="96f00586-de2b-499d-b19c-69c4356b81d7" providerId="ADAL" clId="{16873AFF-4746-408A-98CD-390BC65E0094}" dt="2024-04-07T20:05:08.729" v="3302" actId="14100"/>
           <ac:picMkLst>
             <pc:docMk/>
             <pc:sldMk cId="1442726308" sldId="262"/>
@@ -696,6 +728,30 @@
             <pc:docMk/>
             <pc:sldMk cId="1442726308" sldId="262"/>
             <ac:picMk id="6" creationId="{81F49876-75BB-99CC-AEE7-356AD9FF8C31}"/>
+          </ac:picMkLst>
+        </pc:picChg>
+        <pc:picChg chg="add del mod modCrop">
+          <ac:chgData name="The Hung Dang" userId="96f00586-de2b-499d-b19c-69c4356b81d7" providerId="ADAL" clId="{16873AFF-4746-408A-98CD-390BC65E0094}" dt="2024-04-08T15:03:56.753" v="4702" actId="478"/>
+          <ac:picMkLst>
+            <pc:docMk/>
+            <pc:sldMk cId="1442726308" sldId="262"/>
+            <ac:picMk id="7" creationId="{342CD182-4DA2-3AD4-5D68-558A6FC27BBE}"/>
+          </ac:picMkLst>
+        </pc:picChg>
+        <pc:picChg chg="add del mod">
+          <ac:chgData name="The Hung Dang" userId="96f00586-de2b-499d-b19c-69c4356b81d7" providerId="ADAL" clId="{16873AFF-4746-408A-98CD-390BC65E0094}" dt="2024-04-07T20:04:57.919" v="3296" actId="478"/>
+          <ac:picMkLst>
+            <pc:docMk/>
+            <pc:sldMk cId="1442726308" sldId="262"/>
+            <ac:picMk id="7" creationId="{CE62A5FA-3771-FDC9-BE88-5CF77B0BE3AB}"/>
+          </ac:picMkLst>
+        </pc:picChg>
+        <pc:picChg chg="add mod">
+          <ac:chgData name="The Hung Dang" userId="96f00586-de2b-499d-b19c-69c4356b81d7" providerId="ADAL" clId="{16873AFF-4746-408A-98CD-390BC65E0094}" dt="2024-04-07T20:05:11.369" v="3303" actId="1076"/>
+          <ac:picMkLst>
+            <pc:docMk/>
+            <pc:sldMk cId="1442726308" sldId="262"/>
+            <ac:picMk id="9" creationId="{D924726E-730A-5DF2-A125-3F05E47F4121}"/>
           </ac:picMkLst>
         </pc:picChg>
       </pc:sldChg>
@@ -1015,8 +1071,8 @@
           </ac:picMkLst>
         </pc:picChg>
       </pc:sldChg>
-      <pc:sldChg chg="delSp modSp add mod">
-        <pc:chgData name="The Hung Dang" userId="96f00586-de2b-499d-b19c-69c4356b81d7" providerId="ADAL" clId="{16873AFF-4746-408A-98CD-390BC65E0094}" dt="2024-04-05T18:11:33.216" v="2785" actId="20577"/>
+      <pc:sldChg chg="addSp delSp modSp add mod">
+        <pc:chgData name="The Hung Dang" userId="96f00586-de2b-499d-b19c-69c4356b81d7" providerId="ADAL" clId="{16873AFF-4746-408A-98CD-390BC65E0094}" dt="2024-04-07T20:09:09.090" v="3648" actId="20577"/>
         <pc:sldMkLst>
           <pc:docMk/>
           <pc:sldMk cId="1695058687" sldId="266"/>
@@ -1030,7 +1086,7 @@
           </ac:spMkLst>
         </pc:spChg>
         <pc:spChg chg="mod">
-          <ac:chgData name="The Hung Dang" userId="96f00586-de2b-499d-b19c-69c4356b81d7" providerId="ADAL" clId="{16873AFF-4746-408A-98CD-390BC65E0094}" dt="2024-04-05T18:11:33.216" v="2785" actId="20577"/>
+          <ac:chgData name="The Hung Dang" userId="96f00586-de2b-499d-b19c-69c4356b81d7" providerId="ADAL" clId="{16873AFF-4746-408A-98CD-390BC65E0094}" dt="2024-04-07T20:09:09.090" v="3648" actId="20577"/>
           <ac:spMkLst>
             <pc:docMk/>
             <pc:sldMk cId="1695058687" sldId="266"/>
@@ -1045,6 +1101,14 @@
             <ac:picMk id="5" creationId="{54AB4451-31AD-663A-2420-C9CDC8DDD9B3}"/>
           </ac:picMkLst>
         </pc:picChg>
+        <pc:picChg chg="add mod">
+          <ac:chgData name="The Hung Dang" userId="96f00586-de2b-499d-b19c-69c4356b81d7" providerId="ADAL" clId="{16873AFF-4746-408A-98CD-390BC65E0094}" dt="2024-04-07T20:07:32" v="3498" actId="1076"/>
+          <ac:picMkLst>
+            <pc:docMk/>
+            <pc:sldMk cId="1695058687" sldId="266"/>
+            <ac:picMk id="5" creationId="{D95EEDBE-6B61-1B2D-9A68-F45986A071D0}"/>
+          </ac:picMkLst>
+        </pc:picChg>
         <pc:picChg chg="del">
           <ac:chgData name="The Hung Dang" userId="96f00586-de2b-499d-b19c-69c4356b81d7" providerId="ADAL" clId="{16873AFF-4746-408A-98CD-390BC65E0094}" dt="2024-04-04T16:53:33.062" v="986" actId="478"/>
           <ac:picMkLst>
@@ -1054,14 +1118,14 @@
           </ac:picMkLst>
         </pc:picChg>
       </pc:sldChg>
-      <pc:sldChg chg="addSp delSp modSp add mod">
-        <pc:chgData name="The Hung Dang" userId="96f00586-de2b-499d-b19c-69c4356b81d7" providerId="ADAL" clId="{16873AFF-4746-408A-98CD-390BC65E0094}" dt="2024-04-05T18:10:44.459" v="2734" actId="20577"/>
+      <pc:sldChg chg="addSp delSp modSp add mod modClrScheme delDesignElem chgLayout">
+        <pc:chgData name="The Hung Dang" userId="96f00586-de2b-499d-b19c-69c4356b81d7" providerId="ADAL" clId="{16873AFF-4746-408A-98CD-390BC65E0094}" dt="2024-04-07T20:33:39.552" v="4655" actId="1076"/>
         <pc:sldMkLst>
           <pc:docMk/>
           <pc:sldMk cId="2879788175" sldId="267"/>
         </pc:sldMkLst>
-        <pc:spChg chg="mod">
-          <ac:chgData name="The Hung Dang" userId="96f00586-de2b-499d-b19c-69c4356b81d7" providerId="ADAL" clId="{16873AFF-4746-408A-98CD-390BC65E0094}" dt="2024-04-05T18:10:44.459" v="2734" actId="20577"/>
+        <pc:spChg chg="mod ord">
+          <ac:chgData name="The Hung Dang" userId="96f00586-de2b-499d-b19c-69c4356b81d7" providerId="ADAL" clId="{16873AFF-4746-408A-98CD-390BC65E0094}" dt="2024-04-07T20:33:04.890" v="4615" actId="20577"/>
           <ac:spMkLst>
             <pc:docMk/>
             <pc:sldMk cId="2879788175" sldId="267"/>
@@ -1076,6 +1140,62 @@
             <ac:spMk id="3" creationId="{4C1562F5-F40D-64AA-F3C4-D351084A4C54}"/>
           </ac:spMkLst>
         </pc:spChg>
+        <pc:spChg chg="add mod ord">
+          <ac:chgData name="The Hung Dang" userId="96f00586-de2b-499d-b19c-69c4356b81d7" providerId="ADAL" clId="{16873AFF-4746-408A-98CD-390BC65E0094}" dt="2024-04-07T20:33:36.871" v="4654" actId="20577"/>
+          <ac:spMkLst>
+            <pc:docMk/>
+            <pc:sldMk cId="2879788175" sldId="267"/>
+            <ac:spMk id="4" creationId="{68F94B8A-B629-DD77-812B-1A557301C6EB}"/>
+          </ac:spMkLst>
+        </pc:spChg>
+        <pc:spChg chg="add mod ord">
+          <ac:chgData name="The Hung Dang" userId="96f00586-de2b-499d-b19c-69c4356b81d7" providerId="ADAL" clId="{16873AFF-4746-408A-98CD-390BC65E0094}" dt="2024-04-07T20:33:12.259" v="4616" actId="21"/>
+          <ac:spMkLst>
+            <pc:docMk/>
+            <pc:sldMk cId="2879788175" sldId="267"/>
+            <ac:spMk id="7" creationId="{2FE27FFC-F540-1492-4A28-600C8AACFB1F}"/>
+          </ac:spMkLst>
+        </pc:spChg>
+        <pc:spChg chg="del mod">
+          <ac:chgData name="The Hung Dang" userId="96f00586-de2b-499d-b19c-69c4356b81d7" providerId="ADAL" clId="{16873AFF-4746-408A-98CD-390BC65E0094}" dt="2024-04-07T20:26:49.635" v="4531" actId="478"/>
+          <ac:spMkLst>
+            <pc:docMk/>
+            <pc:sldMk cId="2879788175" sldId="267"/>
+            <ac:spMk id="13" creationId="{CF209E0D-14A3-38BE-03C0-F4A526C12B20}"/>
+          </ac:spMkLst>
+        </pc:spChg>
+        <pc:spChg chg="add del">
+          <ac:chgData name="The Hung Dang" userId="96f00586-de2b-499d-b19c-69c4356b81d7" providerId="ADAL" clId="{16873AFF-4746-408A-98CD-390BC65E0094}" dt="2024-04-07T20:26:38.463" v="4527" actId="26606"/>
+          <ac:spMkLst>
+            <pc:docMk/>
+            <pc:sldMk cId="2879788175" sldId="267"/>
+            <ac:spMk id="15" creationId="{924D84CD-5280-4B52-B96E-8EDAA2B20C51}"/>
+          </ac:spMkLst>
+        </pc:spChg>
+        <pc:spChg chg="del">
+          <ac:chgData name="The Hung Dang" userId="96f00586-de2b-499d-b19c-69c4356b81d7" providerId="ADAL" clId="{16873AFF-4746-408A-98CD-390BC65E0094}" dt="2024-04-07T20:26:25.047" v="4522" actId="700"/>
+          <ac:spMkLst>
+            <pc:docMk/>
+            <pc:sldMk cId="2879788175" sldId="267"/>
+            <ac:spMk id="18" creationId="{743AA782-23D1-4521-8CAD-47662984AA08}"/>
+          </ac:spMkLst>
+        </pc:spChg>
+        <pc:spChg chg="del">
+          <ac:chgData name="The Hung Dang" userId="96f00586-de2b-499d-b19c-69c4356b81d7" providerId="ADAL" clId="{16873AFF-4746-408A-98CD-390BC65E0094}" dt="2024-04-07T20:26:25.047" v="4522" actId="700"/>
+          <ac:spMkLst>
+            <pc:docMk/>
+            <pc:sldMk cId="2879788175" sldId="267"/>
+            <ac:spMk id="19" creationId="{71877DBC-BB60-40F0-AC93-2ACDBAAE60CE}"/>
+          </ac:spMkLst>
+        </pc:spChg>
+        <pc:spChg chg="add del">
+          <ac:chgData name="The Hung Dang" userId="96f00586-de2b-499d-b19c-69c4356b81d7" providerId="ADAL" clId="{16873AFF-4746-408A-98CD-390BC65E0094}" dt="2024-04-07T20:26:38.463" v="4527" actId="26606"/>
+          <ac:spMkLst>
+            <pc:docMk/>
+            <pc:sldMk cId="2879788175" sldId="267"/>
+            <ac:spMk id="20" creationId="{3E65D517-46E4-8037-A63D-629DE1253A89}"/>
+          </ac:spMkLst>
+        </pc:spChg>
         <pc:picChg chg="del">
           <ac:chgData name="The Hung Dang" userId="96f00586-de2b-499d-b19c-69c4356b81d7" providerId="ADAL" clId="{16873AFF-4746-408A-98CD-390BC65E0094}" dt="2024-04-05T11:44:18.089" v="1000" actId="478"/>
           <ac:picMkLst>
@@ -1092,6 +1212,14 @@
             <ac:picMk id="6" creationId="{81F49876-75BB-99CC-AEE7-356AD9FF8C31}"/>
           </ac:picMkLst>
         </pc:picChg>
+        <pc:picChg chg="add mod">
+          <ac:chgData name="The Hung Dang" userId="96f00586-de2b-499d-b19c-69c4356b81d7" providerId="ADAL" clId="{16873AFF-4746-408A-98CD-390BC65E0094}" dt="2024-04-07T20:33:39.552" v="4655" actId="1076"/>
+          <ac:picMkLst>
+            <pc:docMk/>
+            <pc:sldMk cId="2879788175" sldId="267"/>
+            <ac:picMk id="6" creationId="{B8AF642F-8982-2E8F-2A02-E6354E6FA17F}"/>
+          </ac:picMkLst>
+        </pc:picChg>
         <pc:picChg chg="add del mod">
           <ac:chgData name="The Hung Dang" userId="96f00586-de2b-499d-b19c-69c4356b81d7" providerId="ADAL" clId="{16873AFF-4746-408A-98CD-390BC65E0094}" dt="2024-04-05T11:46:26.892" v="1005" actId="478"/>
           <ac:picMkLst>
@@ -1100,12 +1228,28 @@
             <ac:picMk id="7" creationId="{20B87175-B0A7-4304-1446-2BAA1E3B64B4}"/>
           </ac:picMkLst>
         </pc:picChg>
-        <pc:picChg chg="add mod">
-          <ac:chgData name="The Hung Dang" userId="96f00586-de2b-499d-b19c-69c4356b81d7" providerId="ADAL" clId="{16873AFF-4746-408A-98CD-390BC65E0094}" dt="2024-04-05T11:46:32.435" v="1008" actId="1076"/>
+        <pc:picChg chg="add del mod">
+          <ac:chgData name="The Hung Dang" userId="96f00586-de2b-499d-b19c-69c4356b81d7" providerId="ADAL" clId="{16873AFF-4746-408A-98CD-390BC65E0094}" dt="2024-04-07T20:24:59.706" v="4515" actId="478"/>
           <ac:picMkLst>
             <pc:docMk/>
             <pc:sldMk cId="2879788175" sldId="267"/>
             <ac:picMk id="9" creationId="{2E33A05D-8FDC-3E67-32A5-1C6C0A7290CC}"/>
+          </ac:picMkLst>
+        </pc:picChg>
+        <pc:picChg chg="add mod">
+          <ac:chgData name="The Hung Dang" userId="96f00586-de2b-499d-b19c-69c4356b81d7" providerId="ADAL" clId="{16873AFF-4746-408A-98CD-390BC65E0094}" dt="2024-04-07T20:33:35.130" v="4653" actId="1076"/>
+          <ac:picMkLst>
+            <pc:docMk/>
+            <pc:sldMk cId="2879788175" sldId="267"/>
+            <ac:picMk id="10" creationId="{1153A57E-0322-03E9-FEE4-AADEBCDF4D17}"/>
+          </ac:picMkLst>
+        </pc:picChg>
+        <pc:picChg chg="del">
+          <ac:chgData name="The Hung Dang" userId="96f00586-de2b-499d-b19c-69c4356b81d7" providerId="ADAL" clId="{16873AFF-4746-408A-98CD-390BC65E0094}" dt="2024-04-07T20:24:05.967" v="4451" actId="478"/>
+          <ac:picMkLst>
+            <pc:docMk/>
+            <pc:sldMk cId="2879788175" sldId="267"/>
+            <ac:picMk id="12" creationId="{5BB84CBE-4E0E-798C-B26A-BE0767116A4D}"/>
           </ac:picMkLst>
         </pc:picChg>
       </pc:sldChg>
@@ -1230,6 +1374,1374 @@
             <ac:spMk id="2" creationId="{2C208E5E-48E6-40F4-6B82-9439A679E741}"/>
           </ac:spMkLst>
         </pc:spChg>
+      </pc:sldChg>
+      <pc:sldChg chg="addSp delSp modSp mod modShow">
+        <pc:chgData name="The Hung Dang" userId="96f00586-de2b-499d-b19c-69c4356b81d7" providerId="ADAL" clId="{16873AFF-4746-408A-98CD-390BC65E0094}" dt="2024-04-07T19:59:33.737" v="3243" actId="729"/>
+        <pc:sldMkLst>
+          <pc:docMk/>
+          <pc:sldMk cId="3796892622" sldId="274"/>
+        </pc:sldMkLst>
+        <pc:spChg chg="mod">
+          <ac:chgData name="The Hung Dang" userId="96f00586-de2b-499d-b19c-69c4356b81d7" providerId="ADAL" clId="{16873AFF-4746-408A-98CD-390BC65E0094}" dt="2024-04-07T19:53:29.536" v="3146" actId="14100"/>
+          <ac:spMkLst>
+            <pc:docMk/>
+            <pc:sldMk cId="3796892622" sldId="274"/>
+            <ac:spMk id="6" creationId="{482DCE50-5988-210A-C54D-5CFC2F2320B4}"/>
+          </ac:spMkLst>
+        </pc:spChg>
+        <pc:spChg chg="del mod">
+          <ac:chgData name="The Hung Dang" userId="96f00586-de2b-499d-b19c-69c4356b81d7" providerId="ADAL" clId="{16873AFF-4746-408A-98CD-390BC65E0094}" dt="2024-04-07T19:57:19.889" v="3215" actId="478"/>
+          <ac:spMkLst>
+            <pc:docMk/>
+            <pc:sldMk cId="3796892622" sldId="274"/>
+            <ac:spMk id="8" creationId="{25587B87-27B2-DE4F-7796-CDB7AB32C353}"/>
+          </ac:spMkLst>
+        </pc:spChg>
+        <pc:spChg chg="del">
+          <ac:chgData name="The Hung Dang" userId="96f00586-de2b-499d-b19c-69c4356b81d7" providerId="ADAL" clId="{16873AFF-4746-408A-98CD-390BC65E0094}" dt="2024-04-07T19:53:54.349" v="3154" actId="478"/>
+          <ac:spMkLst>
+            <pc:docMk/>
+            <pc:sldMk cId="3796892622" sldId="274"/>
+            <ac:spMk id="18" creationId="{AF98997F-1FBF-D088-30A4-A912B0DACA60}"/>
+          </ac:spMkLst>
+        </pc:spChg>
+        <pc:spChg chg="mod">
+          <ac:chgData name="The Hung Dang" userId="96f00586-de2b-499d-b19c-69c4356b81d7" providerId="ADAL" clId="{16873AFF-4746-408A-98CD-390BC65E0094}" dt="2024-04-07T19:54:25.438" v="3162" actId="14100"/>
+          <ac:spMkLst>
+            <pc:docMk/>
+            <pc:sldMk cId="3796892622" sldId="274"/>
+            <ac:spMk id="19" creationId="{2454EC02-A140-3829-43F9-03CAD4F406E4}"/>
+          </ac:spMkLst>
+        </pc:spChg>
+        <pc:spChg chg="del">
+          <ac:chgData name="The Hung Dang" userId="96f00586-de2b-499d-b19c-69c4356b81d7" providerId="ADAL" clId="{16873AFF-4746-408A-98CD-390BC65E0094}" dt="2024-04-07T19:54:46.442" v="3166" actId="478"/>
+          <ac:spMkLst>
+            <pc:docMk/>
+            <pc:sldMk cId="3796892622" sldId="274"/>
+            <ac:spMk id="20" creationId="{C32D6CE6-4788-5D2C-76B7-5644434C5E7D}"/>
+          </ac:spMkLst>
+        </pc:spChg>
+        <pc:spChg chg="add mod">
+          <ac:chgData name="The Hung Dang" userId="96f00586-de2b-499d-b19c-69c4356b81d7" providerId="ADAL" clId="{16873AFF-4746-408A-98CD-390BC65E0094}" dt="2024-04-07T19:54:49.728" v="3167" actId="1076"/>
+          <ac:spMkLst>
+            <pc:docMk/>
+            <pc:sldMk cId="3796892622" sldId="274"/>
+            <ac:spMk id="45" creationId="{48B77CA9-73B1-F397-5374-522ACAA03D8F}"/>
+          </ac:spMkLst>
+        </pc:spChg>
+        <pc:spChg chg="add mod">
+          <ac:chgData name="The Hung Dang" userId="96f00586-de2b-499d-b19c-69c4356b81d7" providerId="ADAL" clId="{16873AFF-4746-408A-98CD-390BC65E0094}" dt="2024-04-07T19:56:15.962" v="3206" actId="1076"/>
+          <ac:spMkLst>
+            <pc:docMk/>
+            <pc:sldMk cId="3796892622" sldId="274"/>
+            <ac:spMk id="49" creationId="{488B3B3A-14F2-40E1-2E2C-1B4FE65DCAA1}"/>
+          </ac:spMkLst>
+        </pc:spChg>
+        <pc:spChg chg="add del mod">
+          <ac:chgData name="The Hung Dang" userId="96f00586-de2b-499d-b19c-69c4356b81d7" providerId="ADAL" clId="{16873AFF-4746-408A-98CD-390BC65E0094}" dt="2024-04-07T19:57:37.498" v="3218" actId="478"/>
+          <ac:spMkLst>
+            <pc:docMk/>
+            <pc:sldMk cId="3796892622" sldId="274"/>
+            <ac:spMk id="50" creationId="{3988F084-D98E-19DF-00DE-BE43413321DE}"/>
+          </ac:spMkLst>
+        </pc:spChg>
+        <pc:spChg chg="add mod">
+          <ac:chgData name="The Hung Dang" userId="96f00586-de2b-499d-b19c-69c4356b81d7" providerId="ADAL" clId="{16873AFF-4746-408A-98CD-390BC65E0094}" dt="2024-04-07T19:56:32.818" v="3208" actId="571"/>
+          <ac:spMkLst>
+            <pc:docMk/>
+            <pc:sldMk cId="3796892622" sldId="274"/>
+            <ac:spMk id="51" creationId="{8F162669-42E9-E96C-B978-549947CF3F77}"/>
+          </ac:spMkLst>
+        </pc:spChg>
+        <pc:spChg chg="add mod">
+          <ac:chgData name="The Hung Dang" userId="96f00586-de2b-499d-b19c-69c4356b81d7" providerId="ADAL" clId="{16873AFF-4746-408A-98CD-390BC65E0094}" dt="2024-04-07T19:56:47.510" v="3209" actId="571"/>
+          <ac:spMkLst>
+            <pc:docMk/>
+            <pc:sldMk cId="3796892622" sldId="274"/>
+            <ac:spMk id="52" creationId="{279DCADD-148A-4F30-37A6-2034535B938A}"/>
+          </ac:spMkLst>
+        </pc:spChg>
+        <pc:spChg chg="add mod">
+          <ac:chgData name="The Hung Dang" userId="96f00586-de2b-499d-b19c-69c4356b81d7" providerId="ADAL" clId="{16873AFF-4746-408A-98CD-390BC65E0094}" dt="2024-04-07T19:56:50.888" v="3210" actId="571"/>
+          <ac:spMkLst>
+            <pc:docMk/>
+            <pc:sldMk cId="3796892622" sldId="274"/>
+            <ac:spMk id="59" creationId="{A91B6AC0-3CBD-2F05-08AD-C2D61DB4A88D}"/>
+          </ac:spMkLst>
+        </pc:spChg>
+        <pc:spChg chg="del">
+          <ac:chgData name="The Hung Dang" userId="96f00586-de2b-499d-b19c-69c4356b81d7" providerId="ADAL" clId="{16873AFF-4746-408A-98CD-390BC65E0094}" dt="2024-04-07T19:59:00.620" v="3238" actId="478"/>
+          <ac:spMkLst>
+            <pc:docMk/>
+            <pc:sldMk cId="3796892622" sldId="274"/>
+            <ac:spMk id="60" creationId="{405BB9B9-1E44-ECEA-40FE-DB131E6E4471}"/>
+          </ac:spMkLst>
+        </pc:spChg>
+        <pc:spChg chg="del">
+          <ac:chgData name="The Hung Dang" userId="96f00586-de2b-499d-b19c-69c4356b81d7" providerId="ADAL" clId="{16873AFF-4746-408A-98CD-390BC65E0094}" dt="2024-04-07T19:52:59.181" v="3138" actId="478"/>
+          <ac:spMkLst>
+            <pc:docMk/>
+            <pc:sldMk cId="3796892622" sldId="274"/>
+            <ac:spMk id="62" creationId="{F068EB2B-69D6-ED1B-A54E-7C17E96D1B8E}"/>
+          </ac:spMkLst>
+        </pc:spChg>
+        <pc:spChg chg="mod">
+          <ac:chgData name="The Hung Dang" userId="96f00586-de2b-499d-b19c-69c4356b81d7" providerId="ADAL" clId="{16873AFF-4746-408A-98CD-390BC65E0094}" dt="2024-04-07T19:58:50.634" v="3236" actId="1076"/>
+          <ac:spMkLst>
+            <pc:docMk/>
+            <pc:sldMk cId="3796892622" sldId="274"/>
+            <ac:spMk id="63" creationId="{0FEBBD5A-793F-4973-9A9C-7FF1C3DCC15F}"/>
+          </ac:spMkLst>
+        </pc:spChg>
+        <pc:spChg chg="mod">
+          <ac:chgData name="The Hung Dang" userId="96f00586-de2b-499d-b19c-69c4356b81d7" providerId="ADAL" clId="{16873AFF-4746-408A-98CD-390BC65E0094}" dt="2024-04-07T19:58:42.321" v="3235" actId="14100"/>
+          <ac:spMkLst>
+            <pc:docMk/>
+            <pc:sldMk cId="3796892622" sldId="274"/>
+            <ac:spMk id="64" creationId="{1F2A5955-3F0A-9556-4E0C-7A39E4FB98D9}"/>
+          </ac:spMkLst>
+        </pc:spChg>
+        <pc:spChg chg="add mod">
+          <ac:chgData name="The Hung Dang" userId="96f00586-de2b-499d-b19c-69c4356b81d7" providerId="ADAL" clId="{16873AFF-4746-408A-98CD-390BC65E0094}" dt="2024-04-07T19:57:45.640" v="3219" actId="1076"/>
+          <ac:spMkLst>
+            <pc:docMk/>
+            <pc:sldMk cId="3796892622" sldId="274"/>
+            <ac:spMk id="65" creationId="{D6DB500E-B1F4-1619-5F45-2F785361EB7F}"/>
+          </ac:spMkLst>
+        </pc:spChg>
+        <pc:spChg chg="add mod">
+          <ac:chgData name="The Hung Dang" userId="96f00586-de2b-499d-b19c-69c4356b81d7" providerId="ADAL" clId="{16873AFF-4746-408A-98CD-390BC65E0094}" dt="2024-04-07T19:58:15.450" v="3229" actId="1076"/>
+          <ac:spMkLst>
+            <pc:docMk/>
+            <pc:sldMk cId="3796892622" sldId="274"/>
+            <ac:spMk id="66" creationId="{909A894F-C6C3-3728-A2CE-818CAE0DA50E}"/>
+          </ac:spMkLst>
+        </pc:spChg>
+        <pc:spChg chg="add mod">
+          <ac:chgData name="The Hung Dang" userId="96f00586-de2b-499d-b19c-69c4356b81d7" providerId="ADAL" clId="{16873AFF-4746-408A-98CD-390BC65E0094}" dt="2024-04-07T19:58:23.210" v="3230" actId="571"/>
+          <ac:spMkLst>
+            <pc:docMk/>
+            <pc:sldMk cId="3796892622" sldId="274"/>
+            <ac:spMk id="70" creationId="{994D5C0E-063D-1AB0-8661-1556C2A26CF4}"/>
+          </ac:spMkLst>
+        </pc:spChg>
+        <pc:spChg chg="add mod">
+          <ac:chgData name="The Hung Dang" userId="96f00586-de2b-499d-b19c-69c4356b81d7" providerId="ADAL" clId="{16873AFF-4746-408A-98CD-390BC65E0094}" dt="2024-04-07T19:58:25.968" v="3231" actId="571"/>
+          <ac:spMkLst>
+            <pc:docMk/>
+            <pc:sldMk cId="3796892622" sldId="274"/>
+            <ac:spMk id="71" creationId="{A730001B-1F27-E8B4-07E2-98E98ACA0EF4}"/>
+          </ac:spMkLst>
+        </pc:spChg>
+        <pc:cxnChg chg="add del mod">
+          <ac:chgData name="The Hung Dang" userId="96f00586-de2b-499d-b19c-69c4356b81d7" providerId="ADAL" clId="{16873AFF-4746-408A-98CD-390BC65E0094}" dt="2024-04-07T19:52:35.899" v="3133" actId="478"/>
+          <ac:cxnSpMkLst>
+            <pc:docMk/>
+            <pc:sldMk cId="3796892622" sldId="274"/>
+            <ac:cxnSpMk id="12" creationId="{77309CD6-DEFE-BA59-1DD5-B476328F7F44}"/>
+          </ac:cxnSpMkLst>
+        </pc:cxnChg>
+        <pc:cxnChg chg="mod">
+          <ac:chgData name="The Hung Dang" userId="96f00586-de2b-499d-b19c-69c4356b81d7" providerId="ADAL" clId="{16873AFF-4746-408A-98CD-390BC65E0094}" dt="2024-04-07T19:53:35.061" v="3148" actId="14100"/>
+          <ac:cxnSpMkLst>
+            <pc:docMk/>
+            <pc:sldMk cId="3796892622" sldId="274"/>
+            <ac:cxnSpMk id="13" creationId="{7E2B2379-67C8-2EFB-57C1-92D4C5BC0474}"/>
+          </ac:cxnSpMkLst>
+        </pc:cxnChg>
+        <pc:cxnChg chg="mod">
+          <ac:chgData name="The Hung Dang" userId="96f00586-de2b-499d-b19c-69c4356b81d7" providerId="ADAL" clId="{16873AFF-4746-408A-98CD-390BC65E0094}" dt="2024-04-07T19:54:25.438" v="3162" actId="14100"/>
+          <ac:cxnSpMkLst>
+            <pc:docMk/>
+            <pc:sldMk cId="3796892622" sldId="274"/>
+            <ac:cxnSpMk id="15" creationId="{8E41229E-393A-EC86-A02D-4406964DEF15}"/>
+          </ac:cxnSpMkLst>
+        </pc:cxnChg>
+        <pc:cxnChg chg="mod">
+          <ac:chgData name="The Hung Dang" userId="96f00586-de2b-499d-b19c-69c4356b81d7" providerId="ADAL" clId="{16873AFF-4746-408A-98CD-390BC65E0094}" dt="2024-04-07T19:54:52.210" v="3168" actId="14100"/>
+          <ac:cxnSpMkLst>
+            <pc:docMk/>
+            <pc:sldMk cId="3796892622" sldId="274"/>
+            <ac:cxnSpMk id="21" creationId="{919B3139-A148-3907-5C83-3DC3521D521C}"/>
+          </ac:cxnSpMkLst>
+        </pc:cxnChg>
+        <pc:cxnChg chg="mod">
+          <ac:chgData name="The Hung Dang" userId="96f00586-de2b-499d-b19c-69c4356b81d7" providerId="ADAL" clId="{16873AFF-4746-408A-98CD-390BC65E0094}" dt="2024-04-07T19:58:53.069" v="3237" actId="14100"/>
+          <ac:cxnSpMkLst>
+            <pc:docMk/>
+            <pc:sldMk cId="3796892622" sldId="274"/>
+            <ac:cxnSpMk id="22" creationId="{12EAFC67-3F4D-40B5-382C-4BFA12B6743D}"/>
+          </ac:cxnSpMkLst>
+        </pc:cxnChg>
+        <pc:cxnChg chg="del">
+          <ac:chgData name="The Hung Dang" userId="96f00586-de2b-499d-b19c-69c4356b81d7" providerId="ADAL" clId="{16873AFF-4746-408A-98CD-390BC65E0094}" dt="2024-04-07T19:53:57.321" v="3155" actId="478"/>
+          <ac:cxnSpMkLst>
+            <pc:docMk/>
+            <pc:sldMk cId="3796892622" sldId="274"/>
+            <ac:cxnSpMk id="23" creationId="{5371AD18-C10C-9FE0-226F-208C70D52178}"/>
+          </ac:cxnSpMkLst>
+        </pc:cxnChg>
+        <pc:cxnChg chg="mod">
+          <ac:chgData name="The Hung Dang" userId="96f00586-de2b-499d-b19c-69c4356b81d7" providerId="ADAL" clId="{16873AFF-4746-408A-98CD-390BC65E0094}" dt="2024-04-07T19:54:33.169" v="3163" actId="14100"/>
+          <ac:cxnSpMkLst>
+            <pc:docMk/>
+            <pc:sldMk cId="3796892622" sldId="274"/>
+            <ac:cxnSpMk id="24" creationId="{525E2398-5C48-DCA2-AFC2-D0A61EF18FD6}"/>
+          </ac:cxnSpMkLst>
+        </pc:cxnChg>
+        <pc:cxnChg chg="mod">
+          <ac:chgData name="The Hung Dang" userId="96f00586-de2b-499d-b19c-69c4356b81d7" providerId="ADAL" clId="{16873AFF-4746-408A-98CD-390BC65E0094}" dt="2024-04-07T19:53:09.187" v="3141" actId="1076"/>
+          <ac:cxnSpMkLst>
+            <pc:docMk/>
+            <pc:sldMk cId="3796892622" sldId="274"/>
+            <ac:cxnSpMk id="27" creationId="{302D324D-2F37-C4EA-23A1-F61D4E5979FF}"/>
+          </ac:cxnSpMkLst>
+        </pc:cxnChg>
+        <pc:cxnChg chg="add mod">
+          <ac:chgData name="The Hung Dang" userId="96f00586-de2b-499d-b19c-69c4356b81d7" providerId="ADAL" clId="{16873AFF-4746-408A-98CD-390BC65E0094}" dt="2024-04-07T19:53:14.889" v="3142" actId="1076"/>
+          <ac:cxnSpMkLst>
+            <pc:docMk/>
+            <pc:sldMk cId="3796892622" sldId="274"/>
+            <ac:cxnSpMk id="28" creationId="{3385F429-329F-FA3F-E84B-0FC1DFB9A2D6}"/>
+          </ac:cxnSpMkLst>
+        </pc:cxnChg>
+        <pc:cxnChg chg="mod">
+          <ac:chgData name="The Hung Dang" userId="96f00586-de2b-499d-b19c-69c4356b81d7" providerId="ADAL" clId="{16873AFF-4746-408A-98CD-390BC65E0094}" dt="2024-04-07T19:54:25.438" v="3162" actId="14100"/>
+          <ac:cxnSpMkLst>
+            <pc:docMk/>
+            <pc:sldMk cId="3796892622" sldId="274"/>
+            <ac:cxnSpMk id="33" creationId="{BCE6265C-D3AB-5155-985A-A651C60E0944}"/>
+          </ac:cxnSpMkLst>
+        </pc:cxnChg>
+        <pc:cxnChg chg="mod">
+          <ac:chgData name="The Hung Dang" userId="96f00586-de2b-499d-b19c-69c4356b81d7" providerId="ADAL" clId="{16873AFF-4746-408A-98CD-390BC65E0094}" dt="2024-04-07T19:58:02.129" v="3225" actId="14100"/>
+          <ac:cxnSpMkLst>
+            <pc:docMk/>
+            <pc:sldMk cId="3796892622" sldId="274"/>
+            <ac:cxnSpMk id="41" creationId="{7090CA9B-95F9-5863-BAC8-29CB15DA16CC}"/>
+          </ac:cxnSpMkLst>
+        </pc:cxnChg>
+        <pc:cxnChg chg="mod">
+          <ac:chgData name="The Hung Dang" userId="96f00586-de2b-499d-b19c-69c4356b81d7" providerId="ADAL" clId="{16873AFF-4746-408A-98CD-390BC65E0094}" dt="2024-04-07T19:58:05.534" v="3226" actId="14100"/>
+          <ac:cxnSpMkLst>
+            <pc:docMk/>
+            <pc:sldMk cId="3796892622" sldId="274"/>
+            <ac:cxnSpMk id="43" creationId="{FC3582A8-6E30-D0D7-4E6A-700C00FD1C1A}"/>
+          </ac:cxnSpMkLst>
+        </pc:cxnChg>
+        <pc:cxnChg chg="mod">
+          <ac:chgData name="The Hung Dang" userId="96f00586-de2b-499d-b19c-69c4356b81d7" providerId="ADAL" clId="{16873AFF-4746-408A-98CD-390BC65E0094}" dt="2024-04-07T19:57:48.617" v="3220" actId="1076"/>
+          <ac:cxnSpMkLst>
+            <pc:docMk/>
+            <pc:sldMk cId="3796892622" sldId="274"/>
+            <ac:cxnSpMk id="53" creationId="{C3485417-BBBF-21A8-E3E0-E7D7257C58F6}"/>
+          </ac:cxnSpMkLst>
+        </pc:cxnChg>
+        <pc:cxnChg chg="mod">
+          <ac:chgData name="The Hung Dang" userId="96f00586-de2b-499d-b19c-69c4356b81d7" providerId="ADAL" clId="{16873AFF-4746-408A-98CD-390BC65E0094}" dt="2024-04-07T19:54:58.425" v="3170" actId="14100"/>
+          <ac:cxnSpMkLst>
+            <pc:docMk/>
+            <pc:sldMk cId="3796892622" sldId="274"/>
+            <ac:cxnSpMk id="57" creationId="{163D2186-2D90-67D8-B7B8-51F3932E0BB1}"/>
+          </ac:cxnSpMkLst>
+        </pc:cxnChg>
+      </pc:sldChg>
+      <pc:sldChg chg="modSp add mod">
+        <pc:chgData name="The Hung Dang" userId="96f00586-de2b-499d-b19c-69c4356b81d7" providerId="ADAL" clId="{16873AFF-4746-408A-98CD-390BC65E0094}" dt="2024-04-07T19:52:04.334" v="3127" actId="20577"/>
+        <pc:sldMkLst>
+          <pc:docMk/>
+          <pc:sldMk cId="1465049789" sldId="275"/>
+        </pc:sldMkLst>
+        <pc:spChg chg="mod">
+          <ac:chgData name="The Hung Dang" userId="96f00586-de2b-499d-b19c-69c4356b81d7" providerId="ADAL" clId="{16873AFF-4746-408A-98CD-390BC65E0094}" dt="2024-04-07T19:52:04.334" v="3127" actId="20577"/>
+          <ac:spMkLst>
+            <pc:docMk/>
+            <pc:sldMk cId="1465049789" sldId="275"/>
+            <ac:spMk id="6" creationId="{613D2384-1D06-A55A-A0BF-9DF49C817B65}"/>
+          </ac:spMkLst>
+        </pc:spChg>
+      </pc:sldChg>
+      <pc:sldChg chg="modSp add mod">
+        <pc:chgData name="The Hung Dang" userId="96f00586-de2b-499d-b19c-69c4356b81d7" providerId="ADAL" clId="{16873AFF-4746-408A-98CD-390BC65E0094}" dt="2024-04-07T20:22:59.666" v="4449" actId="20577"/>
+        <pc:sldMkLst>
+          <pc:docMk/>
+          <pc:sldMk cId="1296224296" sldId="276"/>
+        </pc:sldMkLst>
+        <pc:spChg chg="mod">
+          <ac:chgData name="The Hung Dang" userId="96f00586-de2b-499d-b19c-69c4356b81d7" providerId="ADAL" clId="{16873AFF-4746-408A-98CD-390BC65E0094}" dt="2024-04-07T20:22:34.656" v="4432" actId="6549"/>
+          <ac:spMkLst>
+            <pc:docMk/>
+            <pc:sldMk cId="1296224296" sldId="276"/>
+            <ac:spMk id="2" creationId="{2C208E5E-48E6-40F4-6B82-9439A679E741}"/>
+          </ac:spMkLst>
+        </pc:spChg>
+        <pc:spChg chg="mod">
+          <ac:chgData name="The Hung Dang" userId="96f00586-de2b-499d-b19c-69c4356b81d7" providerId="ADAL" clId="{16873AFF-4746-408A-98CD-390BC65E0094}" dt="2024-04-07T20:22:59.666" v="4449" actId="20577"/>
+          <ac:spMkLst>
+            <pc:docMk/>
+            <pc:sldMk cId="1296224296" sldId="276"/>
+            <ac:spMk id="3" creationId="{4C1562F5-F40D-64AA-F3C4-D351084A4C54}"/>
+          </ac:spMkLst>
+        </pc:spChg>
+      </pc:sldChg>
+      <pc:sldChg chg="modSp add mod">
+        <pc:chgData name="The Hung Dang" userId="96f00586-de2b-499d-b19c-69c4356b81d7" providerId="ADAL" clId="{16873AFF-4746-408A-98CD-390BC65E0094}" dt="2024-04-07T20:22:54.165" v="4446" actId="20577"/>
+        <pc:sldMkLst>
+          <pc:docMk/>
+          <pc:sldMk cId="2480537416" sldId="277"/>
+        </pc:sldMkLst>
+        <pc:spChg chg="mod">
+          <ac:chgData name="The Hung Dang" userId="96f00586-de2b-499d-b19c-69c4356b81d7" providerId="ADAL" clId="{16873AFF-4746-408A-98CD-390BC65E0094}" dt="2024-04-07T20:22:48.218" v="4440" actId="20577"/>
+          <ac:spMkLst>
+            <pc:docMk/>
+            <pc:sldMk cId="2480537416" sldId="277"/>
+            <ac:spMk id="2" creationId="{2C208E5E-48E6-40F4-6B82-9439A679E741}"/>
+          </ac:spMkLst>
+        </pc:spChg>
+        <pc:spChg chg="mod">
+          <ac:chgData name="The Hung Dang" userId="96f00586-de2b-499d-b19c-69c4356b81d7" providerId="ADAL" clId="{16873AFF-4746-408A-98CD-390BC65E0094}" dt="2024-04-07T20:22:54.165" v="4446" actId="20577"/>
+          <ac:spMkLst>
+            <pc:docMk/>
+            <pc:sldMk cId="2480537416" sldId="277"/>
+            <ac:spMk id="3" creationId="{4C1562F5-F40D-64AA-F3C4-D351084A4C54}"/>
+          </ac:spMkLst>
+        </pc:spChg>
+      </pc:sldChg>
+      <pc:sldChg chg="add">
+        <pc:chgData name="The Hung Dang" userId="96f00586-de2b-499d-b19c-69c4356b81d7" providerId="ADAL" clId="{16873AFF-4746-408A-98CD-390BC65E0094}" dt="2024-04-07T20:23:59.334" v="4450" actId="2890"/>
+        <pc:sldMkLst>
+          <pc:docMk/>
+          <pc:sldMk cId="3236188085" sldId="278"/>
+        </pc:sldMkLst>
+      </pc:sldChg>
+    </pc:docChg>
+  </pc:docChgLst>
+  <pc:docChgLst>
+    <pc:chgData name="Rui Han" userId="S::k23119288@kcl.ac.uk::8c6a83e8-8193-4023-9bf9-2a67b7f8866f" providerId="AD" clId="Web-{8E553B16-FF58-E2CE-DEAB-2D0B033E9A90}"/>
+    <pc:docChg chg="addSld delSld modSld">
+      <pc:chgData name="Rui Han" userId="S::k23119288@kcl.ac.uk::8c6a83e8-8193-4023-9bf9-2a67b7f8866f" providerId="AD" clId="Web-{8E553B16-FF58-E2CE-DEAB-2D0B033E9A90}" dt="2024-04-07T19:37:57.172" v="513" actId="1076"/>
+      <pc:docMkLst>
+        <pc:docMk/>
+      </pc:docMkLst>
+      <pc:sldChg chg="addSp delSp modSp">
+        <pc:chgData name="Rui Han" userId="S::k23119288@kcl.ac.uk::8c6a83e8-8193-4023-9bf9-2a67b7f8866f" providerId="AD" clId="Web-{8E553B16-FF58-E2CE-DEAB-2D0B033E9A90}" dt="2024-04-07T19:37:57.172" v="513" actId="1076"/>
+        <pc:sldMkLst>
+          <pc:docMk/>
+          <pc:sldMk cId="3796892622" sldId="274"/>
+        </pc:sldMkLst>
+        <pc:spChg chg="add mod">
+          <ac:chgData name="Rui Han" userId="S::k23119288@kcl.ac.uk::8c6a83e8-8193-4023-9bf9-2a67b7f8866f" providerId="AD" clId="Web-{8E553B16-FF58-E2CE-DEAB-2D0B033E9A90}" dt="2024-04-07T18:52:01.980" v="125" actId="1076"/>
+          <ac:spMkLst>
+            <pc:docMk/>
+            <pc:sldMk cId="3796892622" sldId="274"/>
+            <ac:spMk id="2" creationId="{FF75E372-7F66-CC65-164C-EFB216C8AA47}"/>
+          </ac:spMkLst>
+        </pc:spChg>
+        <pc:spChg chg="add mod">
+          <ac:chgData name="Rui Han" userId="S::k23119288@kcl.ac.uk::8c6a83e8-8193-4023-9bf9-2a67b7f8866f" providerId="AD" clId="Web-{8E553B16-FF58-E2CE-DEAB-2D0B033E9A90}" dt="2024-04-07T18:58:42.901" v="192" actId="1076"/>
+          <ac:spMkLst>
+            <pc:docMk/>
+            <pc:sldMk cId="3796892622" sldId="274"/>
+            <ac:spMk id="3" creationId="{98E2E724-144F-1B4F-4372-A450B55EEF66}"/>
+          </ac:spMkLst>
+        </pc:spChg>
+        <pc:spChg chg="add mod">
+          <ac:chgData name="Rui Han" userId="S::k23119288@kcl.ac.uk::8c6a83e8-8193-4023-9bf9-2a67b7f8866f" providerId="AD" clId="Web-{8E553B16-FF58-E2CE-DEAB-2D0B033E9A90}" dt="2024-04-07T19:07:27.703" v="264" actId="1076"/>
+          <ac:spMkLst>
+            <pc:docMk/>
+            <pc:sldMk cId="3796892622" sldId="274"/>
+            <ac:spMk id="4" creationId="{80EB35C1-238E-F7B2-30A0-3A50C1B4ABC9}"/>
+          </ac:spMkLst>
+        </pc:spChg>
+        <pc:spChg chg="add del mod">
+          <ac:chgData name="Rui Han" userId="S::k23119288@kcl.ac.uk::8c6a83e8-8193-4023-9bf9-2a67b7f8866f" providerId="AD" clId="Web-{8E553B16-FF58-E2CE-DEAB-2D0B033E9A90}" dt="2024-04-07T19:26:24.253" v="398"/>
+          <ac:spMkLst>
+            <pc:docMk/>
+            <pc:sldMk cId="3796892622" sldId="274"/>
+            <ac:spMk id="5" creationId="{DDBF3CED-1B27-8C82-5306-B032D3849477}"/>
+          </ac:spMkLst>
+        </pc:spChg>
+        <pc:spChg chg="add mod">
+          <ac:chgData name="Rui Han" userId="S::k23119288@kcl.ac.uk::8c6a83e8-8193-4023-9bf9-2a67b7f8866f" providerId="AD" clId="Web-{8E553B16-FF58-E2CE-DEAB-2D0B033E9A90}" dt="2024-04-07T18:51:24.135" v="119" actId="1076"/>
+          <ac:spMkLst>
+            <pc:docMk/>
+            <pc:sldMk cId="3796892622" sldId="274"/>
+            <ac:spMk id="6" creationId="{482DCE50-5988-210A-C54D-5CFC2F2320B4}"/>
+          </ac:spMkLst>
+        </pc:spChg>
+        <pc:spChg chg="add mod">
+          <ac:chgData name="Rui Han" userId="S::k23119288@kcl.ac.uk::8c6a83e8-8193-4023-9bf9-2a67b7f8866f" providerId="AD" clId="Web-{8E553B16-FF58-E2CE-DEAB-2D0B033E9A90}" dt="2024-04-07T18:51:36.901" v="123" actId="1076"/>
+          <ac:spMkLst>
+            <pc:docMk/>
+            <pc:sldMk cId="3796892622" sldId="274"/>
+            <ac:spMk id="7" creationId="{945446D8-B5C6-7399-5D1E-2388AAA5D16C}"/>
+          </ac:spMkLst>
+        </pc:spChg>
+        <pc:spChg chg="mod">
+          <ac:chgData name="Rui Han" userId="S::k23119288@kcl.ac.uk::8c6a83e8-8193-4023-9bf9-2a67b7f8866f" providerId="AD" clId="Web-{8E553B16-FF58-E2CE-DEAB-2D0B033E9A90}" dt="2024-04-07T19:37:57.172" v="513" actId="1076"/>
+          <ac:spMkLst>
+            <pc:docMk/>
+            <pc:sldMk cId="3796892622" sldId="274"/>
+            <ac:spMk id="8" creationId="{25587B87-27B2-DE4F-7796-CDB7AB32C353}"/>
+          </ac:spMkLst>
+        </pc:spChg>
+        <pc:spChg chg="add mod">
+          <ac:chgData name="Rui Han" userId="S::k23119288@kcl.ac.uk::8c6a83e8-8193-4023-9bf9-2a67b7f8866f" providerId="AD" clId="Web-{8E553B16-FF58-E2CE-DEAB-2D0B033E9A90}" dt="2024-04-07T18:51:24.150" v="120" actId="1076"/>
+          <ac:spMkLst>
+            <pc:docMk/>
+            <pc:sldMk cId="3796892622" sldId="274"/>
+            <ac:spMk id="9" creationId="{30003335-C162-0A3F-ED62-650DF6016E09}"/>
+          </ac:spMkLst>
+        </pc:spChg>
+        <pc:spChg chg="add mod">
+          <ac:chgData name="Rui Han" userId="S::k23119288@kcl.ac.uk::8c6a83e8-8193-4023-9bf9-2a67b7f8866f" providerId="AD" clId="Web-{8E553B16-FF58-E2CE-DEAB-2D0B033E9A90}" dt="2024-04-07T18:51:24.135" v="118" actId="1076"/>
+          <ac:spMkLst>
+            <pc:docMk/>
+            <pc:sldMk cId="3796892622" sldId="274"/>
+            <ac:spMk id="10" creationId="{A9F9EB89-C075-34F5-9C07-39F936AB81B4}"/>
+          </ac:spMkLst>
+        </pc:spChg>
+        <pc:spChg chg="add mod">
+          <ac:chgData name="Rui Han" userId="S::k23119288@kcl.ac.uk::8c6a83e8-8193-4023-9bf9-2a67b7f8866f" providerId="AD" clId="Web-{8E553B16-FF58-E2CE-DEAB-2D0B033E9A90}" dt="2024-04-07T18:51:24.135" v="117" actId="1076"/>
+          <ac:spMkLst>
+            <pc:docMk/>
+            <pc:sldMk cId="3796892622" sldId="274"/>
+            <ac:spMk id="11" creationId="{576CC91C-6547-22D7-F34C-93BD053E1571}"/>
+          </ac:spMkLst>
+        </pc:spChg>
+        <pc:spChg chg="add del">
+          <ac:chgData name="Rui Han" userId="S::k23119288@kcl.ac.uk::8c6a83e8-8193-4023-9bf9-2a67b7f8866f" providerId="AD" clId="Web-{8E553B16-FF58-E2CE-DEAB-2D0B033E9A90}" dt="2024-04-07T18:54:48.064" v="154"/>
+          <ac:spMkLst>
+            <pc:docMk/>
+            <pc:sldMk cId="3796892622" sldId="274"/>
+            <ac:spMk id="16" creationId="{65768161-1615-00E9-7121-18ECBF046DA9}"/>
+          </ac:spMkLst>
+        </pc:spChg>
+        <pc:spChg chg="add del">
+          <ac:chgData name="Rui Han" userId="S::k23119288@kcl.ac.uk::8c6a83e8-8193-4023-9bf9-2a67b7f8866f" providerId="AD" clId="Web-{8E553B16-FF58-E2CE-DEAB-2D0B033E9A90}" dt="2024-04-07T18:55:04.206" v="156"/>
+          <ac:spMkLst>
+            <pc:docMk/>
+            <pc:sldMk cId="3796892622" sldId="274"/>
+            <ac:spMk id="17" creationId="{E94B31A2-367D-0BE4-D428-97E0D0970D73}"/>
+          </ac:spMkLst>
+        </pc:spChg>
+        <pc:spChg chg="add mod">
+          <ac:chgData name="Rui Han" userId="S::k23119288@kcl.ac.uk::8c6a83e8-8193-4023-9bf9-2a67b7f8866f" providerId="AD" clId="Web-{8E553B16-FF58-E2CE-DEAB-2D0B033E9A90}" dt="2024-04-07T18:55:40.613" v="159" actId="1076"/>
+          <ac:spMkLst>
+            <pc:docMk/>
+            <pc:sldMk cId="3796892622" sldId="274"/>
+            <ac:spMk id="18" creationId="{AF98997F-1FBF-D088-30A4-A912B0DACA60}"/>
+          </ac:spMkLst>
+        </pc:spChg>
+        <pc:spChg chg="add mod">
+          <ac:chgData name="Rui Han" userId="S::k23119288@kcl.ac.uk::8c6a83e8-8193-4023-9bf9-2a67b7f8866f" providerId="AD" clId="Web-{8E553B16-FF58-E2CE-DEAB-2D0B033E9A90}" dt="2024-04-07T18:56:17.443" v="165" actId="1076"/>
+          <ac:spMkLst>
+            <pc:docMk/>
+            <pc:sldMk cId="3796892622" sldId="274"/>
+            <ac:spMk id="19" creationId="{2454EC02-A140-3829-43F9-03CAD4F406E4}"/>
+          </ac:spMkLst>
+        </pc:spChg>
+        <pc:spChg chg="add mod">
+          <ac:chgData name="Rui Han" userId="S::k23119288@kcl.ac.uk::8c6a83e8-8193-4023-9bf9-2a67b7f8866f" providerId="AD" clId="Web-{8E553B16-FF58-E2CE-DEAB-2D0B033E9A90}" dt="2024-04-07T19:01:24.673" v="216" actId="1076"/>
+          <ac:spMkLst>
+            <pc:docMk/>
+            <pc:sldMk cId="3796892622" sldId="274"/>
+            <ac:spMk id="20" creationId="{C32D6CE6-4788-5D2C-76B7-5644434C5E7D}"/>
+          </ac:spMkLst>
+        </pc:spChg>
+        <pc:spChg chg="add del mod">
+          <ac:chgData name="Rui Han" userId="S::k23119288@kcl.ac.uk::8c6a83e8-8193-4023-9bf9-2a67b7f8866f" providerId="AD" clId="Web-{8E553B16-FF58-E2CE-DEAB-2D0B033E9A90}" dt="2024-04-07T19:13:27.239" v="278"/>
+          <ac:spMkLst>
+            <pc:docMk/>
+            <pc:sldMk cId="3796892622" sldId="274"/>
+            <ac:spMk id="37" creationId="{D679ED6F-D595-42ED-EE85-DA9BB089A672}"/>
+          </ac:spMkLst>
+        </pc:spChg>
+        <pc:spChg chg="add del mod">
+          <ac:chgData name="Rui Han" userId="S::k23119288@kcl.ac.uk::8c6a83e8-8193-4023-9bf9-2a67b7f8866f" providerId="AD" clId="Web-{8E553B16-FF58-E2CE-DEAB-2D0B033E9A90}" dt="2024-04-07T19:33:19.692" v="463"/>
+          <ac:spMkLst>
+            <pc:docMk/>
+            <pc:sldMk cId="3796892622" sldId="274"/>
+            <ac:spMk id="59" creationId="{9DB924A8-EDFF-141F-D123-65E2329E69F8}"/>
+          </ac:spMkLst>
+        </pc:spChg>
+        <pc:spChg chg="add mod">
+          <ac:chgData name="Rui Han" userId="S::k23119288@kcl.ac.uk::8c6a83e8-8193-4023-9bf9-2a67b7f8866f" providerId="AD" clId="Web-{8E553B16-FF58-E2CE-DEAB-2D0B033E9A90}" dt="2024-04-07T19:34:11.522" v="473" actId="1076"/>
+          <ac:spMkLst>
+            <pc:docMk/>
+            <pc:sldMk cId="3796892622" sldId="274"/>
+            <ac:spMk id="60" creationId="{405BB9B9-1E44-ECEA-40FE-DB131E6E4471}"/>
+          </ac:spMkLst>
+        </pc:spChg>
+        <pc:spChg chg="add mod">
+          <ac:chgData name="Rui Han" userId="S::k23119288@kcl.ac.uk::8c6a83e8-8193-4023-9bf9-2a67b7f8866f" providerId="AD" clId="Web-{8E553B16-FF58-E2CE-DEAB-2D0B033E9A90}" dt="2024-04-07T19:34:29.819" v="477" actId="20577"/>
+          <ac:spMkLst>
+            <pc:docMk/>
+            <pc:sldMk cId="3796892622" sldId="274"/>
+            <ac:spMk id="61" creationId="{3EDA8713-4B6E-13C0-CD66-32F871EDF117}"/>
+          </ac:spMkLst>
+        </pc:spChg>
+        <pc:spChg chg="add mod">
+          <ac:chgData name="Rui Han" userId="S::k23119288@kcl.ac.uk::8c6a83e8-8193-4023-9bf9-2a67b7f8866f" providerId="AD" clId="Web-{8E553B16-FF58-E2CE-DEAB-2D0B033E9A90}" dt="2024-04-07T19:37:18.670" v="511" actId="1076"/>
+          <ac:spMkLst>
+            <pc:docMk/>
+            <pc:sldMk cId="3796892622" sldId="274"/>
+            <ac:spMk id="62" creationId="{F068EB2B-69D6-ED1B-A54E-7C17E96D1B8E}"/>
+          </ac:spMkLst>
+        </pc:spChg>
+        <pc:spChg chg="add mod">
+          <ac:chgData name="Rui Han" userId="S::k23119288@kcl.ac.uk::8c6a83e8-8193-4023-9bf9-2a67b7f8866f" providerId="AD" clId="Web-{8E553B16-FF58-E2CE-DEAB-2D0B033E9A90}" dt="2024-04-07T19:37:01.779" v="508" actId="1076"/>
+          <ac:spMkLst>
+            <pc:docMk/>
+            <pc:sldMk cId="3796892622" sldId="274"/>
+            <ac:spMk id="63" creationId="{0FEBBD5A-793F-4973-9A9C-7FF1C3DCC15F}"/>
+          </ac:spMkLst>
+        </pc:spChg>
+        <pc:spChg chg="add mod">
+          <ac:chgData name="Rui Han" userId="S::k23119288@kcl.ac.uk::8c6a83e8-8193-4023-9bf9-2a67b7f8866f" providerId="AD" clId="Web-{8E553B16-FF58-E2CE-DEAB-2D0B033E9A90}" dt="2024-04-07T19:36:36.153" v="503" actId="20577"/>
+          <ac:spMkLst>
+            <pc:docMk/>
+            <pc:sldMk cId="3796892622" sldId="274"/>
+            <ac:spMk id="64" creationId="{1F2A5955-3F0A-9556-4E0C-7A39E4FB98D9}"/>
+          </ac:spMkLst>
+        </pc:spChg>
+        <pc:cxnChg chg="add del mod">
+          <ac:chgData name="Rui Han" userId="S::k23119288@kcl.ac.uk::8c6a83e8-8193-4023-9bf9-2a67b7f8866f" providerId="AD" clId="Web-{8E553B16-FF58-E2CE-DEAB-2D0B033E9A90}" dt="2024-04-07T18:53:21.702" v="138"/>
+          <ac:cxnSpMkLst>
+            <pc:docMk/>
+            <pc:sldMk cId="3796892622" sldId="274"/>
+            <ac:cxnSpMk id="12" creationId="{C12C660D-B7D3-393E-E06F-B8423D1689D9}"/>
+          </ac:cxnSpMkLst>
+        </pc:cxnChg>
+        <pc:cxnChg chg="add mod">
+          <ac:chgData name="Rui Han" userId="S::k23119288@kcl.ac.uk::8c6a83e8-8193-4023-9bf9-2a67b7f8866f" providerId="AD" clId="Web-{8E553B16-FF58-E2CE-DEAB-2D0B033E9A90}" dt="2024-04-07T18:54:09.125" v="148"/>
+          <ac:cxnSpMkLst>
+            <pc:docMk/>
+            <pc:sldMk cId="3796892622" sldId="274"/>
+            <ac:cxnSpMk id="13" creationId="{7E2B2379-67C8-2EFB-57C1-92D4C5BC0474}"/>
+          </ac:cxnSpMkLst>
+        </pc:cxnChg>
+        <pc:cxnChg chg="add mod">
+          <ac:chgData name="Rui Han" userId="S::k23119288@kcl.ac.uk::8c6a83e8-8193-4023-9bf9-2a67b7f8866f" providerId="AD" clId="Web-{8E553B16-FF58-E2CE-DEAB-2D0B033E9A90}" dt="2024-04-07T18:54:14.282" v="150" actId="1076"/>
+          <ac:cxnSpMkLst>
+            <pc:docMk/>
+            <pc:sldMk cId="3796892622" sldId="274"/>
+            <ac:cxnSpMk id="14" creationId="{B0C0832F-A2E6-49AD-EFED-DBFC970CDFC3}"/>
+          </ac:cxnSpMkLst>
+        </pc:cxnChg>
+        <pc:cxnChg chg="add mod">
+          <ac:chgData name="Rui Han" userId="S::k23119288@kcl.ac.uk::8c6a83e8-8193-4023-9bf9-2a67b7f8866f" providerId="AD" clId="Web-{8E553B16-FF58-E2CE-DEAB-2D0B033E9A90}" dt="2024-04-07T18:54:22.188" v="152" actId="1076"/>
+          <ac:cxnSpMkLst>
+            <pc:docMk/>
+            <pc:sldMk cId="3796892622" sldId="274"/>
+            <ac:cxnSpMk id="15" creationId="{8E41229E-393A-EC86-A02D-4406964DEF15}"/>
+          </ac:cxnSpMkLst>
+        </pc:cxnChg>
+        <pc:cxnChg chg="add mod">
+          <ac:chgData name="Rui Han" userId="S::k23119288@kcl.ac.uk::8c6a83e8-8193-4023-9bf9-2a67b7f8866f" providerId="AD" clId="Web-{8E553B16-FF58-E2CE-DEAB-2D0B033E9A90}" dt="2024-04-07T19:01:32.236" v="218" actId="14100"/>
+          <ac:cxnSpMkLst>
+            <pc:docMk/>
+            <pc:sldMk cId="3796892622" sldId="274"/>
+            <ac:cxnSpMk id="21" creationId="{919B3139-A148-3907-5C83-3DC3521D521C}"/>
+          </ac:cxnSpMkLst>
+        </pc:cxnChg>
+        <pc:cxnChg chg="add mod">
+          <ac:chgData name="Rui Han" userId="S::k23119288@kcl.ac.uk::8c6a83e8-8193-4023-9bf9-2a67b7f8866f" providerId="AD" clId="Web-{8E553B16-FF58-E2CE-DEAB-2D0B033E9A90}" dt="2024-04-07T19:01:17.970" v="215" actId="1076"/>
+          <ac:cxnSpMkLst>
+            <pc:docMk/>
+            <pc:sldMk cId="3796892622" sldId="274"/>
+            <ac:cxnSpMk id="22" creationId="{12EAFC67-3F4D-40B5-382C-4BFA12B6743D}"/>
+          </ac:cxnSpMkLst>
+        </pc:cxnChg>
+        <pc:cxnChg chg="add mod">
+          <ac:chgData name="Rui Han" userId="S::k23119288@kcl.ac.uk::8c6a83e8-8193-4023-9bf9-2a67b7f8866f" providerId="AD" clId="Web-{8E553B16-FF58-E2CE-DEAB-2D0B033E9A90}" dt="2024-04-07T18:57:50.524" v="181" actId="1076"/>
+          <ac:cxnSpMkLst>
+            <pc:docMk/>
+            <pc:sldMk cId="3796892622" sldId="274"/>
+            <ac:cxnSpMk id="23" creationId="{5371AD18-C10C-9FE0-226F-208C70D52178}"/>
+          </ac:cxnSpMkLst>
+        </pc:cxnChg>
+        <pc:cxnChg chg="add mod">
+          <ac:chgData name="Rui Han" userId="S::k23119288@kcl.ac.uk::8c6a83e8-8193-4023-9bf9-2a67b7f8866f" providerId="AD" clId="Web-{8E553B16-FF58-E2CE-DEAB-2D0B033E9A90}" dt="2024-04-07T18:58:39.104" v="191" actId="1076"/>
+          <ac:cxnSpMkLst>
+            <pc:docMk/>
+            <pc:sldMk cId="3796892622" sldId="274"/>
+            <ac:cxnSpMk id="24" creationId="{525E2398-5C48-DCA2-AFC2-D0A61EF18FD6}"/>
+          </ac:cxnSpMkLst>
+        </pc:cxnChg>
+        <pc:cxnChg chg="add del mod">
+          <ac:chgData name="Rui Han" userId="S::k23119288@kcl.ac.uk::8c6a83e8-8193-4023-9bf9-2a67b7f8866f" providerId="AD" clId="Web-{8E553B16-FF58-E2CE-DEAB-2D0B033E9A90}" dt="2024-04-07T18:59:04.902" v="199"/>
+          <ac:cxnSpMkLst>
+            <pc:docMk/>
+            <pc:sldMk cId="3796892622" sldId="274"/>
+            <ac:cxnSpMk id="25" creationId="{4D4AE634-E5B3-4D70-2DEF-FC7C14397DE4}"/>
+          </ac:cxnSpMkLst>
+        </pc:cxnChg>
+        <pc:cxnChg chg="add mod">
+          <ac:chgData name="Rui Han" userId="S::k23119288@kcl.ac.uk::8c6a83e8-8193-4023-9bf9-2a67b7f8866f" providerId="AD" clId="Web-{8E553B16-FF58-E2CE-DEAB-2D0B033E9A90}" dt="2024-04-07T18:59:12.856" v="201" actId="1076"/>
+          <ac:cxnSpMkLst>
+            <pc:docMk/>
+            <pc:sldMk cId="3796892622" sldId="274"/>
+            <ac:cxnSpMk id="26" creationId="{1444AECD-FCED-63C8-5DB1-40AF86A5117C}"/>
+          </ac:cxnSpMkLst>
+        </pc:cxnChg>
+        <pc:cxnChg chg="add mod">
+          <ac:chgData name="Rui Han" userId="S::k23119288@kcl.ac.uk::8c6a83e8-8193-4023-9bf9-2a67b7f8866f" providerId="AD" clId="Web-{8E553B16-FF58-E2CE-DEAB-2D0B033E9A90}" dt="2024-04-07T19:35:10.071" v="482" actId="14100"/>
+          <ac:cxnSpMkLst>
+            <pc:docMk/>
+            <pc:sldMk cId="3796892622" sldId="274"/>
+            <ac:cxnSpMk id="27" creationId="{302D324D-2F37-C4EA-23A1-F61D4E5979FF}"/>
+          </ac:cxnSpMkLst>
+        </pc:cxnChg>
+        <pc:cxnChg chg="add del mod">
+          <ac:chgData name="Rui Han" userId="S::k23119288@kcl.ac.uk::8c6a83e8-8193-4023-9bf9-2a67b7f8866f" providerId="AD" clId="Web-{8E553B16-FF58-E2CE-DEAB-2D0B033E9A90}" dt="2024-04-07T18:59:58.092" v="209"/>
+          <ac:cxnSpMkLst>
+            <pc:docMk/>
+            <pc:sldMk cId="3796892622" sldId="274"/>
+            <ac:cxnSpMk id="28" creationId="{EA439650-098B-562B-5F54-2BA39698398A}"/>
+          </ac:cxnSpMkLst>
+        </pc:cxnChg>
+        <pc:cxnChg chg="add del mod">
+          <ac:chgData name="Rui Han" userId="S::k23119288@kcl.ac.uk::8c6a83e8-8193-4023-9bf9-2a67b7f8866f" providerId="AD" clId="Web-{8E553B16-FF58-E2CE-DEAB-2D0B033E9A90}" dt="2024-04-07T19:00:35.921" v="212"/>
+          <ac:cxnSpMkLst>
+            <pc:docMk/>
+            <pc:sldMk cId="3796892622" sldId="274"/>
+            <ac:cxnSpMk id="29" creationId="{2263A819-FAC8-120D-418D-D92ED7008113}"/>
+          </ac:cxnSpMkLst>
+        </pc:cxnChg>
+        <pc:cxnChg chg="add mod">
+          <ac:chgData name="Rui Han" userId="S::k23119288@kcl.ac.uk::8c6a83e8-8193-4023-9bf9-2a67b7f8866f" providerId="AD" clId="Web-{8E553B16-FF58-E2CE-DEAB-2D0B033E9A90}" dt="2024-04-07T19:00:51.016" v="214" actId="1076"/>
+          <ac:cxnSpMkLst>
+            <pc:docMk/>
+            <pc:sldMk cId="3796892622" sldId="274"/>
+            <ac:cxnSpMk id="30" creationId="{95E0C6D3-F0BB-8B57-678B-7A5EC9D956B5}"/>
+          </ac:cxnSpMkLst>
+        </pc:cxnChg>
+        <pc:cxnChg chg="add mod">
+          <ac:chgData name="Rui Han" userId="S::k23119288@kcl.ac.uk::8c6a83e8-8193-4023-9bf9-2a67b7f8866f" providerId="AD" clId="Web-{8E553B16-FF58-E2CE-DEAB-2D0B033E9A90}" dt="2024-04-07T19:03:57.601" v="243" actId="1076"/>
+          <ac:cxnSpMkLst>
+            <pc:docMk/>
+            <pc:sldMk cId="3796892622" sldId="274"/>
+            <ac:cxnSpMk id="31" creationId="{F02C947B-C806-2933-CB1C-7C3AD12F4D48}"/>
+          </ac:cxnSpMkLst>
+        </pc:cxnChg>
+        <pc:cxnChg chg="add mod">
+          <ac:chgData name="Rui Han" userId="S::k23119288@kcl.ac.uk::8c6a83e8-8193-4023-9bf9-2a67b7f8866f" providerId="AD" clId="Web-{8E553B16-FF58-E2CE-DEAB-2D0B033E9A90}" dt="2024-04-07T19:04:48.259" v="249" actId="1076"/>
+          <ac:cxnSpMkLst>
+            <pc:docMk/>
+            <pc:sldMk cId="3796892622" sldId="274"/>
+            <ac:cxnSpMk id="32" creationId="{05ED3F5C-E1E5-0E8F-B349-14DCBF5EE2D5}"/>
+          </ac:cxnSpMkLst>
+        </pc:cxnChg>
+        <pc:cxnChg chg="add mod">
+          <ac:chgData name="Rui Han" userId="S::k23119288@kcl.ac.uk::8c6a83e8-8193-4023-9bf9-2a67b7f8866f" providerId="AD" clId="Web-{8E553B16-FF58-E2CE-DEAB-2D0B033E9A90}" dt="2024-04-07T19:24:18.763" v="389"/>
+          <ac:cxnSpMkLst>
+            <pc:docMk/>
+            <pc:sldMk cId="3796892622" sldId="274"/>
+            <ac:cxnSpMk id="33" creationId="{BCE6265C-D3AB-5155-985A-A651C60E0944}"/>
+          </ac:cxnSpMkLst>
+        </pc:cxnChg>
+        <pc:cxnChg chg="add del mod">
+          <ac:chgData name="Rui Han" userId="S::k23119288@kcl.ac.uk::8c6a83e8-8193-4023-9bf9-2a67b7f8866f" providerId="AD" clId="Web-{8E553B16-FF58-E2CE-DEAB-2D0B033E9A90}" dt="2024-04-07T19:16:14.354" v="301"/>
+          <ac:cxnSpMkLst>
+            <pc:docMk/>
+            <pc:sldMk cId="3796892622" sldId="274"/>
+            <ac:cxnSpMk id="34" creationId="{890575C2-CFA6-1587-AE93-BDB7CB20488F}"/>
+          </ac:cxnSpMkLst>
+        </pc:cxnChg>
+        <pc:cxnChg chg="add del mod">
+          <ac:chgData name="Rui Han" userId="S::k23119288@kcl.ac.uk::8c6a83e8-8193-4023-9bf9-2a67b7f8866f" providerId="AD" clId="Web-{8E553B16-FF58-E2CE-DEAB-2D0B033E9A90}" dt="2024-04-07T19:13:30.520" v="279"/>
+          <ac:cxnSpMkLst>
+            <pc:docMk/>
+            <pc:sldMk cId="3796892622" sldId="274"/>
+            <ac:cxnSpMk id="35" creationId="{362E73EA-E83E-5FE2-11D1-283987421083}"/>
+          </ac:cxnSpMkLst>
+        </pc:cxnChg>
+        <pc:cxnChg chg="add del mod">
+          <ac:chgData name="Rui Han" userId="S::k23119288@kcl.ac.uk::8c6a83e8-8193-4023-9bf9-2a67b7f8866f" providerId="AD" clId="Web-{8E553B16-FF58-E2CE-DEAB-2D0B033E9A90}" dt="2024-04-07T19:12:20.574" v="273"/>
+          <ac:cxnSpMkLst>
+            <pc:docMk/>
+            <pc:sldMk cId="3796892622" sldId="274"/>
+            <ac:cxnSpMk id="36" creationId="{DCAF827E-321A-FA89-3240-41E206794131}"/>
+          </ac:cxnSpMkLst>
+        </pc:cxnChg>
+        <pc:cxnChg chg="add del mod">
+          <ac:chgData name="Rui Han" userId="S::k23119288@kcl.ac.uk::8c6a83e8-8193-4023-9bf9-2a67b7f8866f" providerId="AD" clId="Web-{8E553B16-FF58-E2CE-DEAB-2D0B033E9A90}" dt="2024-04-07T19:17:33.529" v="316"/>
+          <ac:cxnSpMkLst>
+            <pc:docMk/>
+            <pc:sldMk cId="3796892622" sldId="274"/>
+            <ac:cxnSpMk id="39" creationId="{D0EF6ED4-3719-1545-E962-BC65A27C614D}"/>
+          </ac:cxnSpMkLst>
+        </pc:cxnChg>
+        <pc:cxnChg chg="add mod">
+          <ac:chgData name="Rui Han" userId="S::k23119288@kcl.ac.uk::8c6a83e8-8193-4023-9bf9-2a67b7f8866f" providerId="AD" clId="Web-{8E553B16-FF58-E2CE-DEAB-2D0B033E9A90}" dt="2024-04-07T19:25:40.016" v="391" actId="14100"/>
+          <ac:cxnSpMkLst>
+            <pc:docMk/>
+            <pc:sldMk cId="3796892622" sldId="274"/>
+            <ac:cxnSpMk id="41" creationId="{7090CA9B-95F9-5863-BAC8-29CB15DA16CC}"/>
+          </ac:cxnSpMkLst>
+        </pc:cxnChg>
+        <pc:cxnChg chg="add mod">
+          <ac:chgData name="Rui Han" userId="S::k23119288@kcl.ac.uk::8c6a83e8-8193-4023-9bf9-2a67b7f8866f" providerId="AD" clId="Web-{8E553B16-FF58-E2CE-DEAB-2D0B033E9A90}" dt="2024-04-07T19:25:31.751" v="390" actId="14100"/>
+          <ac:cxnSpMkLst>
+            <pc:docMk/>
+            <pc:sldMk cId="3796892622" sldId="274"/>
+            <ac:cxnSpMk id="43" creationId="{FC3582A8-6E30-D0D7-4E6A-700C00FD1C1A}"/>
+          </ac:cxnSpMkLst>
+        </pc:cxnChg>
+        <pc:cxnChg chg="add del mod">
+          <ac:chgData name="Rui Han" userId="S::k23119288@kcl.ac.uk::8c6a83e8-8193-4023-9bf9-2a67b7f8866f" providerId="AD" clId="Web-{8E553B16-FF58-E2CE-DEAB-2D0B033E9A90}" dt="2024-04-07T19:18:04.843" v="324"/>
+          <ac:cxnSpMkLst>
+            <pc:docMk/>
+            <pc:sldMk cId="3796892622" sldId="274"/>
+            <ac:cxnSpMk id="44" creationId="{E546EFB5-9BB4-B6A1-787E-18D89B1A0EFA}"/>
+          </ac:cxnSpMkLst>
+        </pc:cxnChg>
+        <pc:cxnChg chg="add del mod">
+          <ac:chgData name="Rui Han" userId="S::k23119288@kcl.ac.uk::8c6a83e8-8193-4023-9bf9-2a67b7f8866f" providerId="AD" clId="Web-{8E553B16-FF58-E2CE-DEAB-2D0B033E9A90}" dt="2024-04-07T19:19:09.502" v="342"/>
+          <ac:cxnSpMkLst>
+            <pc:docMk/>
+            <pc:sldMk cId="3796892622" sldId="274"/>
+            <ac:cxnSpMk id="45" creationId="{2DDE7938-6278-235A-8333-C3C3B10F2EF9}"/>
+          </ac:cxnSpMkLst>
+        </pc:cxnChg>
+        <pc:cxnChg chg="add del">
+          <ac:chgData name="Rui Han" userId="S::k23119288@kcl.ac.uk::8c6a83e8-8193-4023-9bf9-2a67b7f8866f" providerId="AD" clId="Web-{8E553B16-FF58-E2CE-DEAB-2D0B033E9A90}" dt="2024-04-07T19:19:58.816" v="348"/>
+          <ac:cxnSpMkLst>
+            <pc:docMk/>
+            <pc:sldMk cId="3796892622" sldId="274"/>
+            <ac:cxnSpMk id="47" creationId="{C73A9489-91A2-3B8E-2969-3D5E3BD95ECC}"/>
+          </ac:cxnSpMkLst>
+        </pc:cxnChg>
+        <pc:cxnChg chg="add del">
+          <ac:chgData name="Rui Han" userId="S::k23119288@kcl.ac.uk::8c6a83e8-8193-4023-9bf9-2a67b7f8866f" providerId="AD" clId="Web-{8E553B16-FF58-E2CE-DEAB-2D0B033E9A90}" dt="2024-04-07T19:20:13.738" v="351"/>
+          <ac:cxnSpMkLst>
+            <pc:docMk/>
+            <pc:sldMk cId="3796892622" sldId="274"/>
+            <ac:cxnSpMk id="49" creationId="{E955BFFD-63CE-CBF9-B8B7-4C062A0B680A}"/>
+          </ac:cxnSpMkLst>
+        </pc:cxnChg>
+        <pc:cxnChg chg="add del mod">
+          <ac:chgData name="Rui Han" userId="S::k23119288@kcl.ac.uk::8c6a83e8-8193-4023-9bf9-2a67b7f8866f" providerId="AD" clId="Web-{8E553B16-FF58-E2CE-DEAB-2D0B033E9A90}" dt="2024-04-07T19:20:52.896" v="358"/>
+          <ac:cxnSpMkLst>
+            <pc:docMk/>
+            <pc:sldMk cId="3796892622" sldId="274"/>
+            <ac:cxnSpMk id="51" creationId="{91E06DBD-CF86-242D-C419-9F83F238027F}"/>
+          </ac:cxnSpMkLst>
+        </pc:cxnChg>
+        <pc:cxnChg chg="add mod">
+          <ac:chgData name="Rui Han" userId="S::k23119288@kcl.ac.uk::8c6a83e8-8193-4023-9bf9-2a67b7f8866f" providerId="AD" clId="Web-{8E553B16-FF58-E2CE-DEAB-2D0B033E9A90}" dt="2024-04-07T19:26:07.861" v="397" actId="14100"/>
+          <ac:cxnSpMkLst>
+            <pc:docMk/>
+            <pc:sldMk cId="3796892622" sldId="274"/>
+            <ac:cxnSpMk id="53" creationId="{C3485417-BBBF-21A8-E3E0-E7D7257C58F6}"/>
+          </ac:cxnSpMkLst>
+        </pc:cxnChg>
+        <pc:cxnChg chg="add mod">
+          <ac:chgData name="Rui Han" userId="S::k23119288@kcl.ac.uk::8c6a83e8-8193-4023-9bf9-2a67b7f8866f" providerId="AD" clId="Web-{8E553B16-FF58-E2CE-DEAB-2D0B033E9A90}" dt="2024-04-07T19:24:15.857" v="388" actId="14100"/>
+          <ac:cxnSpMkLst>
+            <pc:docMk/>
+            <pc:sldMk cId="3796892622" sldId="274"/>
+            <ac:cxnSpMk id="54" creationId="{A012AE29-2AEF-B3E5-1BE2-680A69E462B7}"/>
+          </ac:cxnSpMkLst>
+        </pc:cxnChg>
+        <pc:cxnChg chg="add mod">
+          <ac:chgData name="Rui Han" userId="S::k23119288@kcl.ac.uk::8c6a83e8-8193-4023-9bf9-2a67b7f8866f" providerId="AD" clId="Web-{8E553B16-FF58-E2CE-DEAB-2D0B033E9A90}" dt="2024-04-07T19:31:00.280" v="446" actId="1076"/>
+          <ac:cxnSpMkLst>
+            <pc:docMk/>
+            <pc:sldMk cId="3796892622" sldId="274"/>
+            <ac:cxnSpMk id="55" creationId="{64AEB163-1BCA-269A-8D89-7FF8F7AA05DC}"/>
+          </ac:cxnSpMkLst>
+        </pc:cxnChg>
+        <pc:cxnChg chg="add mod">
+          <ac:chgData name="Rui Han" userId="S::k23119288@kcl.ac.uk::8c6a83e8-8193-4023-9bf9-2a67b7f8866f" providerId="AD" clId="Web-{8E553B16-FF58-E2CE-DEAB-2D0B033E9A90}" dt="2024-04-07T19:31:52.126" v="460"/>
+          <ac:cxnSpMkLst>
+            <pc:docMk/>
+            <pc:sldMk cId="3796892622" sldId="274"/>
+            <ac:cxnSpMk id="56" creationId="{F101E217-C472-2460-0B67-4CF731E58293}"/>
+          </ac:cxnSpMkLst>
+        </pc:cxnChg>
+        <pc:cxnChg chg="add mod">
+          <ac:chgData name="Rui Han" userId="S::k23119288@kcl.ac.uk::8c6a83e8-8193-4023-9bf9-2a67b7f8866f" providerId="AD" clId="Web-{8E553B16-FF58-E2CE-DEAB-2D0B033E9A90}" dt="2024-04-07T19:31:06.921" v="448"/>
+          <ac:cxnSpMkLst>
+            <pc:docMk/>
+            <pc:sldMk cId="3796892622" sldId="274"/>
+            <ac:cxnSpMk id="57" creationId="{163D2186-2D90-67D8-B7B8-51F3932E0BB1}"/>
+          </ac:cxnSpMkLst>
+        </pc:cxnChg>
+        <pc:cxnChg chg="add mod">
+          <ac:chgData name="Rui Han" userId="S::k23119288@kcl.ac.uk::8c6a83e8-8193-4023-9bf9-2a67b7f8866f" providerId="AD" clId="Web-{8E553B16-FF58-E2CE-DEAB-2D0B033E9A90}" dt="2024-04-07T19:31:06.905" v="447"/>
+          <ac:cxnSpMkLst>
+            <pc:docMk/>
+            <pc:sldMk cId="3796892622" sldId="274"/>
+            <ac:cxnSpMk id="58" creationId="{872B0DE1-D1B9-4BE9-FA0F-52E7DC71F60B}"/>
+          </ac:cxnSpMkLst>
+        </pc:cxnChg>
+      </pc:sldChg>
+      <pc:sldChg chg="addSp delSp modSp new del">
+        <pc:chgData name="Rui Han" userId="S::k23119288@kcl.ac.uk::8c6a83e8-8193-4023-9bf9-2a67b7f8866f" providerId="AD" clId="Web-{8E553B16-FF58-E2CE-DEAB-2D0B033E9A90}" dt="2024-04-07T19:37:45.640" v="512"/>
+        <pc:sldMkLst>
+          <pc:docMk/>
+          <pc:sldMk cId="915237761" sldId="275"/>
+        </pc:sldMkLst>
+        <pc:spChg chg="del">
+          <ac:chgData name="Rui Han" userId="S::k23119288@kcl.ac.uk::8c6a83e8-8193-4023-9bf9-2a67b7f8866f" providerId="AD" clId="Web-{8E553B16-FF58-E2CE-DEAB-2D0B033E9A90}" dt="2024-04-07T19:16:31.933" v="303"/>
+          <ac:spMkLst>
+            <pc:docMk/>
+            <pc:sldMk cId="915237761" sldId="275"/>
+            <ac:spMk id="2" creationId="{51CF2F89-0383-771E-E654-902387B5CF1D}"/>
+          </ac:spMkLst>
+        </pc:spChg>
+        <pc:spChg chg="del">
+          <ac:chgData name="Rui Han" userId="S::k23119288@kcl.ac.uk::8c6a83e8-8193-4023-9bf9-2a67b7f8866f" providerId="AD" clId="Web-{8E553B16-FF58-E2CE-DEAB-2D0B033E9A90}" dt="2024-04-07T19:16:36.355" v="305"/>
+          <ac:spMkLst>
+            <pc:docMk/>
+            <pc:sldMk cId="915237761" sldId="275"/>
+            <ac:spMk id="3" creationId="{26ACAB8B-E7D3-0532-E011-32E5F5CB87FE}"/>
+          </ac:spMkLst>
+        </pc:spChg>
+        <pc:spChg chg="del">
+          <ac:chgData name="Rui Han" userId="S::k23119288@kcl.ac.uk::8c6a83e8-8193-4023-9bf9-2a67b7f8866f" providerId="AD" clId="Web-{8E553B16-FF58-E2CE-DEAB-2D0B033E9A90}" dt="2024-04-07T19:16:35.324" v="304"/>
+          <ac:spMkLst>
+            <pc:docMk/>
+            <pc:sldMk cId="915237761" sldId="275"/>
+            <ac:spMk id="4" creationId="{ADCE4975-C911-ABD1-39BC-D4B4851A148A}"/>
+          </ac:spMkLst>
+        </pc:spChg>
+        <pc:spChg chg="del">
+          <ac:chgData name="Rui Han" userId="S::k23119288@kcl.ac.uk::8c6a83e8-8193-4023-9bf9-2a67b7f8866f" providerId="AD" clId="Web-{8E553B16-FF58-E2CE-DEAB-2D0B033E9A90}" dt="2024-04-07T19:16:37.230" v="306"/>
+          <ac:spMkLst>
+            <pc:docMk/>
+            <pc:sldMk cId="915237761" sldId="275"/>
+            <ac:spMk id="5" creationId="{885C90E2-715F-466E-182A-C1F86E09062D}"/>
+          </ac:spMkLst>
+        </pc:spChg>
+        <pc:spChg chg="del">
+          <ac:chgData name="Rui Han" userId="S::k23119288@kcl.ac.uk::8c6a83e8-8193-4023-9bf9-2a67b7f8866f" providerId="AD" clId="Web-{8E553B16-FF58-E2CE-DEAB-2D0B033E9A90}" dt="2024-04-07T19:16:38.918" v="307"/>
+          <ac:spMkLst>
+            <pc:docMk/>
+            <pc:sldMk cId="915237761" sldId="275"/>
+            <ac:spMk id="6" creationId="{E297A5B3-EC4D-7FC4-A74B-83B6359F9F2A}"/>
+          </ac:spMkLst>
+        </pc:spChg>
+        <pc:cxnChg chg="add del mod">
+          <ac:chgData name="Rui Han" userId="S::k23119288@kcl.ac.uk::8c6a83e8-8193-4023-9bf9-2a67b7f8866f" providerId="AD" clId="Web-{8E553B16-FF58-E2CE-DEAB-2D0B033E9A90}" dt="2024-04-07T19:19:13.705" v="344"/>
+          <ac:cxnSpMkLst>
+            <pc:docMk/>
+            <pc:sldMk cId="915237761" sldId="275"/>
+            <ac:cxnSpMk id="7" creationId="{890575C2-CFA6-1587-AE93-BDB7CB20488F}"/>
+          </ac:cxnSpMkLst>
+        </pc:cxnChg>
+        <pc:cxnChg chg="add mod">
+          <ac:chgData name="Rui Han" userId="S::k23119288@kcl.ac.uk::8c6a83e8-8193-4023-9bf9-2a67b7f8866f" providerId="AD" clId="Web-{8E553B16-FF58-E2CE-DEAB-2D0B033E9A90}" dt="2024-04-07T19:21:01.912" v="360" actId="14100"/>
+          <ac:cxnSpMkLst>
+            <pc:docMk/>
+            <pc:sldMk cId="915237761" sldId="275"/>
+            <ac:cxnSpMk id="8" creationId="{2DDE7938-6278-235A-8333-C3C3B10F2EF9}"/>
+          </ac:cxnSpMkLst>
+        </pc:cxnChg>
+      </pc:sldChg>
+    </pc:docChg>
+  </pc:docChgLst>
+  <pc:docChgLst>
+    <pc:chgData name="Rui Han" userId="S::k23119288@kcl.ac.uk::8c6a83e8-8193-4023-9bf9-2a67b7f8866f" providerId="AD" clId="Web-{21A9AED0-F6E0-ED77-7527-69AB24BE25FF}"/>
+    <pc:docChg chg="modSld">
+      <pc:chgData name="Rui Han" userId="S::k23119288@kcl.ac.uk::8c6a83e8-8193-4023-9bf9-2a67b7f8866f" providerId="AD" clId="Web-{21A9AED0-F6E0-ED77-7527-69AB24BE25FF}" dt="2024-04-08T13:42:43.261" v="198"/>
+      <pc:docMkLst>
+        <pc:docMk/>
+      </pc:docMkLst>
+      <pc:sldChg chg="modSp">
+        <pc:chgData name="Rui Han" userId="S::k23119288@kcl.ac.uk::8c6a83e8-8193-4023-9bf9-2a67b7f8866f" providerId="AD" clId="Web-{21A9AED0-F6E0-ED77-7527-69AB24BE25FF}" dt="2024-04-08T11:29:41.138" v="5" actId="20577"/>
+        <pc:sldMkLst>
+          <pc:docMk/>
+          <pc:sldMk cId="1121319609" sldId="256"/>
+        </pc:sldMkLst>
+        <pc:spChg chg="mod">
+          <ac:chgData name="Rui Han" userId="S::k23119288@kcl.ac.uk::8c6a83e8-8193-4023-9bf9-2a67b7f8866f" providerId="AD" clId="Web-{21A9AED0-F6E0-ED77-7527-69AB24BE25FF}" dt="2024-04-08T11:29:41.138" v="5" actId="20577"/>
+          <ac:spMkLst>
+            <pc:docMk/>
+            <pc:sldMk cId="1121319609" sldId="256"/>
+            <ac:spMk id="3" creationId="{6390F954-201E-5FB6-89D2-30CE761F2740}"/>
+          </ac:spMkLst>
+        </pc:spChg>
+      </pc:sldChg>
+      <pc:sldChg chg="modNotes">
+        <pc:chgData name="Rui Han" userId="S::k23119288@kcl.ac.uk::8c6a83e8-8193-4023-9bf9-2a67b7f8866f" providerId="AD" clId="Web-{21A9AED0-F6E0-ED77-7527-69AB24BE25FF}" dt="2024-04-08T13:42:43.261" v="198"/>
+        <pc:sldMkLst>
+          <pc:docMk/>
+          <pc:sldMk cId="1465049789" sldId="275"/>
+        </pc:sldMkLst>
+      </pc:sldChg>
+    </pc:docChg>
+  </pc:docChgLst>
+  <pc:docChgLst>
+    <pc:chgData name="Rui Han" userId="S::k23119288@kcl.ac.uk::8c6a83e8-8193-4023-9bf9-2a67b7f8866f" providerId="AD" clId="Web-{C97C7F44-C7C7-BF60-7A1A-A083CCEAD9EF}"/>
+    <pc:docChg chg="addSld modSld">
+      <pc:chgData name="Rui Han" userId="S::k23119288@kcl.ac.uk::8c6a83e8-8193-4023-9bf9-2a67b7f8866f" providerId="AD" clId="Web-{C97C7F44-C7C7-BF60-7A1A-A083CCEAD9EF}" dt="2024-04-07T18:41:24.234" v="11"/>
+      <pc:docMkLst>
+        <pc:docMk/>
+      </pc:docMkLst>
+      <pc:sldChg chg="addSp delSp modSp new">
+        <pc:chgData name="Rui Han" userId="S::k23119288@kcl.ac.uk::8c6a83e8-8193-4023-9bf9-2a67b7f8866f" providerId="AD" clId="Web-{C97C7F44-C7C7-BF60-7A1A-A083CCEAD9EF}" dt="2024-04-07T18:41:24.234" v="11"/>
+        <pc:sldMkLst>
+          <pc:docMk/>
+          <pc:sldMk cId="3796892622" sldId="274"/>
+        </pc:sldMkLst>
+        <pc:spChg chg="del">
+          <ac:chgData name="Rui Han" userId="S::k23119288@kcl.ac.uk::8c6a83e8-8193-4023-9bf9-2a67b7f8866f" providerId="AD" clId="Web-{C97C7F44-C7C7-BF60-7A1A-A083CCEAD9EF}" dt="2024-04-07T18:37:56.135" v="1"/>
+          <ac:spMkLst>
+            <pc:docMk/>
+            <pc:sldMk cId="3796892622" sldId="274"/>
+            <ac:spMk id="2" creationId="{65CB89EA-9802-626B-AD28-0D8ED1B878CB}"/>
+          </ac:spMkLst>
+        </pc:spChg>
+        <pc:spChg chg="del">
+          <ac:chgData name="Rui Han" userId="S::k23119288@kcl.ac.uk::8c6a83e8-8193-4023-9bf9-2a67b7f8866f" providerId="AD" clId="Web-{C97C7F44-C7C7-BF60-7A1A-A083CCEAD9EF}" dt="2024-04-07T18:37:57.948" v="2"/>
+          <ac:spMkLst>
+            <pc:docMk/>
+            <pc:sldMk cId="3796892622" sldId="274"/>
+            <ac:spMk id="3" creationId="{D2212281-8F5D-BDB3-75C6-6E9752C0B966}"/>
+          </ac:spMkLst>
+        </pc:spChg>
+        <pc:spChg chg="del">
+          <ac:chgData name="Rui Han" userId="S::k23119288@kcl.ac.uk::8c6a83e8-8193-4023-9bf9-2a67b7f8866f" providerId="AD" clId="Web-{C97C7F44-C7C7-BF60-7A1A-A083CCEAD9EF}" dt="2024-04-07T18:38:00.010" v="3"/>
+          <ac:spMkLst>
+            <pc:docMk/>
+            <pc:sldMk cId="3796892622" sldId="274"/>
+            <ac:spMk id="4" creationId="{FEECD331-7B9A-B96E-77D9-A1BEC20235BB}"/>
+          </ac:spMkLst>
+        </pc:spChg>
+        <pc:spChg chg="del">
+          <ac:chgData name="Rui Han" userId="S::k23119288@kcl.ac.uk::8c6a83e8-8193-4023-9bf9-2a67b7f8866f" providerId="AD" clId="Web-{C97C7F44-C7C7-BF60-7A1A-A083CCEAD9EF}" dt="2024-04-07T18:38:01.526" v="4"/>
+          <ac:spMkLst>
+            <pc:docMk/>
+            <pc:sldMk cId="3796892622" sldId="274"/>
+            <ac:spMk id="5" creationId="{95E16FA6-C314-3F98-B68B-F5E7F395671A}"/>
+          </ac:spMkLst>
+        </pc:spChg>
+        <pc:spChg chg="del">
+          <ac:chgData name="Rui Han" userId="S::k23119288@kcl.ac.uk::8c6a83e8-8193-4023-9bf9-2a67b7f8866f" providerId="AD" clId="Web-{C97C7F44-C7C7-BF60-7A1A-A083CCEAD9EF}" dt="2024-04-07T18:38:02.963" v="5"/>
+          <ac:spMkLst>
+            <pc:docMk/>
+            <pc:sldMk cId="3796892622" sldId="274"/>
+            <ac:spMk id="6" creationId="{525B4C1C-15BE-7AEE-5C47-E7A5D8655816}"/>
+          </ac:spMkLst>
+        </pc:spChg>
+        <pc:spChg chg="add del">
+          <ac:chgData name="Rui Han" userId="S::k23119288@kcl.ac.uk::8c6a83e8-8193-4023-9bf9-2a67b7f8866f" providerId="AD" clId="Web-{C97C7F44-C7C7-BF60-7A1A-A083CCEAD9EF}" dt="2024-04-07T18:41:13.078" v="7"/>
+          <ac:spMkLst>
+            <pc:docMk/>
+            <pc:sldMk cId="3796892622" sldId="274"/>
+            <ac:spMk id="7" creationId="{B457E188-A845-4F42-1D6B-C7F87C2380E4}"/>
+          </ac:spMkLst>
+        </pc:spChg>
+        <pc:spChg chg="add mod">
+          <ac:chgData name="Rui Han" userId="S::k23119288@kcl.ac.uk::8c6a83e8-8193-4023-9bf9-2a67b7f8866f" providerId="AD" clId="Web-{C97C7F44-C7C7-BF60-7A1A-A083CCEAD9EF}" dt="2024-04-07T18:41:24.234" v="11"/>
+          <ac:spMkLst>
+            <pc:docMk/>
+            <pc:sldMk cId="3796892622" sldId="274"/>
+            <ac:spMk id="8" creationId="{25587B87-27B2-DE4F-7796-CDB7AB32C353}"/>
+          </ac:spMkLst>
+        </pc:spChg>
+      </pc:sldChg>
+    </pc:docChg>
+  </pc:docChgLst>
+  <pc:docChgLst>
+    <pc:chgData name="Zhenguan Tu" userId="S::k23018747@kcl.ac.uk::468d2d5b-a61a-4cd5-91eb-aefdd85c9c62" providerId="AD" clId="Web-{A9E28DF4-9687-980D-A9DA-6940C6E804DD}"/>
+    <pc:docChg chg="modSld">
+      <pc:chgData name="Zhenguan Tu" userId="S::k23018747@kcl.ac.uk::468d2d5b-a61a-4cd5-91eb-aefdd85c9c62" providerId="AD" clId="Web-{A9E28DF4-9687-980D-A9DA-6940C6E804DD}" dt="2024-04-08T13:24:51.460" v="52" actId="20577"/>
+      <pc:docMkLst>
+        <pc:docMk/>
+      </pc:docMkLst>
+      <pc:sldChg chg="modSp">
+        <pc:chgData name="Zhenguan Tu" userId="S::k23018747@kcl.ac.uk::468d2d5b-a61a-4cd5-91eb-aefdd85c9c62" providerId="AD" clId="Web-{A9E28DF4-9687-980D-A9DA-6940C6E804DD}" dt="2024-04-08T12:20:58.870" v="6" actId="20577"/>
+        <pc:sldMkLst>
+          <pc:docMk/>
+          <pc:sldMk cId="1250005701" sldId="258"/>
+        </pc:sldMkLst>
+        <pc:spChg chg="mod">
+          <ac:chgData name="Zhenguan Tu" userId="S::k23018747@kcl.ac.uk::468d2d5b-a61a-4cd5-91eb-aefdd85c9c62" providerId="AD" clId="Web-{A9E28DF4-9687-980D-A9DA-6940C6E804DD}" dt="2024-04-08T12:20:58.870" v="6" actId="20577"/>
+          <ac:spMkLst>
+            <pc:docMk/>
+            <pc:sldMk cId="1250005701" sldId="258"/>
+            <ac:spMk id="3" creationId="{4C1562F5-F40D-64AA-F3C4-D351084A4C54}"/>
+          </ac:spMkLst>
+        </pc:spChg>
+      </pc:sldChg>
+      <pc:sldChg chg="modSp">
+        <pc:chgData name="Zhenguan Tu" userId="S::k23018747@kcl.ac.uk::468d2d5b-a61a-4cd5-91eb-aefdd85c9c62" providerId="AD" clId="Web-{A9E28DF4-9687-980D-A9DA-6940C6E804DD}" dt="2024-04-08T12:27:34.582" v="15" actId="20577"/>
+        <pc:sldMkLst>
+          <pc:docMk/>
+          <pc:sldMk cId="2120016859" sldId="259"/>
+        </pc:sldMkLst>
+        <pc:spChg chg="mod">
+          <ac:chgData name="Zhenguan Tu" userId="S::k23018747@kcl.ac.uk::468d2d5b-a61a-4cd5-91eb-aefdd85c9c62" providerId="AD" clId="Web-{A9E28DF4-9687-980D-A9DA-6940C6E804DD}" dt="2024-04-08T12:27:34.582" v="15" actId="20577"/>
+          <ac:spMkLst>
+            <pc:docMk/>
+            <pc:sldMk cId="2120016859" sldId="259"/>
+            <ac:spMk id="6" creationId="{613D2384-1D06-A55A-A0BF-9DF49C817B65}"/>
+          </ac:spMkLst>
+        </pc:spChg>
+      </pc:sldChg>
+      <pc:sldChg chg="modSp">
+        <pc:chgData name="Zhenguan Tu" userId="S::k23018747@kcl.ac.uk::468d2d5b-a61a-4cd5-91eb-aefdd85c9c62" providerId="AD" clId="Web-{A9E28DF4-9687-980D-A9DA-6940C6E804DD}" dt="2024-04-08T13:23:42.333" v="32" actId="20577"/>
+        <pc:sldMkLst>
+          <pc:docMk/>
+          <pc:sldMk cId="1442726308" sldId="262"/>
+        </pc:sldMkLst>
+        <pc:spChg chg="mod">
+          <ac:chgData name="Zhenguan Tu" userId="S::k23018747@kcl.ac.uk::468d2d5b-a61a-4cd5-91eb-aefdd85c9c62" providerId="AD" clId="Web-{A9E28DF4-9687-980D-A9DA-6940C6E804DD}" dt="2024-04-08T13:23:42.333" v="32" actId="20577"/>
+          <ac:spMkLst>
+            <pc:docMk/>
+            <pc:sldMk cId="1442726308" sldId="262"/>
+            <ac:spMk id="3" creationId="{4C1562F5-F40D-64AA-F3C4-D351084A4C54}"/>
+          </ac:spMkLst>
+        </pc:spChg>
+        <pc:picChg chg="mod">
+          <ac:chgData name="Zhenguan Tu" userId="S::k23018747@kcl.ac.uk::468d2d5b-a61a-4cd5-91eb-aefdd85c9c62" providerId="AD" clId="Web-{A9E28DF4-9687-980D-A9DA-6940C6E804DD}" dt="2024-04-08T12:46:29.906" v="23" actId="1076"/>
+          <ac:picMkLst>
+            <pc:docMk/>
+            <pc:sldMk cId="1442726308" sldId="262"/>
+            <ac:picMk id="6" creationId="{81F49876-75BB-99CC-AEE7-356AD9FF8C31}"/>
+          </ac:picMkLst>
+        </pc:picChg>
+      </pc:sldChg>
+      <pc:sldChg chg="modSp">
+        <pc:chgData name="Zhenguan Tu" userId="S::k23018747@kcl.ac.uk::468d2d5b-a61a-4cd5-91eb-aefdd85c9c62" providerId="AD" clId="Web-{A9E28DF4-9687-980D-A9DA-6940C6E804DD}" dt="2024-04-08T13:05:49.792" v="25" actId="1076"/>
+        <pc:sldMkLst>
+          <pc:docMk/>
+          <pc:sldMk cId="2250093596" sldId="264"/>
+        </pc:sldMkLst>
+        <pc:picChg chg="mod">
+          <ac:chgData name="Zhenguan Tu" userId="S::k23018747@kcl.ac.uk::468d2d5b-a61a-4cd5-91eb-aefdd85c9c62" providerId="AD" clId="Web-{A9E28DF4-9687-980D-A9DA-6940C6E804DD}" dt="2024-04-08T13:05:49.792" v="25" actId="1076"/>
+          <ac:picMkLst>
+            <pc:docMk/>
+            <pc:sldMk cId="2250093596" sldId="264"/>
+            <ac:picMk id="3" creationId="{21A60E41-E8BD-7ACE-0022-14C4D30FB5A2}"/>
+          </ac:picMkLst>
+        </pc:picChg>
+      </pc:sldChg>
+      <pc:sldChg chg="modSp">
+        <pc:chgData name="Zhenguan Tu" userId="S::k23018747@kcl.ac.uk::468d2d5b-a61a-4cd5-91eb-aefdd85c9c62" providerId="AD" clId="Web-{A9E28DF4-9687-980D-A9DA-6940C6E804DD}" dt="2024-04-08T13:08:54.906" v="26" actId="1076"/>
+        <pc:sldMkLst>
+          <pc:docMk/>
+          <pc:sldMk cId="1156306874" sldId="265"/>
+        </pc:sldMkLst>
+        <pc:picChg chg="mod">
+          <ac:chgData name="Zhenguan Tu" userId="S::k23018747@kcl.ac.uk::468d2d5b-a61a-4cd5-91eb-aefdd85c9c62" providerId="AD" clId="Web-{A9E28DF4-9687-980D-A9DA-6940C6E804DD}" dt="2024-04-08T12:43:22.964" v="19" actId="1076"/>
+          <ac:picMkLst>
+            <pc:docMk/>
+            <pc:sldMk cId="1156306874" sldId="265"/>
+            <ac:picMk id="3" creationId="{37CE5579-23A9-D5AB-C20B-39238BFEE6F1}"/>
+          </ac:picMkLst>
+        </pc:picChg>
+        <pc:picChg chg="mod">
+          <ac:chgData name="Zhenguan Tu" userId="S::k23018747@kcl.ac.uk::468d2d5b-a61a-4cd5-91eb-aefdd85c9c62" providerId="AD" clId="Web-{A9E28DF4-9687-980D-A9DA-6940C6E804DD}" dt="2024-04-08T12:43:20.229" v="18" actId="1076"/>
+          <ac:picMkLst>
+            <pc:docMk/>
+            <pc:sldMk cId="1156306874" sldId="265"/>
+            <ac:picMk id="5" creationId="{56918E5D-AEA8-4534-0C31-6888527FB5A1}"/>
+          </ac:picMkLst>
+        </pc:picChg>
+        <pc:picChg chg="mod">
+          <ac:chgData name="Zhenguan Tu" userId="S::k23018747@kcl.ac.uk::468d2d5b-a61a-4cd5-91eb-aefdd85c9c62" providerId="AD" clId="Web-{A9E28DF4-9687-980D-A9DA-6940C6E804DD}" dt="2024-04-08T13:08:54.906" v="26" actId="1076"/>
+          <ac:picMkLst>
+            <pc:docMk/>
+            <pc:sldMk cId="1156306874" sldId="265"/>
+            <ac:picMk id="9" creationId="{2E3DE329-D96D-924C-EA6B-900C97CE7D53}"/>
+          </ac:picMkLst>
+        </pc:picChg>
+      </pc:sldChg>
+      <pc:sldChg chg="modSp">
+        <pc:chgData name="Zhenguan Tu" userId="S::k23018747@kcl.ac.uk::468d2d5b-a61a-4cd5-91eb-aefdd85c9c62" providerId="AD" clId="Web-{A9E28DF4-9687-980D-A9DA-6940C6E804DD}" dt="2024-04-08T13:24:51.460" v="52" actId="20577"/>
+        <pc:sldMkLst>
+          <pc:docMk/>
+          <pc:sldMk cId="1695058687" sldId="266"/>
+        </pc:sldMkLst>
+        <pc:spChg chg="mod">
+          <ac:chgData name="Zhenguan Tu" userId="S::k23018747@kcl.ac.uk::468d2d5b-a61a-4cd5-91eb-aefdd85c9c62" providerId="AD" clId="Web-{A9E28DF4-9687-980D-A9DA-6940C6E804DD}" dt="2024-04-08T13:24:51.460" v="52" actId="20577"/>
+          <ac:spMkLst>
+            <pc:docMk/>
+            <pc:sldMk cId="1695058687" sldId="266"/>
+            <ac:spMk id="3" creationId="{4C1562F5-F40D-64AA-F3C4-D351084A4C54}"/>
+          </ac:spMkLst>
+        </pc:spChg>
+      </pc:sldChg>
+      <pc:sldChg chg="mod modShow">
+        <pc:chgData name="Zhenguan Tu" userId="S::k23018747@kcl.ac.uk::468d2d5b-a61a-4cd5-91eb-aefdd85c9c62" providerId="AD" clId="Web-{A9E28DF4-9687-980D-A9DA-6940C6E804DD}" dt="2024-04-08T12:21:03.745" v="8"/>
+        <pc:sldMkLst>
+          <pc:docMk/>
+          <pc:sldMk cId="1821135970" sldId="272"/>
+        </pc:sldMkLst>
+      </pc:sldChg>
+    </pc:docChg>
+  </pc:docChgLst>
+  <pc:docChgLst>
+    <pc:chgData name="Zhenguan Tu" userId="S::k23018747@kcl.ac.uk::468d2d5b-a61a-4cd5-91eb-aefdd85c9c62" providerId="AD" clId="Web-{581415C7-589B-ECF3-583E-187CEF9CC53E}"/>
+    <pc:docChg chg="modSld">
+      <pc:chgData name="Zhenguan Tu" userId="S::k23018747@kcl.ac.uk::468d2d5b-a61a-4cd5-91eb-aefdd85c9c62" providerId="AD" clId="Web-{581415C7-589B-ECF3-583E-187CEF9CC53E}" dt="2024-04-05T10:49:51.273" v="3" actId="1076"/>
+      <pc:docMkLst>
+        <pc:docMk/>
+      </pc:docMkLst>
+      <pc:sldChg chg="modSp">
+        <pc:chgData name="Zhenguan Tu" userId="S::k23018747@kcl.ac.uk::468d2d5b-a61a-4cd5-91eb-aefdd85c9c62" providerId="AD" clId="Web-{581415C7-589B-ECF3-583E-187CEF9CC53E}" dt="2024-04-05T10:49:51.273" v="3" actId="1076"/>
+        <pc:sldMkLst>
+          <pc:docMk/>
+          <pc:sldMk cId="1628722627" sldId="261"/>
+        </pc:sldMkLst>
+        <pc:picChg chg="mod">
+          <ac:chgData name="Zhenguan Tu" userId="S::k23018747@kcl.ac.uk::468d2d5b-a61a-4cd5-91eb-aefdd85c9c62" providerId="AD" clId="Web-{581415C7-589B-ECF3-583E-187CEF9CC53E}" dt="2024-04-05T10:49:46.867" v="1" actId="1076"/>
+          <ac:picMkLst>
+            <pc:docMk/>
+            <pc:sldMk cId="1628722627" sldId="261"/>
+            <ac:picMk id="27" creationId="{A1FB0C55-B218-F5D9-A9F2-504618C136CC}"/>
+          </ac:picMkLst>
+        </pc:picChg>
+        <pc:picChg chg="mod">
+          <ac:chgData name="Zhenguan Tu" userId="S::k23018747@kcl.ac.uk::468d2d5b-a61a-4cd5-91eb-aefdd85c9c62" providerId="AD" clId="Web-{581415C7-589B-ECF3-583E-187CEF9CC53E}" dt="2024-04-05T10:49:51.273" v="3" actId="1076"/>
+          <ac:picMkLst>
+            <pc:docMk/>
+            <pc:sldMk cId="1628722627" sldId="261"/>
+            <ac:picMk id="30" creationId="{5B121E2C-3D6B-174E-3834-26EABA38FB60}"/>
+          </ac:picMkLst>
+        </pc:picChg>
+      </pc:sldChg>
+    </pc:docChg>
+  </pc:docChgLst>
+  <pc:docChgLst>
+    <pc:chgData name="Rui Han" userId="S::k23119288@kcl.ac.uk::8c6a83e8-8193-4023-9bf9-2a67b7f8866f" providerId="AD" clId="Web-{FE53D3F6-C645-F0A3-3AB7-E4089454F1A5}"/>
+    <pc:docChg chg="modSld">
+      <pc:chgData name="Rui Han" userId="S::k23119288@kcl.ac.uk::8c6a83e8-8193-4023-9bf9-2a67b7f8866f" providerId="AD" clId="Web-{FE53D3F6-C645-F0A3-3AB7-E4089454F1A5}" dt="2024-04-08T15:36:22.977" v="604"/>
+      <pc:docMkLst>
+        <pc:docMk/>
+      </pc:docMkLst>
+      <pc:sldChg chg="modNotes">
+        <pc:chgData name="Rui Han" userId="S::k23119288@kcl.ac.uk::8c6a83e8-8193-4023-9bf9-2a67b7f8866f" providerId="AD" clId="Web-{FE53D3F6-C645-F0A3-3AB7-E4089454F1A5}" dt="2024-04-08T14:10:01.420" v="265"/>
+        <pc:sldMkLst>
+          <pc:docMk/>
+          <pc:sldMk cId="1121319609" sldId="256"/>
+        </pc:sldMkLst>
+      </pc:sldChg>
+      <pc:sldChg chg="modSp modNotes">
+        <pc:chgData name="Rui Han" userId="S::k23119288@kcl.ac.uk::8c6a83e8-8193-4023-9bf9-2a67b7f8866f" providerId="AD" clId="Web-{FE53D3F6-C645-F0A3-3AB7-E4089454F1A5}" dt="2024-04-08T15:36:22.977" v="604"/>
+        <pc:sldMkLst>
+          <pc:docMk/>
+          <pc:sldMk cId="482134465" sldId="257"/>
+        </pc:sldMkLst>
+        <pc:spChg chg="mod">
+          <ac:chgData name="Rui Han" userId="S::k23119288@kcl.ac.uk::8c6a83e8-8193-4023-9bf9-2a67b7f8866f" providerId="AD" clId="Web-{FE53D3F6-C645-F0A3-3AB7-E4089454F1A5}" dt="2024-04-08T14:41:30.699" v="471" actId="20577"/>
+          <ac:spMkLst>
+            <pc:docMk/>
+            <pc:sldMk cId="482134465" sldId="257"/>
+            <ac:spMk id="3" creationId="{4C1562F5-F40D-64AA-F3C4-D351084A4C54}"/>
+          </ac:spMkLst>
+        </pc:spChg>
+      </pc:sldChg>
+      <pc:sldChg chg="modSp modNotes">
+        <pc:chgData name="Rui Han" userId="S::k23119288@kcl.ac.uk::8c6a83e8-8193-4023-9bf9-2a67b7f8866f" providerId="AD" clId="Web-{FE53D3F6-C645-F0A3-3AB7-E4089454F1A5}" dt="2024-04-08T14:55:46.842" v="534" actId="1076"/>
+        <pc:sldMkLst>
+          <pc:docMk/>
+          <pc:sldMk cId="1250005701" sldId="258"/>
+        </pc:sldMkLst>
+        <pc:picChg chg="mod">
+          <ac:chgData name="Rui Han" userId="S::k23119288@kcl.ac.uk::8c6a83e8-8193-4023-9bf9-2a67b7f8866f" providerId="AD" clId="Web-{FE53D3F6-C645-F0A3-3AB7-E4089454F1A5}" dt="2024-04-08T14:55:46.842" v="534" actId="1076"/>
+          <ac:picMkLst>
+            <pc:docMk/>
+            <pc:sldMk cId="1250005701" sldId="258"/>
+            <ac:picMk id="12" creationId="{F3CCF2C6-5E08-CD84-AEF1-4D119705D692}"/>
+          </ac:picMkLst>
+        </pc:picChg>
+      </pc:sldChg>
+      <pc:sldChg chg="modSp modNotes">
+        <pc:chgData name="Rui Han" userId="S::k23119288@kcl.ac.uk::8c6a83e8-8193-4023-9bf9-2a67b7f8866f" providerId="AD" clId="Web-{FE53D3F6-C645-F0A3-3AB7-E4089454F1A5}" dt="2024-04-08T14:52:35.132" v="495"/>
+        <pc:sldMkLst>
+          <pc:docMk/>
+          <pc:sldMk cId="2120016859" sldId="259"/>
+        </pc:sldMkLst>
+        <pc:spChg chg="mod">
+          <ac:chgData name="Rui Han" userId="S::k23119288@kcl.ac.uk::8c6a83e8-8193-4023-9bf9-2a67b7f8866f" providerId="AD" clId="Web-{FE53D3F6-C645-F0A3-3AB7-E4089454F1A5}" dt="2024-04-08T14:38:58.146" v="441" actId="20577"/>
+          <ac:spMkLst>
+            <pc:docMk/>
+            <pc:sldMk cId="2120016859" sldId="259"/>
+            <ac:spMk id="6" creationId="{613D2384-1D06-A55A-A0BF-9DF49C817B65}"/>
+          </ac:spMkLst>
+        </pc:spChg>
+      </pc:sldChg>
+      <pc:sldChg chg="modNotes">
+        <pc:chgData name="Rui Han" userId="S::k23119288@kcl.ac.uk::8c6a83e8-8193-4023-9bf9-2a67b7f8866f" providerId="AD" clId="Web-{FE53D3F6-C645-F0A3-3AB7-E4089454F1A5}" dt="2024-04-08T14:14:21.712" v="356"/>
+        <pc:sldMkLst>
+          <pc:docMk/>
+          <pc:sldMk cId="790628603" sldId="268"/>
+        </pc:sldMkLst>
+      </pc:sldChg>
+      <pc:sldChg chg="mod modShow modNotes">
+        <pc:chgData name="Rui Han" userId="S::k23119288@kcl.ac.uk::8c6a83e8-8193-4023-9bf9-2a67b7f8866f" providerId="AD" clId="Web-{FE53D3F6-C645-F0A3-3AB7-E4089454F1A5}" dt="2024-04-08T14:44:49.050" v="472"/>
+        <pc:sldMkLst>
+          <pc:docMk/>
+          <pc:sldMk cId="1821135970" sldId="272"/>
+        </pc:sldMkLst>
+      </pc:sldChg>
+      <pc:sldChg chg="modNotes">
+        <pc:chgData name="Rui Han" userId="S::k23119288@kcl.ac.uk::8c6a83e8-8193-4023-9bf9-2a67b7f8866f" providerId="AD" clId="Web-{FE53D3F6-C645-F0A3-3AB7-E4089454F1A5}" dt="2024-04-08T14:13:22.913" v="325"/>
+        <pc:sldMkLst>
+          <pc:docMk/>
+          <pc:sldMk cId="1245597968" sldId="273"/>
+        </pc:sldMkLst>
+      </pc:sldChg>
+      <pc:sldChg chg="modNotes">
+        <pc:chgData name="Rui Han" userId="S::k23119288@kcl.ac.uk::8c6a83e8-8193-4023-9bf9-2a67b7f8866f" providerId="AD" clId="Web-{FE53D3F6-C645-F0A3-3AB7-E4089454F1A5}" dt="2024-04-08T14:51:51.114" v="487"/>
+        <pc:sldMkLst>
+          <pc:docMk/>
+          <pc:sldMk cId="1465049789" sldId="275"/>
+        </pc:sldMkLst>
+      </pc:sldChg>
+    </pc:docChg>
+  </pc:docChgLst>
+  <pc:docChgLst>
+    <pc:chgData name="Zhenguan Tu" userId="S::k23018747@kcl.ac.uk::468d2d5b-a61a-4cd5-91eb-aefdd85c9c62" providerId="AD" clId="Web-{BB6A72E2-3FD2-A707-4D70-993A1CBD2A1F}"/>
+    <pc:docChg chg="modSld">
+      <pc:chgData name="Zhenguan Tu" userId="S::k23018747@kcl.ac.uk::468d2d5b-a61a-4cd5-91eb-aefdd85c9c62" providerId="AD" clId="Web-{BB6A72E2-3FD2-A707-4D70-993A1CBD2A1F}" dt="2024-04-07T15:49:16.272" v="6" actId="1076"/>
+      <pc:docMkLst>
+        <pc:docMk/>
+      </pc:docMkLst>
+      <pc:sldChg chg="addSp delSp modSp">
+        <pc:chgData name="Zhenguan Tu" userId="S::k23018747@kcl.ac.uk::468d2d5b-a61a-4cd5-91eb-aefdd85c9c62" providerId="AD" clId="Web-{BB6A72E2-3FD2-A707-4D70-993A1CBD2A1F}" dt="2024-04-07T15:49:16.272" v="6" actId="1076"/>
+        <pc:sldMkLst>
+          <pc:docMk/>
+          <pc:sldMk cId="1156306874" sldId="265"/>
+        </pc:sldMkLst>
+        <pc:picChg chg="add mod">
+          <ac:chgData name="Zhenguan Tu" userId="S::k23018747@kcl.ac.uk::468d2d5b-a61a-4cd5-91eb-aefdd85c9c62" providerId="AD" clId="Web-{BB6A72E2-3FD2-A707-4D70-993A1CBD2A1F}" dt="2024-04-07T15:49:16.272" v="6" actId="1076"/>
+          <ac:picMkLst>
+            <pc:docMk/>
+            <pc:sldMk cId="1156306874" sldId="265"/>
+            <ac:picMk id="3" creationId="{37CE5579-23A9-D5AB-C20B-39238BFEE6F1}"/>
+          </ac:picMkLst>
+        </pc:picChg>
+        <pc:picChg chg="del">
+          <ac:chgData name="Zhenguan Tu" userId="S::k23018747@kcl.ac.uk::468d2d5b-a61a-4cd5-91eb-aefdd85c9c62" providerId="AD" clId="Web-{BB6A72E2-3FD2-A707-4D70-993A1CBD2A1F}" dt="2024-04-07T15:49:04.131" v="0"/>
+          <ac:picMkLst>
+            <pc:docMk/>
+            <pc:sldMk cId="1156306874" sldId="265"/>
+            <ac:picMk id="4" creationId="{28E07345-86C2-283D-CAAD-AC8500951490}"/>
+          </ac:picMkLst>
+        </pc:picChg>
+      </pc:sldChg>
+    </pc:docChg>
+  </pc:docChgLst>
+  <pc:docChgLst>
+    <pc:chgData name="Zhenguan Tu" userId="S::k23018747@kcl.ac.uk::468d2d5b-a61a-4cd5-91eb-aefdd85c9c62" providerId="AD" clId="Web-{B8F4A936-3EC9-7A40-E3B3-D95093241524}"/>
+    <pc:docChg chg="modSld">
+      <pc:chgData name="Zhenguan Tu" userId="S::k23018747@kcl.ac.uk::468d2d5b-a61a-4cd5-91eb-aefdd85c9c62" providerId="AD" clId="Web-{B8F4A936-3EC9-7A40-E3B3-D95093241524}" dt="2024-04-07T18:44:32.921" v="324" actId="1076"/>
+      <pc:docMkLst>
+        <pc:docMk/>
+      </pc:docMkLst>
+      <pc:sldChg chg="modSp">
+        <pc:chgData name="Zhenguan Tu" userId="S::k23018747@kcl.ac.uk::468d2d5b-a61a-4cd5-91eb-aefdd85c9c62" providerId="AD" clId="Web-{B8F4A936-3EC9-7A40-E3B3-D95093241524}" dt="2024-04-07T18:05:48.268" v="5" actId="20577"/>
+        <pc:sldMkLst>
+          <pc:docMk/>
+          <pc:sldMk cId="1121319609" sldId="256"/>
+        </pc:sldMkLst>
+        <pc:spChg chg="mod">
+          <ac:chgData name="Zhenguan Tu" userId="S::k23018747@kcl.ac.uk::468d2d5b-a61a-4cd5-91eb-aefdd85c9c62" providerId="AD" clId="Web-{B8F4A936-3EC9-7A40-E3B3-D95093241524}" dt="2024-04-07T18:05:48.268" v="5" actId="20577"/>
+          <ac:spMkLst>
+            <pc:docMk/>
+            <pc:sldMk cId="1121319609" sldId="256"/>
+            <ac:spMk id="3" creationId="{6390F954-201E-5FB6-89D2-30CE761F2740}"/>
+          </ac:spMkLst>
+        </pc:spChg>
+      </pc:sldChg>
+      <pc:sldChg chg="addSp delSp modSp">
+        <pc:chgData name="Zhenguan Tu" userId="S::k23018747@kcl.ac.uk::468d2d5b-a61a-4cd5-91eb-aefdd85c9c62" providerId="AD" clId="Web-{B8F4A936-3EC9-7A40-E3B3-D95093241524}" dt="2024-04-07T18:44:32.921" v="324" actId="1076"/>
+        <pc:sldMkLst>
+          <pc:docMk/>
+          <pc:sldMk cId="2879788175" sldId="267"/>
+        </pc:sldMkLst>
+        <pc:spChg chg="add del">
+          <ac:chgData name="Zhenguan Tu" userId="S::k23018747@kcl.ac.uk::468d2d5b-a61a-4cd5-91eb-aefdd85c9c62" providerId="AD" clId="Web-{B8F4A936-3EC9-7A40-E3B3-D95093241524}" dt="2024-04-07T18:43:33.059" v="314"/>
+          <ac:spMkLst>
+            <pc:docMk/>
+            <pc:sldMk cId="2879788175" sldId="267"/>
+            <ac:spMk id="3" creationId="{4C1562F5-F40D-64AA-F3C4-D351084A4C54}"/>
+          </ac:spMkLst>
+        </pc:spChg>
+        <pc:spChg chg="add mod">
+          <ac:chgData name="Zhenguan Tu" userId="S::k23018747@kcl.ac.uk::468d2d5b-a61a-4cd5-91eb-aefdd85c9c62" providerId="AD" clId="Web-{B8F4A936-3EC9-7A40-E3B3-D95093241524}" dt="2024-04-07T18:44:32.921" v="324" actId="1076"/>
+          <ac:spMkLst>
+            <pc:docMk/>
+            <pc:sldMk cId="2879788175" sldId="267"/>
+            <ac:spMk id="13" creationId="{CF209E0D-14A3-38BE-03C0-F4A526C12B20}"/>
+          </ac:spMkLst>
+        </pc:spChg>
+        <pc:graphicFrameChg chg="add del mod ord modGraphic">
+          <ac:chgData name="Zhenguan Tu" userId="S::k23018747@kcl.ac.uk::468d2d5b-a61a-4cd5-91eb-aefdd85c9c62" providerId="AD" clId="Web-{B8F4A936-3EC9-7A40-E3B3-D95093241524}" dt="2024-04-07T18:42:46.183" v="313"/>
+          <ac:graphicFrameMkLst>
+            <pc:docMk/>
+            <pc:sldMk cId="2879788175" sldId="267"/>
+            <ac:graphicFrameMk id="4" creationId="{659EC900-9944-2E81-0355-AFF2959997D4}"/>
+          </ac:graphicFrameMkLst>
+        </pc:graphicFrameChg>
+        <pc:picChg chg="add mod ord">
+          <ac:chgData name="Zhenguan Tu" userId="S::k23018747@kcl.ac.uk::468d2d5b-a61a-4cd5-91eb-aefdd85c9c62" providerId="AD" clId="Web-{B8F4A936-3EC9-7A40-E3B3-D95093241524}" dt="2024-04-07T18:43:45.029" v="315" actId="14100"/>
+          <ac:picMkLst>
+            <pc:docMk/>
+            <pc:sldMk cId="2879788175" sldId="267"/>
+            <ac:picMk id="12" creationId="{5BB84CBE-4E0E-798C-B26A-BE0767116A4D}"/>
+          </ac:picMkLst>
+        </pc:picChg>
+      </pc:sldChg>
+      <pc:sldChg chg="modNotes">
+        <pc:chgData name="Zhenguan Tu" userId="S::k23018747@kcl.ac.uk::468d2d5b-a61a-4cd5-91eb-aefdd85c9c62" providerId="AD" clId="Web-{B8F4A936-3EC9-7A40-E3B3-D95093241524}" dt="2024-04-07T18:33:42.536" v="228"/>
+        <pc:sldMkLst>
+          <pc:docMk/>
+          <pc:sldMk cId="425734077" sldId="269"/>
+        </pc:sldMkLst>
+      </pc:sldChg>
+      <pc:sldChg chg="modNotes">
+        <pc:chgData name="Zhenguan Tu" userId="S::k23018747@kcl.ac.uk::468d2d5b-a61a-4cd5-91eb-aefdd85c9c62" providerId="AD" clId="Web-{B8F4A936-3EC9-7A40-E3B3-D95093241524}" dt="2024-04-07T18:41:16.242" v="311"/>
+        <pc:sldMkLst>
+          <pc:docMk/>
+          <pc:sldMk cId="1089545603" sldId="270"/>
+        </pc:sldMkLst>
+      </pc:sldChg>
+    </pc:docChg>
+  </pc:docChgLst>
+  <pc:docChgLst>
+    <pc:chgData name="Zhenguan Tu" userId="S::k23018747@kcl.ac.uk::468d2d5b-a61a-4cd5-91eb-aefdd85c9c62" providerId="AD" clId="Web-{9AF6673E-2461-B093-772F-DC2AC79522A9}"/>
+    <pc:docChg chg="modSld">
+      <pc:chgData name="Zhenguan Tu" userId="S::k23018747@kcl.ac.uk::468d2d5b-a61a-4cd5-91eb-aefdd85c9c62" providerId="AD" clId="Web-{9AF6673E-2461-B093-772F-DC2AC79522A9}" dt="2024-04-08T15:36:38.382" v="29" actId="20577"/>
+      <pc:docMkLst>
+        <pc:docMk/>
+      </pc:docMkLst>
+      <pc:sldChg chg="modSp">
+        <pc:chgData name="Zhenguan Tu" userId="S::k23018747@kcl.ac.uk::468d2d5b-a61a-4cd5-91eb-aefdd85c9c62" providerId="AD" clId="Web-{9AF6673E-2461-B093-772F-DC2AC79522A9}" dt="2024-04-08T15:36:38.382" v="29" actId="20577"/>
+        <pc:sldMkLst>
+          <pc:docMk/>
+          <pc:sldMk cId="482134465" sldId="257"/>
+        </pc:sldMkLst>
+        <pc:spChg chg="mod">
+          <ac:chgData name="Zhenguan Tu" userId="S::k23018747@kcl.ac.uk::468d2d5b-a61a-4cd5-91eb-aefdd85c9c62" providerId="AD" clId="Web-{9AF6673E-2461-B093-772F-DC2AC79522A9}" dt="2024-04-08T15:36:38.382" v="29" actId="20577"/>
+          <ac:spMkLst>
+            <pc:docMk/>
+            <pc:sldMk cId="482134465" sldId="257"/>
+            <ac:spMk id="3" creationId="{4C1562F5-F40D-64AA-F3C4-D351084A4C54}"/>
+          </ac:spMkLst>
+        </pc:spChg>
+      </pc:sldChg>
+      <pc:sldChg chg="modSp">
+        <pc:chgData name="Zhenguan Tu" userId="S::k23018747@kcl.ac.uk::468d2d5b-a61a-4cd5-91eb-aefdd85c9c62" providerId="AD" clId="Web-{9AF6673E-2461-B093-772F-DC2AC79522A9}" dt="2024-04-08T15:18:13.523" v="0" actId="1076"/>
+        <pc:sldMkLst>
+          <pc:docMk/>
+          <pc:sldMk cId="2879788175" sldId="267"/>
+        </pc:sldMkLst>
+        <pc:picChg chg="mod">
+          <ac:chgData name="Zhenguan Tu" userId="S::k23018747@kcl.ac.uk::468d2d5b-a61a-4cd5-91eb-aefdd85c9c62" providerId="AD" clId="Web-{9AF6673E-2461-B093-772F-DC2AC79522A9}" dt="2024-04-08T15:18:13.523" v="0" actId="1076"/>
+          <ac:picMkLst>
+            <pc:docMk/>
+            <pc:sldMk cId="2879788175" sldId="267"/>
+            <ac:picMk id="6" creationId="{B8AF642F-8982-2E8F-2A02-E6354E6FA17F}"/>
+          </ac:picMkLst>
+        </pc:picChg>
       </pc:sldChg>
     </pc:docChg>
   </pc:docChgLst>
@@ -2022,10 +3534,10 @@
         <a:lstStyle/>
         <a:p>
           <a:r>
-            <a:rPr lang="en-US" dirty="0"/>
+            <a:rPr lang="en-US"/>
             <a:t>Target</a:t>
           </a:r>
-          <a:endParaRPr lang="en-GB" dirty="0"/>
+          <a:endParaRPr lang="en-GB"/>
         </a:p>
       </dgm:t>
     </dgm:pt>
@@ -2059,10 +3571,10 @@
         <a:lstStyle/>
         <a:p>
           <a:r>
-            <a:rPr lang="en-US" dirty="0"/>
+            <a:rPr lang="en-US"/>
             <a:t>Pathway generation</a:t>
           </a:r>
-          <a:endParaRPr lang="en-GB" dirty="0"/>
+          <a:endParaRPr lang="en-GB"/>
         </a:p>
       </dgm:t>
     </dgm:pt>
@@ -2096,33 +3608,33 @@
         <a:lstStyle/>
         <a:p>
           <a:r>
-            <a:rPr lang="en-US" dirty="0"/>
+            <a:rPr lang="en-US"/>
             <a:t>Jacobian based controller:</a:t>
           </a:r>
           <a:br>
-            <a:rPr lang="en-US" dirty="0"/>
+            <a:rPr lang="en-US"/>
           </a:br>
           <a:r>
-            <a:rPr lang="en-US" dirty="0"/>
+            <a:rPr lang="en-US"/>
             <a:t>d</a:t>
           </a:r>
           <a:r>
-            <a:rPr lang="el-GR" b="1" i="0" dirty="0"/>
+            <a:rPr lang="el-GR" b="1" i="0"/>
             <a:t>θ</a:t>
           </a:r>
           <a:r>
-            <a:rPr lang="en-US" dirty="0"/>
+            <a:rPr lang="en-US"/>
             <a:t> = J</a:t>
           </a:r>
           <a:r>
-            <a:rPr lang="en-US" baseline="30000" dirty="0"/>
+            <a:rPr lang="en-US" baseline="30000"/>
             <a:t>+</a:t>
           </a:r>
           <a:r>
-            <a:rPr lang="en-US" baseline="0" dirty="0"/>
+            <a:rPr lang="en-US" baseline="0"/>
             <a:t>(q).dx</a:t>
           </a:r>
-          <a:endParaRPr lang="en-GB" dirty="0"/>
+          <a:endParaRPr lang="en-GB"/>
         </a:p>
       </dgm:t>
     </dgm:pt>
@@ -2156,10 +3668,10 @@
         <a:lstStyle/>
         <a:p>
           <a:r>
-            <a:rPr lang="en-US" dirty="0"/>
+            <a:rPr lang="en-US"/>
             <a:t>PID velocity controller</a:t>
           </a:r>
-          <a:endParaRPr lang="en-GB" dirty="0"/>
+          <a:endParaRPr lang="en-GB"/>
         </a:p>
       </dgm:t>
     </dgm:pt>
@@ -2193,10 +3705,10 @@
         <a:lstStyle/>
         <a:p>
           <a:r>
-            <a:rPr lang="en-US" dirty="0"/>
+            <a:rPr lang="en-US"/>
             <a:t>Hardware interface</a:t>
           </a:r>
-          <a:endParaRPr lang="en-GB" dirty="0"/>
+          <a:endParaRPr lang="en-GB"/>
         </a:p>
       </dgm:t>
     </dgm:pt>
@@ -2342,7 +3854,7 @@
   <dgm:whole/>
   <dgm:extLst>
     <a:ext uri="http://schemas.microsoft.com/office/drawing/2008/diagram">
-      <dsp:dataModelExt xmlns:dsp="http://schemas.microsoft.com/office/drawing/2008/diagram" relId="rId6" minVer="http://schemas.openxmlformats.org/drawingml/2006/diagram"/>
+      <dsp:dataModelExt xmlns:dsp="http://schemas.microsoft.com/office/drawing/2008/diagram" relId="rId7" minVer="http://schemas.openxmlformats.org/drawingml/2006/diagram"/>
     </a:ext>
   </dgm:extLst>
 </dgm:dataModel>
@@ -2426,10 +3938,10 @@
             <a:buNone/>
           </a:pPr>
           <a:r>
-            <a:rPr lang="en-US" sz="1800" kern="1200" dirty="0"/>
+            <a:rPr lang="en-US" sz="1800" kern="1200"/>
             <a:t>Target</a:t>
           </a:r>
-          <a:endParaRPr lang="en-GB" sz="1800" kern="1200" dirty="0"/>
+          <a:endParaRPr lang="en-GB" sz="1800" kern="1200"/>
         </a:p>
       </dsp:txBody>
       <dsp:txXfrm>
@@ -2577,10 +4089,10 @@
             <a:buNone/>
           </a:pPr>
           <a:r>
-            <a:rPr lang="en-US" sz="1800" kern="1200" dirty="0"/>
+            <a:rPr lang="en-US" sz="1800" kern="1200"/>
             <a:t>Pathway generation</a:t>
           </a:r>
-          <a:endParaRPr lang="en-GB" sz="1800" kern="1200" dirty="0"/>
+          <a:endParaRPr lang="en-GB" sz="1800" kern="1200"/>
         </a:p>
       </dsp:txBody>
       <dsp:txXfrm>
@@ -2728,33 +4240,33 @@
             <a:buNone/>
           </a:pPr>
           <a:r>
-            <a:rPr lang="en-US" sz="1800" kern="1200" dirty="0"/>
+            <a:rPr lang="en-US" sz="1800" kern="1200"/>
             <a:t>Jacobian based controller:</a:t>
           </a:r>
           <a:br>
-            <a:rPr lang="en-US" sz="1800" kern="1200" dirty="0"/>
+            <a:rPr lang="en-US" sz="1800" kern="1200"/>
           </a:br>
           <a:r>
-            <a:rPr lang="en-US" sz="1800" kern="1200" dirty="0"/>
+            <a:rPr lang="en-US" sz="1800" kern="1200"/>
             <a:t>d</a:t>
           </a:r>
           <a:r>
-            <a:rPr lang="el-GR" sz="1800" b="1" i="0" kern="1200" dirty="0"/>
+            <a:rPr lang="el-GR" sz="1800" b="1" i="0" kern="1200"/>
             <a:t>θ</a:t>
           </a:r>
           <a:r>
-            <a:rPr lang="en-US" sz="1800" kern="1200" dirty="0"/>
+            <a:rPr lang="en-US" sz="1800" kern="1200"/>
             <a:t> = J</a:t>
           </a:r>
           <a:r>
-            <a:rPr lang="en-US" sz="1800" kern="1200" baseline="30000" dirty="0"/>
+            <a:rPr lang="en-US" sz="1800" kern="1200" baseline="30000"/>
             <a:t>+</a:t>
           </a:r>
           <a:r>
-            <a:rPr lang="en-US" sz="1800" kern="1200" baseline="0" dirty="0"/>
+            <a:rPr lang="en-US" sz="1800" kern="1200" baseline="0"/>
             <a:t>(q).dx</a:t>
           </a:r>
-          <a:endParaRPr lang="en-GB" sz="1800" kern="1200" dirty="0"/>
+          <a:endParaRPr lang="en-GB" sz="1800" kern="1200"/>
         </a:p>
       </dsp:txBody>
       <dsp:txXfrm>
@@ -2902,10 +4414,10 @@
             <a:buNone/>
           </a:pPr>
           <a:r>
-            <a:rPr lang="en-US" sz="1800" kern="1200" dirty="0"/>
+            <a:rPr lang="en-US" sz="1800" kern="1200"/>
             <a:t>PID velocity controller</a:t>
           </a:r>
-          <a:endParaRPr lang="en-GB" sz="1800" kern="1200" dirty="0"/>
+          <a:endParaRPr lang="en-GB" sz="1800" kern="1200"/>
         </a:p>
       </dsp:txBody>
       <dsp:txXfrm>
@@ -3053,10 +4565,10 @@
             <a:buNone/>
           </a:pPr>
           <a:r>
-            <a:rPr lang="en-US" sz="1800" kern="1200" dirty="0"/>
+            <a:rPr lang="en-US" sz="1800" kern="1200"/>
             <a:t>Hardware interface</a:t>
           </a:r>
-          <a:endParaRPr lang="en-GB" sz="1800" kern="1200" dirty="0"/>
+          <a:endParaRPr lang="en-GB" sz="1800" kern="1200"/>
         </a:p>
       </dsp:txBody>
       <dsp:txXfrm>
@@ -4248,6 +5760,1700 @@
 </dgm:styleDef>
 </file>
 
+<file path=ppt/notesMasters/notesMaster1.xml><?xml version="1.0" encoding="utf-8"?>
+<p:notesMaster xmlns:a="http://schemas.openxmlformats.org/drawingml/2006/main" xmlns:r="http://schemas.openxmlformats.org/officeDocument/2006/relationships" xmlns:p="http://schemas.openxmlformats.org/presentationml/2006/main">
+  <p:cSld>
+    <p:bg>
+      <p:bgRef idx="1001">
+        <a:schemeClr val="bg1"/>
+      </p:bgRef>
+    </p:bg>
+    <p:spTree>
+      <p:nvGrpSpPr>
+        <p:cNvPr id="1" name=""/>
+        <p:cNvGrpSpPr/>
+        <p:nvPr/>
+      </p:nvGrpSpPr>
+      <p:grpSpPr>
+        <a:xfrm>
+          <a:off x="0" y="0"/>
+          <a:ext cx="0" cy="0"/>
+          <a:chOff x="0" y="0"/>
+          <a:chExt cx="0" cy="0"/>
+        </a:xfrm>
+      </p:grpSpPr>
+      <p:sp>
+        <p:nvSpPr>
+          <p:cNvPr id="2" name="Header Placeholder 1"/>
+          <p:cNvSpPr>
+            <a:spLocks noGrp="1"/>
+          </p:cNvSpPr>
+          <p:nvPr>
+            <p:ph type="hdr" sz="quarter"/>
+          </p:nvPr>
+        </p:nvSpPr>
+        <p:spPr>
+          <a:xfrm>
+            <a:off x="0" y="0"/>
+            <a:ext cx="2971800" cy="458788"/>
+          </a:xfrm>
+          <a:prstGeom prst="rect">
+            <a:avLst/>
+          </a:prstGeom>
+        </p:spPr>
+        <p:txBody>
+          <a:bodyPr vert="horz" lIns="91440" tIns="45720" rIns="91440" bIns="45720" rtlCol="0"/>
+          <a:lstStyle>
+            <a:lvl1pPr algn="l">
+              <a:defRPr sz="1200"/>
+            </a:lvl1pPr>
+          </a:lstStyle>
+          <a:p>
+            <a:endParaRPr lang="en-US"/>
+          </a:p>
+        </p:txBody>
+      </p:sp>
+      <p:sp>
+        <p:nvSpPr>
+          <p:cNvPr id="3" name="Date Placeholder 2"/>
+          <p:cNvSpPr>
+            <a:spLocks noGrp="1"/>
+          </p:cNvSpPr>
+          <p:nvPr>
+            <p:ph type="dt" idx="1"/>
+          </p:nvPr>
+        </p:nvSpPr>
+        <p:spPr>
+          <a:xfrm>
+            <a:off x="3884613" y="0"/>
+            <a:ext cx="2971800" cy="458788"/>
+          </a:xfrm>
+          <a:prstGeom prst="rect">
+            <a:avLst/>
+          </a:prstGeom>
+        </p:spPr>
+        <p:txBody>
+          <a:bodyPr vert="horz" lIns="91440" tIns="45720" rIns="91440" bIns="45720" rtlCol="0"/>
+          <a:lstStyle>
+            <a:lvl1pPr algn="r">
+              <a:defRPr sz="1200"/>
+            </a:lvl1pPr>
+          </a:lstStyle>
+          <a:p>
+            <a:fld id="{5CDA6493-6BF6-4E37-8491-16A971025DA6}" type="datetimeFigureOut">
+              <a:t>4/8/2024</a:t>
+            </a:fld>
+            <a:endParaRPr lang="en-US"/>
+          </a:p>
+        </p:txBody>
+      </p:sp>
+      <p:sp>
+        <p:nvSpPr>
+          <p:cNvPr id="4" name="Slide Image Placeholder 3"/>
+          <p:cNvSpPr>
+            <a:spLocks noGrp="1" noRot="1" noChangeAspect="1"/>
+          </p:cNvSpPr>
+          <p:nvPr>
+            <p:ph type="sldImg" idx="2"/>
+          </p:nvPr>
+        </p:nvSpPr>
+        <p:spPr>
+          <a:xfrm>
+            <a:off x="685800" y="1143000"/>
+            <a:ext cx="5486400" cy="3086100"/>
+          </a:xfrm>
+          <a:prstGeom prst="rect">
+            <a:avLst/>
+          </a:prstGeom>
+          <a:noFill/>
+          <a:ln w="12700">
+            <a:solidFill>
+              <a:prstClr val="black"/>
+            </a:solidFill>
+          </a:ln>
+        </p:spPr>
+        <p:txBody>
+          <a:bodyPr vert="horz" lIns="91440" tIns="45720" rIns="91440" bIns="45720" rtlCol="0" anchor="ctr"/>
+          <a:lstStyle/>
+          <a:p>
+            <a:endParaRPr lang="en-US"/>
+          </a:p>
+        </p:txBody>
+      </p:sp>
+      <p:sp>
+        <p:nvSpPr>
+          <p:cNvPr id="5" name="Notes Placeholder 4"/>
+          <p:cNvSpPr>
+            <a:spLocks noGrp="1"/>
+          </p:cNvSpPr>
+          <p:nvPr>
+            <p:ph type="body" sz="quarter" idx="3"/>
+          </p:nvPr>
+        </p:nvSpPr>
+        <p:spPr>
+          <a:xfrm>
+            <a:off x="685800" y="4400550"/>
+            <a:ext cx="5486400" cy="3600450"/>
+          </a:xfrm>
+          <a:prstGeom prst="rect">
+            <a:avLst/>
+          </a:prstGeom>
+        </p:spPr>
+        <p:txBody>
+          <a:bodyPr vert="horz" lIns="91440" tIns="45720" rIns="91440" bIns="45720" rtlCol="0"/>
+          <a:lstStyle/>
+          <a:p>
+            <a:pPr lvl="0"/>
+            <a:r>
+              <a:rPr lang="en-US"/>
+              <a:t>Click to edit Master text styles</a:t>
+            </a:r>
+          </a:p>
+          <a:p>
+            <a:pPr lvl="1"/>
+            <a:r>
+              <a:rPr lang="en-US"/>
+              <a:t>Second level</a:t>
+            </a:r>
+          </a:p>
+          <a:p>
+            <a:pPr lvl="2"/>
+            <a:r>
+              <a:rPr lang="en-US"/>
+              <a:t>Third level</a:t>
+            </a:r>
+          </a:p>
+          <a:p>
+            <a:pPr lvl="3"/>
+            <a:r>
+              <a:rPr lang="en-US"/>
+              <a:t>Fourth level</a:t>
+            </a:r>
+          </a:p>
+          <a:p>
+            <a:pPr lvl="4"/>
+            <a:r>
+              <a:rPr lang="en-US"/>
+              <a:t>Fifth level</a:t>
+            </a:r>
+          </a:p>
+        </p:txBody>
+      </p:sp>
+      <p:sp>
+        <p:nvSpPr>
+          <p:cNvPr id="6" name="Footer Placeholder 5"/>
+          <p:cNvSpPr>
+            <a:spLocks noGrp="1"/>
+          </p:cNvSpPr>
+          <p:nvPr>
+            <p:ph type="ftr" sz="quarter" idx="4"/>
+          </p:nvPr>
+        </p:nvSpPr>
+        <p:spPr>
+          <a:xfrm>
+            <a:off x="0" y="8685213"/>
+            <a:ext cx="2971800" cy="458787"/>
+          </a:xfrm>
+          <a:prstGeom prst="rect">
+            <a:avLst/>
+          </a:prstGeom>
+        </p:spPr>
+        <p:txBody>
+          <a:bodyPr vert="horz" lIns="91440" tIns="45720" rIns="91440" bIns="45720" rtlCol="0" anchor="b"/>
+          <a:lstStyle>
+            <a:lvl1pPr algn="l">
+              <a:defRPr sz="1200"/>
+            </a:lvl1pPr>
+          </a:lstStyle>
+          <a:p>
+            <a:endParaRPr lang="en-US"/>
+          </a:p>
+        </p:txBody>
+      </p:sp>
+      <p:sp>
+        <p:nvSpPr>
+          <p:cNvPr id="7" name="Slide Number Placeholder 6"/>
+          <p:cNvSpPr>
+            <a:spLocks noGrp="1"/>
+          </p:cNvSpPr>
+          <p:nvPr>
+            <p:ph type="sldNum" sz="quarter" idx="5"/>
+          </p:nvPr>
+        </p:nvSpPr>
+        <p:spPr>
+          <a:xfrm>
+            <a:off x="3884613" y="8685213"/>
+            <a:ext cx="2971800" cy="458787"/>
+          </a:xfrm>
+          <a:prstGeom prst="rect">
+            <a:avLst/>
+          </a:prstGeom>
+        </p:spPr>
+        <p:txBody>
+          <a:bodyPr vert="horz" lIns="91440" tIns="45720" rIns="91440" bIns="45720" rtlCol="0" anchor="b"/>
+          <a:lstStyle>
+            <a:lvl1pPr algn="r">
+              <a:defRPr sz="1200"/>
+            </a:lvl1pPr>
+          </a:lstStyle>
+          <a:p>
+            <a:fld id="{44E7610B-0814-43A3-AAB2-3BF236692144}" type="slidenum">
+              <a:t>‹#›</a:t>
+            </a:fld>
+            <a:endParaRPr lang="en-US"/>
+          </a:p>
+        </p:txBody>
+      </p:sp>
+    </p:spTree>
+    <p:extLst>
+      <p:ext uri="{BB962C8B-B14F-4D97-AF65-F5344CB8AC3E}">
+        <p14:creationId xmlns:p14="http://schemas.microsoft.com/office/powerpoint/2010/main" val="1453679366"/>
+      </p:ext>
+    </p:extLst>
+  </p:cSld>
+  <p:clrMap bg1="lt1" tx1="dk1" bg2="lt2" tx2="dk2" accent1="accent1" accent2="accent2" accent3="accent3" accent4="accent4" accent5="accent5" accent6="accent6" hlink="hlink" folHlink="folHlink"/>
+  <p:notesStyle>
+    <a:lvl1pPr marL="0" algn="l" defTabSz="914400" rtl="0" eaLnBrk="1" latinLnBrk="0" hangingPunct="1">
+      <a:defRPr sz="1200" kern="1200">
+        <a:solidFill>
+          <a:schemeClr val="tx1"/>
+        </a:solidFill>
+        <a:latin typeface="+mn-lt"/>
+        <a:ea typeface="+mn-ea"/>
+        <a:cs typeface="+mn-cs"/>
+      </a:defRPr>
+    </a:lvl1pPr>
+    <a:lvl2pPr marL="457200" algn="l" defTabSz="914400" rtl="0" eaLnBrk="1" latinLnBrk="0" hangingPunct="1">
+      <a:defRPr sz="1200" kern="1200">
+        <a:solidFill>
+          <a:schemeClr val="tx1"/>
+        </a:solidFill>
+        <a:latin typeface="+mn-lt"/>
+        <a:ea typeface="+mn-ea"/>
+        <a:cs typeface="+mn-cs"/>
+      </a:defRPr>
+    </a:lvl2pPr>
+    <a:lvl3pPr marL="914400" algn="l" defTabSz="914400" rtl="0" eaLnBrk="1" latinLnBrk="0" hangingPunct="1">
+      <a:defRPr sz="1200" kern="1200">
+        <a:solidFill>
+          <a:schemeClr val="tx1"/>
+        </a:solidFill>
+        <a:latin typeface="+mn-lt"/>
+        <a:ea typeface="+mn-ea"/>
+        <a:cs typeface="+mn-cs"/>
+      </a:defRPr>
+    </a:lvl3pPr>
+    <a:lvl4pPr marL="1371600" algn="l" defTabSz="914400" rtl="0" eaLnBrk="1" latinLnBrk="0" hangingPunct="1">
+      <a:defRPr sz="1200" kern="1200">
+        <a:solidFill>
+          <a:schemeClr val="tx1"/>
+        </a:solidFill>
+        <a:latin typeface="+mn-lt"/>
+        <a:ea typeface="+mn-ea"/>
+        <a:cs typeface="+mn-cs"/>
+      </a:defRPr>
+    </a:lvl4pPr>
+    <a:lvl5pPr marL="1828800" algn="l" defTabSz="914400" rtl="0" eaLnBrk="1" latinLnBrk="0" hangingPunct="1">
+      <a:defRPr sz="1200" kern="1200">
+        <a:solidFill>
+          <a:schemeClr val="tx1"/>
+        </a:solidFill>
+        <a:latin typeface="+mn-lt"/>
+        <a:ea typeface="+mn-ea"/>
+        <a:cs typeface="+mn-cs"/>
+      </a:defRPr>
+    </a:lvl5pPr>
+    <a:lvl6pPr marL="2286000" algn="l" defTabSz="914400" rtl="0" eaLnBrk="1" latinLnBrk="0" hangingPunct="1">
+      <a:defRPr sz="1200" kern="1200">
+        <a:solidFill>
+          <a:schemeClr val="tx1"/>
+        </a:solidFill>
+        <a:latin typeface="+mn-lt"/>
+        <a:ea typeface="+mn-ea"/>
+        <a:cs typeface="+mn-cs"/>
+      </a:defRPr>
+    </a:lvl6pPr>
+    <a:lvl7pPr marL="2743200" algn="l" defTabSz="914400" rtl="0" eaLnBrk="1" latinLnBrk="0" hangingPunct="1">
+      <a:defRPr sz="1200" kern="1200">
+        <a:solidFill>
+          <a:schemeClr val="tx1"/>
+        </a:solidFill>
+        <a:latin typeface="+mn-lt"/>
+        <a:ea typeface="+mn-ea"/>
+        <a:cs typeface="+mn-cs"/>
+      </a:defRPr>
+    </a:lvl7pPr>
+    <a:lvl8pPr marL="3200400" algn="l" defTabSz="914400" rtl="0" eaLnBrk="1" latinLnBrk="0" hangingPunct="1">
+      <a:defRPr sz="1200" kern="1200">
+        <a:solidFill>
+          <a:schemeClr val="tx1"/>
+        </a:solidFill>
+        <a:latin typeface="+mn-lt"/>
+        <a:ea typeface="+mn-ea"/>
+        <a:cs typeface="+mn-cs"/>
+      </a:defRPr>
+    </a:lvl8pPr>
+    <a:lvl9pPr marL="3657600" algn="l" defTabSz="914400" rtl="0" eaLnBrk="1" latinLnBrk="0" hangingPunct="1">
+      <a:defRPr sz="1200" kern="1200">
+        <a:solidFill>
+          <a:schemeClr val="tx1"/>
+        </a:solidFill>
+        <a:latin typeface="+mn-lt"/>
+        <a:ea typeface="+mn-ea"/>
+        <a:cs typeface="+mn-cs"/>
+      </a:defRPr>
+    </a:lvl9pPr>
+  </p:notesStyle>
+</p:notesMaster>
+</file>
+
+<file path=ppt/notesSlides/notesSlide1.xml><?xml version="1.0" encoding="utf-8"?>
+<p:notes xmlns:a="http://schemas.openxmlformats.org/drawingml/2006/main" xmlns:r="http://schemas.openxmlformats.org/officeDocument/2006/relationships" xmlns:p="http://schemas.openxmlformats.org/presentationml/2006/main">
+  <p:cSld>
+    <p:spTree>
+      <p:nvGrpSpPr>
+        <p:cNvPr id="1" name=""/>
+        <p:cNvGrpSpPr/>
+        <p:nvPr/>
+      </p:nvGrpSpPr>
+      <p:grpSpPr>
+        <a:xfrm>
+          <a:off x="0" y="0"/>
+          <a:ext cx="0" cy="0"/>
+          <a:chOff x="0" y="0"/>
+          <a:chExt cx="0" cy="0"/>
+        </a:xfrm>
+      </p:grpSpPr>
+      <p:sp>
+        <p:nvSpPr>
+          <p:cNvPr id="2" name="Slide Image Placeholder 1"/>
+          <p:cNvSpPr>
+            <a:spLocks noGrp="1" noRot="1" noChangeAspect="1"/>
+          </p:cNvSpPr>
+          <p:nvPr>
+            <p:ph type="sldImg"/>
+          </p:nvPr>
+        </p:nvSpPr>
+        <p:spPr/>
+      </p:sp>
+      <p:sp>
+        <p:nvSpPr>
+          <p:cNvPr id="3" name="Notes Placeholder 2"/>
+          <p:cNvSpPr>
+            <a:spLocks noGrp="1"/>
+          </p:cNvSpPr>
+          <p:nvPr>
+            <p:ph type="body" idx="1"/>
+          </p:nvPr>
+        </p:nvSpPr>
+        <p:spPr/>
+        <p:txBody>
+          <a:bodyPr/>
+          <a:lstStyle/>
+          <a:p>
+            <a:r>
+              <a:rPr lang="en-US">
+                <a:ea typeface="Calibri"/>
+                <a:cs typeface="Calibri"/>
+              </a:rPr>
+              <a:t>Hello everyone, we are Team 5.</a:t>
+            </a:r>
+          </a:p>
+        </p:txBody>
+      </p:sp>
+      <p:sp>
+        <p:nvSpPr>
+          <p:cNvPr id="4" name="Slide Number Placeholder 3"/>
+          <p:cNvSpPr>
+            <a:spLocks noGrp="1"/>
+          </p:cNvSpPr>
+          <p:nvPr>
+            <p:ph type="sldNum" sz="quarter" idx="5"/>
+          </p:nvPr>
+        </p:nvSpPr>
+        <p:spPr/>
+        <p:txBody>
+          <a:bodyPr/>
+          <a:lstStyle/>
+          <a:p>
+            <a:fld id="{44E7610B-0814-43A3-AAB2-3BF236692144}" type="slidenum">
+              <a:rPr lang="en-US"/>
+              <a:t>1</a:t>
+            </a:fld>
+            <a:endParaRPr lang="en-US"/>
+          </a:p>
+        </p:txBody>
+      </p:sp>
+    </p:spTree>
+    <p:extLst>
+      <p:ext uri="{BB962C8B-B14F-4D97-AF65-F5344CB8AC3E}">
+        <p14:creationId xmlns:p14="http://schemas.microsoft.com/office/powerpoint/2010/main" val="3024430108"/>
+      </p:ext>
+    </p:extLst>
+  </p:cSld>
+  <p:clrMapOvr>
+    <a:masterClrMapping/>
+  </p:clrMapOvr>
+</p:notes>
+</file>
+
+<file path=ppt/notesSlides/notesSlide10.xml><?xml version="1.0" encoding="utf-8"?>
+<p:notes xmlns:a="http://schemas.openxmlformats.org/drawingml/2006/main" xmlns:r="http://schemas.openxmlformats.org/officeDocument/2006/relationships" xmlns:p="http://schemas.openxmlformats.org/presentationml/2006/main">
+  <p:cSld>
+    <p:spTree>
+      <p:nvGrpSpPr>
+        <p:cNvPr id="1" name=""/>
+        <p:cNvGrpSpPr/>
+        <p:nvPr/>
+      </p:nvGrpSpPr>
+      <p:grpSpPr>
+        <a:xfrm>
+          <a:off x="0" y="0"/>
+          <a:ext cx="0" cy="0"/>
+          <a:chOff x="0" y="0"/>
+          <a:chExt cx="0" cy="0"/>
+        </a:xfrm>
+      </p:grpSpPr>
+      <p:sp>
+        <p:nvSpPr>
+          <p:cNvPr id="2" name="Slide Image Placeholder 1"/>
+          <p:cNvSpPr>
+            <a:spLocks noGrp="1" noRot="1" noChangeAspect="1"/>
+          </p:cNvSpPr>
+          <p:nvPr>
+            <p:ph type="sldImg"/>
+          </p:nvPr>
+        </p:nvSpPr>
+        <p:spPr/>
+      </p:sp>
+      <p:sp>
+        <p:nvSpPr>
+          <p:cNvPr id="3" name="Notes Placeholder 2"/>
+          <p:cNvSpPr>
+            <a:spLocks noGrp="1"/>
+          </p:cNvSpPr>
+          <p:nvPr>
+            <p:ph type="body" idx="1"/>
+          </p:nvPr>
+        </p:nvSpPr>
+        <p:spPr/>
+        <p:txBody>
+          <a:bodyPr/>
+          <a:lstStyle/>
+          <a:p>
+            <a:pPr lvl="1">
+              <a:lnSpc>
+                <a:spcPct val="90000"/>
+              </a:lnSpc>
+              <a:spcBef>
+                <a:spcPts val="500"/>
+              </a:spcBef>
+            </a:pPr>
+            <a:r>
+              <a:rPr lang="en-US"/>
+              <a:t>We created a matrix of 300,300,10 to store the information of the force and generate the virtual environment. This environment can be export and add different obstacles, by setting different forces in the matrix. For UI,  read the 3 motor position and use Remote Desktop Connection to plot image.</a:t>
+            </a:r>
+          </a:p>
+          <a:p>
+            <a:endParaRPr lang="en-US">
+              <a:ea typeface="Calibri"/>
+              <a:cs typeface="Calibri"/>
+            </a:endParaRPr>
+          </a:p>
+        </p:txBody>
+      </p:sp>
+      <p:sp>
+        <p:nvSpPr>
+          <p:cNvPr id="4" name="Slide Number Placeholder 3"/>
+          <p:cNvSpPr>
+            <a:spLocks noGrp="1"/>
+          </p:cNvSpPr>
+          <p:nvPr>
+            <p:ph type="sldNum" sz="quarter" idx="5"/>
+          </p:nvPr>
+        </p:nvSpPr>
+        <p:spPr/>
+        <p:txBody>
+          <a:bodyPr/>
+          <a:lstStyle/>
+          <a:p>
+            <a:fld id="{44E7610B-0814-43A3-AAB2-3BF236692144}" type="slidenum">
+              <a:t>11</a:t>
+            </a:fld>
+            <a:endParaRPr lang="en-US"/>
+          </a:p>
+        </p:txBody>
+      </p:sp>
+    </p:spTree>
+    <p:extLst>
+      <p:ext uri="{BB962C8B-B14F-4D97-AF65-F5344CB8AC3E}">
+        <p14:creationId xmlns:p14="http://schemas.microsoft.com/office/powerpoint/2010/main" val="2074156213"/>
+      </p:ext>
+    </p:extLst>
+  </p:cSld>
+  <p:clrMapOvr>
+    <a:masterClrMapping/>
+  </p:clrMapOvr>
+</p:notes>
+</file>
+
+<file path=ppt/notesSlides/notesSlide2.xml><?xml version="1.0" encoding="utf-8"?>
+<p:notes xmlns:a="http://schemas.openxmlformats.org/drawingml/2006/main" xmlns:r="http://schemas.openxmlformats.org/officeDocument/2006/relationships" xmlns:p="http://schemas.openxmlformats.org/presentationml/2006/main">
+  <p:cSld>
+    <p:spTree>
+      <p:nvGrpSpPr>
+        <p:cNvPr id="1" name=""/>
+        <p:cNvGrpSpPr/>
+        <p:nvPr/>
+      </p:nvGrpSpPr>
+      <p:grpSpPr>
+        <a:xfrm>
+          <a:off x="0" y="0"/>
+          <a:ext cx="0" cy="0"/>
+          <a:chOff x="0" y="0"/>
+          <a:chExt cx="0" cy="0"/>
+        </a:xfrm>
+      </p:grpSpPr>
+      <p:sp>
+        <p:nvSpPr>
+          <p:cNvPr id="2" name="Slide Image Placeholder 1"/>
+          <p:cNvSpPr>
+            <a:spLocks noGrp="1" noRot="1" noChangeAspect="1"/>
+          </p:cNvSpPr>
+          <p:nvPr>
+            <p:ph type="sldImg"/>
+          </p:nvPr>
+        </p:nvSpPr>
+        <p:spPr/>
+      </p:sp>
+      <p:sp>
+        <p:nvSpPr>
+          <p:cNvPr id="3" name="Notes Placeholder 2"/>
+          <p:cNvSpPr>
+            <a:spLocks noGrp="1"/>
+          </p:cNvSpPr>
+          <p:nvPr>
+            <p:ph type="body" idx="1"/>
+          </p:nvPr>
+        </p:nvSpPr>
+        <p:spPr/>
+        <p:txBody>
+          <a:bodyPr/>
+          <a:lstStyle/>
+          <a:p>
+            <a:r>
+              <a:rPr lang="en-US">
+                <a:ea typeface="Calibri"/>
+                <a:cs typeface="Calibri"/>
+              </a:rPr>
+              <a:t>Firstly, I will introduce our aim and objectives.</a:t>
+            </a:r>
+          </a:p>
+        </p:txBody>
+      </p:sp>
+      <p:sp>
+        <p:nvSpPr>
+          <p:cNvPr id="4" name="Slide Number Placeholder 3"/>
+          <p:cNvSpPr>
+            <a:spLocks noGrp="1"/>
+          </p:cNvSpPr>
+          <p:nvPr>
+            <p:ph type="sldNum" sz="quarter" idx="5"/>
+          </p:nvPr>
+        </p:nvSpPr>
+        <p:spPr/>
+        <p:txBody>
+          <a:bodyPr/>
+          <a:lstStyle/>
+          <a:p>
+            <a:fld id="{44E7610B-0814-43A3-AAB2-3BF236692144}" type="slidenum">
+              <a:rPr lang="en-US"/>
+              <a:t>2</a:t>
+            </a:fld>
+            <a:endParaRPr lang="en-US"/>
+          </a:p>
+        </p:txBody>
+      </p:sp>
+    </p:spTree>
+    <p:extLst>
+      <p:ext uri="{BB962C8B-B14F-4D97-AF65-F5344CB8AC3E}">
+        <p14:creationId xmlns:p14="http://schemas.microsoft.com/office/powerpoint/2010/main" val="1078094860"/>
+      </p:ext>
+    </p:extLst>
+  </p:cSld>
+  <p:clrMapOvr>
+    <a:masterClrMapping/>
+  </p:clrMapOvr>
+</p:notes>
+</file>
+
+<file path=ppt/notesSlides/notesSlide3.xml><?xml version="1.0" encoding="utf-8"?>
+<p:notes xmlns:a="http://schemas.openxmlformats.org/drawingml/2006/main" xmlns:r="http://schemas.openxmlformats.org/officeDocument/2006/relationships" xmlns:p="http://schemas.openxmlformats.org/presentationml/2006/main">
+  <p:cSld>
+    <p:spTree>
+      <p:nvGrpSpPr>
+        <p:cNvPr id="1" name=""/>
+        <p:cNvGrpSpPr/>
+        <p:nvPr/>
+      </p:nvGrpSpPr>
+      <p:grpSpPr>
+        <a:xfrm>
+          <a:off x="0" y="0"/>
+          <a:ext cx="0" cy="0"/>
+          <a:chOff x="0" y="0"/>
+          <a:chExt cx="0" cy="0"/>
+        </a:xfrm>
+      </p:grpSpPr>
+      <p:sp>
+        <p:nvSpPr>
+          <p:cNvPr id="2" name="Slide Image Placeholder 1"/>
+          <p:cNvSpPr>
+            <a:spLocks noGrp="1" noRot="1" noChangeAspect="1"/>
+          </p:cNvSpPr>
+          <p:nvPr>
+            <p:ph type="sldImg"/>
+          </p:nvPr>
+        </p:nvSpPr>
+        <p:spPr/>
+      </p:sp>
+      <p:sp>
+        <p:nvSpPr>
+          <p:cNvPr id="3" name="Notes Placeholder 2"/>
+          <p:cNvSpPr>
+            <a:spLocks noGrp="1"/>
+          </p:cNvSpPr>
+          <p:nvPr>
+            <p:ph type="body" idx="1"/>
+          </p:nvPr>
+        </p:nvSpPr>
+        <p:spPr/>
+        <p:txBody>
+          <a:bodyPr/>
+          <a:lstStyle/>
+          <a:p>
+            <a:r>
+              <a:rPr lang="en-US"/>
+              <a:t>Our aim is to build a haptic device by using a 3 DOF planar robot.</a:t>
+            </a:r>
+          </a:p>
+          <a:p>
+            <a:r>
+              <a:rPr lang="en-US"/>
+              <a:t>And we have three objectives: </a:t>
+            </a:r>
+          </a:p>
+          <a:p>
+            <a:r>
+              <a:rPr lang="en-US"/>
+              <a:t>Real time force-control, </a:t>
+            </a:r>
+            <a:endParaRPr lang="en-US">
+              <a:ea typeface="Calibri" panose="020F0502020204030204"/>
+              <a:cs typeface="Calibri" panose="020F0502020204030204"/>
+            </a:endParaRPr>
+          </a:p>
+          <a:p>
+            <a:r>
+              <a:rPr lang="en-US"/>
+              <a:t>three types of obstacles: Spring, Walls, and Damping areas, </a:t>
+            </a:r>
+            <a:endParaRPr lang="en-US">
+              <a:ea typeface="Calibri" panose="020F0502020204030204"/>
+              <a:cs typeface="Calibri" panose="020F0502020204030204"/>
+            </a:endParaRPr>
+          </a:p>
+          <a:p>
+            <a:r>
+              <a:rPr lang="en-US"/>
+              <a:t>And the Real-time UI visualization.</a:t>
+            </a:r>
+            <a:endParaRPr lang="en-US">
+              <a:ea typeface="Calibri" panose="020F0502020204030204"/>
+              <a:cs typeface="Calibri" panose="020F0502020204030204"/>
+            </a:endParaRPr>
+          </a:p>
+          <a:p>
+            <a:endParaRPr lang="en-US">
+              <a:ea typeface="Calibri" panose="020F0502020204030204"/>
+              <a:cs typeface="Calibri" panose="020F0502020204030204"/>
+            </a:endParaRPr>
+          </a:p>
+        </p:txBody>
+      </p:sp>
+      <p:sp>
+        <p:nvSpPr>
+          <p:cNvPr id="4" name="Slide Number Placeholder 3"/>
+          <p:cNvSpPr>
+            <a:spLocks noGrp="1"/>
+          </p:cNvSpPr>
+          <p:nvPr>
+            <p:ph type="sldNum" sz="quarter" idx="5"/>
+          </p:nvPr>
+        </p:nvSpPr>
+        <p:spPr/>
+        <p:txBody>
+          <a:bodyPr/>
+          <a:lstStyle/>
+          <a:p>
+            <a:fld id="{44E7610B-0814-43A3-AAB2-3BF236692144}" type="slidenum">
+              <a:rPr lang="en-US"/>
+              <a:t>3</a:t>
+            </a:fld>
+            <a:endParaRPr lang="en-US"/>
+          </a:p>
+        </p:txBody>
+      </p:sp>
+    </p:spTree>
+    <p:extLst>
+      <p:ext uri="{BB962C8B-B14F-4D97-AF65-F5344CB8AC3E}">
+        <p14:creationId xmlns:p14="http://schemas.microsoft.com/office/powerpoint/2010/main" val="2755701678"/>
+      </p:ext>
+    </p:extLst>
+  </p:cSld>
+  <p:clrMapOvr>
+    <a:masterClrMapping/>
+  </p:clrMapOvr>
+</p:notes>
+</file>
+
+<file path=ppt/notesSlides/notesSlide4.xml><?xml version="1.0" encoding="utf-8"?>
+<p:notes xmlns:a="http://schemas.openxmlformats.org/drawingml/2006/main" xmlns:r="http://schemas.openxmlformats.org/officeDocument/2006/relationships" xmlns:p="http://schemas.openxmlformats.org/presentationml/2006/main">
+  <p:cSld>
+    <p:spTree>
+      <p:nvGrpSpPr>
+        <p:cNvPr id="1" name=""/>
+        <p:cNvGrpSpPr/>
+        <p:nvPr/>
+      </p:nvGrpSpPr>
+      <p:grpSpPr>
+        <a:xfrm>
+          <a:off x="0" y="0"/>
+          <a:ext cx="0" cy="0"/>
+          <a:chOff x="0" y="0"/>
+          <a:chExt cx="0" cy="0"/>
+        </a:xfrm>
+      </p:grpSpPr>
+      <p:sp>
+        <p:nvSpPr>
+          <p:cNvPr id="2" name="Slide Image Placeholder 1"/>
+          <p:cNvSpPr>
+            <a:spLocks noGrp="1" noRot="1" noChangeAspect="1"/>
+          </p:cNvSpPr>
+          <p:nvPr>
+            <p:ph type="sldImg"/>
+          </p:nvPr>
+        </p:nvSpPr>
+        <p:spPr/>
+      </p:sp>
+      <p:sp>
+        <p:nvSpPr>
+          <p:cNvPr id="3" name="Notes Placeholder 2"/>
+          <p:cNvSpPr>
+            <a:spLocks noGrp="1"/>
+          </p:cNvSpPr>
+          <p:nvPr>
+            <p:ph type="body" idx="1"/>
+          </p:nvPr>
+        </p:nvSpPr>
+        <p:spPr/>
+        <p:txBody>
+          <a:bodyPr/>
+          <a:lstStyle/>
+          <a:p>
+            <a:r>
+              <a:rPr lang="en-US">
+                <a:ea typeface="Calibri"/>
+                <a:cs typeface="Calibri"/>
+              </a:rPr>
+              <a:t>The second part is our methodologies.</a:t>
+            </a:r>
+          </a:p>
+        </p:txBody>
+      </p:sp>
+      <p:sp>
+        <p:nvSpPr>
+          <p:cNvPr id="4" name="Slide Number Placeholder 3"/>
+          <p:cNvSpPr>
+            <a:spLocks noGrp="1"/>
+          </p:cNvSpPr>
+          <p:nvPr>
+            <p:ph type="sldNum" sz="quarter" idx="5"/>
+          </p:nvPr>
+        </p:nvSpPr>
+        <p:spPr/>
+        <p:txBody>
+          <a:bodyPr/>
+          <a:lstStyle/>
+          <a:p>
+            <a:fld id="{44E7610B-0814-43A3-AAB2-3BF236692144}" type="slidenum">
+              <a:rPr lang="en-US"/>
+              <a:t>4</a:t>
+            </a:fld>
+            <a:endParaRPr lang="en-US"/>
+          </a:p>
+        </p:txBody>
+      </p:sp>
+    </p:spTree>
+    <p:extLst>
+      <p:ext uri="{BB962C8B-B14F-4D97-AF65-F5344CB8AC3E}">
+        <p14:creationId xmlns:p14="http://schemas.microsoft.com/office/powerpoint/2010/main" val="1401641896"/>
+      </p:ext>
+    </p:extLst>
+  </p:cSld>
+  <p:clrMapOvr>
+    <a:masterClrMapping/>
+  </p:clrMapOvr>
+</p:notes>
+</file>
+
+<file path=ppt/notesSlides/notesSlide5.xml><?xml version="1.0" encoding="utf-8"?>
+<p:notes xmlns:a="http://schemas.openxmlformats.org/drawingml/2006/main" xmlns:r="http://schemas.openxmlformats.org/officeDocument/2006/relationships" xmlns:p="http://schemas.openxmlformats.org/presentationml/2006/main">
+  <p:cSld>
+    <p:spTree>
+      <p:nvGrpSpPr>
+        <p:cNvPr id="1" name=""/>
+        <p:cNvGrpSpPr/>
+        <p:nvPr/>
+      </p:nvGrpSpPr>
+      <p:grpSpPr>
+        <a:xfrm>
+          <a:off x="0" y="0"/>
+          <a:ext cx="0" cy="0"/>
+          <a:chOff x="0" y="0"/>
+          <a:chExt cx="0" cy="0"/>
+        </a:xfrm>
+      </p:grpSpPr>
+      <p:sp>
+        <p:nvSpPr>
+          <p:cNvPr id="2" name="Slide Image Placeholder 1"/>
+          <p:cNvSpPr>
+            <a:spLocks noGrp="1" noRot="1" noChangeAspect="1"/>
+          </p:cNvSpPr>
+          <p:nvPr>
+            <p:ph type="sldImg"/>
+          </p:nvPr>
+        </p:nvSpPr>
+        <p:spPr/>
+      </p:sp>
+      <p:sp>
+        <p:nvSpPr>
+          <p:cNvPr id="3" name="Notes Placeholder 2"/>
+          <p:cNvSpPr>
+            <a:spLocks noGrp="1"/>
+          </p:cNvSpPr>
+          <p:nvPr>
+            <p:ph type="body" idx="1"/>
+          </p:nvPr>
+        </p:nvSpPr>
+        <p:spPr/>
+        <p:txBody>
+          <a:bodyPr/>
+          <a:lstStyle/>
+          <a:p>
+            <a:r>
+              <a:rPr lang="en-US">
+                <a:ea typeface="Calibri"/>
+                <a:cs typeface="Calibri"/>
+              </a:rPr>
+              <a:t>These are our methodologies:</a:t>
+            </a:r>
+          </a:p>
+        </p:txBody>
+      </p:sp>
+      <p:sp>
+        <p:nvSpPr>
+          <p:cNvPr id="4" name="Slide Number Placeholder 3"/>
+          <p:cNvSpPr>
+            <a:spLocks noGrp="1"/>
+          </p:cNvSpPr>
+          <p:nvPr>
+            <p:ph type="sldNum" sz="quarter" idx="5"/>
+          </p:nvPr>
+        </p:nvSpPr>
+        <p:spPr/>
+        <p:txBody>
+          <a:bodyPr/>
+          <a:lstStyle/>
+          <a:p>
+            <a:fld id="{44E7610B-0814-43A3-AAB2-3BF236692144}" type="slidenum">
+              <a:rPr lang="en-US"/>
+              <a:t>5</a:t>
+            </a:fld>
+            <a:endParaRPr lang="en-US"/>
+          </a:p>
+        </p:txBody>
+      </p:sp>
+    </p:spTree>
+    <p:extLst>
+      <p:ext uri="{BB962C8B-B14F-4D97-AF65-F5344CB8AC3E}">
+        <p14:creationId xmlns:p14="http://schemas.microsoft.com/office/powerpoint/2010/main" val="1243221176"/>
+      </p:ext>
+    </p:extLst>
+  </p:cSld>
+  <p:clrMapOvr>
+    <a:masterClrMapping/>
+  </p:clrMapOvr>
+</p:notes>
+</file>
+
+<file path=ppt/notesSlides/notesSlide6.xml><?xml version="1.0" encoding="utf-8"?>
+<p:notes xmlns:a="http://schemas.openxmlformats.org/drawingml/2006/main" xmlns:r="http://schemas.openxmlformats.org/officeDocument/2006/relationships" xmlns:p="http://schemas.openxmlformats.org/presentationml/2006/main">
+  <p:cSld>
+    <p:spTree>
+      <p:nvGrpSpPr>
+        <p:cNvPr id="1" name=""/>
+        <p:cNvGrpSpPr/>
+        <p:nvPr/>
+      </p:nvGrpSpPr>
+      <p:grpSpPr>
+        <a:xfrm>
+          <a:off x="0" y="0"/>
+          <a:ext cx="0" cy="0"/>
+          <a:chOff x="0" y="0"/>
+          <a:chExt cx="0" cy="0"/>
+        </a:xfrm>
+      </p:grpSpPr>
+      <p:sp>
+        <p:nvSpPr>
+          <p:cNvPr id="2" name="Slide Image Placeholder 1"/>
+          <p:cNvSpPr>
+            <a:spLocks noGrp="1" noRot="1" noChangeAspect="1"/>
+          </p:cNvSpPr>
+          <p:nvPr>
+            <p:ph type="sldImg"/>
+          </p:nvPr>
+        </p:nvSpPr>
+        <p:spPr/>
+      </p:sp>
+      <p:sp>
+        <p:nvSpPr>
+          <p:cNvPr id="3" name="Notes Placeholder 2"/>
+          <p:cNvSpPr>
+            <a:spLocks noGrp="1"/>
+          </p:cNvSpPr>
+          <p:nvPr>
+            <p:ph type="body" idx="1"/>
+          </p:nvPr>
+        </p:nvSpPr>
+        <p:spPr/>
+        <p:txBody>
+          <a:bodyPr/>
+          <a:lstStyle/>
+          <a:p>
+            <a:r>
+              <a:rPr lang="ja-JP" altLang="en-US">
+                <a:ea typeface="游ゴシック"/>
+                <a:cs typeface="Calibri"/>
+              </a:rPr>
+              <a:t>We added a </a:t>
+            </a:r>
+            <a:r>
+              <a:rPr lang="ja-JP">
+                <a:ea typeface="游ゴシック"/>
+              </a:rPr>
+              <a:t>Friction Model </a:t>
+            </a:r>
+            <a:r>
+              <a:rPr lang="en-US" altLang="ja-JP">
+                <a:ea typeface="游ゴシック"/>
+              </a:rPr>
+              <a:t>by</a:t>
+            </a:r>
+            <a:r>
+              <a:rPr lang="ja-JP">
+                <a:ea typeface="游ゴシック"/>
+              </a:rPr>
+              <a:t> </a:t>
+            </a:r>
+            <a:r>
+              <a:rPr lang="en-US" altLang="ja-JP">
+                <a:ea typeface="游ゴシック"/>
+              </a:rPr>
+              <a:t>this</a:t>
+            </a:r>
+            <a:r>
+              <a:rPr lang="ja-JP">
+                <a:ea typeface="游ゴシック"/>
+              </a:rPr>
+              <a:t> </a:t>
+            </a:r>
+            <a:r>
+              <a:rPr lang="en-US" altLang="ja-JP">
+                <a:ea typeface="游ゴシック"/>
+              </a:rPr>
+              <a:t>formula, which</a:t>
+            </a:r>
+            <a:r>
+              <a:rPr lang="ja-JP" altLang="en-US">
+                <a:ea typeface="游ゴシック"/>
+              </a:rPr>
+              <a:t> </a:t>
+            </a:r>
+            <a:r>
+              <a:rPr lang="en-US" altLang="ja-JP">
+                <a:ea typeface="游ゴシック"/>
+              </a:rPr>
+              <a:t>can</a:t>
+            </a:r>
+            <a:r>
+              <a:rPr lang="ja-JP" altLang="en-US">
+                <a:ea typeface="游ゴシック"/>
+              </a:rPr>
+              <a:t> </a:t>
+            </a:r>
+            <a:r>
+              <a:rPr lang="en-US" altLang="ja-JP">
+                <a:ea typeface="游ゴシック"/>
+              </a:rPr>
+              <a:t>be</a:t>
+            </a:r>
+            <a:r>
+              <a:rPr lang="ja-JP" altLang="en-US">
+                <a:ea typeface="游ゴシック"/>
+              </a:rPr>
+              <a:t> </a:t>
+            </a:r>
+            <a:r>
+              <a:rPr lang="en-US" altLang="ja-JP">
+                <a:ea typeface="游ゴシック"/>
+              </a:rPr>
+              <a:t>regarded</a:t>
+            </a:r>
+            <a:r>
+              <a:rPr lang="ja-JP" altLang="en-US">
+                <a:ea typeface="游ゴシック"/>
+              </a:rPr>
+              <a:t> </a:t>
+            </a:r>
+            <a:r>
+              <a:rPr lang="en-US" altLang="ja-JP">
+                <a:ea typeface="游ゴシック"/>
+              </a:rPr>
+              <a:t>as</a:t>
+            </a:r>
+            <a:r>
+              <a:rPr lang="ja-JP" altLang="en-US">
+                <a:ea typeface="游ゴシック"/>
+              </a:rPr>
+              <a:t> </a:t>
+            </a:r>
+            <a:r>
+              <a:rPr lang="en-US" altLang="ja-JP">
+                <a:ea typeface="游ゴシック"/>
+              </a:rPr>
+              <a:t>friction</a:t>
+            </a:r>
+            <a:r>
+              <a:rPr lang="ja-JP" altLang="en-US">
+                <a:ea typeface="游ゴシック"/>
+              </a:rPr>
+              <a:t> </a:t>
+            </a:r>
+            <a:r>
+              <a:rPr lang="en-US" altLang="ja-JP">
+                <a:ea typeface="游ゴシック"/>
+              </a:rPr>
+              <a:t>compensation</a:t>
+            </a:r>
+            <a:r>
+              <a:rPr lang="ja-JP" altLang="en-US">
+                <a:ea typeface="游ゴシック"/>
+              </a:rPr>
+              <a:t> </a:t>
+            </a:r>
+            <a:r>
+              <a:rPr lang="en-US" altLang="ja-JP">
+                <a:ea typeface="游ゴシック"/>
+              </a:rPr>
+              <a:t>and</a:t>
+            </a:r>
+            <a:r>
+              <a:rPr lang="ja-JP" altLang="en-US">
+                <a:ea typeface="游ゴシック"/>
+              </a:rPr>
+              <a:t> </a:t>
+            </a:r>
+            <a:r>
+              <a:rPr lang="en-US" altLang="ja-JP">
+                <a:ea typeface="游ゴシック"/>
+              </a:rPr>
+              <a:t>used</a:t>
+            </a:r>
+            <a:r>
+              <a:rPr lang="ja-JP" altLang="en-US">
+                <a:ea typeface="游ゴシック"/>
+              </a:rPr>
+              <a:t> </a:t>
+            </a:r>
+            <a:r>
+              <a:rPr lang="en-US" altLang="ja-JP">
+                <a:ea typeface="游ゴシック"/>
+              </a:rPr>
+              <a:t>to</a:t>
+            </a:r>
+            <a:r>
+              <a:rPr lang="ja-JP" altLang="en-US">
+                <a:ea typeface="游ゴシック"/>
+              </a:rPr>
+              <a:t> </a:t>
+            </a:r>
+            <a:r>
+              <a:rPr lang="en-US" altLang="ja-JP">
+                <a:ea typeface="游ゴシック"/>
+              </a:rPr>
+              <a:t>optimize</a:t>
+            </a:r>
+            <a:r>
+              <a:rPr lang="ja-JP" altLang="en-US">
+                <a:ea typeface="游ゴシック"/>
+              </a:rPr>
+              <a:t> </a:t>
+            </a:r>
+            <a:r>
+              <a:rPr lang="en-US" altLang="ja-JP">
+                <a:ea typeface="游ゴシック"/>
+              </a:rPr>
+              <a:t>our</a:t>
+            </a:r>
+            <a:r>
+              <a:rPr lang="ja-JP" altLang="en-US">
+                <a:ea typeface="游ゴシック"/>
+              </a:rPr>
+              <a:t> </a:t>
+            </a:r>
+            <a:r>
+              <a:rPr lang="en-US" altLang="ja-JP">
+                <a:ea typeface="游ゴシック"/>
+              </a:rPr>
+              <a:t>model.</a:t>
+            </a:r>
+            <a:endParaRPr lang="en-US">
+              <a:ea typeface="游ゴシック"/>
+            </a:endParaRPr>
+          </a:p>
+          <a:p>
+            <a:r>
+              <a:rPr lang="en-US" altLang="ja-JP">
+                <a:ea typeface="游ゴシック"/>
+                <a:cs typeface="Calibri"/>
+              </a:rPr>
+              <a:t>And this is</a:t>
+            </a:r>
+            <a:r>
+              <a:rPr lang="ja-JP">
+                <a:ea typeface="游ゴシック"/>
+              </a:rPr>
+              <a:t> our PID controller block diagram.</a:t>
+            </a:r>
+            <a:r>
+              <a:rPr lang="ja-JP" altLang="en-US">
+                <a:ea typeface="游ゴシック"/>
+              </a:rPr>
+              <a:t> </a:t>
+            </a:r>
+            <a:endParaRPr lang="en-US" altLang="ja-JP">
+              <a:ea typeface="游ゴシック"/>
+              <a:cs typeface="Calibri"/>
+            </a:endParaRPr>
+          </a:p>
+          <a:p>
+            <a:r>
+              <a:rPr lang="ja-JP">
+                <a:ea typeface="游ゴシック"/>
+              </a:rPr>
+              <a:t>Based on general PID control, we added </a:t>
+            </a:r>
+            <a:r>
+              <a:rPr lang="en-US" altLang="ja-JP">
+                <a:ea typeface="游ゴシック"/>
+              </a:rPr>
+              <a:t>the</a:t>
+            </a:r>
+            <a:r>
+              <a:rPr lang="ja-JP">
+                <a:ea typeface="游ゴシック"/>
+              </a:rPr>
+              <a:t> Friction Model</a:t>
+            </a:r>
+            <a:r>
+              <a:rPr lang="ja-JP" altLang="en-US">
+                <a:ea typeface="游ゴシック"/>
+              </a:rPr>
+              <a:t> </a:t>
+            </a:r>
+            <a:r>
+              <a:rPr lang="en-US" altLang="ja-JP">
+                <a:ea typeface="游ゴシック"/>
+              </a:rPr>
+              <a:t>here.</a:t>
+            </a:r>
+            <a:endParaRPr lang="en-US" altLang="ja-JP">
+              <a:ea typeface="游ゴシック"/>
+              <a:cs typeface="Calibri"/>
+            </a:endParaRPr>
+          </a:p>
+          <a:p>
+            <a:endParaRPr lang="ja-JP">
+              <a:ea typeface="游ゴシック"/>
+              <a:cs typeface="Calibri"/>
+            </a:endParaRPr>
+          </a:p>
+        </p:txBody>
+      </p:sp>
+      <p:sp>
+        <p:nvSpPr>
+          <p:cNvPr id="4" name="Slide Number Placeholder 3"/>
+          <p:cNvSpPr>
+            <a:spLocks noGrp="1"/>
+          </p:cNvSpPr>
+          <p:nvPr>
+            <p:ph type="sldNum" sz="quarter" idx="5"/>
+          </p:nvPr>
+        </p:nvSpPr>
+        <p:spPr/>
+        <p:txBody>
+          <a:bodyPr/>
+          <a:lstStyle/>
+          <a:p>
+            <a:fld id="{44E7610B-0814-43A3-AAB2-3BF236692144}" type="slidenum">
+              <a:rPr lang="en-US"/>
+              <a:t>6</a:t>
+            </a:fld>
+            <a:endParaRPr lang="en-US"/>
+          </a:p>
+        </p:txBody>
+      </p:sp>
+    </p:spTree>
+    <p:extLst>
+      <p:ext uri="{BB962C8B-B14F-4D97-AF65-F5344CB8AC3E}">
+        <p14:creationId xmlns:p14="http://schemas.microsoft.com/office/powerpoint/2010/main" val="3433679609"/>
+      </p:ext>
+    </p:extLst>
+  </p:cSld>
+  <p:clrMapOvr>
+    <a:masterClrMapping/>
+  </p:clrMapOvr>
+</p:notes>
+</file>
+
+<file path=ppt/notesSlides/notesSlide7.xml><?xml version="1.0" encoding="utf-8"?>
+<p:notes xmlns:a="http://schemas.openxmlformats.org/drawingml/2006/main" xmlns:r="http://schemas.openxmlformats.org/officeDocument/2006/relationships" xmlns:p="http://schemas.openxmlformats.org/presentationml/2006/main">
+  <p:cSld>
+    <p:spTree>
+      <p:nvGrpSpPr>
+        <p:cNvPr id="1" name=""/>
+        <p:cNvGrpSpPr/>
+        <p:nvPr/>
+      </p:nvGrpSpPr>
+      <p:grpSpPr>
+        <a:xfrm>
+          <a:off x="0" y="0"/>
+          <a:ext cx="0" cy="0"/>
+          <a:chOff x="0" y="0"/>
+          <a:chExt cx="0" cy="0"/>
+        </a:xfrm>
+      </p:grpSpPr>
+      <p:sp>
+        <p:nvSpPr>
+          <p:cNvPr id="2" name="Slide Image Placeholder 1"/>
+          <p:cNvSpPr>
+            <a:spLocks noGrp="1" noRot="1" noChangeAspect="1"/>
+          </p:cNvSpPr>
+          <p:nvPr>
+            <p:ph type="sldImg"/>
+          </p:nvPr>
+        </p:nvSpPr>
+        <p:spPr/>
+      </p:sp>
+      <p:sp>
+        <p:nvSpPr>
+          <p:cNvPr id="3" name="Notes Placeholder 2"/>
+          <p:cNvSpPr>
+            <a:spLocks noGrp="1"/>
+          </p:cNvSpPr>
+          <p:nvPr>
+            <p:ph type="body" idx="1"/>
+          </p:nvPr>
+        </p:nvSpPr>
+        <p:spPr/>
+        <p:txBody>
+          <a:bodyPr/>
+          <a:lstStyle/>
+          <a:p>
+            <a:r>
+              <a:rPr lang="ja-JP">
+                <a:ea typeface="游ゴシック"/>
+              </a:rPr>
+              <a:t>Then we added another PID controller </a:t>
+            </a:r>
+            <a:r>
+              <a:rPr lang="en-US" altLang="ja-JP">
+                <a:ea typeface="游ゴシック"/>
+              </a:rPr>
+              <a:t>here </a:t>
+            </a:r>
+            <a:r>
+              <a:rPr lang="ja-JP">
+                <a:ea typeface="游ゴシック"/>
+              </a:rPr>
+              <a:t>for the position control, </a:t>
+            </a:r>
+            <a:endParaRPr lang="ja-JP" altLang="en-US">
+              <a:ea typeface="游ゴシック"/>
+            </a:endParaRPr>
+          </a:p>
+          <a:p>
+            <a:r>
+              <a:rPr lang="ja-JP">
+                <a:ea typeface="游ゴシック"/>
+              </a:rPr>
+              <a:t>whose </a:t>
+            </a:r>
+            <a:r>
+              <a:rPr lang="en-US" altLang="ja-JP">
+                <a:ea typeface="游ゴシック"/>
+              </a:rPr>
+              <a:t>function </a:t>
+            </a:r>
+            <a:r>
+              <a:rPr lang="ja-JP">
+                <a:ea typeface="游ゴシック"/>
+              </a:rPr>
+              <a:t>is to reduce the difference between the target position and the current position </a:t>
+            </a:r>
+            <a:r>
+              <a:rPr lang="en-US" altLang="ja-JP">
+                <a:ea typeface="游ゴシック"/>
+              </a:rPr>
+              <a:t>in</a:t>
+            </a:r>
+            <a:r>
+              <a:rPr lang="ja-JP">
+                <a:ea typeface="游ゴシック"/>
+              </a:rPr>
+              <a:t> </a:t>
+            </a:r>
+            <a:r>
+              <a:rPr lang="en-US" altLang="ja-JP">
+                <a:ea typeface="游ゴシック"/>
+              </a:rPr>
+              <a:t>the</a:t>
+            </a:r>
+            <a:r>
+              <a:rPr lang="ja-JP">
+                <a:ea typeface="游ゴシック"/>
+              </a:rPr>
+              <a:t> </a:t>
+            </a:r>
+            <a:r>
+              <a:rPr lang="en-US" altLang="ja-JP">
+                <a:ea typeface="游ゴシック"/>
+              </a:rPr>
+              <a:t>task space.</a:t>
+            </a:r>
+            <a:endParaRPr lang="ja-JP">
+              <a:ea typeface="游ゴシック"/>
+              <a:cs typeface="Calibri"/>
+            </a:endParaRPr>
+          </a:p>
+        </p:txBody>
+      </p:sp>
+      <p:sp>
+        <p:nvSpPr>
+          <p:cNvPr id="4" name="Slide Number Placeholder 3"/>
+          <p:cNvSpPr>
+            <a:spLocks noGrp="1"/>
+          </p:cNvSpPr>
+          <p:nvPr>
+            <p:ph type="sldNum" sz="quarter" idx="5"/>
+          </p:nvPr>
+        </p:nvSpPr>
+        <p:spPr/>
+        <p:txBody>
+          <a:bodyPr/>
+          <a:lstStyle/>
+          <a:p>
+            <a:fld id="{44E7610B-0814-43A3-AAB2-3BF236692144}" type="slidenum">
+              <a:rPr lang="en-US"/>
+              <a:t>8</a:t>
+            </a:fld>
+            <a:endParaRPr lang="en-US"/>
+          </a:p>
+        </p:txBody>
+      </p:sp>
+    </p:spTree>
+    <p:extLst>
+      <p:ext uri="{BB962C8B-B14F-4D97-AF65-F5344CB8AC3E}">
+        <p14:creationId xmlns:p14="http://schemas.microsoft.com/office/powerpoint/2010/main" val="3438961503"/>
+      </p:ext>
+    </p:extLst>
+  </p:cSld>
+  <p:clrMapOvr>
+    <a:masterClrMapping/>
+  </p:clrMapOvr>
+</p:notes>
+</file>
+
+<file path=ppt/notesSlides/notesSlide8.xml><?xml version="1.0" encoding="utf-8"?>
+<p:notes xmlns:a="http://schemas.openxmlformats.org/drawingml/2006/main" xmlns:r="http://schemas.openxmlformats.org/officeDocument/2006/relationships" xmlns:p="http://schemas.openxmlformats.org/presentationml/2006/main">
+  <p:cSld>
+    <p:spTree>
+      <p:nvGrpSpPr>
+        <p:cNvPr id="1" name=""/>
+        <p:cNvGrpSpPr/>
+        <p:nvPr/>
+      </p:nvGrpSpPr>
+      <p:grpSpPr>
+        <a:xfrm>
+          <a:off x="0" y="0"/>
+          <a:ext cx="0" cy="0"/>
+          <a:chOff x="0" y="0"/>
+          <a:chExt cx="0" cy="0"/>
+        </a:xfrm>
+      </p:grpSpPr>
+      <p:sp>
+        <p:nvSpPr>
+          <p:cNvPr id="2" name="Slide Image Placeholder 1"/>
+          <p:cNvSpPr>
+            <a:spLocks noGrp="1" noRot="1" noChangeAspect="1"/>
+          </p:cNvSpPr>
+          <p:nvPr>
+            <p:ph type="sldImg"/>
+          </p:nvPr>
+        </p:nvSpPr>
+        <p:spPr/>
+      </p:sp>
+      <p:sp>
+        <p:nvSpPr>
+          <p:cNvPr id="3" name="Notes Placeholder 2"/>
+          <p:cNvSpPr>
+            <a:spLocks noGrp="1"/>
+          </p:cNvSpPr>
+          <p:nvPr>
+            <p:ph type="body" idx="1"/>
+          </p:nvPr>
+        </p:nvSpPr>
+        <p:spPr/>
+        <p:txBody>
+          <a:bodyPr/>
+          <a:lstStyle/>
+          <a:p>
+            <a:r>
+              <a:rPr lang="ja-JP">
+                <a:ea typeface="游ゴシック"/>
+              </a:rPr>
+              <a:t>This is our final flowchart.</a:t>
+            </a:r>
+            <a:r>
+              <a:rPr lang="ja-JP" altLang="en-US">
+                <a:ea typeface="游ゴシック"/>
+              </a:rPr>
+              <a:t>     </a:t>
+            </a:r>
+            <a:r>
+              <a:rPr lang="ja-JP">
+                <a:ea typeface="游ゴシック"/>
+              </a:rPr>
+              <a:t>The first ROS node is to get the target from the user;</a:t>
+            </a:r>
+            <a:r>
+              <a:rPr lang="ja-JP" altLang="en-US">
+                <a:ea typeface="游ゴシック"/>
+              </a:rPr>
+              <a:t> </a:t>
+            </a:r>
+            <a:endParaRPr lang="en-US" altLang="ja-JP">
+              <a:ea typeface="游ゴシック"/>
+              <a:cs typeface="Calibri" panose="020F0502020204030204"/>
+            </a:endParaRPr>
+          </a:p>
+          <a:p>
+            <a:r>
+              <a:rPr lang="ja-JP">
+                <a:ea typeface="游ゴシック"/>
+              </a:rPr>
+              <a:t>the second node is to plan the pathway of our robot; </a:t>
+            </a:r>
+            <a:endParaRPr lang="en-US" altLang="ja-JP">
+              <a:ea typeface="游ゴシック"/>
+            </a:endParaRPr>
+          </a:p>
+          <a:p>
+            <a:r>
+              <a:rPr lang="ja-JP">
+                <a:ea typeface="游ゴシック"/>
+              </a:rPr>
+              <a:t>the third node is to calculate the desired velocity by using the Jacobian; </a:t>
+            </a:r>
+            <a:endParaRPr lang="en-US" altLang="ja-JP">
+              <a:ea typeface="游ゴシック"/>
+            </a:endParaRPr>
+          </a:p>
+          <a:p>
+            <a:r>
+              <a:rPr lang="ja-JP">
+                <a:ea typeface="游ゴシック"/>
+              </a:rPr>
+              <a:t>the fourth node is to implement the PID velocity controller;</a:t>
+            </a:r>
+            <a:r>
+              <a:rPr lang="ja-JP" altLang="en-US">
+                <a:ea typeface="游ゴシック"/>
+              </a:rPr>
+              <a:t> </a:t>
+            </a:r>
+            <a:endParaRPr lang="en-US" altLang="ja-JP">
+              <a:ea typeface="游ゴシック"/>
+            </a:endParaRPr>
+          </a:p>
+          <a:p>
+            <a:r>
+              <a:rPr lang="en-US" altLang="en-US">
+                <a:ea typeface="游ゴシック"/>
+              </a:rPr>
+              <a:t>and</a:t>
+            </a:r>
+            <a:r>
+              <a:rPr lang="ja-JP">
+                <a:ea typeface="游ゴシック"/>
+              </a:rPr>
+              <a:t> the last node is the hardware interface.</a:t>
+            </a:r>
+            <a:endParaRPr lang="en-US" altLang="ja-JP">
+              <a:ea typeface="游ゴシック"/>
+              <a:cs typeface="Calibri"/>
+            </a:endParaRPr>
+          </a:p>
+          <a:p>
+            <a:endParaRPr lang="ja-JP" altLang="en-US">
+              <a:ea typeface="游ゴシック"/>
+              <a:cs typeface="Calibri"/>
+            </a:endParaRPr>
+          </a:p>
+        </p:txBody>
+      </p:sp>
+      <p:sp>
+        <p:nvSpPr>
+          <p:cNvPr id="4" name="Slide Number Placeholder 3"/>
+          <p:cNvSpPr>
+            <a:spLocks noGrp="1"/>
+          </p:cNvSpPr>
+          <p:nvPr>
+            <p:ph type="sldNum" sz="quarter" idx="5"/>
+          </p:nvPr>
+        </p:nvSpPr>
+        <p:spPr/>
+        <p:txBody>
+          <a:bodyPr/>
+          <a:lstStyle/>
+          <a:p>
+            <a:fld id="{44E7610B-0814-43A3-AAB2-3BF236692144}" type="slidenum">
+              <a:rPr lang="en-US"/>
+              <a:t>9</a:t>
+            </a:fld>
+            <a:endParaRPr lang="en-US"/>
+          </a:p>
+        </p:txBody>
+      </p:sp>
+    </p:spTree>
+    <p:extLst>
+      <p:ext uri="{BB962C8B-B14F-4D97-AF65-F5344CB8AC3E}">
+        <p14:creationId xmlns:p14="http://schemas.microsoft.com/office/powerpoint/2010/main" val="4014827078"/>
+      </p:ext>
+    </p:extLst>
+  </p:cSld>
+  <p:clrMapOvr>
+    <a:masterClrMapping/>
+  </p:clrMapOvr>
+</p:notes>
+</file>
+
+<file path=ppt/notesSlides/notesSlide9.xml><?xml version="1.0" encoding="utf-8"?>
+<p:notes xmlns:a="http://schemas.openxmlformats.org/drawingml/2006/main" xmlns:r="http://schemas.openxmlformats.org/officeDocument/2006/relationships" xmlns:p="http://schemas.openxmlformats.org/presentationml/2006/main">
+  <p:cSld>
+    <p:spTree>
+      <p:nvGrpSpPr>
+        <p:cNvPr id="1" name=""/>
+        <p:cNvGrpSpPr/>
+        <p:nvPr/>
+      </p:nvGrpSpPr>
+      <p:grpSpPr>
+        <a:xfrm>
+          <a:off x="0" y="0"/>
+          <a:ext cx="0" cy="0"/>
+          <a:chOff x="0" y="0"/>
+          <a:chExt cx="0" cy="0"/>
+        </a:xfrm>
+      </p:grpSpPr>
+      <p:sp>
+        <p:nvSpPr>
+          <p:cNvPr id="2" name="Slide Image Placeholder 1"/>
+          <p:cNvSpPr>
+            <a:spLocks noGrp="1" noRot="1" noChangeAspect="1"/>
+          </p:cNvSpPr>
+          <p:nvPr>
+            <p:ph type="sldImg"/>
+          </p:nvPr>
+        </p:nvSpPr>
+        <p:spPr/>
+      </p:sp>
+      <p:sp>
+        <p:nvSpPr>
+          <p:cNvPr id="3" name="Notes Placeholder 2"/>
+          <p:cNvSpPr>
+            <a:spLocks noGrp="1"/>
+          </p:cNvSpPr>
+          <p:nvPr>
+            <p:ph type="body" idx="1"/>
+          </p:nvPr>
+        </p:nvSpPr>
+        <p:spPr/>
+        <p:txBody>
+          <a:bodyPr/>
+          <a:lstStyle/>
+          <a:p>
+            <a:r>
+              <a:rPr lang="en-US"/>
+              <a:t>The way to achieve haptics is that the machine can respond to a real-world force. For the robot, it is necessary to convert the force into a moment and control the current by the moment. First we calibrate the force sensor. Then we input a value to F such as 1 2 3 and use force sensor to test robotic force. Compare the values on the force sensor with the value input to the robot to find the relationship between the two type values. Friction compensation actually regards the activated current at different speeds as the force used to overcome friction. After that, add friction matrix, inertia matrix and Coriolis matrix to improve our robotic to be more smooth.</a:t>
+            </a:r>
+          </a:p>
+        </p:txBody>
+      </p:sp>
+      <p:sp>
+        <p:nvSpPr>
+          <p:cNvPr id="4" name="Slide Number Placeholder 3"/>
+          <p:cNvSpPr>
+            <a:spLocks noGrp="1"/>
+          </p:cNvSpPr>
+          <p:nvPr>
+            <p:ph type="sldNum" sz="quarter" idx="5"/>
+          </p:nvPr>
+        </p:nvSpPr>
+        <p:spPr/>
+        <p:txBody>
+          <a:bodyPr/>
+          <a:lstStyle/>
+          <a:p>
+            <a:fld id="{44E7610B-0814-43A3-AAB2-3BF236692144}" type="slidenum">
+              <a:t>10</a:t>
+            </a:fld>
+            <a:endParaRPr lang="en-US"/>
+          </a:p>
+        </p:txBody>
+      </p:sp>
+    </p:spTree>
+    <p:extLst>
+      <p:ext uri="{BB962C8B-B14F-4D97-AF65-F5344CB8AC3E}">
+        <p14:creationId xmlns:p14="http://schemas.microsoft.com/office/powerpoint/2010/main" val="913112122"/>
+      </p:ext>
+    </p:extLst>
+  </p:cSld>
+  <p:clrMapOvr>
+    <a:masterClrMapping/>
+  </p:clrMapOvr>
+</p:notes>
+</file>
+
 <file path=ppt/slideLayouts/slideLayout1.xml><?xml version="1.0" encoding="utf-8"?>
 <p:sldLayout xmlns:a="http://schemas.openxmlformats.org/drawingml/2006/main" xmlns:r="http://schemas.openxmlformats.org/officeDocument/2006/relationships" xmlns:p="http://schemas.openxmlformats.org/presentationml/2006/main" type="title" preserve="1">
   <p:cSld name="Title Slide">
@@ -4397,7 +7603,7 @@
           <a:p>
             <a:fld id="{4B51FDEE-7415-4738-9B2E-AC0C3839E1BA}" type="datetimeFigureOut">
               <a:rPr lang="en-GB" smtClean="0"/>
-              <a:t>06/04/2024</a:t>
+              <a:t>08/04/2024</a:t>
             </a:fld>
             <a:endParaRPr lang="en-GB"/>
           </a:p>
@@ -4597,7 +7803,7 @@
           <a:p>
             <a:fld id="{4B51FDEE-7415-4738-9B2E-AC0C3839E1BA}" type="datetimeFigureOut">
               <a:rPr lang="en-GB" smtClean="0"/>
-              <a:t>06/04/2024</a:t>
+              <a:t>08/04/2024</a:t>
             </a:fld>
             <a:endParaRPr lang="en-GB"/>
           </a:p>
@@ -4807,7 +8013,7 @@
           <a:p>
             <a:fld id="{4B51FDEE-7415-4738-9B2E-AC0C3839E1BA}" type="datetimeFigureOut">
               <a:rPr lang="en-GB" smtClean="0"/>
-              <a:t>06/04/2024</a:t>
+              <a:t>08/04/2024</a:t>
             </a:fld>
             <a:endParaRPr lang="en-GB"/>
           </a:p>
@@ -5007,7 +8213,7 @@
           <a:p>
             <a:fld id="{4B51FDEE-7415-4738-9B2E-AC0C3839E1BA}" type="datetimeFigureOut">
               <a:rPr lang="en-GB" smtClean="0"/>
-              <a:t>06/04/2024</a:t>
+              <a:t>08/04/2024</a:t>
             </a:fld>
             <a:endParaRPr lang="en-GB"/>
           </a:p>
@@ -5283,7 +8489,7 @@
           <a:p>
             <a:fld id="{4B51FDEE-7415-4738-9B2E-AC0C3839E1BA}" type="datetimeFigureOut">
               <a:rPr lang="en-GB" smtClean="0"/>
-              <a:t>06/04/2024</a:t>
+              <a:t>08/04/2024</a:t>
             </a:fld>
             <a:endParaRPr lang="en-GB"/>
           </a:p>
@@ -5551,7 +8757,7 @@
           <a:p>
             <a:fld id="{4B51FDEE-7415-4738-9B2E-AC0C3839E1BA}" type="datetimeFigureOut">
               <a:rPr lang="en-GB" smtClean="0"/>
-              <a:t>06/04/2024</a:t>
+              <a:t>08/04/2024</a:t>
             </a:fld>
             <a:endParaRPr lang="en-GB"/>
           </a:p>
@@ -5966,7 +9172,7 @@
           <a:p>
             <a:fld id="{4B51FDEE-7415-4738-9B2E-AC0C3839E1BA}" type="datetimeFigureOut">
               <a:rPr lang="en-GB" smtClean="0"/>
-              <a:t>06/04/2024</a:t>
+              <a:t>08/04/2024</a:t>
             </a:fld>
             <a:endParaRPr lang="en-GB"/>
           </a:p>
@@ -6108,7 +9314,7 @@
           <a:p>
             <a:fld id="{4B51FDEE-7415-4738-9B2E-AC0C3839E1BA}" type="datetimeFigureOut">
               <a:rPr lang="en-GB" smtClean="0"/>
-              <a:t>06/04/2024</a:t>
+              <a:t>08/04/2024</a:t>
             </a:fld>
             <a:endParaRPr lang="en-GB"/>
           </a:p>
@@ -6221,7 +9427,7 @@
           <a:p>
             <a:fld id="{4B51FDEE-7415-4738-9B2E-AC0C3839E1BA}" type="datetimeFigureOut">
               <a:rPr lang="en-GB" smtClean="0"/>
-              <a:t>06/04/2024</a:t>
+              <a:t>08/04/2024</a:t>
             </a:fld>
             <a:endParaRPr lang="en-GB"/>
           </a:p>
@@ -6534,7 +9740,7 @@
           <a:p>
             <a:fld id="{4B51FDEE-7415-4738-9B2E-AC0C3839E1BA}" type="datetimeFigureOut">
               <a:rPr lang="en-GB" smtClean="0"/>
-              <a:t>06/04/2024</a:t>
+              <a:t>08/04/2024</a:t>
             </a:fld>
             <a:endParaRPr lang="en-GB"/>
           </a:p>
@@ -6823,7 +10029,7 @@
           <a:p>
             <a:fld id="{4B51FDEE-7415-4738-9B2E-AC0C3839E1BA}" type="datetimeFigureOut">
               <a:rPr lang="en-GB" smtClean="0"/>
-              <a:t>06/04/2024</a:t>
+              <a:t>08/04/2024</a:t>
             </a:fld>
             <a:endParaRPr lang="en-GB"/>
           </a:p>
@@ -7066,7 +10272,7 @@
           <a:p>
             <a:fld id="{4B51FDEE-7415-4738-9B2E-AC0C3839E1BA}" type="datetimeFigureOut">
               <a:rPr lang="en-GB" smtClean="0"/>
-              <a:t>06/04/2024</a:t>
+              <a:t>08/04/2024</a:t>
             </a:fld>
             <a:endParaRPr lang="en-GB"/>
           </a:p>
@@ -7505,10 +10711,10 @@
           <a:lstStyle/>
           <a:p>
             <a:r>
-              <a:rPr lang="en-US" dirty="0"/>
+              <a:rPr lang="en-US"/>
               <a:t>Advance Medical Robotics</a:t>
             </a:r>
-            <a:endParaRPr lang="en-GB" dirty="0"/>
+            <a:endParaRPr lang="en-GB"/>
           </a:p>
         </p:txBody>
       </p:sp>
@@ -7530,20 +10736,37 @@
         </p:nvSpPr>
         <p:spPr/>
         <p:txBody>
-          <a:bodyPr/>
+          <a:bodyPr vert="horz" lIns="91440" tIns="45720" rIns="91440" bIns="45720" rtlCol="0" anchor="t">
+            <a:normAutofit lnSpcReduction="10000"/>
+          </a:bodyPr>
           <a:lstStyle/>
           <a:p>
             <a:r>
-              <a:rPr lang="en-US" dirty="0"/>
+              <a:rPr lang="en-US"/>
               <a:t>Team 5</a:t>
             </a:r>
           </a:p>
           <a:p>
             <a:r>
-              <a:rPr lang="en-US" dirty="0"/>
+              <a:rPr lang="en-US"/>
               <a:t>Dang The Hung</a:t>
             </a:r>
-            <a:endParaRPr lang="en-GB" dirty="0"/>
+          </a:p>
+          <a:p>
+            <a:r>
+              <a:rPr lang="en-US" err="1"/>
+              <a:t>Zhenguan</a:t>
+            </a:r>
+            <a:r>
+              <a:rPr lang="en-US"/>
+              <a:t> Tu</a:t>
+            </a:r>
+          </a:p>
+          <a:p>
+            <a:r>
+              <a:rPr lang="en-US"/>
+              <a:t>Rui Han</a:t>
+            </a:r>
           </a:p>
         </p:txBody>
       </p:sp>
@@ -7590,6 +10813,305 @@
             <a:spLocks noGrp="1"/>
           </p:cNvSpPr>
           <p:nvPr>
+            <p:ph type="title"/>
+          </p:nvPr>
+        </p:nvSpPr>
+        <p:spPr/>
+        <p:txBody>
+          <a:bodyPr/>
+          <a:lstStyle/>
+          <a:p>
+            <a:r>
+              <a:rPr lang="en-GB"/>
+              <a:t>Methodology – haptics </a:t>
+            </a:r>
+          </a:p>
+        </p:txBody>
+      </p:sp>
+      <p:sp>
+        <p:nvSpPr>
+          <p:cNvPr id="3" name="Content Placeholder 2">
+            <a:extLst>
+              <a:ext uri="{FF2B5EF4-FFF2-40B4-BE49-F238E27FC236}">
+                <a16:creationId xmlns:a16="http://schemas.microsoft.com/office/drawing/2014/main" id="{4C1562F5-F40D-64AA-F3C4-D351084A4C54}"/>
+              </a:ext>
+            </a:extLst>
+          </p:cNvPr>
+          <p:cNvSpPr>
+            <a:spLocks noGrp="1"/>
+          </p:cNvSpPr>
+          <p:nvPr>
+            <p:ph idx="1"/>
+          </p:nvPr>
+        </p:nvSpPr>
+        <p:spPr/>
+        <p:txBody>
+          <a:bodyPr vert="horz" lIns="91440" tIns="45720" rIns="91440" bIns="45720" rtlCol="0" anchor="t">
+            <a:normAutofit/>
+          </a:bodyPr>
+          <a:lstStyle/>
+          <a:p>
+            <a:r>
+              <a:rPr lang="en-US" b="1" i="1"/>
+              <a:t>Force controller</a:t>
+            </a:r>
+            <a:r>
+              <a:rPr lang="en-US"/>
+              <a:t>: t = J</a:t>
+            </a:r>
+            <a:r>
+              <a:rPr lang="en-US" baseline="30000"/>
+              <a:t>T</a:t>
+            </a:r>
+            <a:r>
+              <a:rPr lang="en-US"/>
+              <a:t>.F</a:t>
+            </a:r>
+          </a:p>
+          <a:p>
+            <a:pPr lvl="1"/>
+            <a:r>
+              <a:rPr lang="en-US" b="1" i="1"/>
+              <a:t>Torque-current calibration</a:t>
+            </a:r>
+          </a:p>
+          <a:p>
+            <a:pPr lvl="2"/>
+            <a:r>
+              <a:rPr lang="en-US"/>
+              <a:t>Load cell calibration: known weight + gravity</a:t>
+            </a:r>
+          </a:p>
+          <a:p>
+            <a:pPr lvl="2"/>
+            <a:r>
+              <a:rPr lang="en-US"/>
+              <a:t>Robot calibration: applying an arbitrary force to the load cell -&gt; measure</a:t>
+            </a:r>
+          </a:p>
+          <a:p>
+            <a:r>
+              <a:rPr lang="en-US" b="1" i="1"/>
+              <a:t>Friction compensation</a:t>
+            </a:r>
+            <a:r>
+              <a:rPr lang="en-US"/>
+              <a:t>: previously mentioned</a:t>
+            </a:r>
+          </a:p>
+          <a:p>
+            <a:r>
+              <a:rPr lang="en-US" b="1" i="1"/>
+              <a:t>Dynamic compensation</a:t>
+            </a:r>
+            <a:r>
+              <a:rPr lang="en-US"/>
+              <a:t>: solving using </a:t>
+            </a:r>
+            <a:r>
+              <a:rPr lang="en-US" err="1"/>
+              <a:t>Lagrangian</a:t>
+            </a:r>
+            <a:r>
+              <a:rPr lang="en-US"/>
+              <a:t> method</a:t>
+            </a:r>
+          </a:p>
+          <a:p>
+            <a:endParaRPr lang="en-US"/>
+          </a:p>
+          <a:p>
+            <a:pPr lvl="1"/>
+            <a:endParaRPr lang="en-US"/>
+          </a:p>
+          <a:p>
+            <a:endParaRPr lang="en-GB"/>
+          </a:p>
+        </p:txBody>
+      </p:sp>
+    </p:spTree>
+    <p:extLst>
+      <p:ext uri="{BB962C8B-B14F-4D97-AF65-F5344CB8AC3E}">
+        <p14:creationId xmlns:p14="http://schemas.microsoft.com/office/powerpoint/2010/main" val="425734077"/>
+      </p:ext>
+    </p:extLst>
+  </p:cSld>
+  <p:clrMapOvr>
+    <a:masterClrMapping/>
+  </p:clrMapOvr>
+</p:sld>
+</file>
+
+<file path=ppt/slides/slide11.xml><?xml version="1.0" encoding="utf-8"?>
+<p:sld xmlns:a="http://schemas.openxmlformats.org/drawingml/2006/main" xmlns:r="http://schemas.openxmlformats.org/officeDocument/2006/relationships" xmlns:p="http://schemas.openxmlformats.org/presentationml/2006/main">
+  <p:cSld>
+    <p:spTree>
+      <p:nvGrpSpPr>
+        <p:cNvPr id="1" name=""/>
+        <p:cNvGrpSpPr/>
+        <p:nvPr/>
+      </p:nvGrpSpPr>
+      <p:grpSpPr>
+        <a:xfrm>
+          <a:off x="0" y="0"/>
+          <a:ext cx="0" cy="0"/>
+          <a:chOff x="0" y="0"/>
+          <a:chExt cx="0" cy="0"/>
+        </a:xfrm>
+      </p:grpSpPr>
+      <p:sp>
+        <p:nvSpPr>
+          <p:cNvPr id="2" name="Title 1">
+            <a:extLst>
+              <a:ext uri="{FF2B5EF4-FFF2-40B4-BE49-F238E27FC236}">
+                <a16:creationId xmlns:a16="http://schemas.microsoft.com/office/drawing/2014/main" id="{2C208E5E-48E6-40F4-6B82-9439A679E741}"/>
+              </a:ext>
+            </a:extLst>
+          </p:cNvPr>
+          <p:cNvSpPr>
+            <a:spLocks noGrp="1"/>
+          </p:cNvSpPr>
+          <p:nvPr>
+            <p:ph type="title"/>
+          </p:nvPr>
+        </p:nvSpPr>
+        <p:spPr/>
+        <p:txBody>
+          <a:bodyPr/>
+          <a:lstStyle/>
+          <a:p>
+            <a:r>
+              <a:rPr lang="en-GB"/>
+              <a:t>Methodology – haptics </a:t>
+            </a:r>
+          </a:p>
+        </p:txBody>
+      </p:sp>
+      <p:sp>
+        <p:nvSpPr>
+          <p:cNvPr id="3" name="Content Placeholder 2">
+            <a:extLst>
+              <a:ext uri="{FF2B5EF4-FFF2-40B4-BE49-F238E27FC236}">
+                <a16:creationId xmlns:a16="http://schemas.microsoft.com/office/drawing/2014/main" id="{4C1562F5-F40D-64AA-F3C4-D351084A4C54}"/>
+              </a:ext>
+            </a:extLst>
+          </p:cNvPr>
+          <p:cNvSpPr>
+            <a:spLocks noGrp="1"/>
+          </p:cNvSpPr>
+          <p:nvPr>
+            <p:ph idx="1"/>
+          </p:nvPr>
+        </p:nvSpPr>
+        <p:spPr/>
+        <p:txBody>
+          <a:bodyPr vert="horz" lIns="91440" tIns="45720" rIns="91440" bIns="45720" rtlCol="0" anchor="t">
+            <a:normAutofit/>
+          </a:bodyPr>
+          <a:lstStyle/>
+          <a:p>
+            <a:r>
+              <a:rPr lang="en-US" b="1" i="1"/>
+              <a:t>Environment simulation:</a:t>
+            </a:r>
+          </a:p>
+          <a:p>
+            <a:pPr lvl="1"/>
+            <a:r>
+              <a:rPr lang="en-US"/>
+              <a:t>Generating and exporting from a computer -&gt; flexibility</a:t>
+            </a:r>
+          </a:p>
+          <a:p>
+            <a:pPr lvl="1"/>
+            <a:r>
+              <a:rPr lang="en-US"/>
+              <a:t>Storing as python list/</a:t>
+            </a:r>
+            <a:r>
+              <a:rPr lang="en-US" err="1"/>
+              <a:t>numpy.ndarray</a:t>
+            </a:r>
+            <a:r>
+              <a:rPr lang="en-US"/>
+              <a:t> -&gt; accessing complexity O(1)</a:t>
+            </a:r>
+          </a:p>
+          <a:p>
+            <a:pPr lvl="1"/>
+            <a:r>
+              <a:rPr lang="en-US"/>
+              <a:t>Simulation of different objects: spring, wall, damping area</a:t>
+            </a:r>
+          </a:p>
+          <a:p>
+            <a:r>
+              <a:rPr lang="en-US" b="1" i="1"/>
+              <a:t>UI:</a:t>
+            </a:r>
+          </a:p>
+          <a:p>
+            <a:pPr lvl="1"/>
+            <a:r>
+              <a:rPr lang="en-US"/>
+              <a:t>Remote Desktop Connection</a:t>
+            </a:r>
+          </a:p>
+          <a:p>
+            <a:pPr lvl="1"/>
+            <a:r>
+              <a:rPr lang="en-US"/>
+              <a:t>Matplotlib</a:t>
+            </a:r>
+          </a:p>
+          <a:p>
+            <a:endParaRPr lang="en-US"/>
+          </a:p>
+        </p:txBody>
+      </p:sp>
+    </p:spTree>
+    <p:extLst>
+      <p:ext uri="{BB962C8B-B14F-4D97-AF65-F5344CB8AC3E}">
+        <p14:creationId xmlns:p14="http://schemas.microsoft.com/office/powerpoint/2010/main" val="1089545603"/>
+      </p:ext>
+    </p:extLst>
+  </p:cSld>
+  <p:clrMapOvr>
+    <a:masterClrMapping/>
+  </p:clrMapOvr>
+</p:sld>
+</file>
+
+<file path=ppt/slides/slide12.xml><?xml version="1.0" encoding="utf-8"?>
+<p:sld xmlns:a="http://schemas.openxmlformats.org/drawingml/2006/main" xmlns:r="http://schemas.openxmlformats.org/officeDocument/2006/relationships" xmlns:p="http://schemas.openxmlformats.org/presentationml/2006/main">
+  <p:cSld>
+    <p:spTree>
+      <p:nvGrpSpPr>
+        <p:cNvPr id="1" name=""/>
+        <p:cNvGrpSpPr/>
+        <p:nvPr/>
+      </p:nvGrpSpPr>
+      <p:grpSpPr>
+        <a:xfrm>
+          <a:off x="0" y="0"/>
+          <a:ext cx="0" cy="0"/>
+          <a:chOff x="0" y="0"/>
+          <a:chExt cx="0" cy="0"/>
+        </a:xfrm>
+      </p:grpSpPr>
+      <p:sp>
+        <p:nvSpPr>
+          <p:cNvPr id="2" name="Title 1">
+            <a:extLst>
+              <a:ext uri="{FF2B5EF4-FFF2-40B4-BE49-F238E27FC236}">
+                <a16:creationId xmlns:a16="http://schemas.microsoft.com/office/drawing/2014/main" id="{2C208E5E-48E6-40F4-6B82-9439A679E741}"/>
+              </a:ext>
+            </a:extLst>
+          </p:cNvPr>
+          <p:cNvSpPr>
+            <a:spLocks noGrp="1"/>
+          </p:cNvSpPr>
+          <p:nvPr>
             <p:ph type="ctrTitle"/>
           </p:nvPr>
         </p:nvSpPr>
@@ -7601,7 +11123,7 @@
           <a:lstStyle/>
           <a:p>
             <a:r>
-              <a:rPr lang="en-GB" sz="11500" dirty="0"/>
+              <a:rPr lang="en-GB" sz="11500"/>
               <a:t>Results</a:t>
             </a:r>
           </a:p>
@@ -7620,7 +11142,7 @@
 </p:sld>
 </file>
 
-<file path=ppt/slides/slide11.xml><?xml version="1.0" encoding="utf-8"?>
+<file path=ppt/slides/slide13.xml><?xml version="1.0" encoding="utf-8"?>
 <p:sld xmlns:a="http://schemas.openxmlformats.org/drawingml/2006/main" xmlns:r="http://schemas.openxmlformats.org/officeDocument/2006/relationships" xmlns:p="http://schemas.openxmlformats.org/presentationml/2006/main">
   <p:cSld>
     <p:bg>
@@ -7735,7 +11257,7 @@
           <a:p>
             <a:pPr algn="ctr"/>
             <a:r>
-              <a:rPr lang="en-US" sz="6600" dirty="0"/>
+              <a:rPr lang="en-US" sz="6600"/>
               <a:t>Friction model</a:t>
             </a:r>
           </a:p>
@@ -7777,7 +11299,7 @@
               </a:spcBef>
             </a:pPr>
             <a:r>
-              <a:rPr lang="en-US" sz="2400" dirty="0"/>
+              <a:rPr lang="en-US" sz="2400"/>
               <a:t>Current = a*velocity + b*sign(velocity)</a:t>
             </a:r>
           </a:p>
@@ -8277,7 +11799,7 @@
 </p:sld>
 </file>
 
-<file path=ppt/slides/slide12.xml><?xml version="1.0" encoding="utf-8"?>
+<file path=ppt/slides/slide14.xml><?xml version="1.0" encoding="utf-8"?>
 <p:sld xmlns:a="http://schemas.openxmlformats.org/drawingml/2006/main" xmlns:r="http://schemas.openxmlformats.org/officeDocument/2006/relationships" xmlns:p="http://schemas.openxmlformats.org/presentationml/2006/main">
   <p:cSld>
     <p:bg>
@@ -8892,7 +12414,7 @@
 </p:sld>
 </file>
 
-<file path=ppt/slides/slide13.xml><?xml version="1.0" encoding="utf-8"?>
+<file path=ppt/slides/slide15.xml><?xml version="1.0" encoding="utf-8"?>
 <p:sld xmlns:a="http://schemas.openxmlformats.org/drawingml/2006/main" xmlns:r="http://schemas.openxmlformats.org/officeDocument/2006/relationships" xmlns:p="http://schemas.openxmlformats.org/presentationml/2006/main">
   <p:cSld>
     <p:bg>
@@ -9007,15 +12529,15 @@
           <a:p>
             <a:pPr algn="ctr"/>
             <a:r>
-              <a:rPr lang="en-US" sz="6600" dirty="0"/>
+              <a:rPr lang="en-US" sz="6600"/>
               <a:t>Jacobian-based controller</a:t>
             </a:r>
             <a:r>
-              <a:rPr lang="vi-VN" sz="6600" dirty="0"/>
+              <a:rPr lang="vi-VN" sz="6600"/>
               <a:t> </a:t>
             </a:r>
             <a:r>
-              <a:rPr lang="en-US" sz="6600" dirty="0"/>
+              <a:rPr lang="en-US" sz="6600"/>
               <a:t>with linear path planning</a:t>
             </a:r>
           </a:p>
@@ -9424,7 +12946,7 @@
         </p:blipFill>
         <p:spPr>
           <a:xfrm>
-            <a:off x="2143867" y="2067033"/>
+            <a:off x="2143867" y="2084753"/>
             <a:ext cx="7899667" cy="4542309"/>
           </a:xfrm>
           <a:prstGeom prst="rect">
@@ -9580,7 +13102,7 @@
 </p:sld>
 </file>
 
-<file path=ppt/slides/slide14.xml><?xml version="1.0" encoding="utf-8"?>
+<file path=ppt/slides/slide16.xml><?xml version="1.0" encoding="utf-8"?>
 <p:sld xmlns:a="http://schemas.openxmlformats.org/drawingml/2006/main" xmlns:r="http://schemas.openxmlformats.org/officeDocument/2006/relationships" xmlns:p="http://schemas.openxmlformats.org/presentationml/2006/main">
   <p:cSld>
     <p:bg>
@@ -10078,7 +13600,7 @@
         </p:blipFill>
         <p:spPr>
           <a:xfrm>
-            <a:off x="510365" y="2604527"/>
+            <a:off x="209109" y="2604527"/>
             <a:ext cx="3524888" cy="3647338"/>
           </a:xfrm>
           <a:custGeom>
@@ -10361,7 +13883,7 @@
         </p:blipFill>
         <p:spPr>
           <a:xfrm>
-            <a:off x="4333556" y="2604527"/>
+            <a:off x="4032300" y="2569085"/>
             <a:ext cx="3524888" cy="3647338"/>
           </a:xfrm>
           <a:custGeom>
@@ -10619,10 +14141,10 @@
       </p:pic>
       <p:pic>
         <p:nvPicPr>
-          <p:cNvPr id="4" name="Picture 3" descr="A graph of a line&#10;&#10;Description automatically generated">
+          <p:cNvPr id="3" name="Picture 2" descr="A graph with red line and blue dots&#10;&#10;Description automatically generated">
             <a:extLst>
               <a:ext uri="{FF2B5EF4-FFF2-40B4-BE49-F238E27FC236}">
-                <a16:creationId xmlns:a16="http://schemas.microsoft.com/office/drawing/2014/main" id="{28E07345-86C2-283D-CAAD-AC8500951490}"/>
+                <a16:creationId xmlns:a16="http://schemas.microsoft.com/office/drawing/2014/main" id="{37CE5579-23A9-D5AB-C20B-39238BFEE6F1}"/>
               </a:ext>
             </a:extLst>
           </p:cNvPr>
@@ -10631,273 +14153,20 @@
           </p:cNvPicPr>
           <p:nvPr/>
         </p:nvPicPr>
-        <p:blipFill rotWithShape="1">
-          <a:blip r:embed="rId2">
-            <a:extLst>
-              <a:ext uri="{28A0092B-C50C-407E-A947-70E740481C1C}">
-                <a14:useLocalDpi xmlns:a14="http://schemas.microsoft.com/office/drawing/2010/main" val="0"/>
-              </a:ext>
-            </a:extLst>
-          </a:blip>
-          <a:srcRect l="14808" r="11745" b="1"/>
-          <a:stretch/>
+        <p:blipFill>
+          <a:blip r:embed="rId4"/>
+          <a:stretch>
+            <a:fillRect/>
+          </a:stretch>
         </p:blipFill>
         <p:spPr>
           <a:xfrm>
-            <a:off x="8261254" y="2604527"/>
-            <a:ext cx="3524888" cy="3647338"/>
+            <a:off x="7845531" y="2742478"/>
+            <a:ext cx="4113514" cy="3376227"/>
           </a:xfrm>
-          <a:custGeom>
+          <a:prstGeom prst="rect">
             <a:avLst/>
-            <a:gdLst/>
-            <a:ahLst/>
-            <a:cxnLst/>
-            <a:rect l="l" t="t" r="r" b="b"/>
-            <a:pathLst>
-              <a:path w="3524888" h="3647338">
-                <a:moveTo>
-                  <a:pt x="887181" y="60"/>
-                </a:moveTo>
-                <a:cubicBezTo>
-                  <a:pt x="945946" y="-443"/>
-                  <a:pt x="1004683" y="2214"/>
-                  <a:pt x="1063120" y="9535"/>
-                </a:cubicBezTo>
-                <a:cubicBezTo>
-                  <a:pt x="1192553" y="25206"/>
-                  <a:pt x="1324035" y="29312"/>
-                  <a:pt x="1454772" y="21769"/>
-                </a:cubicBezTo>
-                <a:cubicBezTo>
-                  <a:pt x="1583729" y="15160"/>
-                  <a:pt x="1712924" y="14714"/>
-                  <a:pt x="1842239" y="16589"/>
-                </a:cubicBezTo>
-                <a:cubicBezTo>
-                  <a:pt x="1958874" y="18285"/>
-                  <a:pt x="2075629" y="18018"/>
-                  <a:pt x="2192264" y="13196"/>
-                </a:cubicBezTo>
-                <a:cubicBezTo>
-                  <a:pt x="2323253" y="7660"/>
-                  <a:pt x="2454242" y="2928"/>
-                  <a:pt x="2585114" y="13911"/>
-                </a:cubicBezTo>
-                <a:cubicBezTo>
-                  <a:pt x="2699008" y="24482"/>
-                  <a:pt x="2813668" y="29758"/>
-                  <a:pt x="2928437" y="29714"/>
-                </a:cubicBezTo>
-                <a:cubicBezTo>
-                  <a:pt x="3080601" y="28464"/>
-                  <a:pt x="3232406" y="19625"/>
-                  <a:pt x="3384330" y="14536"/>
-                </a:cubicBezTo>
-                <a:lnTo>
-                  <a:pt x="3481468" y="12130"/>
-                </a:lnTo>
-                <a:lnTo>
-                  <a:pt x="3481325" y="16098"/>
-                </a:lnTo>
-                <a:lnTo>
-                  <a:pt x="3493308" y="84630"/>
-                </a:lnTo>
-                <a:lnTo>
-                  <a:pt x="3493318" y="92959"/>
-                </a:lnTo>
-                <a:cubicBezTo>
-                  <a:pt x="3495695" y="161085"/>
-                  <a:pt x="3501168" y="229143"/>
-                  <a:pt x="3512114" y="297090"/>
-                </a:cubicBezTo>
-                <a:cubicBezTo>
-                  <a:pt x="3519231" y="340796"/>
-                  <a:pt x="3524136" y="384681"/>
-                  <a:pt x="3524809" y="428543"/>
-                </a:cubicBezTo>
-                <a:cubicBezTo>
-                  <a:pt x="3525482" y="472405"/>
-                  <a:pt x="3521924" y="516245"/>
-                  <a:pt x="3512114" y="559861"/>
-                </a:cubicBezTo>
-                <a:cubicBezTo>
-                  <a:pt x="3491119" y="656469"/>
-                  <a:pt x="3485618" y="754605"/>
-                  <a:pt x="3495724" y="852186"/>
-                </a:cubicBezTo>
-                <a:cubicBezTo>
-                  <a:pt x="3504578" y="948437"/>
-                  <a:pt x="3505176" y="1044867"/>
-                  <a:pt x="3502664" y="1141386"/>
-                </a:cubicBezTo>
-                <a:cubicBezTo>
-                  <a:pt x="3500391" y="1228440"/>
-                  <a:pt x="3500750" y="1315584"/>
-                  <a:pt x="3507210" y="1402639"/>
-                </a:cubicBezTo>
-                <a:cubicBezTo>
-                  <a:pt x="3514626" y="1500407"/>
-                  <a:pt x="3520966" y="1598176"/>
-                  <a:pt x="3506252" y="1695857"/>
-                </a:cubicBezTo>
-                <a:cubicBezTo>
-                  <a:pt x="3492089" y="1780866"/>
-                  <a:pt x="3485019" y="1866447"/>
-                  <a:pt x="3485079" y="1952109"/>
-                </a:cubicBezTo>
-                <a:cubicBezTo>
-                  <a:pt x="3486753" y="2065682"/>
-                  <a:pt x="3498595" y="2178986"/>
-                  <a:pt x="3505415" y="2292381"/>
-                </a:cubicBezTo>
-                <a:cubicBezTo>
-                  <a:pt x="3514746" y="2447918"/>
-                  <a:pt x="3522761" y="2603544"/>
-                  <a:pt x="3508406" y="2759171"/>
-                </a:cubicBezTo>
-                <a:cubicBezTo>
-                  <a:pt x="3497997" y="2866762"/>
-                  <a:pt x="3488427" y="2974352"/>
-                  <a:pt x="3496442" y="3082389"/>
-                </a:cubicBezTo>
-                <a:cubicBezTo>
-                  <a:pt x="3502066" y="3158639"/>
-                  <a:pt x="3510200" y="3234980"/>
-                  <a:pt x="3504816" y="3311409"/>
-                </a:cubicBezTo>
-                <a:lnTo>
-                  <a:pt x="3500655" y="3407763"/>
-                </a:lnTo>
-                <a:lnTo>
-                  <a:pt x="3500528" y="3407763"/>
-                </a:lnTo>
-                <a:lnTo>
-                  <a:pt x="3500186" y="3418624"/>
-                </a:lnTo>
-                <a:lnTo>
-                  <a:pt x="3498431" y="3459279"/>
-                </a:lnTo>
-                <a:lnTo>
-                  <a:pt x="3498786" y="3476530"/>
-                </a:lnTo>
-                <a:lnTo>
-                  <a:pt x="3500070" y="3476530"/>
-                </a:lnTo>
-                <a:lnTo>
-                  <a:pt x="3504922" y="3592711"/>
-                </a:lnTo>
-                <a:lnTo>
-                  <a:pt x="3504733" y="3642505"/>
-                </a:lnTo>
-                <a:lnTo>
-                  <a:pt x="3344090" y="3645620"/>
-                </a:lnTo>
-                <a:cubicBezTo>
-                  <a:pt x="3179267" y="3652578"/>
-                  <a:pt x="3015642" y="3636699"/>
-                  <a:pt x="2851776" y="3628492"/>
-                </a:cubicBezTo>
-                <a:cubicBezTo>
-                  <a:pt x="2716167" y="3622675"/>
-                  <a:pt x="2580186" y="3623335"/>
-                  <a:pt x="2444683" y="3630454"/>
-                </a:cubicBezTo>
-                <a:cubicBezTo>
-                  <a:pt x="2220221" y="3640802"/>
-                  <a:pt x="1995758" y="3642229"/>
-                  <a:pt x="1771055" y="3636431"/>
-                </a:cubicBezTo>
-                <a:cubicBezTo>
-                  <a:pt x="1659183" y="3633576"/>
-                  <a:pt x="1547429" y="3634736"/>
-                  <a:pt x="1435676" y="3638305"/>
-                </a:cubicBezTo>
-                <a:cubicBezTo>
-                  <a:pt x="1179420" y="3646601"/>
-                  <a:pt x="923403" y="3637323"/>
-                  <a:pt x="667265" y="3634558"/>
-                </a:cubicBezTo>
-                <a:cubicBezTo>
-                  <a:pt x="569736" y="3633488"/>
-                  <a:pt x="472205" y="3633665"/>
-                  <a:pt x="374794" y="3637679"/>
-                </a:cubicBezTo>
-                <a:cubicBezTo>
-                  <a:pt x="264415" y="3642140"/>
-                  <a:pt x="154036" y="3643412"/>
-                  <a:pt x="43657" y="3642932"/>
-                </a:cubicBezTo>
-                <a:lnTo>
-                  <a:pt x="11965" y="3642429"/>
-                </a:lnTo>
-                <a:lnTo>
-                  <a:pt x="24360" y="3479541"/>
-                </a:lnTo>
-                <a:cubicBezTo>
-                  <a:pt x="26194" y="3423392"/>
-                  <a:pt x="25594" y="3367189"/>
-                  <a:pt x="22559" y="3311038"/>
-                </a:cubicBezTo>
-                <a:cubicBezTo>
-                  <a:pt x="16343" y="3197955"/>
-                  <a:pt x="-628" y="3084971"/>
-                  <a:pt x="13594" y="2971689"/>
-                </a:cubicBezTo>
-                <a:cubicBezTo>
-                  <a:pt x="38335" y="2776712"/>
-                  <a:pt x="12519" y="2582431"/>
-                  <a:pt x="4272" y="2387950"/>
-                </a:cubicBezTo>
-                <a:cubicBezTo>
-                  <a:pt x="-3262" y="2237604"/>
-                  <a:pt x="2250" y="2086990"/>
-                  <a:pt x="20765" y="1937298"/>
-                </a:cubicBezTo>
-                <a:cubicBezTo>
-                  <a:pt x="38958" y="1790576"/>
-                  <a:pt x="37113" y="1642627"/>
-                  <a:pt x="15268" y="1496252"/>
-                </a:cubicBezTo>
-                <a:cubicBezTo>
-                  <a:pt x="7718" y="1430798"/>
-                  <a:pt x="7400" y="1364898"/>
-                  <a:pt x="14311" y="1299395"/>
-                </a:cubicBezTo>
-                <a:cubicBezTo>
-                  <a:pt x="22640" y="1195064"/>
-                  <a:pt x="20682" y="1090348"/>
-                  <a:pt x="8455" y="986285"/>
-                </a:cubicBezTo>
-                <a:cubicBezTo>
-                  <a:pt x="-8159" y="849535"/>
-                  <a:pt x="3794" y="712390"/>
-                  <a:pt x="9890" y="575540"/>
-                </a:cubicBezTo>
-                <a:cubicBezTo>
-                  <a:pt x="14432" y="472556"/>
-                  <a:pt x="17180" y="369671"/>
-                  <a:pt x="12878" y="266688"/>
-                </a:cubicBezTo>
-                <a:lnTo>
-                  <a:pt x="14418" y="21931"/>
-                </a:lnTo>
-                <a:lnTo>
-                  <a:pt x="163536" y="23733"/>
-                </a:lnTo>
-                <a:cubicBezTo>
-                  <a:pt x="346324" y="25875"/>
-                  <a:pt x="528992" y="25875"/>
-                  <a:pt x="711062" y="9535"/>
-                </a:cubicBezTo>
-                <a:cubicBezTo>
-                  <a:pt x="769619" y="4223"/>
-                  <a:pt x="828415" y="562"/>
-                  <a:pt x="887181" y="60"/>
-                </a:cubicBezTo>
-                <a:close/>
-              </a:path>
-            </a:pathLst>
-          </a:custGeom>
+          </a:prstGeom>
         </p:spPr>
       </p:pic>
     </p:spTree>
@@ -11005,7 +14274,203 @@
 </p:sld>
 </file>
 
-<file path=ppt/slides/slide15.xml><?xml version="1.0" encoding="utf-8"?>
+<file path=ppt/slides/slide17.xml><?xml version="1.0" encoding="utf-8"?>
+<p:sld xmlns:a="http://schemas.openxmlformats.org/drawingml/2006/main" xmlns:r="http://schemas.openxmlformats.org/officeDocument/2006/relationships" xmlns:p="http://schemas.openxmlformats.org/presentationml/2006/main">
+  <p:cSld>
+    <p:bg>
+      <p:bgPr>
+        <a:solidFill>
+          <a:schemeClr val="bg1"/>
+        </a:solidFill>
+        <a:effectLst/>
+      </p:bgPr>
+    </p:bg>
+    <p:spTree>
+      <p:nvGrpSpPr>
+        <p:cNvPr id="1" name=""/>
+        <p:cNvGrpSpPr/>
+        <p:nvPr/>
+      </p:nvGrpSpPr>
+      <p:grpSpPr>
+        <a:xfrm>
+          <a:off x="0" y="0"/>
+          <a:ext cx="0" cy="0"/>
+          <a:chOff x="0" y="0"/>
+          <a:chExt cx="0" cy="0"/>
+        </a:xfrm>
+      </p:grpSpPr>
+      <p:sp>
+        <p:nvSpPr>
+          <p:cNvPr id="2" name="Title 1">
+            <a:extLst>
+              <a:ext uri="{FF2B5EF4-FFF2-40B4-BE49-F238E27FC236}">
+                <a16:creationId xmlns:a16="http://schemas.microsoft.com/office/drawing/2014/main" id="{2C208E5E-48E6-40F4-6B82-9439A679E741}"/>
+              </a:ext>
+            </a:extLst>
+          </p:cNvPr>
+          <p:cNvSpPr>
+            <a:spLocks noGrp="1"/>
+          </p:cNvSpPr>
+          <p:nvPr>
+            <p:ph type="title"/>
+          </p:nvPr>
+        </p:nvSpPr>
+        <p:spPr/>
+        <p:txBody>
+          <a:bodyPr anchor="b">
+            <a:normAutofit/>
+          </a:bodyPr>
+          <a:lstStyle/>
+          <a:p>
+            <a:r>
+              <a:rPr lang="en-US" sz="5000"/>
+              <a:t>Free space </a:t>
+            </a:r>
+            <a:r>
+              <a:rPr lang="en-GB" sz="5000"/>
+              <a:t>compensation</a:t>
+            </a:r>
+          </a:p>
+        </p:txBody>
+      </p:sp>
+      <p:sp>
+        <p:nvSpPr>
+          <p:cNvPr id="4" name="Content Placeholder 3">
+            <a:extLst>
+              <a:ext uri="{FF2B5EF4-FFF2-40B4-BE49-F238E27FC236}">
+                <a16:creationId xmlns:a16="http://schemas.microsoft.com/office/drawing/2014/main" id="{68F94B8A-B629-DD77-812B-1A557301C6EB}"/>
+              </a:ext>
+            </a:extLst>
+          </p:cNvPr>
+          <p:cNvSpPr>
+            <a:spLocks noGrp="1"/>
+          </p:cNvSpPr>
+          <p:nvPr>
+            <p:ph sz="half" idx="1"/>
+          </p:nvPr>
+        </p:nvSpPr>
+        <p:spPr>
+          <a:xfrm>
+            <a:off x="838200" y="1825625"/>
+            <a:ext cx="5181600" cy="4351338"/>
+          </a:xfrm>
+        </p:spPr>
+        <p:txBody>
+          <a:bodyPr/>
+          <a:lstStyle/>
+          <a:p>
+            <a:endParaRPr lang="en-US"/>
+          </a:p>
+          <a:p>
+            <a:r>
+              <a:rPr lang="en-US"/>
+              <a:t>Compensation in both friction and dynamic model</a:t>
+            </a:r>
+          </a:p>
+        </p:txBody>
+      </p:sp>
+      <p:sp>
+        <p:nvSpPr>
+          <p:cNvPr id="7" name="Content Placeholder 6">
+            <a:extLst>
+              <a:ext uri="{FF2B5EF4-FFF2-40B4-BE49-F238E27FC236}">
+                <a16:creationId xmlns:a16="http://schemas.microsoft.com/office/drawing/2014/main" id="{2FE27FFC-F540-1492-4A28-600C8AACFB1F}"/>
+              </a:ext>
+            </a:extLst>
+          </p:cNvPr>
+          <p:cNvSpPr>
+            <a:spLocks noGrp="1"/>
+          </p:cNvSpPr>
+          <p:nvPr>
+            <p:ph sz="half" idx="2"/>
+          </p:nvPr>
+        </p:nvSpPr>
+        <p:spPr/>
+        <p:txBody>
+          <a:bodyPr/>
+          <a:lstStyle/>
+          <a:p>
+            <a:endParaRPr lang="en-US"/>
+          </a:p>
+          <a:p>
+            <a:endParaRPr lang="en-GB"/>
+          </a:p>
+        </p:txBody>
+      </p:sp>
+      <p:pic>
+        <p:nvPicPr>
+          <p:cNvPr id="6" name="Picture 5">
+            <a:extLst>
+              <a:ext uri="{FF2B5EF4-FFF2-40B4-BE49-F238E27FC236}">
+                <a16:creationId xmlns:a16="http://schemas.microsoft.com/office/drawing/2014/main" id="{B8AF642F-8982-2E8F-2A02-E6354E6FA17F}"/>
+              </a:ext>
+            </a:extLst>
+          </p:cNvPr>
+          <p:cNvPicPr>
+            <a:picLocks noChangeAspect="1"/>
+          </p:cNvPicPr>
+          <p:nvPr/>
+        </p:nvPicPr>
+        <p:blipFill>
+          <a:blip r:embed="rId2"/>
+          <a:stretch>
+            <a:fillRect/>
+          </a:stretch>
+        </p:blipFill>
+        <p:spPr>
+          <a:xfrm>
+            <a:off x="0" y="3979207"/>
+            <a:ext cx="12192000" cy="1729709"/>
+          </a:xfrm>
+          <a:prstGeom prst="rect">
+            <a:avLst/>
+          </a:prstGeom>
+        </p:spPr>
+      </p:pic>
+      <p:pic>
+        <p:nvPicPr>
+          <p:cNvPr id="10" name="Picture 9">
+            <a:extLst>
+              <a:ext uri="{FF2B5EF4-FFF2-40B4-BE49-F238E27FC236}">
+                <a16:creationId xmlns:a16="http://schemas.microsoft.com/office/drawing/2014/main" id="{1153A57E-0322-03E9-FEE4-AADEBCDF4D17}"/>
+              </a:ext>
+            </a:extLst>
+          </p:cNvPr>
+          <p:cNvPicPr>
+            <a:picLocks noChangeAspect="1"/>
+          </p:cNvPicPr>
+          <p:nvPr/>
+        </p:nvPicPr>
+        <p:blipFill>
+          <a:blip r:embed="rId3"/>
+          <a:stretch>
+            <a:fillRect/>
+          </a:stretch>
+        </p:blipFill>
+        <p:spPr>
+          <a:xfrm>
+            <a:off x="7004304" y="2711918"/>
+            <a:ext cx="4887007" cy="457264"/>
+          </a:xfrm>
+          <a:prstGeom prst="rect">
+            <a:avLst/>
+          </a:prstGeom>
+        </p:spPr>
+      </p:pic>
+    </p:spTree>
+    <p:extLst>
+      <p:ext uri="{BB962C8B-B14F-4D97-AF65-F5344CB8AC3E}">
+        <p14:creationId xmlns:p14="http://schemas.microsoft.com/office/powerpoint/2010/main" val="2879788175"/>
+      </p:ext>
+    </p:extLst>
+  </p:cSld>
+  <p:clrMapOvr>
+    <a:masterClrMapping/>
+  </p:clrMapOvr>
+</p:sld>
+</file>
+
+<file path=ppt/slides/slide18.xml><?xml version="1.0" encoding="utf-8"?>
 <p:sld xmlns:a="http://schemas.openxmlformats.org/drawingml/2006/main" xmlns:r="http://schemas.openxmlformats.org/officeDocument/2006/relationships" xmlns:p="http://schemas.openxmlformats.org/presentationml/2006/main">
   <p:cSld>
     <p:bg>
@@ -11119,7 +14584,7 @@
           <a:lstStyle/>
           <a:p>
             <a:r>
-              <a:rPr lang="en-GB" sz="5000" dirty="0"/>
+              <a:rPr lang="en-GB" sz="5000"/>
               <a:t>Haptics device</a:t>
             </a:r>
           </a:p>
@@ -11398,51 +14863,21 @@
           </a:p>
         </p:txBody>
       </p:sp>
-      <p:sp>
-        <p:nvSpPr>
-          <p:cNvPr id="3" name="Content Placeholder 2">
+      <p:pic>
+        <p:nvPicPr>
+          <p:cNvPr id="12" name="Content Placeholder 11" descr="A graph with lines and numbers&#10;&#10;Description automatically generated">
             <a:extLst>
               <a:ext uri="{FF2B5EF4-FFF2-40B4-BE49-F238E27FC236}">
-                <a16:creationId xmlns:a16="http://schemas.microsoft.com/office/drawing/2014/main" id="{4C1562F5-F40D-64AA-F3C4-D351084A4C54}"/>
+                <a16:creationId xmlns:a16="http://schemas.microsoft.com/office/drawing/2014/main" id="{5BB84CBE-4E0E-798C-B26A-BE0767116A4D}"/>
               </a:ext>
             </a:extLst>
           </p:cNvPr>
-          <p:cNvSpPr>
-            <a:spLocks noGrp="1"/>
-          </p:cNvSpPr>
+          <p:cNvPicPr>
+            <a:picLocks noGrp="1" noChangeAspect="1"/>
+          </p:cNvPicPr>
           <p:nvPr>
             <p:ph idx="1"/>
           </p:nvPr>
-        </p:nvSpPr>
-        <p:spPr>
-          <a:xfrm>
-            <a:off x="630936" y="2660904"/>
-            <a:ext cx="4818888" cy="2377440"/>
-          </a:xfrm>
-        </p:spPr>
-        <p:txBody>
-          <a:bodyPr anchor="t">
-            <a:normAutofit/>
-          </a:bodyPr>
-          <a:lstStyle/>
-          <a:p>
-            <a:endParaRPr lang="en-US" sz="2200" dirty="0"/>
-          </a:p>
-        </p:txBody>
-      </p:sp>
-      <p:pic>
-        <p:nvPicPr>
-          <p:cNvPr id="9" name="Picture 8">
-            <a:extLst>
-              <a:ext uri="{FF2B5EF4-FFF2-40B4-BE49-F238E27FC236}">
-                <a16:creationId xmlns:a16="http://schemas.microsoft.com/office/drawing/2014/main" id="{2E33A05D-8FDC-3E67-32A5-1C6C0A7290CC}"/>
-              </a:ext>
-            </a:extLst>
-          </p:cNvPr>
-          <p:cNvPicPr>
-            <a:picLocks noChangeAspect="1"/>
-          </p:cNvPicPr>
-          <p:nvPr/>
         </p:nvPicPr>
         <p:blipFill>
           <a:blip r:embed="rId2"/>
@@ -11452,18 +14887,84 @@
         </p:blipFill>
         <p:spPr>
           <a:xfrm>
-            <a:off x="9538666" y="1571366"/>
-            <a:ext cx="2010056" cy="3715268"/>
+            <a:off x="601586" y="2620484"/>
+            <a:ext cx="3938892" cy="3286540"/>
+          </a:xfrm>
+        </p:spPr>
+      </p:pic>
+      <p:pic>
+        <p:nvPicPr>
+          <p:cNvPr id="9" name="Picture 8">
+            <a:extLst>
+              <a:ext uri="{FF2B5EF4-FFF2-40B4-BE49-F238E27FC236}">
+                <a16:creationId xmlns:a16="http://schemas.microsoft.com/office/drawing/2014/main" id="{2E33A05D-8FDC-3E67-32A5-1C6C0A7290CC}"/>
+              </a:ext>
+            </a:extLst>
+          </p:cNvPr>
+          <p:cNvPicPr>
+            <a:picLocks noChangeAspect="1"/>
+          </p:cNvPicPr>
+          <p:nvPr/>
+        </p:nvPicPr>
+        <p:blipFill>
+          <a:blip r:embed="rId3"/>
+          <a:stretch>
+            <a:fillRect/>
+          </a:stretch>
+        </p:blipFill>
+        <p:spPr>
+          <a:xfrm>
+            <a:off x="7773804" y="610552"/>
+            <a:ext cx="3049706" cy="5636896"/>
           </a:xfrm>
           <a:prstGeom prst="rect">
             <a:avLst/>
           </a:prstGeom>
         </p:spPr>
       </p:pic>
+      <p:sp>
+        <p:nvSpPr>
+          <p:cNvPr id="13" name="TextBox 12">
+            <a:extLst>
+              <a:ext uri="{FF2B5EF4-FFF2-40B4-BE49-F238E27FC236}">
+                <a16:creationId xmlns:a16="http://schemas.microsoft.com/office/drawing/2014/main" id="{CF209E0D-14A3-38BE-03C0-F4A526C12B20}"/>
+              </a:ext>
+            </a:extLst>
+          </p:cNvPr>
+          <p:cNvSpPr txBox="1"/>
+          <p:nvPr/>
+        </p:nvSpPr>
+        <p:spPr>
+          <a:xfrm>
+            <a:off x="2198978" y="6062480"/>
+            <a:ext cx="2651033" cy="369332"/>
+          </a:xfrm>
+          <a:prstGeom prst="rect">
+            <a:avLst/>
+          </a:prstGeom>
+          <a:noFill/>
+        </p:spPr>
+        <p:txBody>
+          <a:bodyPr rot="0" spcFirstLastPara="0" vertOverflow="overflow" horzOverflow="overflow" vert="horz" wrap="square" lIns="91440" tIns="45720" rIns="91440" bIns="45720" numCol="1" spcCol="0" rtlCol="0" fromWordArt="0" anchor="t" anchorCtr="0" forceAA="0" compatLnSpc="1">
+            <a:prstTxWarp prst="textNoShape">
+              <a:avLst/>
+            </a:prstTxWarp>
+            <a:spAutoFit/>
+          </a:bodyPr>
+          <a:lstStyle/>
+          <a:p>
+            <a:pPr algn="l"/>
+            <a:r>
+              <a:rPr lang="en-US"/>
+              <a:t>Spring</a:t>
+            </a:r>
+          </a:p>
+        </p:txBody>
+      </p:sp>
     </p:spTree>
     <p:extLst>
       <p:ext uri="{BB962C8B-B14F-4D97-AF65-F5344CB8AC3E}">
-        <p14:creationId xmlns:p14="http://schemas.microsoft.com/office/powerpoint/2010/main" val="2879788175"/>
+        <p14:creationId xmlns:p14="http://schemas.microsoft.com/office/powerpoint/2010/main" val="3236188085"/>
       </p:ext>
     </p:extLst>
   </p:cSld>
@@ -11473,7 +14974,7 @@
 </p:sld>
 </file>
 
-<file path=ppt/slides/slide16.xml><?xml version="1.0" encoding="utf-8"?>
+<file path=ppt/slides/slide19.xml><?xml version="1.0" encoding="utf-8"?>
 <p:sld xmlns:a="http://schemas.openxmlformats.org/drawingml/2006/main" xmlns:r="http://schemas.openxmlformats.org/officeDocument/2006/relationships" xmlns:p="http://schemas.openxmlformats.org/presentationml/2006/main">
   <p:cSld>
     <p:bg>
@@ -11895,52 +15396,58 @@
           <a:lstStyle/>
           <a:p>
             <a:r>
-              <a:rPr lang="en-US" sz="2200" dirty="0"/>
-              <a:t>Data accessed as python list</a:t>
+              <a:rPr lang="en-US" sz="2200"/>
+              <a:t>Python list faster </a:t>
+            </a:r>
+            <a:r>
+              <a:rPr lang="en-US" sz="2200" err="1"/>
+              <a:t>numpy</a:t>
+            </a:r>
+            <a:r>
+              <a:rPr lang="en-US" sz="2200"/>
+              <a:t> array</a:t>
+            </a:r>
+          </a:p>
+          <a:p>
+            <a:r>
+              <a:rPr lang="en-US" sz="2200"/>
+              <a:t>Environment</a:t>
             </a:r>
           </a:p>
           <a:p>
             <a:pPr lvl="1"/>
             <a:r>
-              <a:rPr lang="en-US" sz="1800" dirty="0"/>
+              <a:rPr lang="en-US" sz="1800"/>
               <a:t>Scalability</a:t>
             </a:r>
           </a:p>
           <a:p>
             <a:pPr lvl="1"/>
             <a:r>
-              <a:rPr lang="en-US" sz="1800" dirty="0"/>
+              <a:rPr lang="en-US" sz="1800"/>
               <a:t>Modifiability</a:t>
             </a:r>
-            <a:endParaRPr lang="vi-VN" sz="1800" dirty="0"/>
+            <a:endParaRPr lang="vi-VN" sz="1800"/>
           </a:p>
           <a:p>
             <a:pPr lvl="1"/>
             <a:r>
-              <a:rPr lang="en-US" sz="1800" dirty="0"/>
+              <a:rPr lang="en-US" sz="1800"/>
               <a:t>Real-time</a:t>
             </a:r>
             <a:r>
-              <a:rPr lang="vi-VN" sz="1800" dirty="0"/>
+              <a:rPr lang="vi-VN" sz="1800"/>
               <a:t> </a:t>
             </a:r>
             <a:r>
-              <a:rPr lang="en-US" sz="1800" dirty="0"/>
+              <a:rPr lang="en-US" sz="1800"/>
               <a:t>plotting</a:t>
             </a:r>
           </a:p>
           <a:p>
             <a:r>
-              <a:rPr lang="en-US" sz="2200" dirty="0"/>
-              <a:t>Comparison of </a:t>
-            </a:r>
-            <a:r>
-              <a:rPr lang="en-US" sz="2200" dirty="0" err="1"/>
-              <a:t>np.ndarray</a:t>
-            </a:r>
-            <a:r>
-              <a:rPr lang="en-US" sz="2200" dirty="0"/>
-              <a:t> and python list access time</a:t>
+              <a:rPr lang="en-US" sz="2200"/>
+              <a:t>5 types of environment</a:t>
             </a:r>
           </a:p>
         </p:txBody>
@@ -11959,16 +15466,15 @@
           </p:cNvPicPr>
           <p:nvPr/>
         </p:nvPicPr>
-        <p:blipFill>
+        <p:blipFill rotWithShape="1">
           <a:blip r:embed="rId2"/>
-          <a:stretch>
-            <a:fillRect/>
-          </a:stretch>
+          <a:srcRect l="11905" t="4355" r="12206" b="2993"/>
+          <a:stretch/>
         </p:blipFill>
         <p:spPr>
-          <a:xfrm>
-            <a:off x="7052537" y="640080"/>
-            <a:ext cx="3551990" cy="5577840"/>
+          <a:xfrm rot="16200000">
+            <a:off x="7963389" y="3478475"/>
+            <a:ext cx="2267921" cy="4348060"/>
           </a:xfrm>
           <a:prstGeom prst="rect">
             <a:avLst/>
@@ -11997,8 +15503,38 @@
         </p:blipFill>
         <p:spPr>
           <a:xfrm>
-            <a:off x="643278" y="4724781"/>
+            <a:off x="632981" y="5074889"/>
             <a:ext cx="5112633" cy="583311"/>
+          </a:xfrm>
+          <a:prstGeom prst="rect">
+            <a:avLst/>
+          </a:prstGeom>
+        </p:spPr>
+      </p:pic>
+      <p:pic>
+        <p:nvPicPr>
+          <p:cNvPr id="9" name="Picture 8">
+            <a:extLst>
+              <a:ext uri="{FF2B5EF4-FFF2-40B4-BE49-F238E27FC236}">
+                <a16:creationId xmlns:a16="http://schemas.microsoft.com/office/drawing/2014/main" id="{D924726E-730A-5DF2-A125-3F05E47F4121}"/>
+              </a:ext>
+            </a:extLst>
+          </p:cNvPr>
+          <p:cNvPicPr>
+            <a:picLocks noChangeAspect="1"/>
+          </p:cNvPicPr>
+          <p:nvPr/>
+        </p:nvPicPr>
+        <p:blipFill>
+          <a:blip r:embed="rId4"/>
+          <a:stretch>
+            <a:fillRect/>
+          </a:stretch>
+        </p:blipFill>
+        <p:spPr>
+          <a:xfrm>
+            <a:off x="6541032" y="77757"/>
+            <a:ext cx="5112633" cy="4369253"/>
           </a:xfrm>
           <a:prstGeom prst="rect">
             <a:avLst/>
@@ -12018,7 +15554,95 @@
 </p:sld>
 </file>
 
-<file path=ppt/slides/slide17.xml><?xml version="1.0" encoding="utf-8"?>
+<file path=ppt/slides/slide2.xml><?xml version="1.0" encoding="utf-8"?>
+<p:sld xmlns:a="http://schemas.openxmlformats.org/drawingml/2006/main" xmlns:r="http://schemas.openxmlformats.org/officeDocument/2006/relationships" xmlns:p="http://schemas.openxmlformats.org/presentationml/2006/main">
+  <p:cSld>
+    <p:spTree>
+      <p:nvGrpSpPr>
+        <p:cNvPr id="1" name=""/>
+        <p:cNvGrpSpPr/>
+        <p:nvPr/>
+      </p:nvGrpSpPr>
+      <p:grpSpPr>
+        <a:xfrm>
+          <a:off x="0" y="0"/>
+          <a:ext cx="0" cy="0"/>
+          <a:chOff x="0" y="0"/>
+          <a:chExt cx="0" cy="0"/>
+        </a:xfrm>
+      </p:grpSpPr>
+      <p:sp>
+        <p:nvSpPr>
+          <p:cNvPr id="2" name="Title 1">
+            <a:extLst>
+              <a:ext uri="{FF2B5EF4-FFF2-40B4-BE49-F238E27FC236}">
+                <a16:creationId xmlns:a16="http://schemas.microsoft.com/office/drawing/2014/main" id="{2C208E5E-48E6-40F4-6B82-9439A679E741}"/>
+              </a:ext>
+            </a:extLst>
+          </p:cNvPr>
+          <p:cNvSpPr>
+            <a:spLocks noGrp="1"/>
+          </p:cNvSpPr>
+          <p:nvPr>
+            <p:ph type="ctrTitle"/>
+          </p:nvPr>
+        </p:nvSpPr>
+        <p:spPr/>
+        <p:txBody>
+          <a:bodyPr>
+            <a:normAutofit/>
+          </a:bodyPr>
+          <a:lstStyle/>
+          <a:p>
+            <a:r>
+              <a:rPr lang="en-GB" sz="9600"/>
+              <a:t>Introduction</a:t>
+            </a:r>
+            <a:endParaRPr lang="en-GB" sz="16600"/>
+          </a:p>
+        </p:txBody>
+      </p:sp>
+      <p:sp>
+        <p:nvSpPr>
+          <p:cNvPr id="3" name="Content Placeholder 2">
+            <a:extLst>
+              <a:ext uri="{FF2B5EF4-FFF2-40B4-BE49-F238E27FC236}">
+                <a16:creationId xmlns:a16="http://schemas.microsoft.com/office/drawing/2014/main" id="{4C1562F5-F40D-64AA-F3C4-D351084A4C54}"/>
+              </a:ext>
+            </a:extLst>
+          </p:cNvPr>
+          <p:cNvSpPr>
+            <a:spLocks noGrp="1"/>
+          </p:cNvSpPr>
+          <p:nvPr>
+            <p:ph type="subTitle" idx="1"/>
+          </p:nvPr>
+        </p:nvSpPr>
+        <p:spPr/>
+        <p:txBody>
+          <a:bodyPr vert="horz" lIns="91440" tIns="45720" rIns="91440" bIns="45720" rtlCol="0" anchor="t">
+            <a:normAutofit/>
+          </a:bodyPr>
+          <a:lstStyle/>
+          <a:p>
+            <a:endParaRPr lang="en-GB"/>
+          </a:p>
+        </p:txBody>
+      </p:sp>
+    </p:spTree>
+    <p:extLst>
+      <p:ext uri="{BB962C8B-B14F-4D97-AF65-F5344CB8AC3E}">
+        <p14:creationId xmlns:p14="http://schemas.microsoft.com/office/powerpoint/2010/main" val="1245597968"/>
+      </p:ext>
+    </p:extLst>
+  </p:cSld>
+  <p:clrMapOvr>
+    <a:masterClrMapping/>
+  </p:clrMapOvr>
+</p:sld>
+</file>
+
+<file path=ppt/slides/slide20.xml><?xml version="1.0" encoding="utf-8"?>
 <p:sld xmlns:a="http://schemas.openxmlformats.org/drawingml/2006/main" xmlns:r="http://schemas.openxmlformats.org/officeDocument/2006/relationships" xmlns:p="http://schemas.openxmlformats.org/presentationml/2006/main">
   <p:cSld>
     <p:bg>
@@ -12132,7 +15756,7 @@
           <a:lstStyle/>
           <a:p>
             <a:r>
-              <a:rPr lang="en-GB" sz="5000" dirty="0"/>
+              <a:rPr lang="en-GB" sz="5000"/>
               <a:t>User experience</a:t>
             </a:r>
           </a:p>
@@ -12429,8 +16053,8 @@
         </p:nvSpPr>
         <p:spPr>
           <a:xfrm>
-            <a:off x="630936" y="2660904"/>
-            <a:ext cx="4818888" cy="2377440"/>
+            <a:off x="630935" y="2660904"/>
+            <a:ext cx="5629905" cy="2377440"/>
           </a:xfrm>
         </p:spPr>
         <p:txBody>
@@ -12440,27 +16064,104 @@
           <a:lstStyle/>
           <a:p>
             <a:r>
-              <a:rPr lang="en-US" sz="2200" dirty="0"/>
-              <a:t>Four springs test</a:t>
-            </a:r>
-          </a:p>
-          <a:p>
-            <a:r>
-              <a:rPr lang="en-US" sz="2200" dirty="0"/>
-              <a:t>Four damping areas test</a:t>
+              <a:rPr lang="en-US" sz="2200"/>
+              <a:t>Four springs test: 3 members to guess number of spring, and order their strength</a:t>
+            </a:r>
+          </a:p>
+          <a:p>
+            <a:pPr lvl="1"/>
+            <a:r>
+              <a:rPr lang="en-US" sz="1800"/>
+              <a:t>2/3 wrongly detected ¾ without </a:t>
+            </a:r>
+            <a:r>
+              <a:rPr lang="en-US" sz="1800" err="1"/>
+              <a:t>visualisation</a:t>
+            </a:r>
+            <a:endParaRPr lang="en-US" sz="1800"/>
+          </a:p>
+          <a:p>
+            <a:pPr lvl="1"/>
+            <a:r>
+              <a:rPr lang="en-US" sz="1800"/>
+              <a:t>2/3 misclassified 1</a:t>
+            </a:r>
+            <a:r>
+              <a:rPr lang="en-US" sz="1800" baseline="30000"/>
+              <a:t>st</a:t>
+            </a:r>
+            <a:r>
+              <a:rPr lang="en-US" sz="1800"/>
+              <a:t> and 2</a:t>
+            </a:r>
+            <a:r>
+              <a:rPr lang="en-US" sz="1800" baseline="30000"/>
+              <a:t>nd</a:t>
+            </a:r>
+            <a:r>
+              <a:rPr lang="en-US" sz="1800"/>
+              <a:t> strongest springs</a:t>
             </a:r>
           </a:p>
           <a:p>
             <a:pPr marL="0" indent="0">
               <a:buNone/>
             </a:pPr>
-            <a:endParaRPr lang="en-US" sz="2200" dirty="0"/>
-          </a:p>
-          <a:p>
-            <a:endParaRPr lang="en-US" sz="2200" dirty="0"/>
+            <a:r>
+              <a:rPr lang="en-US" sz="2200"/>
+              <a:t>=&gt; Visualization impact haptics performance</a:t>
+            </a:r>
+          </a:p>
+          <a:p>
+            <a:pPr marL="0" indent="0">
+              <a:buNone/>
+            </a:pPr>
+            <a:r>
+              <a:rPr lang="en-US" sz="2200"/>
+              <a:t>=&gt; Performance is bad at upper force limit</a:t>
+            </a:r>
+          </a:p>
+          <a:p>
+            <a:pPr marL="0" indent="0">
+              <a:buNone/>
+            </a:pPr>
+            <a:endParaRPr lang="en-US" sz="2200"/>
+          </a:p>
+          <a:p>
+            <a:endParaRPr lang="en-US" sz="2200"/>
           </a:p>
         </p:txBody>
       </p:sp>
+      <p:pic>
+        <p:nvPicPr>
+          <p:cNvPr id="5" name="Picture 4">
+            <a:extLst>
+              <a:ext uri="{FF2B5EF4-FFF2-40B4-BE49-F238E27FC236}">
+                <a16:creationId xmlns:a16="http://schemas.microsoft.com/office/drawing/2014/main" id="{D95EEDBE-6B61-1B2D-9A68-F45986A071D0}"/>
+              </a:ext>
+            </a:extLst>
+          </p:cNvPr>
+          <p:cNvPicPr>
+            <a:picLocks noChangeAspect="1"/>
+          </p:cNvPicPr>
+          <p:nvPr/>
+        </p:nvPicPr>
+        <p:blipFill>
+          <a:blip r:embed="rId2"/>
+          <a:stretch>
+            <a:fillRect/>
+          </a:stretch>
+        </p:blipFill>
+        <p:spPr>
+          <a:xfrm>
+            <a:off x="8293629" y="640080"/>
+            <a:ext cx="2883528" cy="5578180"/>
+          </a:xfrm>
+          <a:prstGeom prst="rect">
+            <a:avLst/>
+          </a:prstGeom>
+        </p:spPr>
+      </p:pic>
     </p:spTree>
     <p:extLst>
       <p:ext uri="{BB962C8B-B14F-4D97-AF65-F5344CB8AC3E}">
@@ -12474,7 +16175,7 @@
 </p:sld>
 </file>
 
-<file path=ppt/slides/slide18.xml><?xml version="1.0" encoding="utf-8"?>
+<file path=ppt/slides/slide21.xml><?xml version="1.0" encoding="utf-8"?>
 <p:sld xmlns:a="http://schemas.openxmlformats.org/drawingml/2006/main" xmlns:r="http://schemas.openxmlformats.org/officeDocument/2006/relationships" xmlns:p="http://schemas.openxmlformats.org/presentationml/2006/main">
   <p:cSld>
     <p:spTree>
@@ -12513,8 +16214,8 @@
           <a:lstStyle/>
           <a:p>
             <a:r>
-              <a:rPr lang="en-GB" dirty="0"/>
-              <a:t>Discussion</a:t>
+              <a:rPr lang="en-GB"/>
+              <a:t>Discussion – good points</a:t>
             </a:r>
           </a:p>
         </p:txBody>
@@ -12537,40 +16238,42 @@
         </p:nvSpPr>
         <p:spPr/>
         <p:txBody>
-          <a:bodyPr/>
+          <a:bodyPr>
+            <a:normAutofit/>
+          </a:bodyPr>
           <a:lstStyle/>
           <a:p>
             <a:r>
-              <a:rPr lang="en-US" dirty="0"/>
-              <a:t>Force limit</a:t>
-            </a:r>
-          </a:p>
-          <a:p>
-            <a:r>
-              <a:rPr lang="en-US" dirty="0"/>
-              <a:t>Open loop force control</a:t>
-            </a:r>
-          </a:p>
-          <a:p>
-            <a:r>
-              <a:rPr lang="en-US" dirty="0"/>
-              <a:t>The method is not suit for simulating dynamic environment</a:t>
-            </a:r>
-          </a:p>
-          <a:p>
-            <a:r>
-              <a:rPr lang="en-US" dirty="0"/>
-              <a:t>Visualization greatly increase haptic feeling</a:t>
-            </a:r>
-          </a:p>
-          <a:p>
-            <a:pPr marL="0" indent="0">
-              <a:buNone/>
-            </a:pPr>
-            <a:endParaRPr lang="en-US" dirty="0"/>
-          </a:p>
-          <a:p>
-            <a:endParaRPr lang="en-US" dirty="0"/>
+              <a:rPr lang="en-US"/>
+              <a:t>Real time implementation (all codes run &gt;40Hz)</a:t>
+            </a:r>
+          </a:p>
+          <a:p>
+            <a:endParaRPr lang="en-US"/>
+          </a:p>
+          <a:p>
+            <a:r>
+              <a:rPr lang="en-US"/>
+              <a:t>Scalable method for static environment simulation</a:t>
+            </a:r>
+          </a:p>
+          <a:p>
+            <a:endParaRPr lang="en-US"/>
+          </a:p>
+          <a:p>
+            <a:r>
+              <a:rPr lang="en-US"/>
+              <a:t>Haptics resolution for environment is 1mm</a:t>
+            </a:r>
+          </a:p>
+          <a:p>
+            <a:endParaRPr lang="en-US"/>
+          </a:p>
+          <a:p>
+            <a:r>
+              <a:rPr lang="en-US"/>
+              <a:t>Good feedback from user</a:t>
+            </a:r>
           </a:p>
         </p:txBody>
       </p:sp>
@@ -12587,7 +16290,7 @@
 </p:sld>
 </file>
 
-<file path=ppt/slides/slide2.xml><?xml version="1.0" encoding="utf-8"?>
+<file path=ppt/slides/slide22.xml><?xml version="1.0" encoding="utf-8"?>
 <p:sld xmlns:a="http://schemas.openxmlformats.org/drawingml/2006/main" xmlns:r="http://schemas.openxmlformats.org/officeDocument/2006/relationships" xmlns:p="http://schemas.openxmlformats.org/presentationml/2006/main">
   <p:cSld>
     <p:spTree>
@@ -12617,7 +16320,35 @@
             <a:spLocks noGrp="1"/>
           </p:cNvSpPr>
           <p:nvPr>
-            <p:ph type="ctrTitle"/>
+            <p:ph type="title"/>
+          </p:nvPr>
+        </p:nvSpPr>
+        <p:spPr/>
+        <p:txBody>
+          <a:bodyPr/>
+          <a:lstStyle/>
+          <a:p>
+            <a:r>
+              <a:rPr lang="en-GB"/>
+              <a:t>Discussion – limitation</a:t>
+            </a:r>
+          </a:p>
+        </p:txBody>
+      </p:sp>
+      <p:sp>
+        <p:nvSpPr>
+          <p:cNvPr id="3" name="Content Placeholder 2">
+            <a:extLst>
+              <a:ext uri="{FF2B5EF4-FFF2-40B4-BE49-F238E27FC236}">
+                <a16:creationId xmlns:a16="http://schemas.microsoft.com/office/drawing/2014/main" id="{4C1562F5-F40D-64AA-F3C4-D351084A4C54}"/>
+              </a:ext>
+            </a:extLst>
+          </p:cNvPr>
+          <p:cNvSpPr>
+            <a:spLocks noGrp="1"/>
+          </p:cNvSpPr>
+          <p:nvPr>
+            <p:ph idx="1"/>
           </p:nvPr>
         </p:nvSpPr>
         <p:spPr/>
@@ -12628,10 +16359,105 @@
           <a:lstStyle/>
           <a:p>
             <a:r>
-              <a:rPr lang="en-GB" sz="9600" dirty="0"/>
-              <a:t>Introduction</a:t>
-            </a:r>
-            <a:endParaRPr lang="en-GB" sz="16600" dirty="0"/>
+              <a:rPr lang="en-US"/>
+              <a:t>Our method is not suit for simulating dynamic environment</a:t>
+            </a:r>
+          </a:p>
+          <a:p>
+            <a:endParaRPr lang="en-US"/>
+          </a:p>
+          <a:p>
+            <a:r>
+              <a:rPr lang="en-US"/>
+              <a:t>Open loop force control -&gt; faulty force rendering</a:t>
+            </a:r>
+          </a:p>
+          <a:p>
+            <a:endParaRPr lang="en-US"/>
+          </a:p>
+          <a:p>
+            <a:r>
+              <a:rPr lang="en-US"/>
+              <a:t>Force limit for our system is around 2N. Higher result in instability</a:t>
+            </a:r>
+          </a:p>
+          <a:p>
+            <a:endParaRPr lang="en-US"/>
+          </a:p>
+          <a:p>
+            <a:r>
+              <a:rPr lang="en-US"/>
+              <a:t>40Hz is the microcontroller limit -&gt; feeling</a:t>
+            </a:r>
+          </a:p>
+          <a:p>
+            <a:endParaRPr lang="en-US"/>
+          </a:p>
+          <a:p>
+            <a:endParaRPr lang="en-US"/>
+          </a:p>
+        </p:txBody>
+      </p:sp>
+    </p:spTree>
+    <p:extLst>
+      <p:ext uri="{BB962C8B-B14F-4D97-AF65-F5344CB8AC3E}">
+        <p14:creationId xmlns:p14="http://schemas.microsoft.com/office/powerpoint/2010/main" val="1296224296"/>
+      </p:ext>
+    </p:extLst>
+  </p:cSld>
+  <p:clrMapOvr>
+    <a:masterClrMapping/>
+  </p:clrMapOvr>
+</p:sld>
+</file>
+
+<file path=ppt/slides/slide23.xml><?xml version="1.0" encoding="utf-8"?>
+<p:sld xmlns:a="http://schemas.openxmlformats.org/drawingml/2006/main" xmlns:r="http://schemas.openxmlformats.org/officeDocument/2006/relationships" xmlns:p="http://schemas.openxmlformats.org/presentationml/2006/main">
+  <p:cSld>
+    <p:spTree>
+      <p:nvGrpSpPr>
+        <p:cNvPr id="1" name=""/>
+        <p:cNvGrpSpPr/>
+        <p:nvPr/>
+      </p:nvGrpSpPr>
+      <p:grpSpPr>
+        <a:xfrm>
+          <a:off x="0" y="0"/>
+          <a:ext cx="0" cy="0"/>
+          <a:chOff x="0" y="0"/>
+          <a:chExt cx="0" cy="0"/>
+        </a:xfrm>
+      </p:grpSpPr>
+      <p:sp>
+        <p:nvSpPr>
+          <p:cNvPr id="2" name="Title 1">
+            <a:extLst>
+              <a:ext uri="{FF2B5EF4-FFF2-40B4-BE49-F238E27FC236}">
+                <a16:creationId xmlns:a16="http://schemas.microsoft.com/office/drawing/2014/main" id="{2C208E5E-48E6-40F4-6B82-9439A679E741}"/>
+              </a:ext>
+            </a:extLst>
+          </p:cNvPr>
+          <p:cNvSpPr>
+            <a:spLocks noGrp="1"/>
+          </p:cNvSpPr>
+          <p:nvPr>
+            <p:ph type="title"/>
+          </p:nvPr>
+        </p:nvSpPr>
+        <p:spPr/>
+        <p:txBody>
+          <a:bodyPr/>
+          <a:lstStyle/>
+          <a:p>
+            <a:r>
+              <a:rPr lang="en-GB"/>
+              <a:t>Discussion – </a:t>
+            </a:r>
+            <a:r>
+              <a:rPr lang="en-US"/>
+              <a:t>future</a:t>
+            </a:r>
+            <a:endParaRPr lang="en-GB"/>
           </a:p>
         </p:txBody>
       </p:sp>
@@ -12648,24 +16474,54 @@
             <a:spLocks noGrp="1"/>
           </p:cNvSpPr>
           <p:nvPr>
-            <p:ph type="subTitle" idx="1"/>
+            <p:ph idx="1"/>
           </p:nvPr>
         </p:nvSpPr>
         <p:spPr/>
         <p:txBody>
-          <a:bodyPr vert="horz" lIns="91440" tIns="45720" rIns="91440" bIns="45720" rtlCol="0" anchor="t">
+          <a:bodyPr>
             <a:normAutofit/>
           </a:bodyPr>
           <a:lstStyle/>
           <a:p>
-            <a:endParaRPr lang="en-GB" dirty="0"/>
+            <a:r>
+              <a:rPr lang="en-US"/>
+              <a:t>Method for creating dynamic environment?</a:t>
+            </a:r>
+          </a:p>
+          <a:p>
+            <a:endParaRPr lang="en-US"/>
+          </a:p>
+          <a:p>
+            <a:r>
+              <a:rPr lang="en-US"/>
+              <a:t>Try close loop force control</a:t>
+            </a:r>
+          </a:p>
+          <a:p>
+            <a:endParaRPr lang="en-US"/>
+          </a:p>
+          <a:p>
+            <a:r>
+              <a:rPr lang="en-US"/>
+              <a:t>Better hardware</a:t>
+            </a:r>
+          </a:p>
+          <a:p>
+            <a:endParaRPr lang="en-US"/>
+          </a:p>
+          <a:p>
+            <a:r>
+              <a:rPr lang="en-US"/>
+              <a:t>Simulation collision for whole arm instead of end effector</a:t>
+            </a:r>
           </a:p>
         </p:txBody>
       </p:sp>
     </p:spTree>
     <p:extLst>
       <p:ext uri="{BB962C8B-B14F-4D97-AF65-F5344CB8AC3E}">
-        <p14:creationId xmlns:p14="http://schemas.microsoft.com/office/powerpoint/2010/main" val="1245597968"/>
+        <p14:creationId xmlns:p14="http://schemas.microsoft.com/office/powerpoint/2010/main" val="2480537416"/>
       </p:ext>
     </p:extLst>
   </p:cSld>
@@ -12714,7 +16570,7 @@
           <a:lstStyle/>
           <a:p>
             <a:r>
-              <a:rPr lang="en-GB" dirty="0"/>
+              <a:rPr lang="en-GB"/>
               <a:t>Introduction</a:t>
             </a:r>
           </a:p>
@@ -12736,70 +16592,75 @@
             <p:ph idx="1"/>
           </p:nvPr>
         </p:nvSpPr>
-        <p:spPr/>
+        <p:spPr>
+          <a:xfrm>
+            <a:off x="838200" y="1825625"/>
+            <a:ext cx="10515600" cy="4351338"/>
+          </a:xfrm>
+        </p:spPr>
         <p:txBody>
-          <a:bodyPr>
+          <a:bodyPr vert="horz" lIns="91440" tIns="45720" rIns="91440" bIns="45720" rtlCol="0" anchor="t">
             <a:normAutofit/>
           </a:bodyPr>
           <a:lstStyle/>
           <a:p>
             <a:r>
-              <a:rPr lang="en-US" dirty="0"/>
+              <a:rPr lang="en-US"/>
               <a:t>Aim</a:t>
             </a:r>
           </a:p>
           <a:p>
             <a:pPr lvl="1"/>
             <a:r>
-              <a:rPr lang="en-US" dirty="0"/>
+              <a:rPr lang="en-US"/>
               <a:t>Building a haptic device using 3 DOF planar robot</a:t>
             </a:r>
           </a:p>
           <a:p>
             <a:r>
-              <a:rPr lang="en-US" dirty="0"/>
+              <a:rPr lang="en-US"/>
               <a:t>Objectives</a:t>
             </a:r>
           </a:p>
           <a:p>
             <a:pPr lvl="1"/>
             <a:r>
-              <a:rPr lang="en-US" dirty="0"/>
-              <a:t>Real time haptic rendering from a virtual environment</a:t>
+              <a:rPr lang="en-US"/>
+              <a:t>Real time force-control for rendering haptics</a:t>
             </a:r>
           </a:p>
           <a:p>
             <a:pPr lvl="1"/>
             <a:r>
-              <a:rPr lang="en-US" dirty="0"/>
+              <a:rPr lang="en-US"/>
               <a:t>Scalable and modifiable virtual environment: with at least three types of obstacles:</a:t>
             </a:r>
           </a:p>
           <a:p>
             <a:pPr lvl="2"/>
             <a:r>
-              <a:rPr lang="en-US" dirty="0"/>
+              <a:rPr lang="en-US"/>
               <a:t>Spring</a:t>
             </a:r>
           </a:p>
           <a:p>
             <a:pPr lvl="2"/>
             <a:r>
-              <a:rPr lang="en-US" dirty="0"/>
+              <a:rPr lang="en-US"/>
               <a:t>Walls</a:t>
             </a:r>
           </a:p>
           <a:p>
             <a:pPr lvl="2"/>
             <a:r>
-              <a:rPr lang="en-US" dirty="0"/>
+              <a:rPr lang="en-US"/>
               <a:t>Damping areas</a:t>
             </a:r>
           </a:p>
           <a:p>
             <a:pPr lvl="1"/>
             <a:r>
-              <a:rPr lang="en-US" dirty="0"/>
+              <a:rPr lang="en-US"/>
               <a:t>Real-time UI visualization</a:t>
             </a:r>
           </a:p>
@@ -12859,7 +16720,7 @@
           <a:lstStyle/>
           <a:p>
             <a:r>
-              <a:rPr lang="en-GB" sz="9600" dirty="0"/>
+              <a:rPr lang="en-GB" sz="9600"/>
               <a:t>Methodology </a:t>
             </a:r>
           </a:p>
@@ -12888,7 +16749,7 @@
           </a:bodyPr>
           <a:lstStyle/>
           <a:p>
-            <a:endParaRPr lang="en-GB" dirty="0"/>
+            <a:endParaRPr lang="en-GB"/>
           </a:p>
         </p:txBody>
       </p:sp>
@@ -12906,7 +16767,7 @@
 </file>
 
 <file path=ppt/slides/slide5.xml><?xml version="1.0" encoding="utf-8"?>
-<p:sld xmlns:a="http://schemas.openxmlformats.org/drawingml/2006/main" xmlns:r="http://schemas.openxmlformats.org/officeDocument/2006/relationships" xmlns:p="http://schemas.openxmlformats.org/presentationml/2006/main">
+<p:sld xmlns:a="http://schemas.openxmlformats.org/drawingml/2006/main" xmlns:r="http://schemas.openxmlformats.org/officeDocument/2006/relationships" xmlns:p="http://schemas.openxmlformats.org/presentationml/2006/main" show="0">
   <p:cSld>
     <p:spTree>
       <p:nvGrpSpPr>
@@ -12944,7 +16805,7 @@
           <a:lstStyle/>
           <a:p>
             <a:r>
-              <a:rPr lang="en-GB" dirty="0"/>
+              <a:rPr lang="en-GB"/>
               <a:t>Methodology </a:t>
             </a:r>
           </a:p>
@@ -12974,50 +16835,50 @@
           <a:lstStyle/>
           <a:p>
             <a:r>
-              <a:rPr lang="en-US" dirty="0"/>
+              <a:rPr lang="en-US"/>
               <a:t>Friction modeling</a:t>
             </a:r>
           </a:p>
           <a:p>
             <a:r>
-              <a:rPr lang="en-US" dirty="0"/>
+              <a:rPr lang="en-US"/>
               <a:t>PID controller</a:t>
             </a:r>
           </a:p>
           <a:p>
             <a:r>
-              <a:rPr lang="en-US" dirty="0"/>
+              <a:rPr lang="en-US"/>
               <a:t>Jacobian based controller</a:t>
             </a:r>
           </a:p>
           <a:p>
             <a:r>
-              <a:rPr lang="en-US" dirty="0"/>
+              <a:rPr lang="en-US"/>
               <a:t>Torque-current calibration</a:t>
             </a:r>
           </a:p>
           <a:p>
             <a:r>
-              <a:rPr lang="en-US" dirty="0"/>
+              <a:rPr lang="en-US"/>
               <a:t>Haptics devices</a:t>
             </a:r>
           </a:p>
           <a:p>
             <a:r>
-              <a:rPr lang="en-US" dirty="0"/>
+              <a:rPr lang="en-US"/>
               <a:t>Environment simulation</a:t>
             </a:r>
           </a:p>
           <a:p>
             <a:pPr lvl="1"/>
-            <a:endParaRPr lang="en-US" dirty="0"/>
+            <a:endParaRPr lang="en-US"/>
           </a:p>
           <a:p>
             <a:pPr lvl="1"/>
-            <a:endParaRPr lang="en-US" dirty="0"/>
-          </a:p>
-          <a:p>
-            <a:endParaRPr lang="en-GB" dirty="0"/>
+            <a:endParaRPr lang="en-US"/>
+          </a:p>
+          <a:p>
+            <a:endParaRPr lang="en-GB"/>
           </a:p>
         </p:txBody>
       </p:sp>
@@ -13083,7 +16944,7 @@
           <a:lstStyle/>
           <a:p>
             <a:r>
-              <a:rPr lang="en-GB" sz="4000" dirty="0"/>
+              <a:rPr lang="en-GB" sz="4000"/>
               <a:t>Methodology – PID controller</a:t>
             </a:r>
           </a:p>
@@ -13111,7 +16972,7 @@
           <a:lstStyle/>
           <a:p>
             <a:r>
-              <a:rPr lang="en-US" sz="2400" i="1" dirty="0"/>
+              <a:rPr lang="en-US" sz="2400" i="1"/>
               <a:t>Friction Modeling:</a:t>
             </a:r>
           </a:p>
@@ -13141,49 +17002,49 @@
           <a:lstStyle/>
           <a:p>
             <a:r>
-              <a:rPr lang="en-US" sz="2400" dirty="0"/>
+              <a:rPr lang="en-US" sz="2400"/>
               <a:t>Moving robot at constant velocity</a:t>
             </a:r>
           </a:p>
           <a:p>
             <a:r>
-              <a:rPr lang="en-US" sz="2400" dirty="0"/>
+              <a:rPr lang="en-US" sz="2400"/>
               <a:t>Find relationship of current ~ velocity</a:t>
             </a:r>
           </a:p>
           <a:p>
             <a:r>
-              <a:rPr lang="en-US" sz="2400" dirty="0"/>
+              <a:rPr lang="en-US" sz="2400"/>
               <a:t>Model: Current = a*velocity + b*sign(velocity)</a:t>
             </a:r>
           </a:p>
           <a:p>
             <a:r>
-              <a:rPr lang="en-US" sz="2400" dirty="0"/>
+              <a:rPr lang="en-US" sz="2400"/>
               <a:t>Optimizing: Minimizing sum of square error of current</a:t>
             </a:r>
           </a:p>
           <a:p>
-            <a:endParaRPr lang="en-US" sz="2000" dirty="0"/>
+            <a:endParaRPr lang="en-US" sz="2000"/>
           </a:p>
           <a:p>
             <a:pPr lvl="1"/>
-            <a:endParaRPr lang="en-US" sz="2000" dirty="0"/>
+            <a:endParaRPr lang="en-US" sz="2000"/>
           </a:p>
           <a:p>
             <a:pPr lvl="1"/>
-            <a:endParaRPr lang="en-US" sz="2000" dirty="0"/>
+            <a:endParaRPr lang="en-US" sz="2000"/>
           </a:p>
           <a:p>
             <a:pPr lvl="1"/>
-            <a:endParaRPr lang="en-US" sz="2000" dirty="0"/>
+            <a:endParaRPr lang="en-US" sz="2000"/>
           </a:p>
           <a:p>
             <a:pPr lvl="1"/>
-            <a:endParaRPr lang="en-US" sz="2000" dirty="0"/>
-          </a:p>
-          <a:p>
-            <a:endParaRPr lang="en-GB" sz="2000" dirty="0"/>
+            <a:endParaRPr lang="en-US" sz="2000"/>
+          </a:p>
+          <a:p>
+            <a:endParaRPr lang="en-GB" sz="2000"/>
           </a:p>
         </p:txBody>
       </p:sp>
@@ -13209,7 +17070,7 @@
           <a:lstStyle/>
           <a:p>
             <a:r>
-              <a:rPr lang="en-US" sz="2400" i="1" dirty="0"/>
+              <a:rPr lang="en-US" sz="2400" i="1"/>
               <a:t>PID controller:</a:t>
             </a:r>
           </a:p>
@@ -13217,10 +17078,10 @@
       </p:sp>
       <p:pic>
         <p:nvPicPr>
-          <p:cNvPr id="9" name="Content Placeholder 8">
+          <p:cNvPr id="12" name="Content Placeholder 11">
             <a:extLst>
               <a:ext uri="{FF2B5EF4-FFF2-40B4-BE49-F238E27FC236}">
-                <a16:creationId xmlns:a16="http://schemas.microsoft.com/office/drawing/2014/main" id="{DB90AAF9-2DE7-3083-5882-8C8F68CF5462}"/>
+                <a16:creationId xmlns:a16="http://schemas.microsoft.com/office/drawing/2014/main" id="{F3CCF2C6-5E08-CD84-AEF1-4D119705D692}"/>
               </a:ext>
             </a:extLst>
           </p:cNvPr>
@@ -13232,19 +17093,16 @@
           </p:nvPr>
         </p:nvPicPr>
         <p:blipFill>
-          <a:blip r:embed="rId2"/>
+          <a:blip r:embed="rId3"/>
           <a:stretch>
             <a:fillRect/>
           </a:stretch>
         </p:blipFill>
         <p:spPr>
           <a:xfrm>
-            <a:off x="6172200" y="2992565"/>
-            <a:ext cx="5183188" cy="2709608"/>
+            <a:off x="5575300" y="2504045"/>
+            <a:ext cx="6376988" cy="3115148"/>
           </a:xfrm>
-          <a:prstGeom prst="rect">
-            <a:avLst/>
-          </a:prstGeom>
         </p:spPr>
       </p:pic>
     </p:spTree>
@@ -13261,6 +17119,2046 @@
 </file>
 
 <file path=ppt/slides/slide7.xml><?xml version="1.0" encoding="utf-8"?>
+<p:sld xmlns:a="http://schemas.openxmlformats.org/drawingml/2006/main" xmlns:r="http://schemas.openxmlformats.org/officeDocument/2006/relationships" xmlns:p="http://schemas.openxmlformats.org/presentationml/2006/main" show="0">
+  <p:cSld>
+    <p:spTree>
+      <p:nvGrpSpPr>
+        <p:cNvPr id="1" name=""/>
+        <p:cNvGrpSpPr/>
+        <p:nvPr/>
+      </p:nvGrpSpPr>
+      <p:grpSpPr>
+        <a:xfrm>
+          <a:off x="0" y="0"/>
+          <a:ext cx="0" cy="0"/>
+          <a:chOff x="0" y="0"/>
+          <a:chExt cx="0" cy="0"/>
+        </a:xfrm>
+      </p:grpSpPr>
+      <p:sp>
+        <p:nvSpPr>
+          <p:cNvPr id="2" name="Rectangle 1">
+            <a:extLst>
+              <a:ext uri="{FF2B5EF4-FFF2-40B4-BE49-F238E27FC236}">
+                <a16:creationId xmlns:a16="http://schemas.microsoft.com/office/drawing/2014/main" id="{FF75E372-7F66-CC65-164C-EFB216C8AA47}"/>
+              </a:ext>
+            </a:extLst>
+          </p:cNvPr>
+          <p:cNvSpPr/>
+          <p:nvPr/>
+        </p:nvSpPr>
+        <p:spPr>
+          <a:xfrm>
+            <a:off x="3399339" y="1714498"/>
+            <a:ext cx="1868465" cy="427972"/>
+          </a:xfrm>
+          <a:prstGeom prst="rect">
+            <a:avLst/>
+          </a:prstGeom>
+          <a:solidFill>
+            <a:schemeClr val="bg1"/>
+          </a:solidFill>
+          <a:ln>
+            <a:solidFill>
+              <a:schemeClr val="tx1"/>
+            </a:solidFill>
+          </a:ln>
+        </p:spPr>
+        <p:style>
+          <a:lnRef idx="2">
+            <a:schemeClr val="accent1">
+              <a:shade val="15000"/>
+            </a:schemeClr>
+          </a:lnRef>
+          <a:fillRef idx="1">
+            <a:schemeClr val="accent1"/>
+          </a:fillRef>
+          <a:effectRef idx="0">
+            <a:schemeClr val="accent1"/>
+          </a:effectRef>
+          <a:fontRef idx="minor">
+            <a:schemeClr val="lt1"/>
+          </a:fontRef>
+        </p:style>
+        <p:txBody>
+          <a:bodyPr rtlCol="0" anchor="ctr"/>
+          <a:lstStyle/>
+          <a:p>
+            <a:pPr algn="ctr"/>
+            <a:r>
+              <a:rPr lang="ja-JP" altLang="en-US">
+                <a:solidFill>
+                  <a:schemeClr val="tx1"/>
+                </a:solidFill>
+                <a:ea typeface="游ゴシック"/>
+              </a:rPr>
+              <a:t>Friction model</a:t>
+            </a:r>
+          </a:p>
+        </p:txBody>
+      </p:sp>
+      <p:sp>
+        <p:nvSpPr>
+          <p:cNvPr id="3" name="Rectangle 2">
+            <a:extLst>
+              <a:ext uri="{FF2B5EF4-FFF2-40B4-BE49-F238E27FC236}">
+                <a16:creationId xmlns:a16="http://schemas.microsoft.com/office/drawing/2014/main" id="{98E2E724-144F-1B4F-4372-A450B55EEF66}"/>
+              </a:ext>
+            </a:extLst>
+          </p:cNvPr>
+          <p:cNvSpPr/>
+          <p:nvPr/>
+        </p:nvSpPr>
+        <p:spPr>
+          <a:xfrm>
+            <a:off x="7470298" y="3572524"/>
+            <a:ext cx="855945" cy="386219"/>
+          </a:xfrm>
+          <a:prstGeom prst="rect">
+            <a:avLst/>
+          </a:prstGeom>
+          <a:solidFill>
+            <a:schemeClr val="bg1"/>
+          </a:solidFill>
+          <a:ln>
+            <a:solidFill>
+              <a:schemeClr val="tx1"/>
+            </a:solidFill>
+          </a:ln>
+        </p:spPr>
+        <p:style>
+          <a:lnRef idx="2">
+            <a:schemeClr val="accent1">
+              <a:shade val="15000"/>
+            </a:schemeClr>
+          </a:lnRef>
+          <a:fillRef idx="1">
+            <a:schemeClr val="accent1"/>
+          </a:fillRef>
+          <a:effectRef idx="0">
+            <a:schemeClr val="accent1"/>
+          </a:effectRef>
+          <a:fontRef idx="minor">
+            <a:schemeClr val="lt1"/>
+          </a:fontRef>
+        </p:style>
+        <p:txBody>
+          <a:bodyPr lIns="91440" tIns="45720" rIns="91440" bIns="45720" rtlCol="0" anchor="ctr"/>
+          <a:lstStyle/>
+          <a:p>
+            <a:pPr algn="ctr"/>
+            <a:r>
+              <a:rPr lang="en-US">
+                <a:solidFill>
+                  <a:schemeClr val="tx1"/>
+                </a:solidFill>
+              </a:rPr>
+              <a:t>Motor</a:t>
+            </a:r>
+          </a:p>
+        </p:txBody>
+      </p:sp>
+      <p:sp>
+        <p:nvSpPr>
+          <p:cNvPr id="4" name="Rectangle 3">
+            <a:extLst>
+              <a:ext uri="{FF2B5EF4-FFF2-40B4-BE49-F238E27FC236}">
+                <a16:creationId xmlns:a16="http://schemas.microsoft.com/office/drawing/2014/main" id="{80EB35C1-238E-F7B2-30A0-3A50C1B4ABC9}"/>
+              </a:ext>
+            </a:extLst>
+          </p:cNvPr>
+          <p:cNvSpPr/>
+          <p:nvPr/>
+        </p:nvSpPr>
+        <p:spPr>
+          <a:xfrm>
+            <a:off x="4119584" y="2925347"/>
+            <a:ext cx="427973" cy="427972"/>
+          </a:xfrm>
+          <a:prstGeom prst="rect">
+            <a:avLst/>
+          </a:prstGeom>
+          <a:solidFill>
+            <a:schemeClr val="bg1"/>
+          </a:solidFill>
+        </p:spPr>
+        <p:style>
+          <a:lnRef idx="2">
+            <a:schemeClr val="accent1">
+              <a:shade val="15000"/>
+            </a:schemeClr>
+          </a:lnRef>
+          <a:fillRef idx="1">
+            <a:schemeClr val="accent1"/>
+          </a:fillRef>
+          <a:effectRef idx="0">
+            <a:schemeClr val="accent1"/>
+          </a:effectRef>
+          <a:fontRef idx="minor">
+            <a:schemeClr val="lt1"/>
+          </a:fontRef>
+        </p:style>
+        <p:txBody>
+          <a:bodyPr lIns="91440" tIns="45720" rIns="91440" bIns="45720" rtlCol="0" anchor="ctr"/>
+          <a:lstStyle/>
+          <a:p>
+            <a:pPr algn="ctr"/>
+            <a:r>
+              <a:rPr lang="en-US" err="1">
+                <a:solidFill>
+                  <a:schemeClr val="tx1"/>
+                </a:solidFill>
+              </a:rPr>
+              <a:t>k</a:t>
+            </a:r>
+            <a:r>
+              <a:rPr lang="en-US" baseline="-25000" err="1">
+                <a:solidFill>
+                  <a:schemeClr val="tx1"/>
+                </a:solidFill>
+              </a:rPr>
+              <a:t>P</a:t>
+            </a:r>
+            <a:endParaRPr lang="en-US" baseline="-25000">
+              <a:solidFill>
+                <a:schemeClr val="tx1"/>
+              </a:solidFill>
+            </a:endParaRPr>
+          </a:p>
+        </p:txBody>
+      </p:sp>
+      <p:sp>
+        <p:nvSpPr>
+          <p:cNvPr id="6" name="Rectangle 5">
+            <a:extLst>
+              <a:ext uri="{FF2B5EF4-FFF2-40B4-BE49-F238E27FC236}">
+                <a16:creationId xmlns:a16="http://schemas.microsoft.com/office/drawing/2014/main" id="{482DCE50-5988-210A-C54D-5CFC2F2320B4}"/>
+              </a:ext>
+            </a:extLst>
+          </p:cNvPr>
+          <p:cNvSpPr/>
+          <p:nvPr/>
+        </p:nvSpPr>
+        <p:spPr>
+          <a:xfrm>
+            <a:off x="3202791" y="3572525"/>
+            <a:ext cx="413968" cy="386219"/>
+          </a:xfrm>
+          <a:prstGeom prst="rect">
+            <a:avLst/>
+          </a:prstGeom>
+          <a:solidFill>
+            <a:schemeClr val="bg1"/>
+          </a:solidFill>
+        </p:spPr>
+        <p:style>
+          <a:lnRef idx="2">
+            <a:schemeClr val="accent1">
+              <a:shade val="15000"/>
+            </a:schemeClr>
+          </a:lnRef>
+          <a:fillRef idx="1">
+            <a:schemeClr val="accent1"/>
+          </a:fillRef>
+          <a:effectRef idx="0">
+            <a:schemeClr val="accent1"/>
+          </a:effectRef>
+          <a:fontRef idx="minor">
+            <a:schemeClr val="lt1"/>
+          </a:fontRef>
+        </p:style>
+        <p:txBody>
+          <a:bodyPr lIns="91440" tIns="45720" rIns="91440" bIns="45720" rtlCol="0" anchor="ctr"/>
+          <a:lstStyle/>
+          <a:p>
+            <a:pPr algn="ctr"/>
+            <a:r>
+              <a:rPr lang="en-US">
+                <a:solidFill>
+                  <a:schemeClr val="tx1"/>
+                </a:solidFill>
+              </a:rPr>
+              <a:t>∫</a:t>
+            </a:r>
+          </a:p>
+        </p:txBody>
+      </p:sp>
+      <p:sp>
+        <p:nvSpPr>
+          <p:cNvPr id="7" name="Rectangle 6">
+            <a:extLst>
+              <a:ext uri="{FF2B5EF4-FFF2-40B4-BE49-F238E27FC236}">
+                <a16:creationId xmlns:a16="http://schemas.microsoft.com/office/drawing/2014/main" id="{945446D8-B5C6-7399-5D1E-2388AAA5D16C}"/>
+              </a:ext>
+            </a:extLst>
+          </p:cNvPr>
+          <p:cNvSpPr/>
+          <p:nvPr/>
+        </p:nvSpPr>
+        <p:spPr>
+          <a:xfrm>
+            <a:off x="5487009" y="5221785"/>
+            <a:ext cx="970766" cy="407095"/>
+          </a:xfrm>
+          <a:prstGeom prst="rect">
+            <a:avLst/>
+          </a:prstGeom>
+          <a:solidFill>
+            <a:schemeClr val="bg1"/>
+          </a:solidFill>
+        </p:spPr>
+        <p:style>
+          <a:lnRef idx="2">
+            <a:schemeClr val="accent1">
+              <a:shade val="15000"/>
+            </a:schemeClr>
+          </a:lnRef>
+          <a:fillRef idx="1">
+            <a:schemeClr val="accent1"/>
+          </a:fillRef>
+          <a:effectRef idx="0">
+            <a:schemeClr val="accent1"/>
+          </a:effectRef>
+          <a:fontRef idx="minor">
+            <a:schemeClr val="lt1"/>
+          </a:fontRef>
+        </p:style>
+        <p:txBody>
+          <a:bodyPr lIns="91440" tIns="45720" rIns="91440" bIns="45720" rtlCol="0" anchor="ctr"/>
+          <a:lstStyle/>
+          <a:p>
+            <a:pPr algn="ctr"/>
+            <a:r>
+              <a:rPr lang="en-US">
+                <a:solidFill>
+                  <a:schemeClr val="tx1"/>
+                </a:solidFill>
+              </a:rPr>
+              <a:t>Sensor</a:t>
+            </a:r>
+          </a:p>
+        </p:txBody>
+      </p:sp>
+      <p:sp>
+        <p:nvSpPr>
+          <p:cNvPr id="9" name="Rectangle 8">
+            <a:extLst>
+              <a:ext uri="{FF2B5EF4-FFF2-40B4-BE49-F238E27FC236}">
+                <a16:creationId xmlns:a16="http://schemas.microsoft.com/office/drawing/2014/main" id="{30003335-C162-0A3F-ED62-650DF6016E09}"/>
+              </a:ext>
+            </a:extLst>
+          </p:cNvPr>
+          <p:cNvSpPr/>
+          <p:nvPr/>
+        </p:nvSpPr>
+        <p:spPr>
+          <a:xfrm>
+            <a:off x="3044435" y="4198826"/>
+            <a:ext cx="730684" cy="386219"/>
+          </a:xfrm>
+          <a:prstGeom prst="rect">
+            <a:avLst/>
+          </a:prstGeom>
+          <a:solidFill>
+            <a:schemeClr val="bg1"/>
+          </a:solidFill>
+        </p:spPr>
+        <p:style>
+          <a:lnRef idx="2">
+            <a:schemeClr val="accent1">
+              <a:shade val="15000"/>
+            </a:schemeClr>
+          </a:lnRef>
+          <a:fillRef idx="1">
+            <a:schemeClr val="accent1"/>
+          </a:fillRef>
+          <a:effectRef idx="0">
+            <a:schemeClr val="accent1"/>
+          </a:effectRef>
+          <a:fontRef idx="minor">
+            <a:schemeClr val="lt1"/>
+          </a:fontRef>
+        </p:style>
+        <p:txBody>
+          <a:bodyPr lIns="91440" tIns="45720" rIns="91440" bIns="45720" rtlCol="0" anchor="ctr"/>
+          <a:lstStyle/>
+          <a:p>
+            <a:pPr algn="ctr"/>
+            <a:r>
+              <a:rPr lang="en-US">
+                <a:solidFill>
+                  <a:schemeClr val="tx1"/>
+                </a:solidFill>
+              </a:rPr>
+              <a:t>dx/dt</a:t>
+            </a:r>
+          </a:p>
+        </p:txBody>
+      </p:sp>
+      <p:sp>
+        <p:nvSpPr>
+          <p:cNvPr id="10" name="Rectangle 9">
+            <a:extLst>
+              <a:ext uri="{FF2B5EF4-FFF2-40B4-BE49-F238E27FC236}">
+                <a16:creationId xmlns:a16="http://schemas.microsoft.com/office/drawing/2014/main" id="{A9F9EB89-C075-34F5-9C07-39F936AB81B4}"/>
+              </a:ext>
+            </a:extLst>
+          </p:cNvPr>
+          <p:cNvSpPr/>
+          <p:nvPr/>
+        </p:nvSpPr>
+        <p:spPr>
+          <a:xfrm>
+            <a:off x="4119583" y="3551647"/>
+            <a:ext cx="427973" cy="427972"/>
+          </a:xfrm>
+          <a:prstGeom prst="rect">
+            <a:avLst/>
+          </a:prstGeom>
+          <a:solidFill>
+            <a:schemeClr val="bg1"/>
+          </a:solidFill>
+        </p:spPr>
+        <p:style>
+          <a:lnRef idx="2">
+            <a:schemeClr val="accent1">
+              <a:shade val="15000"/>
+            </a:schemeClr>
+          </a:lnRef>
+          <a:fillRef idx="1">
+            <a:schemeClr val="accent1"/>
+          </a:fillRef>
+          <a:effectRef idx="0">
+            <a:schemeClr val="accent1"/>
+          </a:effectRef>
+          <a:fontRef idx="minor">
+            <a:schemeClr val="lt1"/>
+          </a:fontRef>
+        </p:style>
+        <p:txBody>
+          <a:bodyPr lIns="91440" tIns="45720" rIns="91440" bIns="45720" rtlCol="0" anchor="ctr"/>
+          <a:lstStyle/>
+          <a:p>
+            <a:pPr algn="ctr"/>
+            <a:r>
+              <a:rPr lang="en-US" err="1">
+                <a:solidFill>
+                  <a:schemeClr val="tx1"/>
+                </a:solidFill>
+              </a:rPr>
+              <a:t>k</a:t>
+            </a:r>
+            <a:r>
+              <a:rPr lang="en-US" baseline="-25000" err="1">
+                <a:solidFill>
+                  <a:schemeClr val="tx1"/>
+                </a:solidFill>
+              </a:rPr>
+              <a:t>I</a:t>
+            </a:r>
+          </a:p>
+        </p:txBody>
+      </p:sp>
+      <p:sp>
+        <p:nvSpPr>
+          <p:cNvPr id="11" name="Rectangle 10">
+            <a:extLst>
+              <a:ext uri="{FF2B5EF4-FFF2-40B4-BE49-F238E27FC236}">
+                <a16:creationId xmlns:a16="http://schemas.microsoft.com/office/drawing/2014/main" id="{576CC91C-6547-22D7-F34C-93BD053E1571}"/>
+              </a:ext>
+            </a:extLst>
+          </p:cNvPr>
+          <p:cNvSpPr/>
+          <p:nvPr/>
+        </p:nvSpPr>
+        <p:spPr>
+          <a:xfrm>
+            <a:off x="4119582" y="4177949"/>
+            <a:ext cx="427973" cy="427972"/>
+          </a:xfrm>
+          <a:prstGeom prst="rect">
+            <a:avLst/>
+          </a:prstGeom>
+          <a:solidFill>
+            <a:schemeClr val="bg1"/>
+          </a:solidFill>
+        </p:spPr>
+        <p:style>
+          <a:lnRef idx="2">
+            <a:schemeClr val="accent1">
+              <a:shade val="15000"/>
+            </a:schemeClr>
+          </a:lnRef>
+          <a:fillRef idx="1">
+            <a:schemeClr val="accent1"/>
+          </a:fillRef>
+          <a:effectRef idx="0">
+            <a:schemeClr val="accent1"/>
+          </a:effectRef>
+          <a:fontRef idx="minor">
+            <a:schemeClr val="lt1"/>
+          </a:fontRef>
+        </p:style>
+        <p:txBody>
+          <a:bodyPr lIns="91440" tIns="45720" rIns="91440" bIns="45720" rtlCol="0" anchor="ctr"/>
+          <a:lstStyle/>
+          <a:p>
+            <a:pPr algn="ctr"/>
+            <a:r>
+              <a:rPr lang="en-US" err="1">
+                <a:solidFill>
+                  <a:schemeClr val="tx1"/>
+                </a:solidFill>
+              </a:rPr>
+              <a:t>k</a:t>
+            </a:r>
+            <a:r>
+              <a:rPr lang="en-US" baseline="-25000" err="1">
+                <a:solidFill>
+                  <a:schemeClr val="tx1"/>
+                </a:solidFill>
+              </a:rPr>
+              <a:t>D</a:t>
+            </a:r>
+          </a:p>
+        </p:txBody>
+      </p:sp>
+      <p:cxnSp>
+        <p:nvCxnSpPr>
+          <p:cNvPr id="13" name="Straight Arrow Connector 12">
+            <a:extLst>
+              <a:ext uri="{FF2B5EF4-FFF2-40B4-BE49-F238E27FC236}">
+                <a16:creationId xmlns:a16="http://schemas.microsoft.com/office/drawing/2014/main" id="{7E2B2379-67C8-2EFB-57C1-92D4C5BC0474}"/>
+              </a:ext>
+            </a:extLst>
+          </p:cNvPr>
+          <p:cNvCxnSpPr>
+            <a:cxnSpLocks/>
+            <a:stCxn id="6" idx="3"/>
+          </p:cNvCxnSpPr>
+          <p:nvPr/>
+        </p:nvCxnSpPr>
+        <p:spPr>
+          <a:xfrm>
+            <a:off x="3616759" y="3765635"/>
+            <a:ext cx="511481" cy="2480"/>
+          </a:xfrm>
+          <a:prstGeom prst="straightConnector1">
+            <a:avLst/>
+          </a:prstGeom>
+          <a:ln>
+            <a:solidFill>
+              <a:schemeClr val="tx1"/>
+            </a:solidFill>
+            <a:tailEnd type="triangle"/>
+          </a:ln>
+        </p:spPr>
+        <p:style>
+          <a:lnRef idx="2">
+            <a:schemeClr val="accent1"/>
+          </a:lnRef>
+          <a:fillRef idx="0">
+            <a:schemeClr val="accent1"/>
+          </a:fillRef>
+          <a:effectRef idx="1">
+            <a:schemeClr val="accent1"/>
+          </a:effectRef>
+          <a:fontRef idx="minor">
+            <a:schemeClr val="tx1"/>
+          </a:fontRef>
+        </p:style>
+      </p:cxnSp>
+      <p:cxnSp>
+        <p:nvCxnSpPr>
+          <p:cNvPr id="14" name="Straight Arrow Connector 13">
+            <a:extLst>
+              <a:ext uri="{FF2B5EF4-FFF2-40B4-BE49-F238E27FC236}">
+                <a16:creationId xmlns:a16="http://schemas.microsoft.com/office/drawing/2014/main" id="{B0C0832F-A2E6-49AD-EFED-DBFC970CDFC3}"/>
+              </a:ext>
+            </a:extLst>
+          </p:cNvPr>
+          <p:cNvCxnSpPr>
+            <a:cxnSpLocks/>
+          </p:cNvCxnSpPr>
+          <p:nvPr/>
+        </p:nvCxnSpPr>
+        <p:spPr>
+          <a:xfrm>
+            <a:off x="3777511" y="4388150"/>
+            <a:ext cx="350728" cy="6265"/>
+          </a:xfrm>
+          <a:prstGeom prst="straightConnector1">
+            <a:avLst/>
+          </a:prstGeom>
+          <a:ln>
+            <a:solidFill>
+              <a:schemeClr val="tx1"/>
+            </a:solidFill>
+            <a:tailEnd type="triangle"/>
+          </a:ln>
+        </p:spPr>
+        <p:style>
+          <a:lnRef idx="2">
+            <a:schemeClr val="accent1"/>
+          </a:lnRef>
+          <a:fillRef idx="0">
+            <a:schemeClr val="accent1"/>
+          </a:fillRef>
+          <a:effectRef idx="1">
+            <a:schemeClr val="accent1"/>
+          </a:effectRef>
+          <a:fontRef idx="minor">
+            <a:schemeClr val="tx1"/>
+          </a:fontRef>
+        </p:style>
+      </p:cxnSp>
+      <p:cxnSp>
+        <p:nvCxnSpPr>
+          <p:cNvPr id="15" name="Straight Arrow Connector 14">
+            <a:extLst>
+              <a:ext uri="{FF2B5EF4-FFF2-40B4-BE49-F238E27FC236}">
+                <a16:creationId xmlns:a16="http://schemas.microsoft.com/office/drawing/2014/main" id="{8E41229E-393A-EC86-A02D-4406964DEF15}"/>
+              </a:ext>
+            </a:extLst>
+          </p:cNvPr>
+          <p:cNvCxnSpPr>
+            <a:cxnSpLocks/>
+            <a:endCxn id="19" idx="2"/>
+          </p:cNvCxnSpPr>
+          <p:nvPr/>
+        </p:nvCxnSpPr>
+        <p:spPr>
+          <a:xfrm>
+            <a:off x="4549949" y="3761849"/>
+            <a:ext cx="1600588" cy="6020"/>
+          </a:xfrm>
+          <a:prstGeom prst="straightConnector1">
+            <a:avLst/>
+          </a:prstGeom>
+          <a:ln>
+            <a:solidFill>
+              <a:schemeClr val="tx1"/>
+            </a:solidFill>
+            <a:tailEnd type="triangle"/>
+          </a:ln>
+        </p:spPr>
+        <p:style>
+          <a:lnRef idx="2">
+            <a:schemeClr val="accent1"/>
+          </a:lnRef>
+          <a:fillRef idx="0">
+            <a:schemeClr val="accent1"/>
+          </a:fillRef>
+          <a:effectRef idx="1">
+            <a:schemeClr val="accent1"/>
+          </a:effectRef>
+          <a:fontRef idx="minor">
+            <a:schemeClr val="tx1"/>
+          </a:fontRef>
+        </p:style>
+      </p:cxnSp>
+      <p:sp>
+        <p:nvSpPr>
+          <p:cNvPr id="19" name="Oval 18">
+            <a:extLst>
+              <a:ext uri="{FF2B5EF4-FFF2-40B4-BE49-F238E27FC236}">
+                <a16:creationId xmlns:a16="http://schemas.microsoft.com/office/drawing/2014/main" id="{2454EC02-A140-3829-43F9-03CAD4F406E4}"/>
+              </a:ext>
+            </a:extLst>
+          </p:cNvPr>
+          <p:cNvSpPr/>
+          <p:nvPr/>
+        </p:nvSpPr>
+        <p:spPr>
+          <a:xfrm>
+            <a:off x="6150537" y="3641806"/>
+            <a:ext cx="246464" cy="252126"/>
+          </a:xfrm>
+          <a:prstGeom prst="ellipse">
+            <a:avLst/>
+          </a:prstGeom>
+          <a:solidFill>
+            <a:schemeClr val="bg1"/>
+          </a:solidFill>
+        </p:spPr>
+        <p:style>
+          <a:lnRef idx="2">
+            <a:schemeClr val="accent1">
+              <a:shade val="15000"/>
+            </a:schemeClr>
+          </a:lnRef>
+          <a:fillRef idx="1">
+            <a:schemeClr val="accent1"/>
+          </a:fillRef>
+          <a:effectRef idx="0">
+            <a:schemeClr val="accent1"/>
+          </a:effectRef>
+          <a:fontRef idx="minor">
+            <a:schemeClr val="lt1"/>
+          </a:fontRef>
+        </p:style>
+        <p:txBody>
+          <a:bodyPr rtlCol="0" anchor="ctr"/>
+          <a:lstStyle/>
+          <a:p>
+            <a:pPr algn="ctr"/>
+            <a:endParaRPr lang="en-US"/>
+          </a:p>
+        </p:txBody>
+      </p:sp>
+      <p:cxnSp>
+        <p:nvCxnSpPr>
+          <p:cNvPr id="21" name="Straight Arrow Connector 20">
+            <a:extLst>
+              <a:ext uri="{FF2B5EF4-FFF2-40B4-BE49-F238E27FC236}">
+                <a16:creationId xmlns:a16="http://schemas.microsoft.com/office/drawing/2014/main" id="{919B3139-A148-3907-5C83-3DC3521D521C}"/>
+              </a:ext>
+            </a:extLst>
+          </p:cNvPr>
+          <p:cNvCxnSpPr>
+            <a:cxnSpLocks/>
+            <a:stCxn id="45" idx="6"/>
+          </p:cNvCxnSpPr>
+          <p:nvPr/>
+        </p:nvCxnSpPr>
+        <p:spPr>
+          <a:xfrm flipV="1">
+            <a:off x="2417325" y="3747235"/>
+            <a:ext cx="774909" cy="14613"/>
+          </a:xfrm>
+          <a:prstGeom prst="straightConnector1">
+            <a:avLst/>
+          </a:prstGeom>
+          <a:ln>
+            <a:solidFill>
+              <a:schemeClr val="tx1"/>
+            </a:solidFill>
+            <a:tailEnd type="triangle"/>
+          </a:ln>
+        </p:spPr>
+        <p:style>
+          <a:lnRef idx="2">
+            <a:schemeClr val="accent1"/>
+          </a:lnRef>
+          <a:fillRef idx="0">
+            <a:schemeClr val="accent1"/>
+          </a:fillRef>
+          <a:effectRef idx="1">
+            <a:schemeClr val="accent1"/>
+          </a:effectRef>
+          <a:fontRef idx="minor">
+            <a:schemeClr val="tx1"/>
+          </a:fontRef>
+        </p:style>
+      </p:cxnSp>
+      <p:cxnSp>
+        <p:nvCxnSpPr>
+          <p:cNvPr id="22" name="Straight Arrow Connector 21">
+            <a:extLst>
+              <a:ext uri="{FF2B5EF4-FFF2-40B4-BE49-F238E27FC236}">
+                <a16:creationId xmlns:a16="http://schemas.microsoft.com/office/drawing/2014/main" id="{12EAFC67-3F4D-40B5-382C-4BFA12B6743D}"/>
+              </a:ext>
+            </a:extLst>
+          </p:cNvPr>
+          <p:cNvCxnSpPr>
+            <a:cxnSpLocks/>
+            <a:stCxn id="63" idx="3"/>
+            <a:endCxn id="45" idx="2"/>
+          </p:cNvCxnSpPr>
+          <p:nvPr/>
+        </p:nvCxnSpPr>
+        <p:spPr>
+          <a:xfrm>
+            <a:off x="1480228" y="3760413"/>
+            <a:ext cx="690633" cy="1435"/>
+          </a:xfrm>
+          <a:prstGeom prst="straightConnector1">
+            <a:avLst/>
+          </a:prstGeom>
+          <a:ln>
+            <a:solidFill>
+              <a:schemeClr val="tx1"/>
+            </a:solidFill>
+            <a:tailEnd type="triangle"/>
+          </a:ln>
+        </p:spPr>
+        <p:style>
+          <a:lnRef idx="2">
+            <a:schemeClr val="accent1"/>
+          </a:lnRef>
+          <a:fillRef idx="0">
+            <a:schemeClr val="accent1"/>
+          </a:fillRef>
+          <a:effectRef idx="1">
+            <a:schemeClr val="accent1"/>
+          </a:effectRef>
+          <a:fontRef idx="minor">
+            <a:schemeClr val="tx1"/>
+          </a:fontRef>
+        </p:style>
+      </p:cxnSp>
+      <p:cxnSp>
+        <p:nvCxnSpPr>
+          <p:cNvPr id="24" name="Straight Arrow Connector 23">
+            <a:extLst>
+              <a:ext uri="{FF2B5EF4-FFF2-40B4-BE49-F238E27FC236}">
+                <a16:creationId xmlns:a16="http://schemas.microsoft.com/office/drawing/2014/main" id="{525E2398-5C48-DCA2-AFC2-D0A61EF18FD6}"/>
+              </a:ext>
+            </a:extLst>
+          </p:cNvPr>
+          <p:cNvCxnSpPr>
+            <a:cxnSpLocks/>
+            <a:stCxn id="19" idx="6"/>
+          </p:cNvCxnSpPr>
+          <p:nvPr/>
+        </p:nvCxnSpPr>
+        <p:spPr>
+          <a:xfrm>
+            <a:off x="6397001" y="3767869"/>
+            <a:ext cx="1081949" cy="244"/>
+          </a:xfrm>
+          <a:prstGeom prst="straightConnector1">
+            <a:avLst/>
+          </a:prstGeom>
+          <a:ln>
+            <a:solidFill>
+              <a:schemeClr val="tx1"/>
+            </a:solidFill>
+            <a:tailEnd type="triangle"/>
+          </a:ln>
+        </p:spPr>
+        <p:style>
+          <a:lnRef idx="2">
+            <a:schemeClr val="accent1"/>
+          </a:lnRef>
+          <a:fillRef idx="0">
+            <a:schemeClr val="accent1"/>
+          </a:fillRef>
+          <a:effectRef idx="1">
+            <a:schemeClr val="accent1"/>
+          </a:effectRef>
+          <a:fontRef idx="minor">
+            <a:schemeClr val="tx1"/>
+          </a:fontRef>
+        </p:style>
+      </p:cxnSp>
+      <p:cxnSp>
+        <p:nvCxnSpPr>
+          <p:cNvPr id="26" name="Straight Arrow Connector 25">
+            <a:extLst>
+              <a:ext uri="{FF2B5EF4-FFF2-40B4-BE49-F238E27FC236}">
+                <a16:creationId xmlns:a16="http://schemas.microsoft.com/office/drawing/2014/main" id="{1444AECD-FCED-63C8-5DB1-40AF86A5117C}"/>
+              </a:ext>
+            </a:extLst>
+          </p:cNvPr>
+          <p:cNvCxnSpPr>
+            <a:cxnSpLocks/>
+          </p:cNvCxnSpPr>
+          <p:nvPr/>
+        </p:nvCxnSpPr>
+        <p:spPr>
+          <a:xfrm>
+            <a:off x="8328632" y="3761849"/>
+            <a:ext cx="1123166" cy="6263"/>
+          </a:xfrm>
+          <a:prstGeom prst="straightConnector1">
+            <a:avLst/>
+          </a:prstGeom>
+          <a:ln>
+            <a:solidFill>
+              <a:schemeClr val="tx1"/>
+            </a:solidFill>
+            <a:tailEnd type="triangle"/>
+          </a:ln>
+        </p:spPr>
+        <p:style>
+          <a:lnRef idx="2">
+            <a:schemeClr val="accent1"/>
+          </a:lnRef>
+          <a:fillRef idx="0">
+            <a:schemeClr val="accent1"/>
+          </a:fillRef>
+          <a:effectRef idx="1">
+            <a:schemeClr val="accent1"/>
+          </a:effectRef>
+          <a:fontRef idx="minor">
+            <a:schemeClr val="tx1"/>
+          </a:fontRef>
+        </p:style>
+      </p:cxnSp>
+      <p:cxnSp>
+        <p:nvCxnSpPr>
+          <p:cNvPr id="27" name="Straight Arrow Connector 26">
+            <a:extLst>
+              <a:ext uri="{FF2B5EF4-FFF2-40B4-BE49-F238E27FC236}">
+                <a16:creationId xmlns:a16="http://schemas.microsoft.com/office/drawing/2014/main" id="{302D324D-2F37-C4EA-23A1-F61D4E5979FF}"/>
+              </a:ext>
+            </a:extLst>
+          </p:cNvPr>
+          <p:cNvCxnSpPr>
+            <a:cxnSpLocks/>
+          </p:cNvCxnSpPr>
+          <p:nvPr/>
+        </p:nvCxnSpPr>
+        <p:spPr>
+          <a:xfrm>
+            <a:off x="2005732" y="1930962"/>
+            <a:ext cx="1379083" cy="0"/>
+          </a:xfrm>
+          <a:prstGeom prst="straightConnector1">
+            <a:avLst/>
+          </a:prstGeom>
+          <a:ln>
+            <a:solidFill>
+              <a:schemeClr val="tx1"/>
+            </a:solidFill>
+            <a:tailEnd type="triangle"/>
+          </a:ln>
+        </p:spPr>
+        <p:style>
+          <a:lnRef idx="2">
+            <a:schemeClr val="accent1"/>
+          </a:lnRef>
+          <a:fillRef idx="0">
+            <a:schemeClr val="accent1"/>
+          </a:fillRef>
+          <a:effectRef idx="1">
+            <a:schemeClr val="accent1"/>
+          </a:effectRef>
+          <a:fontRef idx="minor">
+            <a:schemeClr val="tx1"/>
+          </a:fontRef>
+        </p:style>
+      </p:cxnSp>
+      <p:cxnSp>
+        <p:nvCxnSpPr>
+          <p:cNvPr id="30" name="Straight Arrow Connector 29">
+            <a:extLst>
+              <a:ext uri="{FF2B5EF4-FFF2-40B4-BE49-F238E27FC236}">
+                <a16:creationId xmlns:a16="http://schemas.microsoft.com/office/drawing/2014/main" id="{95E0C6D3-F0BB-8B57-678B-7A5EC9D956B5}"/>
+              </a:ext>
+            </a:extLst>
+          </p:cNvPr>
+          <p:cNvCxnSpPr>
+            <a:cxnSpLocks/>
+          </p:cNvCxnSpPr>
+          <p:nvPr/>
+        </p:nvCxnSpPr>
+        <p:spPr>
+          <a:xfrm>
+            <a:off x="2702360" y="4388149"/>
+            <a:ext cx="350728" cy="6265"/>
+          </a:xfrm>
+          <a:prstGeom prst="straightConnector1">
+            <a:avLst/>
+          </a:prstGeom>
+          <a:ln>
+            <a:solidFill>
+              <a:schemeClr val="tx1"/>
+            </a:solidFill>
+            <a:tailEnd type="triangle"/>
+          </a:ln>
+        </p:spPr>
+        <p:style>
+          <a:lnRef idx="2">
+            <a:schemeClr val="accent1"/>
+          </a:lnRef>
+          <a:fillRef idx="0">
+            <a:schemeClr val="accent1"/>
+          </a:fillRef>
+          <a:effectRef idx="1">
+            <a:schemeClr val="accent1"/>
+          </a:effectRef>
+          <a:fontRef idx="minor">
+            <a:schemeClr val="tx1"/>
+          </a:fontRef>
+        </p:style>
+      </p:cxnSp>
+      <p:cxnSp>
+        <p:nvCxnSpPr>
+          <p:cNvPr id="31" name="Straight Arrow Connector 30">
+            <a:extLst>
+              <a:ext uri="{FF2B5EF4-FFF2-40B4-BE49-F238E27FC236}">
+                <a16:creationId xmlns:a16="http://schemas.microsoft.com/office/drawing/2014/main" id="{F02C947B-C806-2933-CB1C-7C3AD12F4D48}"/>
+              </a:ext>
+            </a:extLst>
+          </p:cNvPr>
+          <p:cNvCxnSpPr>
+            <a:cxnSpLocks/>
+          </p:cNvCxnSpPr>
+          <p:nvPr/>
+        </p:nvCxnSpPr>
+        <p:spPr>
+          <a:xfrm>
+            <a:off x="2712796" y="3145985"/>
+            <a:ext cx="1415441" cy="6264"/>
+          </a:xfrm>
+          <a:prstGeom prst="straightConnector1">
+            <a:avLst/>
+          </a:prstGeom>
+          <a:ln>
+            <a:solidFill>
+              <a:schemeClr val="tx1"/>
+            </a:solidFill>
+            <a:tailEnd type="triangle"/>
+          </a:ln>
+        </p:spPr>
+        <p:style>
+          <a:lnRef idx="2">
+            <a:schemeClr val="accent1"/>
+          </a:lnRef>
+          <a:fillRef idx="0">
+            <a:schemeClr val="accent1"/>
+          </a:fillRef>
+          <a:effectRef idx="1">
+            <a:schemeClr val="accent1"/>
+          </a:effectRef>
+          <a:fontRef idx="minor">
+            <a:schemeClr val="tx1"/>
+          </a:fontRef>
+        </p:style>
+      </p:cxnSp>
+      <p:cxnSp>
+        <p:nvCxnSpPr>
+          <p:cNvPr id="32" name="Straight Arrow Connector 31">
+            <a:extLst>
+              <a:ext uri="{FF2B5EF4-FFF2-40B4-BE49-F238E27FC236}">
+                <a16:creationId xmlns:a16="http://schemas.microsoft.com/office/drawing/2014/main" id="{05ED3F5C-E1E5-0E8F-B349-14DCBF5EE2D5}"/>
+              </a:ext>
+            </a:extLst>
+          </p:cNvPr>
+          <p:cNvCxnSpPr/>
+          <p:nvPr/>
+        </p:nvCxnSpPr>
+        <p:spPr>
+          <a:xfrm flipH="1">
+            <a:off x="2698837" y="3136205"/>
+            <a:ext cx="4175" cy="1248427"/>
+          </a:xfrm>
+          <a:prstGeom prst="straightConnector1">
+            <a:avLst/>
+          </a:prstGeom>
+          <a:ln>
+            <a:solidFill>
+              <a:schemeClr val="tx1"/>
+            </a:solidFill>
+          </a:ln>
+        </p:spPr>
+        <p:style>
+          <a:lnRef idx="2">
+            <a:schemeClr val="accent1"/>
+          </a:lnRef>
+          <a:fillRef idx="0">
+            <a:schemeClr val="accent1"/>
+          </a:fillRef>
+          <a:effectRef idx="1">
+            <a:schemeClr val="accent1"/>
+          </a:effectRef>
+          <a:fontRef idx="minor">
+            <a:schemeClr val="tx1"/>
+          </a:fontRef>
+        </p:style>
+      </p:cxnSp>
+      <p:cxnSp>
+        <p:nvCxnSpPr>
+          <p:cNvPr id="33" name="Straight Arrow Connector 32">
+            <a:extLst>
+              <a:ext uri="{FF2B5EF4-FFF2-40B4-BE49-F238E27FC236}">
+                <a16:creationId xmlns:a16="http://schemas.microsoft.com/office/drawing/2014/main" id="{BCE6265C-D3AB-5155-985A-A651C60E0944}"/>
+              </a:ext>
+            </a:extLst>
+          </p:cNvPr>
+          <p:cNvCxnSpPr>
+            <a:cxnSpLocks/>
+            <a:endCxn id="19" idx="0"/>
+          </p:cNvCxnSpPr>
+          <p:nvPr/>
+        </p:nvCxnSpPr>
+        <p:spPr>
+          <a:xfrm flipH="1">
+            <a:off x="6273769" y="1953407"/>
+            <a:ext cx="6337" cy="1688399"/>
+          </a:xfrm>
+          <a:prstGeom prst="straightConnector1">
+            <a:avLst/>
+          </a:prstGeom>
+          <a:ln>
+            <a:solidFill>
+              <a:schemeClr val="tx1"/>
+            </a:solidFill>
+            <a:tailEnd type="triangle"/>
+          </a:ln>
+        </p:spPr>
+        <p:style>
+          <a:lnRef idx="2">
+            <a:schemeClr val="accent1"/>
+          </a:lnRef>
+          <a:fillRef idx="0">
+            <a:schemeClr val="accent1"/>
+          </a:fillRef>
+          <a:effectRef idx="1">
+            <a:schemeClr val="accent1"/>
+          </a:effectRef>
+          <a:fontRef idx="minor">
+            <a:schemeClr val="tx1"/>
+          </a:fontRef>
+        </p:style>
+      </p:cxnSp>
+      <p:cxnSp>
+        <p:nvCxnSpPr>
+          <p:cNvPr id="41" name="Straight Arrow Connector 40">
+            <a:extLst>
+              <a:ext uri="{FF2B5EF4-FFF2-40B4-BE49-F238E27FC236}">
+                <a16:creationId xmlns:a16="http://schemas.microsoft.com/office/drawing/2014/main" id="{7090CA9B-95F9-5863-BAC8-29CB15DA16CC}"/>
+              </a:ext>
+            </a:extLst>
+          </p:cNvPr>
+          <p:cNvCxnSpPr>
+            <a:cxnSpLocks/>
+          </p:cNvCxnSpPr>
+          <p:nvPr/>
+        </p:nvCxnSpPr>
+        <p:spPr>
+          <a:xfrm flipV="1">
+            <a:off x="4554517" y="4384632"/>
+            <a:ext cx="712931" cy="8090"/>
+          </a:xfrm>
+          <a:prstGeom prst="straightConnector1">
+            <a:avLst/>
+          </a:prstGeom>
+          <a:ln>
+            <a:solidFill>
+              <a:schemeClr val="tx1"/>
+            </a:solidFill>
+          </a:ln>
+        </p:spPr>
+        <p:style>
+          <a:lnRef idx="2">
+            <a:schemeClr val="accent1"/>
+          </a:lnRef>
+          <a:fillRef idx="0">
+            <a:schemeClr val="accent1"/>
+          </a:fillRef>
+          <a:effectRef idx="1">
+            <a:schemeClr val="accent1"/>
+          </a:effectRef>
+          <a:fontRef idx="minor">
+            <a:schemeClr val="tx1"/>
+          </a:fontRef>
+        </p:style>
+      </p:cxnSp>
+      <p:cxnSp>
+        <p:nvCxnSpPr>
+          <p:cNvPr id="43" name="Straight Arrow Connector 42">
+            <a:extLst>
+              <a:ext uri="{FF2B5EF4-FFF2-40B4-BE49-F238E27FC236}">
+                <a16:creationId xmlns:a16="http://schemas.microsoft.com/office/drawing/2014/main" id="{FC3582A8-6E30-D0D7-4E6A-700C00FD1C1A}"/>
+              </a:ext>
+            </a:extLst>
+          </p:cNvPr>
+          <p:cNvCxnSpPr>
+            <a:cxnSpLocks/>
+          </p:cNvCxnSpPr>
+          <p:nvPr/>
+        </p:nvCxnSpPr>
+        <p:spPr>
+          <a:xfrm>
+            <a:off x="4554517" y="3150558"/>
+            <a:ext cx="712931" cy="0"/>
+          </a:xfrm>
+          <a:prstGeom prst="straightConnector1">
+            <a:avLst/>
+          </a:prstGeom>
+          <a:ln>
+            <a:solidFill>
+              <a:schemeClr val="tx1"/>
+            </a:solidFill>
+          </a:ln>
+        </p:spPr>
+        <p:style>
+          <a:lnRef idx="2">
+            <a:schemeClr val="accent1"/>
+          </a:lnRef>
+          <a:fillRef idx="0">
+            <a:schemeClr val="accent1"/>
+          </a:fillRef>
+          <a:effectRef idx="1">
+            <a:schemeClr val="accent1"/>
+          </a:effectRef>
+          <a:fontRef idx="minor">
+            <a:schemeClr val="tx1"/>
+          </a:fontRef>
+        </p:style>
+      </p:cxnSp>
+      <p:cxnSp>
+        <p:nvCxnSpPr>
+          <p:cNvPr id="53" name="Straight Arrow Connector 52">
+            <a:extLst>
+              <a:ext uri="{FF2B5EF4-FFF2-40B4-BE49-F238E27FC236}">
+                <a16:creationId xmlns:a16="http://schemas.microsoft.com/office/drawing/2014/main" id="{C3485417-BBBF-21A8-E3E0-E7D7257C58F6}"/>
+              </a:ext>
+            </a:extLst>
+          </p:cNvPr>
+          <p:cNvCxnSpPr/>
+          <p:nvPr/>
+        </p:nvCxnSpPr>
+        <p:spPr>
+          <a:xfrm flipH="1">
+            <a:off x="5267450" y="3136205"/>
+            <a:ext cx="4175" cy="1254065"/>
+          </a:xfrm>
+          <a:prstGeom prst="straightConnector1">
+            <a:avLst/>
+          </a:prstGeom>
+          <a:ln>
+            <a:solidFill>
+              <a:schemeClr val="tx1"/>
+            </a:solidFill>
+          </a:ln>
+        </p:spPr>
+        <p:style>
+          <a:lnRef idx="2">
+            <a:schemeClr val="accent1"/>
+          </a:lnRef>
+          <a:fillRef idx="0">
+            <a:schemeClr val="accent1"/>
+          </a:fillRef>
+          <a:effectRef idx="1">
+            <a:schemeClr val="accent1"/>
+          </a:effectRef>
+          <a:fontRef idx="minor">
+            <a:schemeClr val="tx1"/>
+          </a:fontRef>
+        </p:style>
+      </p:cxnSp>
+      <p:cxnSp>
+        <p:nvCxnSpPr>
+          <p:cNvPr id="54" name="Straight Arrow Connector 53">
+            <a:extLst>
+              <a:ext uri="{FF2B5EF4-FFF2-40B4-BE49-F238E27FC236}">
+                <a16:creationId xmlns:a16="http://schemas.microsoft.com/office/drawing/2014/main" id="{A012AE29-2AEF-B3E5-1BE2-680A69E462B7}"/>
+              </a:ext>
+            </a:extLst>
+          </p:cNvPr>
+          <p:cNvCxnSpPr>
+            <a:cxnSpLocks/>
+          </p:cNvCxnSpPr>
+          <p:nvPr/>
+        </p:nvCxnSpPr>
+        <p:spPr>
+          <a:xfrm flipV="1">
+            <a:off x="5285201" y="1945970"/>
+            <a:ext cx="1005218" cy="4176"/>
+          </a:xfrm>
+          <a:prstGeom prst="straightConnector1">
+            <a:avLst/>
+          </a:prstGeom>
+          <a:ln>
+            <a:solidFill>
+              <a:schemeClr val="tx1"/>
+            </a:solidFill>
+          </a:ln>
+        </p:spPr>
+        <p:style>
+          <a:lnRef idx="2">
+            <a:schemeClr val="accent1"/>
+          </a:lnRef>
+          <a:fillRef idx="0">
+            <a:schemeClr val="accent1"/>
+          </a:fillRef>
+          <a:effectRef idx="1">
+            <a:schemeClr val="accent1"/>
+          </a:effectRef>
+          <a:fontRef idx="minor">
+            <a:schemeClr val="tx1"/>
+          </a:fontRef>
+        </p:style>
+      </p:cxnSp>
+      <p:cxnSp>
+        <p:nvCxnSpPr>
+          <p:cNvPr id="55" name="Straight Arrow Connector 54">
+            <a:extLst>
+              <a:ext uri="{FF2B5EF4-FFF2-40B4-BE49-F238E27FC236}">
+                <a16:creationId xmlns:a16="http://schemas.microsoft.com/office/drawing/2014/main" id="{64AEB163-1BCA-269A-8D89-7FF8F7AA05DC}"/>
+              </a:ext>
+            </a:extLst>
+          </p:cNvPr>
+          <p:cNvCxnSpPr/>
+          <p:nvPr/>
+        </p:nvCxnSpPr>
+        <p:spPr>
+          <a:xfrm flipH="1">
+            <a:off x="6457166" y="5403939"/>
+            <a:ext cx="2302702" cy="14199"/>
+          </a:xfrm>
+          <a:prstGeom prst="straightConnector1">
+            <a:avLst/>
+          </a:prstGeom>
+          <a:ln>
+            <a:solidFill>
+              <a:schemeClr val="tx1"/>
+            </a:solidFill>
+            <a:tailEnd type="triangle"/>
+          </a:ln>
+        </p:spPr>
+        <p:style>
+          <a:lnRef idx="2">
+            <a:schemeClr val="accent1"/>
+          </a:lnRef>
+          <a:fillRef idx="0">
+            <a:schemeClr val="accent1"/>
+          </a:fillRef>
+          <a:effectRef idx="1">
+            <a:schemeClr val="accent1"/>
+          </a:effectRef>
+          <a:fontRef idx="minor">
+            <a:schemeClr val="tx1"/>
+          </a:fontRef>
+        </p:style>
+      </p:cxnSp>
+      <p:cxnSp>
+        <p:nvCxnSpPr>
+          <p:cNvPr id="56" name="Straight Arrow Connector 55">
+            <a:extLst>
+              <a:ext uri="{FF2B5EF4-FFF2-40B4-BE49-F238E27FC236}">
+                <a16:creationId xmlns:a16="http://schemas.microsoft.com/office/drawing/2014/main" id="{F101E217-C472-2460-0B67-4CF731E58293}"/>
+              </a:ext>
+            </a:extLst>
+          </p:cNvPr>
+          <p:cNvCxnSpPr/>
+          <p:nvPr/>
+        </p:nvCxnSpPr>
+        <p:spPr>
+          <a:xfrm>
+            <a:off x="8756606" y="3761854"/>
+            <a:ext cx="2087" cy="1634646"/>
+          </a:xfrm>
+          <a:prstGeom prst="straightConnector1">
+            <a:avLst/>
+          </a:prstGeom>
+          <a:ln>
+            <a:solidFill>
+              <a:schemeClr val="tx1"/>
+            </a:solidFill>
+          </a:ln>
+        </p:spPr>
+        <p:style>
+          <a:lnRef idx="2">
+            <a:schemeClr val="accent1"/>
+          </a:lnRef>
+          <a:fillRef idx="0">
+            <a:schemeClr val="accent1"/>
+          </a:fillRef>
+          <a:effectRef idx="1">
+            <a:schemeClr val="accent1"/>
+          </a:effectRef>
+          <a:fontRef idx="minor">
+            <a:schemeClr val="tx1"/>
+          </a:fontRef>
+        </p:style>
+      </p:cxnSp>
+      <p:cxnSp>
+        <p:nvCxnSpPr>
+          <p:cNvPr id="57" name="Straight Arrow Connector 56">
+            <a:extLst>
+              <a:ext uri="{FF2B5EF4-FFF2-40B4-BE49-F238E27FC236}">
+                <a16:creationId xmlns:a16="http://schemas.microsoft.com/office/drawing/2014/main" id="{163D2186-2D90-67D8-B7B8-51F3932E0BB1}"/>
+              </a:ext>
+            </a:extLst>
+          </p:cNvPr>
+          <p:cNvCxnSpPr>
+            <a:cxnSpLocks/>
+            <a:endCxn id="45" idx="4"/>
+          </p:cNvCxnSpPr>
+          <p:nvPr/>
+        </p:nvCxnSpPr>
+        <p:spPr>
+          <a:xfrm flipV="1">
+            <a:off x="2292000" y="3887911"/>
+            <a:ext cx="2093" cy="1530376"/>
+          </a:xfrm>
+          <a:prstGeom prst="straightConnector1">
+            <a:avLst/>
+          </a:prstGeom>
+          <a:ln>
+            <a:solidFill>
+              <a:schemeClr val="tx1"/>
+            </a:solidFill>
+            <a:tailEnd type="triangle"/>
+          </a:ln>
+        </p:spPr>
+        <p:style>
+          <a:lnRef idx="2">
+            <a:schemeClr val="accent1"/>
+          </a:lnRef>
+          <a:fillRef idx="0">
+            <a:schemeClr val="accent1"/>
+          </a:fillRef>
+          <a:effectRef idx="1">
+            <a:schemeClr val="accent1"/>
+          </a:effectRef>
+          <a:fontRef idx="minor">
+            <a:schemeClr val="tx1"/>
+          </a:fontRef>
+        </p:style>
+      </p:cxnSp>
+      <p:cxnSp>
+        <p:nvCxnSpPr>
+          <p:cNvPr id="58" name="Straight Arrow Connector 57">
+            <a:extLst>
+              <a:ext uri="{FF2B5EF4-FFF2-40B4-BE49-F238E27FC236}">
+                <a16:creationId xmlns:a16="http://schemas.microsoft.com/office/drawing/2014/main" id="{872B0DE1-D1B9-4BE9-FA0F-52E7DC71F60B}"/>
+              </a:ext>
+            </a:extLst>
+          </p:cNvPr>
+          <p:cNvCxnSpPr/>
+          <p:nvPr/>
+        </p:nvCxnSpPr>
+        <p:spPr>
+          <a:xfrm flipV="1">
+            <a:off x="2288740" y="5410853"/>
+            <a:ext cx="3189961" cy="14614"/>
+          </a:xfrm>
+          <a:prstGeom prst="straightConnector1">
+            <a:avLst/>
+          </a:prstGeom>
+          <a:ln>
+            <a:solidFill>
+              <a:schemeClr val="tx1"/>
+            </a:solidFill>
+          </a:ln>
+        </p:spPr>
+        <p:style>
+          <a:lnRef idx="2">
+            <a:schemeClr val="accent1"/>
+          </a:lnRef>
+          <a:fillRef idx="0">
+            <a:schemeClr val="accent1"/>
+          </a:fillRef>
+          <a:effectRef idx="1">
+            <a:schemeClr val="accent1"/>
+          </a:effectRef>
+          <a:fontRef idx="minor">
+            <a:schemeClr val="tx1"/>
+          </a:fontRef>
+        </p:style>
+      </p:cxnSp>
+      <p:sp>
+        <p:nvSpPr>
+          <p:cNvPr id="61" name="Rectangle 60">
+            <a:extLst>
+              <a:ext uri="{FF2B5EF4-FFF2-40B4-BE49-F238E27FC236}">
+                <a16:creationId xmlns:a16="http://schemas.microsoft.com/office/drawing/2014/main" id="{3EDA8713-4B6E-13C0-CD66-32F871EDF117}"/>
+              </a:ext>
+            </a:extLst>
+          </p:cNvPr>
+          <p:cNvSpPr/>
+          <p:nvPr/>
+        </p:nvSpPr>
+        <p:spPr>
+          <a:xfrm>
+            <a:off x="8889913" y="3374191"/>
+            <a:ext cx="334027" cy="354905"/>
+          </a:xfrm>
+          <a:prstGeom prst="rect">
+            <a:avLst/>
+          </a:prstGeom>
+          <a:solidFill>
+            <a:schemeClr val="bg1"/>
+          </a:solidFill>
+          <a:ln>
+            <a:solidFill>
+              <a:schemeClr val="bg1"/>
+            </a:solidFill>
+          </a:ln>
+        </p:spPr>
+        <p:style>
+          <a:lnRef idx="2">
+            <a:schemeClr val="accent1">
+              <a:shade val="15000"/>
+            </a:schemeClr>
+          </a:lnRef>
+          <a:fillRef idx="1">
+            <a:schemeClr val="accent1"/>
+          </a:fillRef>
+          <a:effectRef idx="0">
+            <a:schemeClr val="accent1"/>
+          </a:effectRef>
+          <a:fontRef idx="minor">
+            <a:schemeClr val="lt1"/>
+          </a:fontRef>
+        </p:style>
+        <p:txBody>
+          <a:bodyPr lIns="91440" tIns="45720" rIns="91440" bIns="45720" rtlCol="0" anchor="ctr"/>
+          <a:lstStyle/>
+          <a:p>
+            <a:pPr algn="ctr"/>
+            <a:r>
+              <a:rPr lang="en-US">
+                <a:solidFill>
+                  <a:schemeClr val="tx1"/>
+                </a:solidFill>
+              </a:rPr>
+              <a:t>v</a:t>
+            </a:r>
+          </a:p>
+        </p:txBody>
+      </p:sp>
+      <p:sp>
+        <p:nvSpPr>
+          <p:cNvPr id="63" name="Rectangle 62">
+            <a:extLst>
+              <a:ext uri="{FF2B5EF4-FFF2-40B4-BE49-F238E27FC236}">
+                <a16:creationId xmlns:a16="http://schemas.microsoft.com/office/drawing/2014/main" id="{0FEBBD5A-793F-4973-9A9C-7FF1C3DCC15F}"/>
+              </a:ext>
+            </a:extLst>
+          </p:cNvPr>
+          <p:cNvSpPr/>
+          <p:nvPr/>
+        </p:nvSpPr>
+        <p:spPr>
+          <a:xfrm>
+            <a:off x="635328" y="3562084"/>
+            <a:ext cx="844900" cy="396657"/>
+          </a:xfrm>
+          <a:prstGeom prst="rect">
+            <a:avLst/>
+          </a:prstGeom>
+          <a:solidFill>
+            <a:schemeClr val="bg1"/>
+          </a:solidFill>
+          <a:ln>
+            <a:solidFill>
+              <a:schemeClr val="bg1"/>
+            </a:solidFill>
+          </a:ln>
+        </p:spPr>
+        <p:style>
+          <a:lnRef idx="2">
+            <a:schemeClr val="accent1">
+              <a:shade val="15000"/>
+            </a:schemeClr>
+          </a:lnRef>
+          <a:fillRef idx="1">
+            <a:schemeClr val="accent1"/>
+          </a:fillRef>
+          <a:effectRef idx="0">
+            <a:schemeClr val="accent1"/>
+          </a:effectRef>
+          <a:fontRef idx="minor">
+            <a:schemeClr val="lt1"/>
+          </a:fontRef>
+        </p:style>
+        <p:txBody>
+          <a:bodyPr lIns="91440" tIns="45720" rIns="91440" bIns="45720" rtlCol="0" anchor="ctr"/>
+          <a:lstStyle/>
+          <a:p>
+            <a:pPr algn="ctr"/>
+            <a:r>
+              <a:rPr lang="en-US" err="1">
+                <a:solidFill>
+                  <a:schemeClr val="tx1"/>
+                </a:solidFill>
+              </a:rPr>
+              <a:t>v</a:t>
+            </a:r>
+            <a:r>
+              <a:rPr lang="en-US" baseline="-25000" err="1">
+                <a:solidFill>
+                  <a:schemeClr val="tx1"/>
+                </a:solidFill>
+              </a:rPr>
+              <a:t>desired</a:t>
+            </a:r>
+            <a:endParaRPr lang="en-US" baseline="-25000">
+              <a:solidFill>
+                <a:schemeClr val="tx1"/>
+              </a:solidFill>
+            </a:endParaRPr>
+          </a:p>
+        </p:txBody>
+      </p:sp>
+      <p:sp>
+        <p:nvSpPr>
+          <p:cNvPr id="64" name="Rectangle 63">
+            <a:extLst>
+              <a:ext uri="{FF2B5EF4-FFF2-40B4-BE49-F238E27FC236}">
+                <a16:creationId xmlns:a16="http://schemas.microsoft.com/office/drawing/2014/main" id="{1F2A5955-3F0A-9556-4E0C-7A39E4FB98D9}"/>
+              </a:ext>
+            </a:extLst>
+          </p:cNvPr>
+          <p:cNvSpPr/>
+          <p:nvPr/>
+        </p:nvSpPr>
+        <p:spPr>
+          <a:xfrm>
+            <a:off x="3639420" y="5482739"/>
+            <a:ext cx="915097" cy="375781"/>
+          </a:xfrm>
+          <a:prstGeom prst="rect">
+            <a:avLst/>
+          </a:prstGeom>
+          <a:solidFill>
+            <a:schemeClr val="bg1"/>
+          </a:solidFill>
+          <a:ln>
+            <a:solidFill>
+              <a:schemeClr val="bg1"/>
+            </a:solidFill>
+          </a:ln>
+        </p:spPr>
+        <p:style>
+          <a:lnRef idx="2">
+            <a:schemeClr val="accent1">
+              <a:shade val="15000"/>
+            </a:schemeClr>
+          </a:lnRef>
+          <a:fillRef idx="1">
+            <a:schemeClr val="accent1"/>
+          </a:fillRef>
+          <a:effectRef idx="0">
+            <a:schemeClr val="accent1"/>
+          </a:effectRef>
+          <a:fontRef idx="minor">
+            <a:schemeClr val="lt1"/>
+          </a:fontRef>
+        </p:style>
+        <p:txBody>
+          <a:bodyPr lIns="91440" tIns="45720" rIns="91440" bIns="45720" rtlCol="0" anchor="ctr"/>
+          <a:lstStyle/>
+          <a:p>
+            <a:pPr algn="ctr"/>
+            <a:r>
+              <a:rPr lang="en-US" err="1">
+                <a:solidFill>
+                  <a:schemeClr val="tx1"/>
+                </a:solidFill>
+              </a:rPr>
+              <a:t>v</a:t>
+            </a:r>
+            <a:r>
+              <a:rPr lang="en-US" baseline="-25000" err="1">
+                <a:solidFill>
+                  <a:schemeClr val="tx1"/>
+                </a:solidFill>
+              </a:rPr>
+              <a:t>measure</a:t>
+            </a:r>
+            <a:endParaRPr lang="en-US" baseline="-25000">
+              <a:solidFill>
+                <a:schemeClr val="tx1"/>
+              </a:solidFill>
+            </a:endParaRPr>
+          </a:p>
+        </p:txBody>
+      </p:sp>
+      <p:cxnSp>
+        <p:nvCxnSpPr>
+          <p:cNvPr id="28" name="Straight Arrow Connector 27">
+            <a:extLst>
+              <a:ext uri="{FF2B5EF4-FFF2-40B4-BE49-F238E27FC236}">
+                <a16:creationId xmlns:a16="http://schemas.microsoft.com/office/drawing/2014/main" id="{3385F429-329F-FA3F-E84B-0FC1DFB9A2D6}"/>
+              </a:ext>
+            </a:extLst>
+          </p:cNvPr>
+          <p:cNvCxnSpPr>
+            <a:cxnSpLocks/>
+          </p:cNvCxnSpPr>
+          <p:nvPr/>
+        </p:nvCxnSpPr>
+        <p:spPr>
+          <a:xfrm flipH="1">
+            <a:off x="2008647" y="1935137"/>
+            <a:ext cx="11044" cy="1829843"/>
+          </a:xfrm>
+          <a:prstGeom prst="straightConnector1">
+            <a:avLst/>
+          </a:prstGeom>
+          <a:ln>
+            <a:solidFill>
+              <a:schemeClr val="tx1"/>
+            </a:solidFill>
+          </a:ln>
+        </p:spPr>
+        <p:style>
+          <a:lnRef idx="2">
+            <a:schemeClr val="accent1"/>
+          </a:lnRef>
+          <a:fillRef idx="0">
+            <a:schemeClr val="accent1"/>
+          </a:fillRef>
+          <a:effectRef idx="1">
+            <a:schemeClr val="accent1"/>
+          </a:effectRef>
+          <a:fontRef idx="minor">
+            <a:schemeClr val="tx1"/>
+          </a:fontRef>
+        </p:style>
+      </p:cxnSp>
+      <p:sp>
+        <p:nvSpPr>
+          <p:cNvPr id="45" name="Oval 44">
+            <a:extLst>
+              <a:ext uri="{FF2B5EF4-FFF2-40B4-BE49-F238E27FC236}">
+                <a16:creationId xmlns:a16="http://schemas.microsoft.com/office/drawing/2014/main" id="{48B77CA9-73B1-F397-5374-522ACAA03D8F}"/>
+              </a:ext>
+            </a:extLst>
+          </p:cNvPr>
+          <p:cNvSpPr/>
+          <p:nvPr/>
+        </p:nvSpPr>
+        <p:spPr>
+          <a:xfrm>
+            <a:off x="2170861" y="3635785"/>
+            <a:ext cx="246464" cy="252126"/>
+          </a:xfrm>
+          <a:prstGeom prst="ellipse">
+            <a:avLst/>
+          </a:prstGeom>
+          <a:solidFill>
+            <a:schemeClr val="bg1"/>
+          </a:solidFill>
+        </p:spPr>
+        <p:style>
+          <a:lnRef idx="2">
+            <a:schemeClr val="accent1">
+              <a:shade val="15000"/>
+            </a:schemeClr>
+          </a:lnRef>
+          <a:fillRef idx="1">
+            <a:schemeClr val="accent1"/>
+          </a:fillRef>
+          <a:effectRef idx="0">
+            <a:schemeClr val="accent1"/>
+          </a:effectRef>
+          <a:fontRef idx="minor">
+            <a:schemeClr val="lt1"/>
+          </a:fontRef>
+        </p:style>
+        <p:txBody>
+          <a:bodyPr rtlCol="0" anchor="ctr"/>
+          <a:lstStyle/>
+          <a:p>
+            <a:pPr algn="ctr"/>
+            <a:endParaRPr lang="en-US"/>
+          </a:p>
+        </p:txBody>
+      </p:sp>
+      <p:sp>
+        <p:nvSpPr>
+          <p:cNvPr id="49" name="TextBox 48">
+            <a:extLst>
+              <a:ext uri="{FF2B5EF4-FFF2-40B4-BE49-F238E27FC236}">
+                <a16:creationId xmlns:a16="http://schemas.microsoft.com/office/drawing/2014/main" id="{488B3B3A-14F2-40E1-2E2C-1B4FE65DCAA1}"/>
+              </a:ext>
+            </a:extLst>
+          </p:cNvPr>
+          <p:cNvSpPr txBox="1"/>
+          <p:nvPr/>
+        </p:nvSpPr>
+        <p:spPr>
+          <a:xfrm>
+            <a:off x="2205512" y="3670326"/>
+            <a:ext cx="121285" cy="246221"/>
+          </a:xfrm>
+          <a:prstGeom prst="rect">
+            <a:avLst/>
+          </a:prstGeom>
+          <a:noFill/>
+        </p:spPr>
+        <p:txBody>
+          <a:bodyPr wrap="square" rtlCol="0">
+            <a:spAutoFit/>
+          </a:bodyPr>
+          <a:lstStyle/>
+          <a:p>
+            <a:r>
+              <a:rPr lang="en-US" sz="1000"/>
+              <a:t>_</a:t>
+            </a:r>
+            <a:endParaRPr lang="en-GB" sz="1000"/>
+          </a:p>
+        </p:txBody>
+      </p:sp>
+      <p:sp>
+        <p:nvSpPr>
+          <p:cNvPr id="51" name="TextBox 50">
+            <a:extLst>
+              <a:ext uri="{FF2B5EF4-FFF2-40B4-BE49-F238E27FC236}">
+                <a16:creationId xmlns:a16="http://schemas.microsoft.com/office/drawing/2014/main" id="{8F162669-42E9-E96C-B978-549947CF3F77}"/>
+              </a:ext>
+            </a:extLst>
+          </p:cNvPr>
+          <p:cNvSpPr txBox="1"/>
+          <p:nvPr/>
+        </p:nvSpPr>
+        <p:spPr>
+          <a:xfrm>
+            <a:off x="2123268" y="3641690"/>
+            <a:ext cx="121285" cy="246221"/>
+          </a:xfrm>
+          <a:prstGeom prst="rect">
+            <a:avLst/>
+          </a:prstGeom>
+          <a:noFill/>
+        </p:spPr>
+        <p:txBody>
+          <a:bodyPr wrap="square" rtlCol="0">
+            <a:spAutoFit/>
+          </a:bodyPr>
+          <a:lstStyle/>
+          <a:p>
+            <a:r>
+              <a:rPr lang="en-US" sz="1000"/>
+              <a:t>+</a:t>
+            </a:r>
+            <a:endParaRPr lang="en-GB" sz="1000"/>
+          </a:p>
+        </p:txBody>
+      </p:sp>
+      <p:sp>
+        <p:nvSpPr>
+          <p:cNvPr id="52" name="TextBox 51">
+            <a:extLst>
+              <a:ext uri="{FF2B5EF4-FFF2-40B4-BE49-F238E27FC236}">
+                <a16:creationId xmlns:a16="http://schemas.microsoft.com/office/drawing/2014/main" id="{279DCADD-148A-4F30-37A6-2034535B938A}"/>
+              </a:ext>
+            </a:extLst>
+          </p:cNvPr>
+          <p:cNvSpPr txBox="1"/>
+          <p:nvPr/>
+        </p:nvSpPr>
+        <p:spPr>
+          <a:xfrm>
+            <a:off x="6103503" y="3661150"/>
+            <a:ext cx="121285" cy="246221"/>
+          </a:xfrm>
+          <a:prstGeom prst="rect">
+            <a:avLst/>
+          </a:prstGeom>
+          <a:noFill/>
+        </p:spPr>
+        <p:txBody>
+          <a:bodyPr wrap="square" rtlCol="0">
+            <a:spAutoFit/>
+          </a:bodyPr>
+          <a:lstStyle/>
+          <a:p>
+            <a:r>
+              <a:rPr lang="en-US" sz="1000"/>
+              <a:t>+</a:t>
+            </a:r>
+            <a:endParaRPr lang="en-GB" sz="1000"/>
+          </a:p>
+        </p:txBody>
+      </p:sp>
+      <p:sp>
+        <p:nvSpPr>
+          <p:cNvPr id="59" name="TextBox 58">
+            <a:extLst>
+              <a:ext uri="{FF2B5EF4-FFF2-40B4-BE49-F238E27FC236}">
+                <a16:creationId xmlns:a16="http://schemas.microsoft.com/office/drawing/2014/main" id="{A91B6AC0-3CBD-2F05-08AD-C2D61DB4A88D}"/>
+              </a:ext>
+            </a:extLst>
+          </p:cNvPr>
+          <p:cNvSpPr txBox="1"/>
+          <p:nvPr/>
+        </p:nvSpPr>
+        <p:spPr>
+          <a:xfrm>
+            <a:off x="6170716" y="3580520"/>
+            <a:ext cx="121285" cy="246221"/>
+          </a:xfrm>
+          <a:prstGeom prst="rect">
+            <a:avLst/>
+          </a:prstGeom>
+          <a:noFill/>
+        </p:spPr>
+        <p:txBody>
+          <a:bodyPr wrap="square" rtlCol="0">
+            <a:spAutoFit/>
+          </a:bodyPr>
+          <a:lstStyle/>
+          <a:p>
+            <a:r>
+              <a:rPr lang="en-US" sz="1000"/>
+              <a:t>+</a:t>
+            </a:r>
+            <a:endParaRPr lang="en-GB" sz="1000"/>
+          </a:p>
+        </p:txBody>
+      </p:sp>
+      <p:sp>
+        <p:nvSpPr>
+          <p:cNvPr id="65" name="Oval 64">
+            <a:extLst>
+              <a:ext uri="{FF2B5EF4-FFF2-40B4-BE49-F238E27FC236}">
+                <a16:creationId xmlns:a16="http://schemas.microsoft.com/office/drawing/2014/main" id="{D6DB500E-B1F4-1619-5F45-2F785361EB7F}"/>
+              </a:ext>
+            </a:extLst>
+          </p:cNvPr>
+          <p:cNvSpPr/>
+          <p:nvPr/>
+        </p:nvSpPr>
+        <p:spPr>
+          <a:xfrm>
+            <a:off x="5152089" y="3640714"/>
+            <a:ext cx="246464" cy="252126"/>
+          </a:xfrm>
+          <a:prstGeom prst="ellipse">
+            <a:avLst/>
+          </a:prstGeom>
+          <a:solidFill>
+            <a:schemeClr val="bg1"/>
+          </a:solidFill>
+        </p:spPr>
+        <p:style>
+          <a:lnRef idx="2">
+            <a:schemeClr val="accent1">
+              <a:shade val="15000"/>
+            </a:schemeClr>
+          </a:lnRef>
+          <a:fillRef idx="1">
+            <a:schemeClr val="accent1"/>
+          </a:fillRef>
+          <a:effectRef idx="0">
+            <a:schemeClr val="accent1"/>
+          </a:effectRef>
+          <a:fontRef idx="minor">
+            <a:schemeClr val="lt1"/>
+          </a:fontRef>
+        </p:style>
+        <p:txBody>
+          <a:bodyPr rtlCol="0" anchor="ctr"/>
+          <a:lstStyle/>
+          <a:p>
+            <a:pPr algn="ctr"/>
+            <a:endParaRPr lang="en-US"/>
+          </a:p>
+        </p:txBody>
+      </p:sp>
+      <p:sp>
+        <p:nvSpPr>
+          <p:cNvPr id="66" name="TextBox 65">
+            <a:extLst>
+              <a:ext uri="{FF2B5EF4-FFF2-40B4-BE49-F238E27FC236}">
+                <a16:creationId xmlns:a16="http://schemas.microsoft.com/office/drawing/2014/main" id="{909A894F-C6C3-3728-A2CE-818CAE0DA50E}"/>
+              </a:ext>
+            </a:extLst>
+          </p:cNvPr>
+          <p:cNvSpPr txBox="1"/>
+          <p:nvPr/>
+        </p:nvSpPr>
+        <p:spPr>
+          <a:xfrm>
+            <a:off x="5150778" y="3725507"/>
+            <a:ext cx="162041" cy="246221"/>
+          </a:xfrm>
+          <a:prstGeom prst="rect">
+            <a:avLst/>
+          </a:prstGeom>
+          <a:noFill/>
+        </p:spPr>
+        <p:txBody>
+          <a:bodyPr wrap="square" rtlCol="0">
+            <a:spAutoFit/>
+          </a:bodyPr>
+          <a:lstStyle/>
+          <a:p>
+            <a:r>
+              <a:rPr lang="en-US" sz="1000"/>
+              <a:t>+</a:t>
+            </a:r>
+            <a:endParaRPr lang="en-GB" sz="1000"/>
+          </a:p>
+        </p:txBody>
+      </p:sp>
+      <p:sp>
+        <p:nvSpPr>
+          <p:cNvPr id="70" name="TextBox 69">
+            <a:extLst>
+              <a:ext uri="{FF2B5EF4-FFF2-40B4-BE49-F238E27FC236}">
+                <a16:creationId xmlns:a16="http://schemas.microsoft.com/office/drawing/2014/main" id="{994D5C0E-063D-1AB0-8661-1556C2A26CF4}"/>
+              </a:ext>
+            </a:extLst>
+          </p:cNvPr>
+          <p:cNvSpPr txBox="1"/>
+          <p:nvPr/>
+        </p:nvSpPr>
+        <p:spPr>
+          <a:xfrm>
+            <a:off x="5088346" y="3636520"/>
+            <a:ext cx="162041" cy="246221"/>
+          </a:xfrm>
+          <a:prstGeom prst="rect">
+            <a:avLst/>
+          </a:prstGeom>
+          <a:noFill/>
+        </p:spPr>
+        <p:txBody>
+          <a:bodyPr wrap="square" rtlCol="0">
+            <a:spAutoFit/>
+          </a:bodyPr>
+          <a:lstStyle/>
+          <a:p>
+            <a:r>
+              <a:rPr lang="en-US" sz="1000"/>
+              <a:t>+</a:t>
+            </a:r>
+            <a:endParaRPr lang="en-GB" sz="1000"/>
+          </a:p>
+        </p:txBody>
+      </p:sp>
+      <p:sp>
+        <p:nvSpPr>
+          <p:cNvPr id="71" name="TextBox 70">
+            <a:extLst>
+              <a:ext uri="{FF2B5EF4-FFF2-40B4-BE49-F238E27FC236}">
+                <a16:creationId xmlns:a16="http://schemas.microsoft.com/office/drawing/2014/main" id="{A730001B-1F27-E8B4-07E2-98E98ACA0EF4}"/>
+              </a:ext>
+            </a:extLst>
+          </p:cNvPr>
+          <p:cNvSpPr txBox="1"/>
+          <p:nvPr/>
+        </p:nvSpPr>
+        <p:spPr>
+          <a:xfrm>
+            <a:off x="5151452" y="3572524"/>
+            <a:ext cx="162041" cy="246221"/>
+          </a:xfrm>
+          <a:prstGeom prst="rect">
+            <a:avLst/>
+          </a:prstGeom>
+          <a:noFill/>
+        </p:spPr>
+        <p:txBody>
+          <a:bodyPr wrap="square" rtlCol="0">
+            <a:spAutoFit/>
+          </a:bodyPr>
+          <a:lstStyle/>
+          <a:p>
+            <a:r>
+              <a:rPr lang="en-US" sz="1000"/>
+              <a:t>+</a:t>
+            </a:r>
+            <a:endParaRPr lang="en-GB" sz="1000"/>
+          </a:p>
+        </p:txBody>
+      </p:sp>
+    </p:spTree>
+    <p:extLst>
+      <p:ext uri="{BB962C8B-B14F-4D97-AF65-F5344CB8AC3E}">
+        <p14:creationId xmlns:p14="http://schemas.microsoft.com/office/powerpoint/2010/main" val="3796892622"/>
+      </p:ext>
+    </p:extLst>
+  </p:cSld>
+  <p:clrMapOvr>
+    <a:masterClrMapping/>
+  </p:clrMapOvr>
+</p:sld>
+</file>
+
+<file path=ppt/slides/slide8.xml><?xml version="1.0" encoding="utf-8"?>
 <p:sld xmlns:a="http://schemas.openxmlformats.org/drawingml/2006/main" xmlns:r="http://schemas.openxmlformats.org/officeDocument/2006/relationships" xmlns:p="http://schemas.openxmlformats.org/presentationml/2006/main">
   <p:cSld>
     <p:spTree>
@@ -13299,10 +19197,137 @@
           <a:lstStyle/>
           <a:p>
             <a:r>
-              <a:rPr lang="en-GB" sz="4400" dirty="0"/>
+              <a:rPr lang="en-GB" sz="4400"/>
               <a:t>Methodology – PID controller</a:t>
             </a:r>
-            <a:endParaRPr lang="en-GB" dirty="0"/>
+            <a:endParaRPr lang="en-GB"/>
+          </a:p>
+        </p:txBody>
+      </p:sp>
+      <p:sp>
+        <p:nvSpPr>
+          <p:cNvPr id="6" name="TextBox 5">
+            <a:extLst>
+              <a:ext uri="{FF2B5EF4-FFF2-40B4-BE49-F238E27FC236}">
+                <a16:creationId xmlns:a16="http://schemas.microsoft.com/office/drawing/2014/main" id="{613D2384-1D06-A55A-A0BF-9DF49C817B65}"/>
+              </a:ext>
+            </a:extLst>
+          </p:cNvPr>
+          <p:cNvSpPr txBox="1"/>
+          <p:nvPr/>
+        </p:nvSpPr>
+        <p:spPr>
+          <a:xfrm>
+            <a:off x="838199" y="1825625"/>
+            <a:ext cx="10515599" cy="461665"/>
+          </a:xfrm>
+          <a:prstGeom prst="rect">
+            <a:avLst/>
+          </a:prstGeom>
+          <a:noFill/>
+        </p:spPr>
+        <p:txBody>
+          <a:bodyPr wrap="square" lIns="91440" tIns="45720" rIns="91440" bIns="45720" anchor="t">
+            <a:spAutoFit/>
+          </a:bodyPr>
+          <a:lstStyle/>
+          <a:p>
+            <a:pPr marL="342900" indent="-342900">
+              <a:buFont typeface="Arial" panose="020B0604020202020204" pitchFamily="34" charset="0"/>
+              <a:buChar char="•"/>
+            </a:pPr>
+            <a:r>
+              <a:rPr lang="en-US" sz="2400" b="1" i="1"/>
+              <a:t>Jacobian based cascade PID controller </a:t>
+            </a:r>
+          </a:p>
+        </p:txBody>
+      </p:sp>
+      <p:pic>
+        <p:nvPicPr>
+          <p:cNvPr id="9" name="Content Placeholder 8">
+            <a:extLst>
+              <a:ext uri="{FF2B5EF4-FFF2-40B4-BE49-F238E27FC236}">
+                <a16:creationId xmlns:a16="http://schemas.microsoft.com/office/drawing/2014/main" id="{57998F4F-862B-B2B8-E36F-836FFC183681}"/>
+              </a:ext>
+            </a:extLst>
+          </p:cNvPr>
+          <p:cNvPicPr>
+            <a:picLocks noGrp="1" noChangeAspect="1"/>
+          </p:cNvPicPr>
+          <p:nvPr>
+            <p:ph idx="1"/>
+          </p:nvPr>
+        </p:nvPicPr>
+        <p:blipFill>
+          <a:blip r:embed="rId3"/>
+          <a:stretch>
+            <a:fillRect/>
+          </a:stretch>
+        </p:blipFill>
+        <p:spPr>
+          <a:xfrm>
+            <a:off x="838199" y="2422227"/>
+            <a:ext cx="10515600" cy="2792784"/>
+          </a:xfrm>
+        </p:spPr>
+      </p:pic>
+    </p:spTree>
+    <p:extLst>
+      <p:ext uri="{BB962C8B-B14F-4D97-AF65-F5344CB8AC3E}">
+        <p14:creationId xmlns:p14="http://schemas.microsoft.com/office/powerpoint/2010/main" val="2120016859"/>
+      </p:ext>
+    </p:extLst>
+  </p:cSld>
+  <p:clrMapOvr>
+    <a:masterClrMapping/>
+  </p:clrMapOvr>
+</p:sld>
+</file>
+
+<file path=ppt/slides/slide9.xml><?xml version="1.0" encoding="utf-8"?>
+<p:sld xmlns:a="http://schemas.openxmlformats.org/drawingml/2006/main" xmlns:r="http://schemas.openxmlformats.org/officeDocument/2006/relationships" xmlns:p="http://schemas.openxmlformats.org/presentationml/2006/main">
+  <p:cSld>
+    <p:spTree>
+      <p:nvGrpSpPr>
+        <p:cNvPr id="1" name=""/>
+        <p:cNvGrpSpPr/>
+        <p:nvPr/>
+      </p:nvGrpSpPr>
+      <p:grpSpPr>
+        <a:xfrm>
+          <a:off x="0" y="0"/>
+          <a:ext cx="0" cy="0"/>
+          <a:chOff x="0" y="0"/>
+          <a:chExt cx="0" cy="0"/>
+        </a:xfrm>
+      </p:grpSpPr>
+      <p:sp>
+        <p:nvSpPr>
+          <p:cNvPr id="2" name="Title 1">
+            <a:extLst>
+              <a:ext uri="{FF2B5EF4-FFF2-40B4-BE49-F238E27FC236}">
+                <a16:creationId xmlns:a16="http://schemas.microsoft.com/office/drawing/2014/main" id="{2C208E5E-48E6-40F4-6B82-9439A679E741}"/>
+              </a:ext>
+            </a:extLst>
+          </p:cNvPr>
+          <p:cNvSpPr>
+            <a:spLocks noGrp="1"/>
+          </p:cNvSpPr>
+          <p:nvPr>
+            <p:ph type="title"/>
+          </p:nvPr>
+        </p:nvSpPr>
+        <p:spPr/>
+        <p:txBody>
+          <a:bodyPr/>
+          <a:lstStyle/>
+          <a:p>
+            <a:r>
+              <a:rPr lang="en-GB" sz="4400"/>
+              <a:t>Methodology – PID controller</a:t>
+            </a:r>
+            <a:endParaRPr lang="en-GB"/>
           </a:p>
         </p:txBody>
       </p:sp>
@@ -13320,11 +19345,6 @@
           </p:cNvGraphicFramePr>
           <p:nvPr>
             <p:ph idx="1"/>
-            <p:extLst>
-              <p:ext uri="{D42A27DB-BD31-4B8C-83A1-F6EECF244321}">
-                <p14:modId xmlns:p14="http://schemas.microsoft.com/office/powerpoint/2010/main" val="1635503146"/>
-              </p:ext>
-            </p:extLst>
           </p:nvPr>
         </p:nvGraphicFramePr>
         <p:xfrm>
@@ -13333,7 +19353,7 @@
         </p:xfrm>
         <a:graphic>
           <a:graphicData uri="http://schemas.openxmlformats.org/drawingml/2006/diagram">
-            <dgm:relIds xmlns:dgm="http://schemas.openxmlformats.org/drawingml/2006/diagram" xmlns:r="http://schemas.openxmlformats.org/officeDocument/2006/relationships" r:dm="rId2" r:lo="rId3" r:qs="rId4" r:cs="rId5"/>
+            <dgm:relIds xmlns:dgm="http://schemas.openxmlformats.org/drawingml/2006/diagram" xmlns:r="http://schemas.openxmlformats.org/officeDocument/2006/relationships" r:dm="rId3" r:lo="rId4" r:qs="rId5" r:cs="rId6"/>
           </a:graphicData>
         </a:graphic>
       </p:graphicFrame>
@@ -13370,8 +19390,8 @@
               <a:buChar char="•"/>
             </a:pPr>
             <a:r>
-              <a:rPr lang="en-US" sz="2400" b="1" i="1" dirty="0"/>
-              <a:t>Jacobian based controller with pathway generation </a:t>
+              <a:rPr lang="en-US" sz="2400" b="1" i="1"/>
+              <a:t>ROS2 architecture</a:t>
             </a:r>
           </a:p>
         </p:txBody>
@@ -13419,10 +19439,10 @@
           <a:p>
             <a:pPr algn="ctr"/>
             <a:r>
-              <a:rPr lang="en-US" dirty="0"/>
+              <a:rPr lang="en-US"/>
               <a:t>ROS NODE</a:t>
             </a:r>
-            <a:endParaRPr lang="en-GB" dirty="0"/>
+            <a:endParaRPr lang="en-GB"/>
           </a:p>
         </p:txBody>
       </p:sp>
@@ -13469,10 +19489,10 @@
           <a:p>
             <a:pPr algn="ctr"/>
             <a:r>
-              <a:rPr lang="en-US" dirty="0"/>
+              <a:rPr lang="en-US"/>
               <a:t>ROS NODE</a:t>
             </a:r>
-            <a:endParaRPr lang="en-GB" dirty="0"/>
+            <a:endParaRPr lang="en-GB"/>
           </a:p>
         </p:txBody>
       </p:sp>
@@ -13519,10 +19539,10 @@
           <a:p>
             <a:pPr algn="ctr"/>
             <a:r>
-              <a:rPr lang="en-US" dirty="0"/>
+              <a:rPr lang="en-US"/>
               <a:t>ROS NODE</a:t>
             </a:r>
-            <a:endParaRPr lang="en-GB" dirty="0"/>
+            <a:endParaRPr lang="en-GB"/>
           </a:p>
         </p:txBody>
       </p:sp>
@@ -13569,10 +19589,10 @@
           <a:p>
             <a:pPr algn="ctr"/>
             <a:r>
-              <a:rPr lang="en-US" dirty="0"/>
+              <a:rPr lang="en-US"/>
               <a:t>ROS NODE</a:t>
             </a:r>
-            <a:endParaRPr lang="en-GB" dirty="0"/>
+            <a:endParaRPr lang="en-GB"/>
           </a:p>
         </p:txBody>
       </p:sp>
@@ -13619,316 +19639,17 @@
           <a:p>
             <a:pPr algn="ctr"/>
             <a:r>
-              <a:rPr lang="en-US" dirty="0"/>
+              <a:rPr lang="en-US"/>
               <a:t>ROS NODE</a:t>
             </a:r>
-            <a:endParaRPr lang="en-GB" dirty="0"/>
+            <a:endParaRPr lang="en-GB"/>
           </a:p>
         </p:txBody>
       </p:sp>
     </p:spTree>
     <p:extLst>
       <p:ext uri="{BB962C8B-B14F-4D97-AF65-F5344CB8AC3E}">
-        <p14:creationId xmlns:p14="http://schemas.microsoft.com/office/powerpoint/2010/main" val="2120016859"/>
-      </p:ext>
-    </p:extLst>
-  </p:cSld>
-  <p:clrMapOvr>
-    <a:masterClrMapping/>
-  </p:clrMapOvr>
-</p:sld>
-</file>
-
-<file path=ppt/slides/slide8.xml><?xml version="1.0" encoding="utf-8"?>
-<p:sld xmlns:a="http://schemas.openxmlformats.org/drawingml/2006/main" xmlns:r="http://schemas.openxmlformats.org/officeDocument/2006/relationships" xmlns:p="http://schemas.openxmlformats.org/presentationml/2006/main">
-  <p:cSld>
-    <p:spTree>
-      <p:nvGrpSpPr>
-        <p:cNvPr id="1" name=""/>
-        <p:cNvGrpSpPr/>
-        <p:nvPr/>
-      </p:nvGrpSpPr>
-      <p:grpSpPr>
-        <a:xfrm>
-          <a:off x="0" y="0"/>
-          <a:ext cx="0" cy="0"/>
-          <a:chOff x="0" y="0"/>
-          <a:chExt cx="0" cy="0"/>
-        </a:xfrm>
-      </p:grpSpPr>
-      <p:sp>
-        <p:nvSpPr>
-          <p:cNvPr id="2" name="Title 1">
-            <a:extLst>
-              <a:ext uri="{FF2B5EF4-FFF2-40B4-BE49-F238E27FC236}">
-                <a16:creationId xmlns:a16="http://schemas.microsoft.com/office/drawing/2014/main" id="{2C208E5E-48E6-40F4-6B82-9439A679E741}"/>
-              </a:ext>
-            </a:extLst>
-          </p:cNvPr>
-          <p:cNvSpPr>
-            <a:spLocks noGrp="1"/>
-          </p:cNvSpPr>
-          <p:nvPr>
-            <p:ph type="title"/>
-          </p:nvPr>
-        </p:nvSpPr>
-        <p:spPr/>
-        <p:txBody>
-          <a:bodyPr/>
-          <a:lstStyle/>
-          <a:p>
-            <a:r>
-              <a:rPr lang="en-GB" dirty="0"/>
-              <a:t>Methodology – haptics </a:t>
-            </a:r>
-          </a:p>
-        </p:txBody>
-      </p:sp>
-      <p:sp>
-        <p:nvSpPr>
-          <p:cNvPr id="3" name="Content Placeholder 2">
-            <a:extLst>
-              <a:ext uri="{FF2B5EF4-FFF2-40B4-BE49-F238E27FC236}">
-                <a16:creationId xmlns:a16="http://schemas.microsoft.com/office/drawing/2014/main" id="{4C1562F5-F40D-64AA-F3C4-D351084A4C54}"/>
-              </a:ext>
-            </a:extLst>
-          </p:cNvPr>
-          <p:cNvSpPr>
-            <a:spLocks noGrp="1"/>
-          </p:cNvSpPr>
-          <p:nvPr>
-            <p:ph idx="1"/>
-          </p:nvPr>
-        </p:nvSpPr>
-        <p:spPr/>
-        <p:txBody>
-          <a:bodyPr vert="horz" lIns="91440" tIns="45720" rIns="91440" bIns="45720" rtlCol="0" anchor="t">
-            <a:normAutofit/>
-          </a:bodyPr>
-          <a:lstStyle/>
-          <a:p>
-            <a:r>
-              <a:rPr lang="en-US" b="1" i="1" dirty="0"/>
-              <a:t>Force controller</a:t>
-            </a:r>
-            <a:r>
-              <a:rPr lang="en-US" dirty="0"/>
-              <a:t>: t = J</a:t>
-            </a:r>
-            <a:r>
-              <a:rPr lang="en-US" baseline="30000" dirty="0"/>
-              <a:t>T</a:t>
-            </a:r>
-            <a:r>
-              <a:rPr lang="en-US" dirty="0"/>
-              <a:t>.F</a:t>
-            </a:r>
-          </a:p>
-          <a:p>
-            <a:pPr lvl="1"/>
-            <a:r>
-              <a:rPr lang="en-US" b="1" i="1" dirty="0"/>
-              <a:t>Torque-current calibration</a:t>
-            </a:r>
-          </a:p>
-          <a:p>
-            <a:pPr lvl="2"/>
-            <a:r>
-              <a:rPr lang="en-US" dirty="0"/>
-              <a:t>Load cell calibration: known weight + gravity</a:t>
-            </a:r>
-          </a:p>
-          <a:p>
-            <a:pPr lvl="2"/>
-            <a:r>
-              <a:rPr lang="en-US" dirty="0"/>
-              <a:t>Robot calibration: applying an arbitrary force to the load cell -&gt; measure</a:t>
-            </a:r>
-          </a:p>
-          <a:p>
-            <a:r>
-              <a:rPr lang="en-US" b="1" i="1" dirty="0"/>
-              <a:t>Friction compensation</a:t>
-            </a:r>
-            <a:r>
-              <a:rPr lang="en-US" dirty="0"/>
-              <a:t>: previously mentioned</a:t>
-            </a:r>
-          </a:p>
-          <a:p>
-            <a:r>
-              <a:rPr lang="en-US" b="1" i="1" dirty="0"/>
-              <a:t>Dynamic compensation</a:t>
-            </a:r>
-            <a:r>
-              <a:rPr lang="en-US" dirty="0"/>
-              <a:t>: solving using </a:t>
-            </a:r>
-            <a:r>
-              <a:rPr lang="en-US" dirty="0" err="1"/>
-              <a:t>Lagrangian</a:t>
-            </a:r>
-            <a:r>
-              <a:rPr lang="en-US" dirty="0"/>
-              <a:t> method</a:t>
-            </a:r>
-          </a:p>
-          <a:p>
-            <a:endParaRPr lang="en-US" dirty="0"/>
-          </a:p>
-          <a:p>
-            <a:pPr lvl="1"/>
-            <a:endParaRPr lang="en-US" dirty="0"/>
-          </a:p>
-          <a:p>
-            <a:endParaRPr lang="en-GB" dirty="0"/>
-          </a:p>
-        </p:txBody>
-      </p:sp>
-    </p:spTree>
-    <p:extLst>
-      <p:ext uri="{BB962C8B-B14F-4D97-AF65-F5344CB8AC3E}">
-        <p14:creationId xmlns:p14="http://schemas.microsoft.com/office/powerpoint/2010/main" val="425734077"/>
-      </p:ext>
-    </p:extLst>
-  </p:cSld>
-  <p:clrMapOvr>
-    <a:masterClrMapping/>
-  </p:clrMapOvr>
-</p:sld>
-</file>
-
-<file path=ppt/slides/slide9.xml><?xml version="1.0" encoding="utf-8"?>
-<p:sld xmlns:a="http://schemas.openxmlformats.org/drawingml/2006/main" xmlns:r="http://schemas.openxmlformats.org/officeDocument/2006/relationships" xmlns:p="http://schemas.openxmlformats.org/presentationml/2006/main">
-  <p:cSld>
-    <p:spTree>
-      <p:nvGrpSpPr>
-        <p:cNvPr id="1" name=""/>
-        <p:cNvGrpSpPr/>
-        <p:nvPr/>
-      </p:nvGrpSpPr>
-      <p:grpSpPr>
-        <a:xfrm>
-          <a:off x="0" y="0"/>
-          <a:ext cx="0" cy="0"/>
-          <a:chOff x="0" y="0"/>
-          <a:chExt cx="0" cy="0"/>
-        </a:xfrm>
-      </p:grpSpPr>
-      <p:sp>
-        <p:nvSpPr>
-          <p:cNvPr id="2" name="Title 1">
-            <a:extLst>
-              <a:ext uri="{FF2B5EF4-FFF2-40B4-BE49-F238E27FC236}">
-                <a16:creationId xmlns:a16="http://schemas.microsoft.com/office/drawing/2014/main" id="{2C208E5E-48E6-40F4-6B82-9439A679E741}"/>
-              </a:ext>
-            </a:extLst>
-          </p:cNvPr>
-          <p:cNvSpPr>
-            <a:spLocks noGrp="1"/>
-          </p:cNvSpPr>
-          <p:nvPr>
-            <p:ph type="title"/>
-          </p:nvPr>
-        </p:nvSpPr>
-        <p:spPr/>
-        <p:txBody>
-          <a:bodyPr/>
-          <a:lstStyle/>
-          <a:p>
-            <a:r>
-              <a:rPr lang="en-GB" dirty="0"/>
-              <a:t>Methodology – haptics </a:t>
-            </a:r>
-          </a:p>
-        </p:txBody>
-      </p:sp>
-      <p:sp>
-        <p:nvSpPr>
-          <p:cNvPr id="3" name="Content Placeholder 2">
-            <a:extLst>
-              <a:ext uri="{FF2B5EF4-FFF2-40B4-BE49-F238E27FC236}">
-                <a16:creationId xmlns:a16="http://schemas.microsoft.com/office/drawing/2014/main" id="{4C1562F5-F40D-64AA-F3C4-D351084A4C54}"/>
-              </a:ext>
-            </a:extLst>
-          </p:cNvPr>
-          <p:cNvSpPr>
-            <a:spLocks noGrp="1"/>
-          </p:cNvSpPr>
-          <p:nvPr>
-            <p:ph idx="1"/>
-          </p:nvPr>
-        </p:nvSpPr>
-        <p:spPr/>
-        <p:txBody>
-          <a:bodyPr vert="horz" lIns="91440" tIns="45720" rIns="91440" bIns="45720" rtlCol="0" anchor="t">
-            <a:normAutofit/>
-          </a:bodyPr>
-          <a:lstStyle/>
-          <a:p>
-            <a:r>
-              <a:rPr lang="en-US" b="1" i="1" dirty="0"/>
-              <a:t>Environment simulation:</a:t>
-            </a:r>
-          </a:p>
-          <a:p>
-            <a:pPr lvl="1"/>
-            <a:r>
-              <a:rPr lang="en-US" dirty="0"/>
-              <a:t>Generating and exporting from a computer -&gt; flexibility</a:t>
-            </a:r>
-          </a:p>
-          <a:p>
-            <a:pPr lvl="1"/>
-            <a:r>
-              <a:rPr lang="en-US" dirty="0"/>
-              <a:t>Storing as python list/</a:t>
-            </a:r>
-            <a:r>
-              <a:rPr lang="en-US" dirty="0" err="1"/>
-              <a:t>numpy.ndarray</a:t>
-            </a:r>
-            <a:r>
-              <a:rPr lang="en-US" dirty="0"/>
-              <a:t> -&gt; accessing complexity O(1)</a:t>
-            </a:r>
-          </a:p>
-          <a:p>
-            <a:pPr lvl="1"/>
-            <a:r>
-              <a:rPr lang="en-US" dirty="0"/>
-              <a:t>Simulation of different objects: spring, wall, damping area</a:t>
-            </a:r>
-          </a:p>
-          <a:p>
-            <a:r>
-              <a:rPr lang="en-US" b="1" i="1" dirty="0"/>
-              <a:t>UI:</a:t>
-            </a:r>
-          </a:p>
-          <a:p>
-            <a:pPr lvl="1"/>
-            <a:r>
-              <a:rPr lang="en-US" dirty="0"/>
-              <a:t>Remote Desktop Connection</a:t>
-            </a:r>
-          </a:p>
-          <a:p>
-            <a:pPr lvl="1"/>
-            <a:r>
-              <a:rPr lang="en-US" dirty="0"/>
-              <a:t>Matplotlib</a:t>
-            </a:r>
-          </a:p>
-          <a:p>
-            <a:endParaRPr lang="en-US" dirty="0"/>
-          </a:p>
-        </p:txBody>
-      </p:sp>
-    </p:spTree>
-    <p:extLst>
-      <p:ext uri="{BB962C8B-B14F-4D97-AF65-F5344CB8AC3E}">
-        <p14:creationId xmlns:p14="http://schemas.microsoft.com/office/powerpoint/2010/main" val="1089545603"/>
+        <p14:creationId xmlns:p14="http://schemas.microsoft.com/office/powerpoint/2010/main" val="1465049789"/>
       </p:ext>
     </p:extLst>
   </p:cSld>
@@ -14251,4 +19972,299 @@
     </a:ext>
   </a:extLst>
 </a:theme>
+</file>
+
+<file path=ppt/theme/theme2.xml><?xml version="1.0" encoding="utf-8"?>
+<a:theme xmlns:a="http://schemas.openxmlformats.org/drawingml/2006/main" name="Office Theme">
+  <a:themeElements>
+    <a:clrScheme name="Office">
+      <a:dk1>
+        <a:sysClr val="windowText" lastClr="000000"/>
+      </a:dk1>
+      <a:lt1>
+        <a:sysClr val="window" lastClr="FFFFFF"/>
+      </a:lt1>
+      <a:dk2>
+        <a:srgbClr val="44546A"/>
+      </a:dk2>
+      <a:lt2>
+        <a:srgbClr val="E7E6E6"/>
+      </a:lt2>
+      <a:accent1>
+        <a:srgbClr val="4472C4"/>
+      </a:accent1>
+      <a:accent2>
+        <a:srgbClr val="ED7D31"/>
+      </a:accent2>
+      <a:accent3>
+        <a:srgbClr val="A5A5A5"/>
+      </a:accent3>
+      <a:accent4>
+        <a:srgbClr val="FFC000"/>
+      </a:accent4>
+      <a:accent5>
+        <a:srgbClr val="5B9BD5"/>
+      </a:accent5>
+      <a:accent6>
+        <a:srgbClr val="70AD47"/>
+      </a:accent6>
+      <a:hlink>
+        <a:srgbClr val="0563C1"/>
+      </a:hlink>
+      <a:folHlink>
+        <a:srgbClr val="954F72"/>
+      </a:folHlink>
+    </a:clrScheme>
+    <a:fontScheme name="Office">
+      <a:majorFont>
+        <a:latin typeface="Calibri Light" panose="020F0302020204030204"/>
+        <a:ea typeface=""/>
+        <a:cs typeface=""/>
+        <a:font script="Jpan" typeface="游ゴシック Light"/>
+        <a:font script="Hang" typeface="맑은 고딕"/>
+        <a:font script="Hans" typeface="等线 Light"/>
+        <a:font script="Hant" typeface="新細明體"/>
+        <a:font script="Arab" typeface="Times New Roman"/>
+        <a:font script="Hebr" typeface="Times New Roman"/>
+        <a:font script="Thai" typeface="Angsana New"/>
+        <a:font script="Ethi" typeface="Nyala"/>
+        <a:font script="Beng" typeface="Vrinda"/>
+        <a:font script="Gujr" typeface="Shruti"/>
+        <a:font script="Khmr" typeface="MoolBoran"/>
+        <a:font script="Knda" typeface="Tunga"/>
+        <a:font script="Guru" typeface="Raavi"/>
+        <a:font script="Cans" typeface="Euphemia"/>
+        <a:font script="Cher" typeface="Plantagenet Cherokee"/>
+        <a:font script="Yiii" typeface="Microsoft Yi Baiti"/>
+        <a:font script="Tibt" typeface="Microsoft Himalaya"/>
+        <a:font script="Thaa" typeface="MV Boli"/>
+        <a:font script="Deva" typeface="Mangal"/>
+        <a:font script="Telu" typeface="Gautami"/>
+        <a:font script="Taml" typeface="Latha"/>
+        <a:font script="Syrc" typeface="Estrangelo Edessa"/>
+        <a:font script="Orya" typeface="Kalinga"/>
+        <a:font script="Mlym" typeface="Kartika"/>
+        <a:font script="Laoo" typeface="DokChampa"/>
+        <a:font script="Sinh" typeface="Iskoola Pota"/>
+        <a:font script="Mong" typeface="Mongolian Baiti"/>
+        <a:font script="Viet" typeface="Times New Roman"/>
+        <a:font script="Uigh" typeface="Microsoft Uighur"/>
+        <a:font script="Geor" typeface="Sylfaen"/>
+        <a:font script="Armn" typeface="Arial"/>
+        <a:font script="Bugi" typeface="Leelawadee UI"/>
+        <a:font script="Bopo" typeface="Microsoft JhengHei"/>
+        <a:font script="Java" typeface="Javanese Text"/>
+        <a:font script="Lisu" typeface="Segoe UI"/>
+        <a:font script="Mymr" typeface="Myanmar Text"/>
+        <a:font script="Nkoo" typeface="Ebrima"/>
+        <a:font script="Olck" typeface="Nirmala UI"/>
+        <a:font script="Osma" typeface="Ebrima"/>
+        <a:font script="Phag" typeface="Phagspa"/>
+        <a:font script="Syrn" typeface="Estrangelo Edessa"/>
+        <a:font script="Syrj" typeface="Estrangelo Edessa"/>
+        <a:font script="Syre" typeface="Estrangelo Edessa"/>
+        <a:font script="Sora" typeface="Nirmala UI"/>
+        <a:font script="Tale" typeface="Microsoft Tai Le"/>
+        <a:font script="Talu" typeface="Microsoft New Tai Lue"/>
+        <a:font script="Tfng" typeface="Ebrima"/>
+      </a:majorFont>
+      <a:minorFont>
+        <a:latin typeface="Calibri" panose="020F0502020204030204"/>
+        <a:ea typeface=""/>
+        <a:cs typeface=""/>
+        <a:font script="Jpan" typeface="游ゴシック"/>
+        <a:font script="Hang" typeface="맑은 고딕"/>
+        <a:font script="Hans" typeface="等线"/>
+        <a:font script="Hant" typeface="新細明體"/>
+        <a:font script="Arab" typeface="Arial"/>
+        <a:font script="Hebr" typeface="Arial"/>
+        <a:font script="Thai" typeface="Cordia New"/>
+        <a:font script="Ethi" typeface="Nyala"/>
+        <a:font script="Beng" typeface="Vrinda"/>
+        <a:font script="Gujr" typeface="Shruti"/>
+        <a:font script="Khmr" typeface="DaunPenh"/>
+        <a:font script="Knda" typeface="Tunga"/>
+        <a:font script="Guru" typeface="Raavi"/>
+        <a:font script="Cans" typeface="Euphemia"/>
+        <a:font script="Cher" typeface="Plantagenet Cherokee"/>
+        <a:font script="Yiii" typeface="Microsoft Yi Baiti"/>
+        <a:font script="Tibt" typeface="Microsoft Himalaya"/>
+        <a:font script="Thaa" typeface="MV Boli"/>
+        <a:font script="Deva" typeface="Mangal"/>
+        <a:font script="Telu" typeface="Gautami"/>
+        <a:font script="Taml" typeface="Latha"/>
+        <a:font script="Syrc" typeface="Estrangelo Edessa"/>
+        <a:font script="Orya" typeface="Kalinga"/>
+        <a:font script="Mlym" typeface="Kartika"/>
+        <a:font script="Laoo" typeface="DokChampa"/>
+        <a:font script="Sinh" typeface="Iskoola Pota"/>
+        <a:font script="Mong" typeface="Mongolian Baiti"/>
+        <a:font script="Viet" typeface="Arial"/>
+        <a:font script="Uigh" typeface="Microsoft Uighur"/>
+        <a:font script="Geor" typeface="Sylfaen"/>
+        <a:font script="Armn" typeface="Arial"/>
+        <a:font script="Bugi" typeface="Leelawadee UI"/>
+        <a:font script="Bopo" typeface="Microsoft JhengHei"/>
+        <a:font script="Java" typeface="Javanese Text"/>
+        <a:font script="Lisu" typeface="Segoe UI"/>
+        <a:font script="Mymr" typeface="Myanmar Text"/>
+        <a:font script="Nkoo" typeface="Ebrima"/>
+        <a:font script="Olck" typeface="Nirmala UI"/>
+        <a:font script="Osma" typeface="Ebrima"/>
+        <a:font script="Phag" typeface="Phagspa"/>
+        <a:font script="Syrn" typeface="Estrangelo Edessa"/>
+        <a:font script="Syrj" typeface="Estrangelo Edessa"/>
+        <a:font script="Syre" typeface="Estrangelo Edessa"/>
+        <a:font script="Sora" typeface="Nirmala UI"/>
+        <a:font script="Tale" typeface="Microsoft Tai Le"/>
+        <a:font script="Talu" typeface="Microsoft New Tai Lue"/>
+        <a:font script="Tfng" typeface="Ebrima"/>
+      </a:minorFont>
+    </a:fontScheme>
+    <a:fmtScheme name="Office">
+      <a:fillStyleLst>
+        <a:solidFill>
+          <a:schemeClr val="phClr"/>
+        </a:solidFill>
+        <a:gradFill rotWithShape="1">
+          <a:gsLst>
+            <a:gs pos="0">
+              <a:schemeClr val="phClr">
+                <a:lumMod val="110000"/>
+                <a:satMod val="105000"/>
+                <a:tint val="67000"/>
+              </a:schemeClr>
+            </a:gs>
+            <a:gs pos="50000">
+              <a:schemeClr val="phClr">
+                <a:lumMod val="105000"/>
+                <a:satMod val="103000"/>
+                <a:tint val="73000"/>
+              </a:schemeClr>
+            </a:gs>
+            <a:gs pos="100000">
+              <a:schemeClr val="phClr">
+                <a:lumMod val="105000"/>
+                <a:satMod val="109000"/>
+                <a:tint val="81000"/>
+              </a:schemeClr>
+            </a:gs>
+          </a:gsLst>
+          <a:lin ang="5400000" scaled="0"/>
+        </a:gradFill>
+        <a:gradFill rotWithShape="1">
+          <a:gsLst>
+            <a:gs pos="0">
+              <a:schemeClr val="phClr">
+                <a:satMod val="103000"/>
+                <a:lumMod val="102000"/>
+                <a:tint val="94000"/>
+              </a:schemeClr>
+            </a:gs>
+            <a:gs pos="50000">
+              <a:schemeClr val="phClr">
+                <a:satMod val="110000"/>
+                <a:lumMod val="100000"/>
+                <a:shade val="100000"/>
+              </a:schemeClr>
+            </a:gs>
+            <a:gs pos="100000">
+              <a:schemeClr val="phClr">
+                <a:lumMod val="99000"/>
+                <a:satMod val="120000"/>
+                <a:shade val="78000"/>
+              </a:schemeClr>
+            </a:gs>
+          </a:gsLst>
+          <a:lin ang="5400000" scaled="0"/>
+        </a:gradFill>
+      </a:fillStyleLst>
+      <a:lnStyleLst>
+        <a:ln w="6350" cap="flat" cmpd="sng" algn="ctr">
+          <a:solidFill>
+            <a:schemeClr val="phClr"/>
+          </a:solidFill>
+          <a:prstDash val="solid"/>
+          <a:miter lim="800000"/>
+        </a:ln>
+        <a:ln w="12700" cap="flat" cmpd="sng" algn="ctr">
+          <a:solidFill>
+            <a:schemeClr val="phClr"/>
+          </a:solidFill>
+          <a:prstDash val="solid"/>
+          <a:miter lim="800000"/>
+        </a:ln>
+        <a:ln w="19050" cap="flat" cmpd="sng" algn="ctr">
+          <a:solidFill>
+            <a:schemeClr val="phClr"/>
+          </a:solidFill>
+          <a:prstDash val="solid"/>
+          <a:miter lim="800000"/>
+        </a:ln>
+      </a:lnStyleLst>
+      <a:effectStyleLst>
+        <a:effectStyle>
+          <a:effectLst/>
+        </a:effectStyle>
+        <a:effectStyle>
+          <a:effectLst/>
+        </a:effectStyle>
+        <a:effectStyle>
+          <a:effectLst>
+            <a:outerShdw blurRad="57150" dist="19050" dir="5400000" algn="ctr" rotWithShape="0">
+              <a:srgbClr val="000000">
+                <a:alpha val="63000"/>
+              </a:srgbClr>
+            </a:outerShdw>
+          </a:effectLst>
+        </a:effectStyle>
+      </a:effectStyleLst>
+      <a:bgFillStyleLst>
+        <a:solidFill>
+          <a:schemeClr val="phClr"/>
+        </a:solidFill>
+        <a:solidFill>
+          <a:schemeClr val="phClr">
+            <a:tint val="95000"/>
+            <a:satMod val="170000"/>
+          </a:schemeClr>
+        </a:solidFill>
+        <a:gradFill rotWithShape="1">
+          <a:gsLst>
+            <a:gs pos="0">
+              <a:schemeClr val="phClr">
+                <a:tint val="93000"/>
+                <a:satMod val="150000"/>
+                <a:shade val="98000"/>
+                <a:lumMod val="102000"/>
+              </a:schemeClr>
+            </a:gs>
+            <a:gs pos="50000">
+              <a:schemeClr val="phClr">
+                <a:tint val="98000"/>
+                <a:satMod val="130000"/>
+                <a:shade val="90000"/>
+                <a:lumMod val="103000"/>
+              </a:schemeClr>
+            </a:gs>
+            <a:gs pos="100000">
+              <a:schemeClr val="phClr">
+                <a:shade val="63000"/>
+                <a:satMod val="120000"/>
+              </a:schemeClr>
+            </a:gs>
+          </a:gsLst>
+          <a:lin ang="5400000" scaled="0"/>
+        </a:gradFill>
+      </a:bgFillStyleLst>
+    </a:fmtScheme>
+  </a:themeElements>
+  <a:objectDefaults/>
+  <a:extraClrSchemeLst/>
+  <a:extLst>
+    <a:ext uri="{05A4C25C-085E-4340-85A3-A5531E510DB2}">
+      <thm15:themeFamily xmlns:thm15="http://schemas.microsoft.com/office/thememl/2012/main" name="Office Theme" id="{62F939B6-93AF-4DB8-9C6B-D6C7DFDC589F}" vid="{4A3C46E8-61CC-4603-A589-7422A47A8E4A}"/>
+    </a:ext>
+  </a:extLst>
+</a:theme>
 </file>